--- a/Presentations/Open Repositories 2015/ORCommunities24x36.pptx
+++ b/Presentations/Open Repositories 2015/ORCommunities24x36.pptx
@@ -5,11 +5,12 @@
     <p:sldMasterId id="2147483648" r:id="rId1"/>
   </p:sldMasterIdLst>
   <p:notesMasterIdLst>
-    <p:notesMasterId r:id="rId4"/>
+    <p:notesMasterId r:id="rId5"/>
   </p:notesMasterIdLst>
   <p:sldIdLst>
-    <p:sldId id="259" r:id="rId2"/>
-    <p:sldId id="260" r:id="rId3"/>
+    <p:sldId id="261" r:id="rId2"/>
+    <p:sldId id="259" r:id="rId3"/>
+    <p:sldId id="260" r:id="rId4"/>
   </p:sldIdLst>
   <p:sldSz cx="32004000" cy="25603200"/>
   <p:notesSz cx="6858000" cy="9144000"/>
@@ -613,8 +614,16 @@
           <a:p>
             <a:r>
               <a:rPr lang="en-US" dirty="0" smtClean="0"/>
-              <a:t>Color scheme</a:t>
-            </a:r>
+              <a:t>-Recommended font sizes for 40x40 posters?</a:t>
+            </a:r>
+          </a:p>
+          <a:p>
+            <a:r>
+              <a:rPr lang="en-US" dirty="0" smtClean="0"/>
+              <a:t>-What’s the right size for posters?</a:t>
+            </a:r>
+          </a:p>
+          <a:p>
             <a:endParaRPr lang="en-US" dirty="0"/>
           </a:p>
         </p:txBody>
@@ -637,6 +646,99 @@
             <a:fld id="{09433A41-3688-D149-9DB2-964966365024}" type="slidenum">
               <a:rPr lang="en-US" smtClean="0"/>
               <a:t>2</a:t>
+            </a:fld>
+            <a:endParaRPr lang="en-US"/>
+          </a:p>
+        </p:txBody>
+      </p:sp>
+    </p:spTree>
+    <p:extLst>
+      <p:ext uri="{BB962C8B-B14F-4D97-AF65-F5344CB8AC3E}">
+        <p14:creationId xmlns:p14="http://schemas.microsoft.com/office/powerpoint/2010/main" val="3178737110"/>
+      </p:ext>
+    </p:extLst>
+  </p:cSld>
+  <p:clrMapOvr>
+    <a:masterClrMapping/>
+  </p:clrMapOvr>
+</p:notes>
+</file>
+
+<file path=ppt/notesSlides/notesSlide3.xml><?xml version="1.0" encoding="utf-8"?>
+<p:notes xmlns:a="http://schemas.openxmlformats.org/drawingml/2006/main" xmlns:r="http://schemas.openxmlformats.org/officeDocument/2006/relationships" xmlns:p="http://schemas.openxmlformats.org/presentationml/2006/main">
+  <p:cSld>
+    <p:spTree>
+      <p:nvGrpSpPr>
+        <p:cNvPr id="1" name=""/>
+        <p:cNvGrpSpPr/>
+        <p:nvPr/>
+      </p:nvGrpSpPr>
+      <p:grpSpPr>
+        <a:xfrm>
+          <a:off x="0" y="0"/>
+          <a:ext cx="0" cy="0"/>
+          <a:chOff x="0" y="0"/>
+          <a:chExt cx="0" cy="0"/>
+        </a:xfrm>
+      </p:grpSpPr>
+      <p:sp>
+        <p:nvSpPr>
+          <p:cNvPr id="2" name="Slide Image Placeholder 1"/>
+          <p:cNvSpPr>
+            <a:spLocks noGrp="1" noRot="1" noChangeAspect="1"/>
+          </p:cNvSpPr>
+          <p:nvPr>
+            <p:ph type="sldImg"/>
+          </p:nvPr>
+        </p:nvSpPr>
+        <p:spPr>
+          <a:xfrm>
+            <a:off x="1285875" y="685800"/>
+            <a:ext cx="4286250" cy="3429000"/>
+          </a:xfrm>
+        </p:spPr>
+      </p:sp>
+      <p:sp>
+        <p:nvSpPr>
+          <p:cNvPr id="3" name="Notes Placeholder 2"/>
+          <p:cNvSpPr>
+            <a:spLocks noGrp="1"/>
+          </p:cNvSpPr>
+          <p:nvPr>
+            <p:ph type="body" idx="1"/>
+          </p:nvPr>
+        </p:nvSpPr>
+        <p:spPr/>
+        <p:txBody>
+          <a:bodyPr/>
+          <a:lstStyle/>
+          <a:p>
+            <a:r>
+              <a:rPr lang="en-US" dirty="0" smtClean="0"/>
+              <a:t>Color scheme</a:t>
+            </a:r>
+            <a:endParaRPr lang="en-US" dirty="0"/>
+          </a:p>
+        </p:txBody>
+      </p:sp>
+      <p:sp>
+        <p:nvSpPr>
+          <p:cNvPr id="4" name="Slide Number Placeholder 3"/>
+          <p:cNvSpPr>
+            <a:spLocks noGrp="1"/>
+          </p:cNvSpPr>
+          <p:nvPr>
+            <p:ph type="sldNum" sz="quarter" idx="10"/>
+          </p:nvPr>
+        </p:nvSpPr>
+        <p:spPr/>
+        <p:txBody>
+          <a:bodyPr/>
+          <a:lstStyle/>
+          <a:p>
+            <a:fld id="{09433A41-3688-D149-9DB2-964966365024}" type="slidenum">
+              <a:rPr lang="en-US" smtClean="0"/>
+              <a:t>3</a:t>
             </a:fld>
             <a:endParaRPr lang="en-US"/>
           </a:p>
@@ -3693,14 +3795,59 @@
       </p:sp>
       <p:sp>
         <p:nvSpPr>
+          <p:cNvPr id="33" name="Rectangle 32"/>
+          <p:cNvSpPr/>
+          <p:nvPr/>
+        </p:nvSpPr>
+        <p:spPr>
+          <a:xfrm>
+            <a:off x="10985500" y="20027116"/>
+            <a:ext cx="12568465" cy="5181212"/>
+          </a:xfrm>
+          <a:prstGeom prst="rect">
+            <a:avLst/>
+          </a:prstGeom>
+          <a:solidFill>
+            <a:schemeClr val="bg1"/>
+          </a:solidFill>
+          <a:ln>
+            <a:noFill/>
+          </a:ln>
+          <a:effectLst/>
+        </p:spPr>
+        <p:style>
+          <a:lnRef idx="1">
+            <a:schemeClr val="accent1"/>
+          </a:lnRef>
+          <a:fillRef idx="3">
+            <a:schemeClr val="accent1"/>
+          </a:fillRef>
+          <a:effectRef idx="2">
+            <a:schemeClr val="accent1"/>
+          </a:effectRef>
+          <a:fontRef idx="minor">
+            <a:schemeClr val="lt1"/>
+          </a:fontRef>
+        </p:style>
+        <p:txBody>
+          <a:bodyPr rtlCol="0" anchor="ctr"/>
+          <a:lstStyle/>
+          <a:p>
+            <a:pPr algn="ctr"/>
+            <a:endParaRPr lang="en-US"/>
+          </a:p>
+        </p:txBody>
+      </p:sp>
+      <p:sp>
+        <p:nvSpPr>
           <p:cNvPr id="32" name="Rectangle 31"/>
           <p:cNvSpPr/>
           <p:nvPr/>
         </p:nvSpPr>
         <p:spPr>
           <a:xfrm rot="5400000">
-            <a:off x="14565167" y="-10383258"/>
-            <a:ext cx="2706515" cy="30374220"/>
+            <a:off x="14015726" y="-12243372"/>
+            <a:ext cx="4258532" cy="30359581"/>
           </a:xfrm>
           <a:prstGeom prst="rect">
             <a:avLst/>
@@ -4031,89 +4178,6 @@
               <a:t>cerberus</a:t>
             </a:r>
             <a:endParaRPr lang="en-US" sz="3000" b="1" dirty="0">
-              <a:solidFill>
-                <a:srgbClr val="2B84D2"/>
-              </a:solidFill>
-              <a:latin typeface="Helvetica"/>
-              <a:cs typeface="Helvetica"/>
-            </a:endParaRPr>
-          </a:p>
-        </p:txBody>
-      </p:sp>
-      <p:sp>
-        <p:nvSpPr>
-          <p:cNvPr id="22" name="TextBox 21"/>
-          <p:cNvSpPr txBox="1"/>
-          <p:nvPr/>
-        </p:nvSpPr>
-        <p:spPr>
-          <a:xfrm>
-            <a:off x="13035572" y="3743982"/>
-            <a:ext cx="18289209" cy="2363641"/>
-          </a:xfrm>
-          <a:prstGeom prst="rect">
-            <a:avLst/>
-          </a:prstGeom>
-          <a:noFill/>
-        </p:spPr>
-        <p:txBody>
-          <a:bodyPr wrap="square" lIns="329104" tIns="164551" rIns="329104" bIns="164551" numCol="1" rtlCol="0" anchor="ctr">
-            <a:spAutoFit/>
-          </a:bodyPr>
-          <a:lstStyle/>
-          <a:p>
-            <a:pPr algn="r"/>
-            <a:r>
-              <a:rPr lang="en-US" sz="6600" dirty="0" err="1" smtClean="0">
-                <a:solidFill>
-                  <a:srgbClr val="000000"/>
-                </a:solidFill>
-                <a:latin typeface="Helvetica"/>
-                <a:cs typeface="Helvetica"/>
-              </a:rPr>
-              <a:t>sj.sweeney</a:t>
-            </a:r>
-            <a:r>
-              <a:rPr lang="en-US" sz="6600" dirty="0" err="1">
-                <a:solidFill>
-                  <a:srgbClr val="000000"/>
-                </a:solidFill>
-                <a:latin typeface="Helvetica"/>
-                <a:cs typeface="Helvetica"/>
-              </a:rPr>
-              <a:t>@neu.edu</a:t>
-            </a:r>
-            <a:endParaRPr lang="en-US" sz="6600" dirty="0">
-              <a:solidFill>
-                <a:srgbClr val="000000"/>
-              </a:solidFill>
-              <a:latin typeface="Helvetica"/>
-              <a:cs typeface="Helvetica"/>
-            </a:endParaRPr>
-          </a:p>
-          <a:p>
-            <a:pPr algn="r"/>
-            <a:r>
-              <a:rPr lang="en-US" sz="6600" dirty="0">
-                <a:solidFill>
-                  <a:srgbClr val="2B84D2"/>
-                </a:solidFill>
-                <a:latin typeface="Helvetica"/>
-                <a:cs typeface="Helvetica"/>
-              </a:rPr>
-              <a:t>https://</a:t>
-            </a:r>
-            <a:r>
-              <a:rPr lang="en-US" sz="6600" dirty="0" err="1" smtClean="0">
-                <a:solidFill>
-                  <a:srgbClr val="2B84D2"/>
-                </a:solidFill>
-                <a:latin typeface="Helvetica"/>
-                <a:cs typeface="Helvetica"/>
-              </a:rPr>
-              <a:t>repository.library.northeastern.edu</a:t>
-            </a:r>
-            <a:endParaRPr lang="en-US" sz="6600" dirty="0">
               <a:solidFill>
                 <a:srgbClr val="2B84D2"/>
               </a:solidFill>
@@ -4227,8 +4291,8 @@
         </p:nvSpPr>
         <p:spPr>
           <a:xfrm rot="5400000">
-            <a:off x="1036668" y="15557966"/>
-            <a:ext cx="19440462" cy="457200"/>
+            <a:off x="450489" y="15057643"/>
+            <a:ext cx="20441111" cy="457200"/>
           </a:xfrm>
           <a:prstGeom prst="rect">
             <a:avLst/>
@@ -4275,8 +4339,8 @@
         </p:nvSpPr>
         <p:spPr>
           <a:xfrm rot="5400000">
-            <a:off x="14143245" y="15651554"/>
-            <a:ext cx="19446092" cy="457200"/>
+            <a:off x="13589567" y="15113813"/>
+            <a:ext cx="20537511" cy="441264"/>
           </a:xfrm>
           <a:prstGeom prst="rect">
             <a:avLst/>
@@ -4315,819 +4379,6 @@
           </a:p>
         </p:txBody>
       </p:sp>
-      <p:sp>
-        <p:nvSpPr>
-          <p:cNvPr id="25" name="TextBox 24"/>
-          <p:cNvSpPr txBox="1"/>
-          <p:nvPr/>
-        </p:nvSpPr>
-        <p:spPr>
-          <a:xfrm>
-            <a:off x="731315" y="6157107"/>
-            <a:ext cx="9796984" cy="8051354"/>
-          </a:xfrm>
-          <a:prstGeom prst="rect">
-            <a:avLst/>
-          </a:prstGeom>
-          <a:noFill/>
-          <a:ln w="28575" cmpd="sng">
-            <a:solidFill>
-              <a:schemeClr val="tx1"/>
-            </a:solidFill>
-          </a:ln>
-        </p:spPr>
-        <p:txBody>
-          <a:bodyPr wrap="square" lIns="329104" tIns="164551" rIns="329104" bIns="164551" rtlCol="0">
-            <a:spAutoFit/>
-          </a:bodyPr>
-          <a:lstStyle/>
-          <a:p>
-            <a:pPr>
-              <a:lnSpc>
-                <a:spcPct val="90000"/>
-              </a:lnSpc>
-            </a:pPr>
-            <a:r>
-              <a:rPr lang="en-US" sz="6000" b="1" dirty="0" smtClean="0">
-                <a:latin typeface="Helvetica"/>
-                <a:cs typeface="Helvetica"/>
-              </a:rPr>
-              <a:t>Introduction</a:t>
-            </a:r>
-          </a:p>
-          <a:p>
-            <a:pPr>
-              <a:lnSpc>
-                <a:spcPct val="90000"/>
-              </a:lnSpc>
-            </a:pPr>
-            <a:endParaRPr lang="en-US" sz="1400" dirty="0">
-              <a:latin typeface="Helvetica"/>
-              <a:cs typeface="Helvetica"/>
-            </a:endParaRPr>
-          </a:p>
-          <a:p>
-            <a:pPr>
-              <a:lnSpc>
-                <a:spcPct val="110000"/>
-              </a:lnSpc>
-            </a:pPr>
-            <a:r>
-              <a:rPr lang="en-US" sz="3600" dirty="0" err="1">
-                <a:latin typeface="Helvetica"/>
-                <a:cs typeface="Helvetica"/>
-              </a:rPr>
-              <a:t>Lorem</a:t>
-            </a:r>
-            <a:r>
-              <a:rPr lang="en-US" sz="3600" dirty="0">
-                <a:latin typeface="Helvetica"/>
-                <a:cs typeface="Helvetica"/>
-              </a:rPr>
-              <a:t> </a:t>
-            </a:r>
-            <a:r>
-              <a:rPr lang="en-US" sz="3600" dirty="0" err="1">
-                <a:latin typeface="Helvetica"/>
-                <a:cs typeface="Helvetica"/>
-              </a:rPr>
-              <a:t>ipsum</a:t>
-            </a:r>
-            <a:r>
-              <a:rPr lang="en-US" sz="3600" dirty="0">
-                <a:latin typeface="Helvetica"/>
-                <a:cs typeface="Helvetica"/>
-              </a:rPr>
-              <a:t> dolor sit </a:t>
-            </a:r>
-            <a:r>
-              <a:rPr lang="en-US" sz="3600" dirty="0" err="1">
-                <a:latin typeface="Helvetica"/>
-                <a:cs typeface="Helvetica"/>
-              </a:rPr>
-              <a:t>amet</a:t>
-            </a:r>
-            <a:r>
-              <a:rPr lang="en-US" sz="3600" dirty="0">
-                <a:latin typeface="Helvetica"/>
-                <a:cs typeface="Helvetica"/>
-              </a:rPr>
-              <a:t>, </a:t>
-            </a:r>
-            <a:r>
-              <a:rPr lang="en-US" sz="3600" dirty="0" err="1">
-                <a:latin typeface="Helvetica"/>
-                <a:cs typeface="Helvetica"/>
-              </a:rPr>
-              <a:t>consectetur</a:t>
-            </a:r>
-            <a:r>
-              <a:rPr lang="en-US" sz="3600" dirty="0">
-                <a:latin typeface="Helvetica"/>
-                <a:cs typeface="Helvetica"/>
-              </a:rPr>
-              <a:t> </a:t>
-            </a:r>
-            <a:r>
-              <a:rPr lang="en-US" sz="3600" dirty="0" err="1">
-                <a:latin typeface="Helvetica"/>
-                <a:cs typeface="Helvetica"/>
-              </a:rPr>
-              <a:t>adipiscing</a:t>
-            </a:r>
-            <a:r>
-              <a:rPr lang="en-US" sz="3600" dirty="0">
-                <a:latin typeface="Helvetica"/>
-                <a:cs typeface="Helvetica"/>
-              </a:rPr>
-              <a:t> </a:t>
-            </a:r>
-            <a:r>
-              <a:rPr lang="en-US" sz="3600" dirty="0" err="1">
-                <a:latin typeface="Helvetica"/>
-                <a:cs typeface="Helvetica"/>
-              </a:rPr>
-              <a:t>elit</a:t>
-            </a:r>
-            <a:r>
-              <a:rPr lang="en-US" sz="3600" dirty="0">
-                <a:latin typeface="Helvetica"/>
-                <a:cs typeface="Helvetica"/>
-              </a:rPr>
-              <a:t>, </a:t>
-            </a:r>
-            <a:r>
-              <a:rPr lang="en-US" sz="3600" dirty="0" err="1">
-                <a:latin typeface="Helvetica"/>
-                <a:cs typeface="Helvetica"/>
-              </a:rPr>
-              <a:t>sed</a:t>
-            </a:r>
-            <a:r>
-              <a:rPr lang="en-US" sz="3600" dirty="0">
-                <a:latin typeface="Helvetica"/>
-                <a:cs typeface="Helvetica"/>
-              </a:rPr>
-              <a:t> do </a:t>
-            </a:r>
-            <a:r>
-              <a:rPr lang="en-US" sz="3600" dirty="0" err="1">
-                <a:latin typeface="Helvetica"/>
-                <a:cs typeface="Helvetica"/>
-              </a:rPr>
-              <a:t>eiusmod</a:t>
-            </a:r>
-            <a:r>
-              <a:rPr lang="en-US" sz="3600" dirty="0">
-                <a:latin typeface="Helvetica"/>
-                <a:cs typeface="Helvetica"/>
-              </a:rPr>
-              <a:t> </a:t>
-            </a:r>
-            <a:r>
-              <a:rPr lang="en-US" sz="3600" dirty="0" err="1">
-                <a:latin typeface="Helvetica"/>
-                <a:cs typeface="Helvetica"/>
-              </a:rPr>
-              <a:t>tempor</a:t>
-            </a:r>
-            <a:r>
-              <a:rPr lang="en-US" sz="3600" dirty="0">
-                <a:latin typeface="Helvetica"/>
-                <a:cs typeface="Helvetica"/>
-              </a:rPr>
-              <a:t> </a:t>
-            </a:r>
-            <a:r>
-              <a:rPr lang="en-US" sz="3600" dirty="0" err="1">
-                <a:latin typeface="Helvetica"/>
-                <a:cs typeface="Helvetica"/>
-              </a:rPr>
-              <a:t>incididunt</a:t>
-            </a:r>
-            <a:r>
-              <a:rPr lang="en-US" sz="3600" dirty="0">
-                <a:latin typeface="Helvetica"/>
-                <a:cs typeface="Helvetica"/>
-              </a:rPr>
-              <a:t> </a:t>
-            </a:r>
-            <a:r>
-              <a:rPr lang="en-US" sz="3600" dirty="0" err="1">
-                <a:latin typeface="Helvetica"/>
-                <a:cs typeface="Helvetica"/>
-              </a:rPr>
-              <a:t>ut</a:t>
-            </a:r>
-            <a:r>
-              <a:rPr lang="en-US" sz="3600" dirty="0">
-                <a:latin typeface="Helvetica"/>
-                <a:cs typeface="Helvetica"/>
-              </a:rPr>
-              <a:t> </a:t>
-            </a:r>
-            <a:r>
-              <a:rPr lang="en-US" sz="3600" dirty="0" err="1">
-                <a:latin typeface="Helvetica"/>
-                <a:cs typeface="Helvetica"/>
-              </a:rPr>
-              <a:t>labore</a:t>
-            </a:r>
-            <a:r>
-              <a:rPr lang="en-US" sz="3600" dirty="0">
-                <a:latin typeface="Helvetica"/>
-                <a:cs typeface="Helvetica"/>
-              </a:rPr>
-              <a:t> et </a:t>
-            </a:r>
-            <a:r>
-              <a:rPr lang="en-US" sz="3600" dirty="0" err="1">
-                <a:latin typeface="Helvetica"/>
-                <a:cs typeface="Helvetica"/>
-              </a:rPr>
-              <a:t>dolore</a:t>
-            </a:r>
-            <a:r>
-              <a:rPr lang="en-US" sz="3600" dirty="0">
-                <a:latin typeface="Helvetica"/>
-                <a:cs typeface="Helvetica"/>
-              </a:rPr>
-              <a:t> magna </a:t>
-            </a:r>
-            <a:r>
-              <a:rPr lang="en-US" sz="3600" dirty="0" err="1">
-                <a:latin typeface="Helvetica"/>
-                <a:cs typeface="Helvetica"/>
-              </a:rPr>
-              <a:t>aliqua</a:t>
-            </a:r>
-            <a:r>
-              <a:rPr lang="en-US" sz="3600" dirty="0">
-                <a:latin typeface="Helvetica"/>
-                <a:cs typeface="Helvetica"/>
-              </a:rPr>
-              <a:t>. </a:t>
-            </a:r>
-            <a:r>
-              <a:rPr lang="en-US" sz="3600" dirty="0" err="1">
-                <a:latin typeface="Helvetica"/>
-                <a:cs typeface="Helvetica"/>
-              </a:rPr>
-              <a:t>Ut</a:t>
-            </a:r>
-            <a:r>
-              <a:rPr lang="en-US" sz="3600" dirty="0">
-                <a:latin typeface="Helvetica"/>
-                <a:cs typeface="Helvetica"/>
-              </a:rPr>
-              <a:t> </a:t>
-            </a:r>
-            <a:r>
-              <a:rPr lang="en-US" sz="3600" dirty="0" err="1">
-                <a:latin typeface="Helvetica"/>
-                <a:cs typeface="Helvetica"/>
-              </a:rPr>
-              <a:t>enim</a:t>
-            </a:r>
-            <a:r>
-              <a:rPr lang="en-US" sz="3600" dirty="0">
-                <a:latin typeface="Helvetica"/>
-                <a:cs typeface="Helvetica"/>
-              </a:rPr>
-              <a:t> ad minim </a:t>
-            </a:r>
-            <a:r>
-              <a:rPr lang="en-US" sz="3600" dirty="0" err="1">
-                <a:latin typeface="Helvetica"/>
-                <a:cs typeface="Helvetica"/>
-              </a:rPr>
-              <a:t>veniam</a:t>
-            </a:r>
-            <a:r>
-              <a:rPr lang="en-US" sz="3600" dirty="0">
-                <a:latin typeface="Helvetica"/>
-                <a:cs typeface="Helvetica"/>
-              </a:rPr>
-              <a:t>, </a:t>
-            </a:r>
-            <a:r>
-              <a:rPr lang="en-US" sz="3600" dirty="0" err="1">
-                <a:latin typeface="Helvetica"/>
-                <a:cs typeface="Helvetica"/>
-              </a:rPr>
-              <a:t>quis</a:t>
-            </a:r>
-            <a:r>
-              <a:rPr lang="en-US" sz="3600" dirty="0">
-                <a:latin typeface="Helvetica"/>
-                <a:cs typeface="Helvetica"/>
-              </a:rPr>
-              <a:t> </a:t>
-            </a:r>
-            <a:r>
-              <a:rPr lang="en-US" sz="3600" dirty="0" err="1">
-                <a:latin typeface="Helvetica"/>
-                <a:cs typeface="Helvetica"/>
-              </a:rPr>
-              <a:t>nostrud</a:t>
-            </a:r>
-            <a:r>
-              <a:rPr lang="en-US" sz="3600" dirty="0">
-                <a:latin typeface="Helvetica"/>
-                <a:cs typeface="Helvetica"/>
-              </a:rPr>
-              <a:t> exercitation </a:t>
-            </a:r>
-            <a:r>
-              <a:rPr lang="en-US" sz="3600" dirty="0" err="1">
-                <a:latin typeface="Helvetica"/>
-                <a:cs typeface="Helvetica"/>
-              </a:rPr>
-              <a:t>ullamco</a:t>
-            </a:r>
-            <a:r>
-              <a:rPr lang="en-US" sz="3600" dirty="0">
-                <a:latin typeface="Helvetica"/>
-                <a:cs typeface="Helvetica"/>
-              </a:rPr>
-              <a:t> </a:t>
-            </a:r>
-            <a:r>
-              <a:rPr lang="en-US" sz="3600" dirty="0" err="1">
-                <a:latin typeface="Helvetica"/>
-                <a:cs typeface="Helvetica"/>
-              </a:rPr>
-              <a:t>laboris</a:t>
-            </a:r>
-            <a:r>
-              <a:rPr lang="en-US" sz="3600" dirty="0">
-                <a:latin typeface="Helvetica"/>
-                <a:cs typeface="Helvetica"/>
-              </a:rPr>
-              <a:t> nisi </a:t>
-            </a:r>
-            <a:r>
-              <a:rPr lang="en-US" sz="3600" dirty="0" err="1">
-                <a:latin typeface="Helvetica"/>
-                <a:cs typeface="Helvetica"/>
-              </a:rPr>
-              <a:t>ut</a:t>
-            </a:r>
-            <a:r>
-              <a:rPr lang="en-US" sz="3600" dirty="0">
-                <a:latin typeface="Helvetica"/>
-                <a:cs typeface="Helvetica"/>
-              </a:rPr>
-              <a:t> </a:t>
-            </a:r>
-            <a:r>
-              <a:rPr lang="en-US" sz="3600" dirty="0" err="1">
-                <a:latin typeface="Helvetica"/>
-                <a:cs typeface="Helvetica"/>
-              </a:rPr>
-              <a:t>aliquip</a:t>
-            </a:r>
-            <a:r>
-              <a:rPr lang="en-US" sz="3600" dirty="0">
-                <a:latin typeface="Helvetica"/>
-                <a:cs typeface="Helvetica"/>
-              </a:rPr>
-              <a:t> ex </a:t>
-            </a:r>
-            <a:r>
-              <a:rPr lang="en-US" sz="3600" dirty="0" err="1">
-                <a:latin typeface="Helvetica"/>
-                <a:cs typeface="Helvetica"/>
-              </a:rPr>
-              <a:t>ea</a:t>
-            </a:r>
-            <a:r>
-              <a:rPr lang="en-US" sz="3600" dirty="0">
-                <a:latin typeface="Helvetica"/>
-                <a:cs typeface="Helvetica"/>
-              </a:rPr>
-              <a:t> </a:t>
-            </a:r>
-            <a:r>
-              <a:rPr lang="en-US" sz="3600" dirty="0" err="1">
-                <a:latin typeface="Helvetica"/>
-                <a:cs typeface="Helvetica"/>
-              </a:rPr>
-              <a:t>commodo</a:t>
-            </a:r>
-            <a:r>
-              <a:rPr lang="en-US" sz="3600" dirty="0">
-                <a:latin typeface="Helvetica"/>
-                <a:cs typeface="Helvetica"/>
-              </a:rPr>
-              <a:t> </a:t>
-            </a:r>
-            <a:r>
-              <a:rPr lang="en-US" sz="3600" dirty="0" err="1">
-                <a:latin typeface="Helvetica"/>
-                <a:cs typeface="Helvetica"/>
-              </a:rPr>
-              <a:t>consequat</a:t>
-            </a:r>
-            <a:r>
-              <a:rPr lang="en-US" sz="3600" dirty="0" smtClean="0">
-                <a:latin typeface="Helvetica"/>
-                <a:cs typeface="Helvetica"/>
-              </a:rPr>
-              <a:t>. </a:t>
-            </a:r>
-            <a:r>
-              <a:rPr lang="en-US" sz="3600" dirty="0" err="1">
-                <a:latin typeface="Helvetica"/>
-                <a:cs typeface="Helvetica"/>
-              </a:rPr>
-              <a:t>ut</a:t>
-            </a:r>
-            <a:r>
-              <a:rPr lang="en-US" sz="3600" dirty="0">
-                <a:latin typeface="Helvetica"/>
-                <a:cs typeface="Helvetica"/>
-              </a:rPr>
-              <a:t> </a:t>
-            </a:r>
-            <a:r>
-              <a:rPr lang="en-US" sz="3600" dirty="0" err="1">
-                <a:latin typeface="Helvetica"/>
-                <a:cs typeface="Helvetica"/>
-              </a:rPr>
-              <a:t>aliquip</a:t>
-            </a:r>
-            <a:r>
-              <a:rPr lang="en-US" sz="3600" dirty="0">
-                <a:latin typeface="Helvetica"/>
-                <a:cs typeface="Helvetica"/>
-              </a:rPr>
-              <a:t> ex </a:t>
-            </a:r>
-            <a:r>
-              <a:rPr lang="en-US" sz="3600" dirty="0" err="1">
-                <a:latin typeface="Helvetica"/>
-                <a:cs typeface="Helvetica"/>
-              </a:rPr>
-              <a:t>ea</a:t>
-            </a:r>
-            <a:r>
-              <a:rPr lang="en-US" sz="3600" dirty="0">
-                <a:latin typeface="Helvetica"/>
-                <a:cs typeface="Helvetica"/>
-              </a:rPr>
-              <a:t> </a:t>
-            </a:r>
-            <a:r>
-              <a:rPr lang="en-US" sz="3600" dirty="0" err="1">
-                <a:latin typeface="Helvetica"/>
-                <a:cs typeface="Helvetica"/>
-              </a:rPr>
-              <a:t>incididunt</a:t>
-            </a:r>
-            <a:r>
-              <a:rPr lang="en-US" sz="3600" dirty="0">
-                <a:latin typeface="Helvetica"/>
-                <a:cs typeface="Helvetica"/>
-              </a:rPr>
-              <a:t> </a:t>
-            </a:r>
-            <a:r>
-              <a:rPr lang="en-US" sz="3600" dirty="0" err="1">
-                <a:latin typeface="Helvetica"/>
-                <a:cs typeface="Helvetica"/>
-              </a:rPr>
-              <a:t>ut</a:t>
-            </a:r>
-            <a:r>
-              <a:rPr lang="en-US" sz="3600" dirty="0">
-                <a:latin typeface="Helvetica"/>
-                <a:cs typeface="Helvetica"/>
-              </a:rPr>
-              <a:t> </a:t>
-            </a:r>
-            <a:r>
-              <a:rPr lang="en-US" sz="3600" dirty="0" err="1">
-                <a:latin typeface="Helvetica"/>
-                <a:cs typeface="Helvetica"/>
-              </a:rPr>
-              <a:t>labore</a:t>
-            </a:r>
-            <a:r>
-              <a:rPr lang="en-US" sz="3600" dirty="0">
-                <a:latin typeface="Helvetica"/>
-                <a:cs typeface="Helvetica"/>
-              </a:rPr>
-              <a:t> et </a:t>
-            </a:r>
-            <a:r>
-              <a:rPr lang="en-US" sz="3600" dirty="0" err="1">
-                <a:latin typeface="Helvetica"/>
-                <a:cs typeface="Helvetica"/>
-              </a:rPr>
-              <a:t>dolore</a:t>
-            </a:r>
-            <a:r>
-              <a:rPr lang="en-US" sz="3600" dirty="0">
-                <a:latin typeface="Helvetica"/>
-                <a:cs typeface="Helvetica"/>
-              </a:rPr>
-              <a:t> magna </a:t>
-            </a:r>
-            <a:r>
-              <a:rPr lang="en-US" sz="3600" dirty="0" err="1">
-                <a:latin typeface="Helvetica"/>
-                <a:cs typeface="Helvetica"/>
-              </a:rPr>
-              <a:t>aliqua</a:t>
-            </a:r>
-            <a:r>
-              <a:rPr lang="en-US" sz="3600" dirty="0">
-                <a:latin typeface="Helvetica"/>
-                <a:cs typeface="Helvetica"/>
-              </a:rPr>
-              <a:t>. </a:t>
-            </a:r>
-            <a:r>
-              <a:rPr lang="en-US" sz="3600" dirty="0" err="1">
-                <a:latin typeface="Helvetica"/>
-                <a:cs typeface="Helvetica"/>
-              </a:rPr>
-              <a:t>Ut</a:t>
-            </a:r>
-            <a:r>
-              <a:rPr lang="en-US" sz="3600" dirty="0">
-                <a:latin typeface="Helvetica"/>
-                <a:cs typeface="Helvetica"/>
-              </a:rPr>
-              <a:t> </a:t>
-            </a:r>
-            <a:r>
-              <a:rPr lang="en-US" sz="3600" dirty="0" err="1">
-                <a:latin typeface="Helvetica"/>
-                <a:cs typeface="Helvetica"/>
-              </a:rPr>
-              <a:t>enim</a:t>
-            </a:r>
-            <a:r>
-              <a:rPr lang="en-US" sz="3600" dirty="0">
-                <a:latin typeface="Helvetica"/>
-                <a:cs typeface="Helvetica"/>
-              </a:rPr>
-              <a:t> ad minim </a:t>
-            </a:r>
-            <a:r>
-              <a:rPr lang="en-US" sz="3600" dirty="0" err="1">
-                <a:latin typeface="Helvetica"/>
-                <a:cs typeface="Helvetica"/>
-              </a:rPr>
-              <a:t>veniam</a:t>
-            </a:r>
-            <a:r>
-              <a:rPr lang="en-US" sz="3600" dirty="0">
-                <a:latin typeface="Helvetica"/>
-                <a:cs typeface="Helvetica"/>
-              </a:rPr>
-              <a:t>, </a:t>
-            </a:r>
-            <a:r>
-              <a:rPr lang="en-US" sz="3600" dirty="0" err="1">
-                <a:latin typeface="Helvetica"/>
-                <a:cs typeface="Helvetica"/>
-              </a:rPr>
-              <a:t>quis</a:t>
-            </a:r>
-            <a:r>
-              <a:rPr lang="en-US" sz="3600" dirty="0">
-                <a:latin typeface="Helvetica"/>
-                <a:cs typeface="Helvetica"/>
-              </a:rPr>
-              <a:t> </a:t>
-            </a:r>
-            <a:r>
-              <a:rPr lang="en-US" sz="3600" dirty="0" err="1">
-                <a:latin typeface="Helvetica"/>
-                <a:cs typeface="Helvetica"/>
-              </a:rPr>
-              <a:t>nostrud</a:t>
-            </a:r>
-            <a:r>
-              <a:rPr lang="en-US" sz="3600" dirty="0">
-                <a:latin typeface="Helvetica"/>
-                <a:cs typeface="Helvetica"/>
-              </a:rPr>
-              <a:t> exercitation </a:t>
-            </a:r>
-            <a:r>
-              <a:rPr lang="en-US" sz="3600" dirty="0" err="1">
-                <a:latin typeface="Helvetica"/>
-                <a:cs typeface="Helvetica"/>
-              </a:rPr>
-              <a:t>ullamco</a:t>
-            </a:r>
-            <a:r>
-              <a:rPr lang="en-US" sz="3600" dirty="0">
-                <a:latin typeface="Helvetica"/>
-                <a:cs typeface="Helvetica"/>
-              </a:rPr>
-              <a:t> </a:t>
-            </a:r>
-            <a:r>
-              <a:rPr lang="en-US" sz="3600" dirty="0" err="1">
-                <a:latin typeface="Helvetica"/>
-                <a:cs typeface="Helvetica"/>
-              </a:rPr>
-              <a:t>laboris</a:t>
-            </a:r>
-            <a:r>
-              <a:rPr lang="en-US" sz="3600" dirty="0">
-                <a:latin typeface="Helvetica"/>
-                <a:cs typeface="Helvetica"/>
-              </a:rPr>
-              <a:t> nisi </a:t>
-            </a:r>
-            <a:r>
-              <a:rPr lang="en-US" sz="3600" dirty="0" err="1">
-                <a:latin typeface="Helvetica"/>
-                <a:cs typeface="Helvetica"/>
-              </a:rPr>
-              <a:t>ut</a:t>
-            </a:r>
-            <a:r>
-              <a:rPr lang="en-US" sz="3600" dirty="0">
-                <a:latin typeface="Helvetica"/>
-                <a:cs typeface="Helvetica"/>
-              </a:rPr>
-              <a:t> </a:t>
-            </a:r>
-            <a:r>
-              <a:rPr lang="en-US" sz="3600" dirty="0" err="1">
-                <a:latin typeface="Helvetica"/>
-                <a:cs typeface="Helvetica"/>
-              </a:rPr>
-              <a:t>aliquip</a:t>
-            </a:r>
-            <a:r>
-              <a:rPr lang="en-US" sz="3600" dirty="0">
-                <a:latin typeface="Helvetica"/>
-                <a:cs typeface="Helvetica"/>
-              </a:rPr>
-              <a:t> ex </a:t>
-            </a:r>
-            <a:r>
-              <a:rPr lang="en-US" sz="3600" dirty="0" err="1">
-                <a:latin typeface="Helvetica"/>
-                <a:cs typeface="Helvetica"/>
-              </a:rPr>
-              <a:t>ea</a:t>
-            </a:r>
-            <a:r>
-              <a:rPr lang="en-US" sz="3600" dirty="0">
-                <a:latin typeface="Helvetica"/>
-                <a:cs typeface="Helvetica"/>
-              </a:rPr>
-              <a:t> </a:t>
-            </a:r>
-            <a:r>
-              <a:rPr lang="en-US" sz="3600" dirty="0" err="1">
-                <a:latin typeface="Helvetica"/>
-                <a:cs typeface="Helvetica"/>
-              </a:rPr>
-              <a:t>commodo</a:t>
-            </a:r>
-            <a:r>
-              <a:rPr lang="en-US" sz="3600" dirty="0">
-                <a:latin typeface="Helvetica"/>
-                <a:cs typeface="Helvetica"/>
-              </a:rPr>
-              <a:t> </a:t>
-            </a:r>
-            <a:r>
-              <a:rPr lang="en-US" sz="3600" dirty="0" err="1">
-                <a:latin typeface="Helvetica"/>
-                <a:cs typeface="Helvetica"/>
-              </a:rPr>
-              <a:t>consequat</a:t>
-            </a:r>
-            <a:r>
-              <a:rPr lang="en-US" sz="3600" dirty="0">
-                <a:latin typeface="Helvetica"/>
-                <a:cs typeface="Helvetica"/>
-              </a:rPr>
-              <a:t>. </a:t>
-            </a:r>
-            <a:r>
-              <a:rPr lang="en-US" sz="3600" dirty="0" err="1">
-                <a:latin typeface="Helvetica"/>
-                <a:cs typeface="Helvetica"/>
-              </a:rPr>
-              <a:t>ut</a:t>
-            </a:r>
-            <a:r>
-              <a:rPr lang="en-US" sz="3600" dirty="0">
-                <a:latin typeface="Helvetica"/>
-                <a:cs typeface="Helvetica"/>
-              </a:rPr>
-              <a:t> </a:t>
-            </a:r>
-            <a:r>
-              <a:rPr lang="en-US" sz="3600" dirty="0" err="1">
-                <a:latin typeface="Helvetica"/>
-                <a:cs typeface="Helvetica"/>
-              </a:rPr>
-              <a:t>aliquip</a:t>
-            </a:r>
-            <a:r>
-              <a:rPr lang="en-US" sz="3600" dirty="0">
-                <a:latin typeface="Helvetica"/>
-                <a:cs typeface="Helvetica"/>
-              </a:rPr>
-              <a:t> ex </a:t>
-            </a:r>
-            <a:r>
-              <a:rPr lang="en-US" sz="3600" dirty="0" err="1">
-                <a:latin typeface="Helvetica"/>
-                <a:cs typeface="Helvetica"/>
-              </a:rPr>
-              <a:t>ea</a:t>
-            </a:r>
-            <a:r>
-              <a:rPr lang="en-US" sz="3600" dirty="0">
-                <a:latin typeface="Helvetica"/>
-                <a:cs typeface="Helvetica"/>
-              </a:rPr>
-              <a:t> exercitation </a:t>
-            </a:r>
-            <a:r>
-              <a:rPr lang="en-US" sz="3600" dirty="0" err="1">
-                <a:latin typeface="Helvetica"/>
-                <a:cs typeface="Helvetica"/>
-              </a:rPr>
-              <a:t>ullamco</a:t>
-            </a:r>
-            <a:r>
-              <a:rPr lang="en-US" sz="3600" dirty="0">
-                <a:latin typeface="Helvetica"/>
-                <a:cs typeface="Helvetica"/>
-              </a:rPr>
-              <a:t> </a:t>
-            </a:r>
-            <a:r>
-              <a:rPr lang="en-US" sz="3600" dirty="0" err="1">
-                <a:latin typeface="Helvetica"/>
-                <a:cs typeface="Helvetica"/>
-              </a:rPr>
-              <a:t>laboris</a:t>
-            </a:r>
-            <a:r>
-              <a:rPr lang="en-US" sz="3600" dirty="0">
-                <a:latin typeface="Helvetica"/>
-                <a:cs typeface="Helvetica"/>
-              </a:rPr>
-              <a:t> nisi </a:t>
-            </a:r>
-            <a:r>
-              <a:rPr lang="en-US" sz="3600" dirty="0" err="1">
-                <a:latin typeface="Helvetica"/>
-                <a:cs typeface="Helvetica"/>
-              </a:rPr>
-              <a:t>ut</a:t>
-            </a:r>
-            <a:r>
-              <a:rPr lang="en-US" sz="3600" dirty="0">
-                <a:latin typeface="Helvetica"/>
-                <a:cs typeface="Helvetica"/>
-              </a:rPr>
-              <a:t> </a:t>
-            </a:r>
-            <a:r>
-              <a:rPr lang="en-US" sz="3600" dirty="0" err="1">
-                <a:latin typeface="Helvetica"/>
-                <a:cs typeface="Helvetica"/>
-              </a:rPr>
-              <a:t>aliquip</a:t>
-            </a:r>
-            <a:r>
-              <a:rPr lang="en-US" sz="3600" dirty="0">
-                <a:latin typeface="Helvetica"/>
-                <a:cs typeface="Helvetica"/>
-              </a:rPr>
-              <a:t> </a:t>
-            </a:r>
-            <a:r>
-              <a:rPr lang="en-US" sz="3600" dirty="0" smtClean="0">
-                <a:latin typeface="Helvetica"/>
-                <a:cs typeface="Helvetica"/>
-              </a:rPr>
-              <a:t>ex</a:t>
-            </a:r>
-            <a:endParaRPr lang="en-US" sz="3600" dirty="0">
-              <a:latin typeface="Helvetica"/>
-              <a:cs typeface="Helvetica"/>
-            </a:endParaRPr>
-          </a:p>
-        </p:txBody>
-      </p:sp>
       <p:pic>
         <p:nvPicPr>
           <p:cNvPr id="6" name="Picture 5" descr="SmartCollections3.jpg"/>
@@ -5150,8 +4401,8 @@
         </p:blipFill>
         <p:spPr>
           <a:xfrm>
-            <a:off x="10985500" y="6157107"/>
-            <a:ext cx="12568465" cy="13870009"/>
+            <a:off x="10985500" y="5065683"/>
+            <a:ext cx="12568465" cy="14961433"/>
           </a:xfrm>
           <a:prstGeom prst="rect">
             <a:avLst/>
@@ -5214,8 +4465,8 @@
         </p:nvSpPr>
         <p:spPr>
           <a:xfrm>
-            <a:off x="24094892" y="6157108"/>
-            <a:ext cx="7163042" cy="8051354"/>
+            <a:off x="24078955" y="5065683"/>
+            <a:ext cx="7163042" cy="9270149"/>
           </a:xfrm>
           <a:prstGeom prst="rect">
             <a:avLst/>
@@ -5245,10 +4496,6 @@
               </a:rPr>
               <a:t>Communities</a:t>
             </a:r>
-            <a:endParaRPr lang="en-US" sz="6000" b="1" dirty="0" smtClean="0">
-              <a:latin typeface="Helvetica"/>
-              <a:cs typeface="Helvetica"/>
-            </a:endParaRPr>
           </a:p>
           <a:p>
             <a:pPr>
@@ -5808,7 +5055,126 @@
                 <a:latin typeface="Helvetica"/>
                 <a:cs typeface="Helvetica"/>
               </a:rPr>
-              <a:t> et </a:t>
+              <a:t> </a:t>
+            </a:r>
+            <a:r>
+              <a:rPr lang="en-US" sz="3600" dirty="0" smtClean="0">
+                <a:latin typeface="Helvetica"/>
+                <a:cs typeface="Helvetica"/>
+              </a:rPr>
+              <a:t>et</a:t>
+            </a:r>
+          </a:p>
+          <a:p>
+            <a:pPr>
+              <a:lnSpc>
+                <a:spcPct val="110000"/>
+              </a:lnSpc>
+            </a:pPr>
+            <a:r>
+              <a:rPr lang="en-US" sz="3600" dirty="0" err="1">
+                <a:latin typeface="Helvetica"/>
+                <a:cs typeface="Helvetica"/>
+              </a:rPr>
+              <a:t>tempor</a:t>
+            </a:r>
+            <a:r>
+              <a:rPr lang="en-US" sz="3600" dirty="0">
+                <a:latin typeface="Helvetica"/>
+                <a:cs typeface="Helvetica"/>
+              </a:rPr>
+              <a:t> </a:t>
+            </a:r>
+            <a:r>
+              <a:rPr lang="en-US" sz="3600" dirty="0" err="1">
+                <a:latin typeface="Helvetica"/>
+                <a:cs typeface="Helvetica"/>
+              </a:rPr>
+              <a:t>incididunt</a:t>
+            </a:r>
+            <a:r>
+              <a:rPr lang="en-US" sz="3600" dirty="0">
+                <a:latin typeface="Helvetica"/>
+                <a:cs typeface="Helvetica"/>
+              </a:rPr>
+              <a:t> </a:t>
+            </a:r>
+            <a:r>
+              <a:rPr lang="en-US" sz="3600" dirty="0" err="1">
+                <a:latin typeface="Helvetica"/>
+                <a:cs typeface="Helvetica"/>
+              </a:rPr>
+              <a:t>ut</a:t>
+            </a:r>
+            <a:r>
+              <a:rPr lang="en-US" sz="3600" dirty="0">
+                <a:latin typeface="Helvetica"/>
+                <a:cs typeface="Helvetica"/>
+              </a:rPr>
+              <a:t> </a:t>
+            </a:r>
+            <a:r>
+              <a:rPr lang="en-US" sz="3600" dirty="0" err="1">
+                <a:latin typeface="Helvetica"/>
+                <a:cs typeface="Helvetica"/>
+              </a:rPr>
+              <a:t>labore</a:t>
+            </a:r>
+            <a:r>
+              <a:rPr lang="en-US" sz="3600" dirty="0">
+                <a:latin typeface="Helvetica"/>
+                <a:cs typeface="Helvetica"/>
+              </a:rPr>
+              <a:t> </a:t>
+            </a:r>
+            <a:r>
+              <a:rPr lang="en-US" sz="3600" dirty="0" smtClean="0">
+                <a:latin typeface="Helvetica"/>
+                <a:cs typeface="Helvetica"/>
+              </a:rPr>
+              <a:t>et </a:t>
+            </a:r>
+            <a:r>
+              <a:rPr lang="en-US" sz="3600" dirty="0">
+                <a:latin typeface="Helvetica"/>
+                <a:cs typeface="Helvetica"/>
+              </a:rPr>
+              <a:t>exercitation </a:t>
+            </a:r>
+            <a:r>
+              <a:rPr lang="en-US" sz="3600" dirty="0" err="1">
+                <a:latin typeface="Helvetica"/>
+                <a:cs typeface="Helvetica"/>
+              </a:rPr>
+              <a:t>ullamco</a:t>
+            </a:r>
+            <a:r>
+              <a:rPr lang="en-US" sz="3600" dirty="0">
+                <a:latin typeface="Helvetica"/>
+                <a:cs typeface="Helvetica"/>
+              </a:rPr>
+              <a:t> </a:t>
+            </a:r>
+            <a:r>
+              <a:rPr lang="en-US" sz="3600" dirty="0" err="1">
+                <a:latin typeface="Helvetica"/>
+                <a:cs typeface="Helvetica"/>
+              </a:rPr>
+              <a:t>laboris</a:t>
+            </a:r>
+            <a:r>
+              <a:rPr lang="en-US" sz="3600" dirty="0">
+                <a:latin typeface="Helvetica"/>
+                <a:cs typeface="Helvetica"/>
+              </a:rPr>
+              <a:t> </a:t>
+            </a:r>
+            <a:r>
+              <a:rPr lang="en-US" sz="3600" dirty="0" smtClean="0">
+                <a:latin typeface="Helvetica"/>
+                <a:cs typeface="Helvetica"/>
+              </a:rPr>
+              <a:t>nisi</a:t>
             </a:r>
             <a:endParaRPr lang="en-US" sz="3600" dirty="0">
               <a:latin typeface="Helvetica"/>
@@ -5856,10 +5222,6 @@
               </a:rPr>
               <a:t>Disadvantages</a:t>
             </a:r>
-            <a:endParaRPr lang="en-US" sz="6000" b="1" dirty="0" smtClean="0">
-              <a:latin typeface="Helvetica"/>
-              <a:cs typeface="Helvetica"/>
-            </a:endParaRPr>
           </a:p>
           <a:p>
             <a:pPr>
@@ -6215,7 +5577,7 @@
         </p:nvSpPr>
         <p:spPr>
           <a:xfrm>
-            <a:off x="24094892" y="14665662"/>
+            <a:off x="24094892" y="14497996"/>
             <a:ext cx="7163041" cy="5613762"/>
           </a:xfrm>
           <a:prstGeom prst="rect">
@@ -6246,10 +5608,6 @@
               </a:rPr>
               <a:t>User Education</a:t>
             </a:r>
-            <a:endParaRPr lang="en-US" sz="6000" b="1" dirty="0" smtClean="0">
-              <a:latin typeface="Helvetica"/>
-              <a:cs typeface="Helvetica"/>
-            </a:endParaRPr>
           </a:p>
           <a:p>
             <a:pPr>
@@ -6636,10 +5994,6 @@
               </a:rPr>
               <a:t>Advantages</a:t>
             </a:r>
-            <a:endParaRPr lang="en-US" sz="6000" b="1" dirty="0" smtClean="0">
-              <a:latin typeface="Helvetica"/>
-              <a:cs typeface="Helvetica"/>
-            </a:endParaRPr>
           </a:p>
           <a:p>
             <a:pPr>
@@ -7079,8 +6433,8 @@
         </p:nvSpPr>
         <p:spPr>
           <a:xfrm>
-            <a:off x="965198" y="679356"/>
-            <a:ext cx="30292735" cy="3256193"/>
+            <a:off x="965198" y="930260"/>
+            <a:ext cx="30292735" cy="1440312"/>
           </a:xfrm>
           <a:prstGeom prst="rect">
             <a:avLst/>
@@ -7097,97 +6451,13 @@
           <a:p>
             <a:pPr algn="ctr"/>
             <a:r>
-              <a:rPr lang="en-US" sz="8800" dirty="0">
-                <a:latin typeface="Helvetica"/>
-                <a:cs typeface="Helvetica"/>
-              </a:rPr>
-              <a:t>Using Communities to Highlight Scholarly </a:t>
-            </a:r>
-            <a:r>
-              <a:rPr lang="en-US" sz="8800" dirty="0" smtClean="0">
-                <a:latin typeface="Helvetica"/>
-                <a:cs typeface="Helvetica"/>
-              </a:rPr>
-              <a:t>Content</a:t>
-            </a:r>
-          </a:p>
-          <a:p>
-            <a:pPr algn="ctr"/>
-            <a:r>
-              <a:rPr lang="en-US" sz="8800" dirty="0" smtClean="0">
-                <a:latin typeface="Helvetica"/>
-                <a:cs typeface="Helvetica"/>
-              </a:rPr>
-              <a:t>In a Fedora/Hydra Repository</a:t>
-            </a:r>
-          </a:p>
-          <a:p>
-            <a:pPr algn="ctr"/>
-            <a:endParaRPr lang="en-US" sz="1400" dirty="0" smtClean="0">
-              <a:latin typeface="Helvetica"/>
-              <a:cs typeface="Helvetica"/>
-            </a:endParaRPr>
-          </a:p>
-        </p:txBody>
-      </p:sp>
-      <p:sp>
-        <p:nvSpPr>
-          <p:cNvPr id="21" name="TextBox 20"/>
-          <p:cNvSpPr txBox="1"/>
-          <p:nvPr/>
-        </p:nvSpPr>
-        <p:spPr>
-          <a:xfrm>
-            <a:off x="914397" y="3702693"/>
-            <a:ext cx="13975484" cy="2363641"/>
-          </a:xfrm>
-          <a:prstGeom prst="rect">
-            <a:avLst/>
-          </a:prstGeom>
-          <a:noFill/>
-        </p:spPr>
-        <p:txBody>
-          <a:bodyPr wrap="square" lIns="329104" tIns="164551" rIns="329104" bIns="164551" numCol="1" rtlCol="0" anchor="ctr">
-            <a:spAutoFit/>
-          </a:bodyPr>
-          <a:lstStyle/>
-          <a:p>
-            <a:r>
-              <a:rPr lang="en-US" sz="6600" dirty="0" smtClean="0">
-                <a:solidFill>
-                  <a:srgbClr val="000000"/>
-                </a:solidFill>
-                <a:latin typeface="Helvetica"/>
-                <a:cs typeface="Helvetica"/>
-              </a:rPr>
-              <a:t>Sarah </a:t>
-            </a:r>
-            <a:r>
-              <a:rPr lang="en-US" sz="6600" dirty="0" smtClean="0">
-                <a:solidFill>
-                  <a:srgbClr val="000000"/>
-                </a:solidFill>
-                <a:latin typeface="Helvetica"/>
-                <a:cs typeface="Helvetica"/>
-              </a:rPr>
-              <a:t>Sweeney</a:t>
-            </a:r>
-          </a:p>
-          <a:p>
-            <a:r>
-              <a:rPr lang="en-US" sz="6600" dirty="0" smtClean="0">
-                <a:solidFill>
-                  <a:srgbClr val="000000"/>
-                </a:solidFill>
-                <a:latin typeface="Helvetica"/>
-                <a:cs typeface="Helvetica"/>
-              </a:rPr>
-              <a:t>Northeastern University Library</a:t>
-            </a:r>
-            <a:endParaRPr lang="en-US" sz="6600" dirty="0">
-              <a:solidFill>
-                <a:srgbClr val="000000"/>
-              </a:solidFill>
+              <a:rPr lang="en-US" sz="7200" dirty="0">
+                <a:latin typeface="Helvetica"/>
+                <a:cs typeface="Helvetica"/>
+              </a:rPr>
+              <a:t>Highlighting Scholarly Content in Hydra Using Communities </a:t>
+            </a:r>
+            <a:endParaRPr lang="en-US" sz="7200" dirty="0" smtClean="0">
               <a:latin typeface="Helvetica"/>
               <a:cs typeface="Helvetica"/>
             </a:endParaRPr>
@@ -7242,6 +6512,4714 @@
           </a:p>
         </p:txBody>
       </p:sp>
+      <p:sp>
+        <p:nvSpPr>
+          <p:cNvPr id="21" name="TextBox 20"/>
+          <p:cNvSpPr txBox="1"/>
+          <p:nvPr/>
+        </p:nvSpPr>
+        <p:spPr>
+          <a:xfrm>
+            <a:off x="914397" y="2370572"/>
+            <a:ext cx="13975484" cy="1994309"/>
+          </a:xfrm>
+          <a:prstGeom prst="rect">
+            <a:avLst/>
+          </a:prstGeom>
+          <a:noFill/>
+          <a:ln>
+            <a:solidFill>
+              <a:schemeClr val="tx1"/>
+            </a:solidFill>
+          </a:ln>
+        </p:spPr>
+        <p:txBody>
+          <a:bodyPr wrap="square" lIns="329104" tIns="164551" rIns="329104" bIns="164551" numCol="1" rtlCol="0" anchor="ctr">
+            <a:spAutoFit/>
+          </a:bodyPr>
+          <a:lstStyle/>
+          <a:p>
+            <a:r>
+              <a:rPr lang="en-US" sz="5400" dirty="0" smtClean="0">
+                <a:solidFill>
+                  <a:srgbClr val="000000"/>
+                </a:solidFill>
+                <a:latin typeface="Helvetica"/>
+                <a:cs typeface="Helvetica"/>
+              </a:rPr>
+              <a:t>Sarah </a:t>
+            </a:r>
+            <a:r>
+              <a:rPr lang="en-US" sz="5400" dirty="0" smtClean="0">
+                <a:solidFill>
+                  <a:srgbClr val="000000"/>
+                </a:solidFill>
+                <a:latin typeface="Helvetica"/>
+                <a:cs typeface="Helvetica"/>
+              </a:rPr>
+              <a:t>Sweeney</a:t>
+            </a:r>
+            <a:endParaRPr lang="en-US" sz="5400" dirty="0" smtClean="0">
+              <a:solidFill>
+                <a:srgbClr val="000000"/>
+              </a:solidFill>
+              <a:latin typeface="Helvetica"/>
+              <a:cs typeface="Helvetica"/>
+            </a:endParaRPr>
+          </a:p>
+          <a:p>
+            <a:r>
+              <a:rPr lang="en-US" sz="5400" dirty="0" smtClean="0">
+                <a:solidFill>
+                  <a:srgbClr val="000000"/>
+                </a:solidFill>
+                <a:latin typeface="Helvetica"/>
+                <a:cs typeface="Helvetica"/>
+              </a:rPr>
+              <a:t>Northeastern University Library</a:t>
+            </a:r>
+            <a:endParaRPr lang="en-US" sz="5400" dirty="0">
+              <a:solidFill>
+                <a:srgbClr val="000000"/>
+              </a:solidFill>
+              <a:latin typeface="Helvetica"/>
+              <a:cs typeface="Helvetica"/>
+            </a:endParaRPr>
+          </a:p>
+        </p:txBody>
+      </p:sp>
+      <p:sp>
+        <p:nvSpPr>
+          <p:cNvPr id="22" name="TextBox 21"/>
+          <p:cNvSpPr txBox="1"/>
+          <p:nvPr/>
+        </p:nvSpPr>
+        <p:spPr>
+          <a:xfrm>
+            <a:off x="13035574" y="2370572"/>
+            <a:ext cx="18289209" cy="1994309"/>
+          </a:xfrm>
+          <a:prstGeom prst="rect">
+            <a:avLst/>
+          </a:prstGeom>
+          <a:noFill/>
+          <a:ln>
+            <a:solidFill>
+              <a:schemeClr val="tx1"/>
+            </a:solidFill>
+          </a:ln>
+        </p:spPr>
+        <p:txBody>
+          <a:bodyPr wrap="square" lIns="329104" tIns="164551" rIns="329104" bIns="164551" numCol="1" rtlCol="0" anchor="ctr">
+            <a:spAutoFit/>
+          </a:bodyPr>
+          <a:lstStyle/>
+          <a:p>
+            <a:pPr algn="r"/>
+            <a:r>
+              <a:rPr lang="en-US" sz="5400" dirty="0" err="1" smtClean="0">
+                <a:solidFill>
+                  <a:srgbClr val="000000"/>
+                </a:solidFill>
+                <a:latin typeface="Helvetica"/>
+                <a:cs typeface="Helvetica"/>
+              </a:rPr>
+              <a:t>sj.sweeney</a:t>
+            </a:r>
+            <a:r>
+              <a:rPr lang="en-US" sz="5400" dirty="0" err="1">
+                <a:solidFill>
+                  <a:srgbClr val="000000"/>
+                </a:solidFill>
+                <a:latin typeface="Helvetica"/>
+                <a:cs typeface="Helvetica"/>
+              </a:rPr>
+              <a:t>@neu.edu</a:t>
+            </a:r>
+            <a:endParaRPr lang="en-US" sz="5400" dirty="0">
+              <a:solidFill>
+                <a:srgbClr val="000000"/>
+              </a:solidFill>
+              <a:latin typeface="Helvetica"/>
+              <a:cs typeface="Helvetica"/>
+            </a:endParaRPr>
+          </a:p>
+          <a:p>
+            <a:pPr algn="r"/>
+            <a:r>
+              <a:rPr lang="en-US" sz="5400" dirty="0">
+                <a:solidFill>
+                  <a:srgbClr val="2B84D2"/>
+                </a:solidFill>
+                <a:latin typeface="Helvetica"/>
+                <a:cs typeface="Helvetica"/>
+              </a:rPr>
+              <a:t>https://</a:t>
+            </a:r>
+            <a:r>
+              <a:rPr lang="en-US" sz="5400" dirty="0" err="1" smtClean="0">
+                <a:solidFill>
+                  <a:srgbClr val="2B84D2"/>
+                </a:solidFill>
+                <a:latin typeface="Helvetica"/>
+                <a:cs typeface="Helvetica"/>
+              </a:rPr>
+              <a:t>repository.library.northeastern.edu</a:t>
+            </a:r>
+            <a:endParaRPr lang="en-US" sz="5400" dirty="0">
+              <a:solidFill>
+                <a:srgbClr val="2B84D2"/>
+              </a:solidFill>
+              <a:latin typeface="Helvetica"/>
+              <a:cs typeface="Helvetica"/>
+            </a:endParaRPr>
+          </a:p>
+        </p:txBody>
+      </p:sp>
+      <p:sp>
+        <p:nvSpPr>
+          <p:cNvPr id="26" name="Rectangle 25"/>
+          <p:cNvSpPr/>
+          <p:nvPr/>
+        </p:nvSpPr>
+        <p:spPr>
+          <a:xfrm rot="10800000">
+            <a:off x="914397" y="4830553"/>
+            <a:ext cx="30191139" cy="228601"/>
+          </a:xfrm>
+          <a:prstGeom prst="rect">
+            <a:avLst/>
+          </a:prstGeom>
+          <a:solidFill>
+            <a:srgbClr val="1C2939"/>
+          </a:solidFill>
+          <a:ln>
+            <a:noFill/>
+          </a:ln>
+          <a:effectLst/>
+        </p:spPr>
+        <p:style>
+          <a:lnRef idx="1">
+            <a:schemeClr val="accent1"/>
+          </a:lnRef>
+          <a:fillRef idx="3">
+            <a:schemeClr val="accent1"/>
+          </a:fillRef>
+          <a:effectRef idx="2">
+            <a:schemeClr val="accent1"/>
+          </a:effectRef>
+          <a:fontRef idx="minor">
+            <a:schemeClr val="lt1"/>
+          </a:fontRef>
+        </p:style>
+        <p:txBody>
+          <a:bodyPr lIns="329104" tIns="164551" rIns="329104" bIns="164551" rtlCol="0" anchor="ctr"/>
+          <a:lstStyle/>
+          <a:p>
+            <a:pPr algn="ctr"/>
+            <a:endParaRPr lang="en-US">
+              <a:latin typeface="Helvetica"/>
+              <a:cs typeface="Helvetica"/>
+            </a:endParaRPr>
+          </a:p>
+        </p:txBody>
+      </p:sp>
+      <p:sp>
+        <p:nvSpPr>
+          <p:cNvPr id="28" name="TextBox 27"/>
+          <p:cNvSpPr txBox="1"/>
+          <p:nvPr/>
+        </p:nvSpPr>
+        <p:spPr>
+          <a:xfrm>
+            <a:off x="731315" y="5065683"/>
+            <a:ext cx="9796984" cy="9270149"/>
+          </a:xfrm>
+          <a:prstGeom prst="rect">
+            <a:avLst/>
+          </a:prstGeom>
+          <a:noFill/>
+          <a:ln w="28575" cmpd="sng">
+            <a:solidFill>
+              <a:schemeClr val="tx1"/>
+            </a:solidFill>
+          </a:ln>
+        </p:spPr>
+        <p:txBody>
+          <a:bodyPr wrap="square" lIns="329104" tIns="164551" rIns="329104" bIns="164551" rtlCol="0">
+            <a:spAutoFit/>
+          </a:bodyPr>
+          <a:lstStyle/>
+          <a:p>
+            <a:pPr>
+              <a:lnSpc>
+                <a:spcPct val="90000"/>
+              </a:lnSpc>
+            </a:pPr>
+            <a:r>
+              <a:rPr lang="en-US" sz="6000" b="1" dirty="0" smtClean="0">
+                <a:latin typeface="Helvetica"/>
+                <a:cs typeface="Helvetica"/>
+              </a:rPr>
+              <a:t>Introduction</a:t>
+            </a:r>
+          </a:p>
+          <a:p>
+            <a:pPr>
+              <a:lnSpc>
+                <a:spcPct val="90000"/>
+              </a:lnSpc>
+            </a:pPr>
+            <a:endParaRPr lang="en-US" sz="1400" dirty="0">
+              <a:latin typeface="Helvetica"/>
+              <a:cs typeface="Helvetica"/>
+            </a:endParaRPr>
+          </a:p>
+          <a:p>
+            <a:pPr>
+              <a:lnSpc>
+                <a:spcPct val="110000"/>
+              </a:lnSpc>
+            </a:pPr>
+            <a:r>
+              <a:rPr lang="en-US" sz="3600" dirty="0" err="1">
+                <a:latin typeface="Helvetica"/>
+                <a:cs typeface="Helvetica"/>
+              </a:rPr>
+              <a:t>Lorem</a:t>
+            </a:r>
+            <a:r>
+              <a:rPr lang="en-US" sz="3600" dirty="0">
+                <a:latin typeface="Helvetica"/>
+                <a:cs typeface="Helvetica"/>
+              </a:rPr>
+              <a:t> </a:t>
+            </a:r>
+            <a:r>
+              <a:rPr lang="en-US" sz="3600" dirty="0" err="1">
+                <a:latin typeface="Helvetica"/>
+                <a:cs typeface="Helvetica"/>
+              </a:rPr>
+              <a:t>ipsum</a:t>
+            </a:r>
+            <a:r>
+              <a:rPr lang="en-US" sz="3600" dirty="0">
+                <a:latin typeface="Helvetica"/>
+                <a:cs typeface="Helvetica"/>
+              </a:rPr>
+              <a:t> dolor sit </a:t>
+            </a:r>
+            <a:r>
+              <a:rPr lang="en-US" sz="3600" dirty="0" err="1">
+                <a:latin typeface="Helvetica"/>
+                <a:cs typeface="Helvetica"/>
+              </a:rPr>
+              <a:t>amet</a:t>
+            </a:r>
+            <a:r>
+              <a:rPr lang="en-US" sz="3600" dirty="0">
+                <a:latin typeface="Helvetica"/>
+                <a:cs typeface="Helvetica"/>
+              </a:rPr>
+              <a:t>, </a:t>
+            </a:r>
+            <a:r>
+              <a:rPr lang="en-US" sz="3600" dirty="0" err="1">
+                <a:latin typeface="Helvetica"/>
+                <a:cs typeface="Helvetica"/>
+              </a:rPr>
+              <a:t>consectetur</a:t>
+            </a:r>
+            <a:r>
+              <a:rPr lang="en-US" sz="3600" dirty="0">
+                <a:latin typeface="Helvetica"/>
+                <a:cs typeface="Helvetica"/>
+              </a:rPr>
+              <a:t> </a:t>
+            </a:r>
+            <a:r>
+              <a:rPr lang="en-US" sz="3600" dirty="0" err="1">
+                <a:latin typeface="Helvetica"/>
+                <a:cs typeface="Helvetica"/>
+              </a:rPr>
+              <a:t>adipiscing</a:t>
+            </a:r>
+            <a:r>
+              <a:rPr lang="en-US" sz="3600" dirty="0">
+                <a:latin typeface="Helvetica"/>
+                <a:cs typeface="Helvetica"/>
+              </a:rPr>
+              <a:t> </a:t>
+            </a:r>
+            <a:r>
+              <a:rPr lang="en-US" sz="3600" dirty="0" err="1">
+                <a:latin typeface="Helvetica"/>
+                <a:cs typeface="Helvetica"/>
+              </a:rPr>
+              <a:t>elit</a:t>
+            </a:r>
+            <a:r>
+              <a:rPr lang="en-US" sz="3600" dirty="0">
+                <a:latin typeface="Helvetica"/>
+                <a:cs typeface="Helvetica"/>
+              </a:rPr>
+              <a:t>, </a:t>
+            </a:r>
+            <a:r>
+              <a:rPr lang="en-US" sz="3600" dirty="0" err="1">
+                <a:latin typeface="Helvetica"/>
+                <a:cs typeface="Helvetica"/>
+              </a:rPr>
+              <a:t>sed</a:t>
+            </a:r>
+            <a:r>
+              <a:rPr lang="en-US" sz="3600" dirty="0">
+                <a:latin typeface="Helvetica"/>
+                <a:cs typeface="Helvetica"/>
+              </a:rPr>
+              <a:t> do </a:t>
+            </a:r>
+            <a:r>
+              <a:rPr lang="en-US" sz="3600" dirty="0" err="1">
+                <a:latin typeface="Helvetica"/>
+                <a:cs typeface="Helvetica"/>
+              </a:rPr>
+              <a:t>eiusmod</a:t>
+            </a:r>
+            <a:r>
+              <a:rPr lang="en-US" sz="3600" dirty="0">
+                <a:latin typeface="Helvetica"/>
+                <a:cs typeface="Helvetica"/>
+              </a:rPr>
+              <a:t> </a:t>
+            </a:r>
+            <a:r>
+              <a:rPr lang="en-US" sz="3600" dirty="0" err="1">
+                <a:latin typeface="Helvetica"/>
+                <a:cs typeface="Helvetica"/>
+              </a:rPr>
+              <a:t>tempor</a:t>
+            </a:r>
+            <a:r>
+              <a:rPr lang="en-US" sz="3600" dirty="0">
+                <a:latin typeface="Helvetica"/>
+                <a:cs typeface="Helvetica"/>
+              </a:rPr>
+              <a:t> </a:t>
+            </a:r>
+            <a:r>
+              <a:rPr lang="en-US" sz="3600" dirty="0" err="1">
+                <a:latin typeface="Helvetica"/>
+                <a:cs typeface="Helvetica"/>
+              </a:rPr>
+              <a:t>incididunt</a:t>
+            </a:r>
+            <a:r>
+              <a:rPr lang="en-US" sz="3600" dirty="0">
+                <a:latin typeface="Helvetica"/>
+                <a:cs typeface="Helvetica"/>
+              </a:rPr>
+              <a:t> </a:t>
+            </a:r>
+            <a:r>
+              <a:rPr lang="en-US" sz="3600" dirty="0" err="1">
+                <a:latin typeface="Helvetica"/>
+                <a:cs typeface="Helvetica"/>
+              </a:rPr>
+              <a:t>ut</a:t>
+            </a:r>
+            <a:r>
+              <a:rPr lang="en-US" sz="3600" dirty="0">
+                <a:latin typeface="Helvetica"/>
+                <a:cs typeface="Helvetica"/>
+              </a:rPr>
+              <a:t> </a:t>
+            </a:r>
+            <a:r>
+              <a:rPr lang="en-US" sz="3600" dirty="0" err="1">
+                <a:latin typeface="Helvetica"/>
+                <a:cs typeface="Helvetica"/>
+              </a:rPr>
+              <a:t>labore</a:t>
+            </a:r>
+            <a:r>
+              <a:rPr lang="en-US" sz="3600" dirty="0">
+                <a:latin typeface="Helvetica"/>
+                <a:cs typeface="Helvetica"/>
+              </a:rPr>
+              <a:t> et </a:t>
+            </a:r>
+            <a:r>
+              <a:rPr lang="en-US" sz="3600" dirty="0" err="1">
+                <a:latin typeface="Helvetica"/>
+                <a:cs typeface="Helvetica"/>
+              </a:rPr>
+              <a:t>dolore</a:t>
+            </a:r>
+            <a:r>
+              <a:rPr lang="en-US" sz="3600" dirty="0">
+                <a:latin typeface="Helvetica"/>
+                <a:cs typeface="Helvetica"/>
+              </a:rPr>
+              <a:t> magna </a:t>
+            </a:r>
+            <a:r>
+              <a:rPr lang="en-US" sz="3600" dirty="0" err="1">
+                <a:latin typeface="Helvetica"/>
+                <a:cs typeface="Helvetica"/>
+              </a:rPr>
+              <a:t>aliqua</a:t>
+            </a:r>
+            <a:r>
+              <a:rPr lang="en-US" sz="3600" dirty="0">
+                <a:latin typeface="Helvetica"/>
+                <a:cs typeface="Helvetica"/>
+              </a:rPr>
+              <a:t>. </a:t>
+            </a:r>
+            <a:r>
+              <a:rPr lang="en-US" sz="3600" dirty="0" err="1">
+                <a:latin typeface="Helvetica"/>
+                <a:cs typeface="Helvetica"/>
+              </a:rPr>
+              <a:t>Ut</a:t>
+            </a:r>
+            <a:r>
+              <a:rPr lang="en-US" sz="3600" dirty="0">
+                <a:latin typeface="Helvetica"/>
+                <a:cs typeface="Helvetica"/>
+              </a:rPr>
+              <a:t> </a:t>
+            </a:r>
+            <a:r>
+              <a:rPr lang="en-US" sz="3600" dirty="0" err="1">
+                <a:latin typeface="Helvetica"/>
+                <a:cs typeface="Helvetica"/>
+              </a:rPr>
+              <a:t>enim</a:t>
+            </a:r>
+            <a:r>
+              <a:rPr lang="en-US" sz="3600" dirty="0">
+                <a:latin typeface="Helvetica"/>
+                <a:cs typeface="Helvetica"/>
+              </a:rPr>
+              <a:t> ad minim </a:t>
+            </a:r>
+            <a:r>
+              <a:rPr lang="en-US" sz="3600" dirty="0" err="1">
+                <a:latin typeface="Helvetica"/>
+                <a:cs typeface="Helvetica"/>
+              </a:rPr>
+              <a:t>veniam</a:t>
+            </a:r>
+            <a:r>
+              <a:rPr lang="en-US" sz="3600" dirty="0">
+                <a:latin typeface="Helvetica"/>
+                <a:cs typeface="Helvetica"/>
+              </a:rPr>
+              <a:t>, </a:t>
+            </a:r>
+            <a:r>
+              <a:rPr lang="en-US" sz="3600" dirty="0" err="1">
+                <a:latin typeface="Helvetica"/>
+                <a:cs typeface="Helvetica"/>
+              </a:rPr>
+              <a:t>quis</a:t>
+            </a:r>
+            <a:r>
+              <a:rPr lang="en-US" sz="3600" dirty="0">
+                <a:latin typeface="Helvetica"/>
+                <a:cs typeface="Helvetica"/>
+              </a:rPr>
+              <a:t> </a:t>
+            </a:r>
+            <a:r>
+              <a:rPr lang="en-US" sz="3600" dirty="0" err="1">
+                <a:latin typeface="Helvetica"/>
+                <a:cs typeface="Helvetica"/>
+              </a:rPr>
+              <a:t>nostrud</a:t>
+            </a:r>
+            <a:r>
+              <a:rPr lang="en-US" sz="3600" dirty="0">
+                <a:latin typeface="Helvetica"/>
+                <a:cs typeface="Helvetica"/>
+              </a:rPr>
+              <a:t> exercitation </a:t>
+            </a:r>
+            <a:r>
+              <a:rPr lang="en-US" sz="3600" dirty="0" err="1">
+                <a:latin typeface="Helvetica"/>
+                <a:cs typeface="Helvetica"/>
+              </a:rPr>
+              <a:t>ullamco</a:t>
+            </a:r>
+            <a:r>
+              <a:rPr lang="en-US" sz="3600" dirty="0">
+                <a:latin typeface="Helvetica"/>
+                <a:cs typeface="Helvetica"/>
+              </a:rPr>
+              <a:t> </a:t>
+            </a:r>
+            <a:r>
+              <a:rPr lang="en-US" sz="3600" dirty="0" err="1">
+                <a:latin typeface="Helvetica"/>
+                <a:cs typeface="Helvetica"/>
+              </a:rPr>
+              <a:t>laboris</a:t>
+            </a:r>
+            <a:r>
+              <a:rPr lang="en-US" sz="3600" dirty="0">
+                <a:latin typeface="Helvetica"/>
+                <a:cs typeface="Helvetica"/>
+              </a:rPr>
+              <a:t> nisi </a:t>
+            </a:r>
+            <a:r>
+              <a:rPr lang="en-US" sz="3600" dirty="0" err="1">
+                <a:latin typeface="Helvetica"/>
+                <a:cs typeface="Helvetica"/>
+              </a:rPr>
+              <a:t>ut</a:t>
+            </a:r>
+            <a:r>
+              <a:rPr lang="en-US" sz="3600" dirty="0">
+                <a:latin typeface="Helvetica"/>
+                <a:cs typeface="Helvetica"/>
+              </a:rPr>
+              <a:t> </a:t>
+            </a:r>
+            <a:r>
+              <a:rPr lang="en-US" sz="3600" dirty="0" err="1">
+                <a:latin typeface="Helvetica"/>
+                <a:cs typeface="Helvetica"/>
+              </a:rPr>
+              <a:t>aliquip</a:t>
+            </a:r>
+            <a:r>
+              <a:rPr lang="en-US" sz="3600" dirty="0">
+                <a:latin typeface="Helvetica"/>
+                <a:cs typeface="Helvetica"/>
+              </a:rPr>
+              <a:t> ex </a:t>
+            </a:r>
+            <a:r>
+              <a:rPr lang="en-US" sz="3600" dirty="0" err="1">
+                <a:latin typeface="Helvetica"/>
+                <a:cs typeface="Helvetica"/>
+              </a:rPr>
+              <a:t>ea</a:t>
+            </a:r>
+            <a:r>
+              <a:rPr lang="en-US" sz="3600" dirty="0">
+                <a:latin typeface="Helvetica"/>
+                <a:cs typeface="Helvetica"/>
+              </a:rPr>
+              <a:t> </a:t>
+            </a:r>
+            <a:r>
+              <a:rPr lang="en-US" sz="3600" dirty="0" err="1">
+                <a:latin typeface="Helvetica"/>
+                <a:cs typeface="Helvetica"/>
+              </a:rPr>
+              <a:t>commodo</a:t>
+            </a:r>
+            <a:r>
+              <a:rPr lang="en-US" sz="3600" dirty="0">
+                <a:latin typeface="Helvetica"/>
+                <a:cs typeface="Helvetica"/>
+              </a:rPr>
+              <a:t> </a:t>
+            </a:r>
+            <a:r>
+              <a:rPr lang="en-US" sz="3600" dirty="0" err="1">
+                <a:latin typeface="Helvetica"/>
+                <a:cs typeface="Helvetica"/>
+              </a:rPr>
+              <a:t>consequat</a:t>
+            </a:r>
+            <a:r>
+              <a:rPr lang="en-US" sz="3600" dirty="0" smtClean="0">
+                <a:latin typeface="Helvetica"/>
+                <a:cs typeface="Helvetica"/>
+              </a:rPr>
+              <a:t>. </a:t>
+            </a:r>
+            <a:r>
+              <a:rPr lang="en-US" sz="3600" dirty="0" err="1">
+                <a:latin typeface="Helvetica"/>
+                <a:cs typeface="Helvetica"/>
+              </a:rPr>
+              <a:t>ut</a:t>
+            </a:r>
+            <a:r>
+              <a:rPr lang="en-US" sz="3600" dirty="0">
+                <a:latin typeface="Helvetica"/>
+                <a:cs typeface="Helvetica"/>
+              </a:rPr>
+              <a:t> </a:t>
+            </a:r>
+            <a:r>
+              <a:rPr lang="en-US" sz="3600" dirty="0" err="1">
+                <a:latin typeface="Helvetica"/>
+                <a:cs typeface="Helvetica"/>
+              </a:rPr>
+              <a:t>aliquip</a:t>
+            </a:r>
+            <a:r>
+              <a:rPr lang="en-US" sz="3600" dirty="0">
+                <a:latin typeface="Helvetica"/>
+                <a:cs typeface="Helvetica"/>
+              </a:rPr>
+              <a:t> ex </a:t>
+            </a:r>
+            <a:r>
+              <a:rPr lang="en-US" sz="3600" dirty="0" err="1">
+                <a:latin typeface="Helvetica"/>
+                <a:cs typeface="Helvetica"/>
+              </a:rPr>
+              <a:t>ea</a:t>
+            </a:r>
+            <a:r>
+              <a:rPr lang="en-US" sz="3600" dirty="0">
+                <a:latin typeface="Helvetica"/>
+                <a:cs typeface="Helvetica"/>
+              </a:rPr>
+              <a:t> </a:t>
+            </a:r>
+            <a:r>
+              <a:rPr lang="en-US" sz="3600" dirty="0" err="1">
+                <a:latin typeface="Helvetica"/>
+                <a:cs typeface="Helvetica"/>
+              </a:rPr>
+              <a:t>incididunt</a:t>
+            </a:r>
+            <a:r>
+              <a:rPr lang="en-US" sz="3600" dirty="0">
+                <a:latin typeface="Helvetica"/>
+                <a:cs typeface="Helvetica"/>
+              </a:rPr>
+              <a:t> </a:t>
+            </a:r>
+            <a:r>
+              <a:rPr lang="en-US" sz="3600" dirty="0" err="1">
+                <a:latin typeface="Helvetica"/>
+                <a:cs typeface="Helvetica"/>
+              </a:rPr>
+              <a:t>ut</a:t>
+            </a:r>
+            <a:r>
+              <a:rPr lang="en-US" sz="3600" dirty="0">
+                <a:latin typeface="Helvetica"/>
+                <a:cs typeface="Helvetica"/>
+              </a:rPr>
+              <a:t> </a:t>
+            </a:r>
+            <a:r>
+              <a:rPr lang="en-US" sz="3600" dirty="0" err="1">
+                <a:latin typeface="Helvetica"/>
+                <a:cs typeface="Helvetica"/>
+              </a:rPr>
+              <a:t>labore</a:t>
+            </a:r>
+            <a:r>
+              <a:rPr lang="en-US" sz="3600" dirty="0">
+                <a:latin typeface="Helvetica"/>
+                <a:cs typeface="Helvetica"/>
+              </a:rPr>
+              <a:t> et </a:t>
+            </a:r>
+            <a:r>
+              <a:rPr lang="en-US" sz="3600" dirty="0" err="1">
+                <a:latin typeface="Helvetica"/>
+                <a:cs typeface="Helvetica"/>
+              </a:rPr>
+              <a:t>dolore</a:t>
+            </a:r>
+            <a:r>
+              <a:rPr lang="en-US" sz="3600" dirty="0">
+                <a:latin typeface="Helvetica"/>
+                <a:cs typeface="Helvetica"/>
+              </a:rPr>
+              <a:t> magna </a:t>
+            </a:r>
+            <a:r>
+              <a:rPr lang="en-US" sz="3600" dirty="0" err="1">
+                <a:latin typeface="Helvetica"/>
+                <a:cs typeface="Helvetica"/>
+              </a:rPr>
+              <a:t>aliqua</a:t>
+            </a:r>
+            <a:r>
+              <a:rPr lang="en-US" sz="3600" dirty="0">
+                <a:latin typeface="Helvetica"/>
+                <a:cs typeface="Helvetica"/>
+              </a:rPr>
+              <a:t>. </a:t>
+            </a:r>
+            <a:r>
+              <a:rPr lang="en-US" sz="3600" dirty="0" err="1">
+                <a:latin typeface="Helvetica"/>
+                <a:cs typeface="Helvetica"/>
+              </a:rPr>
+              <a:t>Ut</a:t>
+            </a:r>
+            <a:r>
+              <a:rPr lang="en-US" sz="3600" dirty="0">
+                <a:latin typeface="Helvetica"/>
+                <a:cs typeface="Helvetica"/>
+              </a:rPr>
+              <a:t> </a:t>
+            </a:r>
+            <a:r>
+              <a:rPr lang="en-US" sz="3600" dirty="0" err="1">
+                <a:latin typeface="Helvetica"/>
+                <a:cs typeface="Helvetica"/>
+              </a:rPr>
+              <a:t>enim</a:t>
+            </a:r>
+            <a:r>
+              <a:rPr lang="en-US" sz="3600" dirty="0">
+                <a:latin typeface="Helvetica"/>
+                <a:cs typeface="Helvetica"/>
+              </a:rPr>
+              <a:t> ad minim </a:t>
+            </a:r>
+            <a:r>
+              <a:rPr lang="en-US" sz="3600" dirty="0" err="1">
+                <a:latin typeface="Helvetica"/>
+                <a:cs typeface="Helvetica"/>
+              </a:rPr>
+              <a:t>veniam</a:t>
+            </a:r>
+            <a:r>
+              <a:rPr lang="en-US" sz="3600" dirty="0">
+                <a:latin typeface="Helvetica"/>
+                <a:cs typeface="Helvetica"/>
+              </a:rPr>
+              <a:t>, </a:t>
+            </a:r>
+            <a:r>
+              <a:rPr lang="en-US" sz="3600" dirty="0" err="1">
+                <a:latin typeface="Helvetica"/>
+                <a:cs typeface="Helvetica"/>
+              </a:rPr>
+              <a:t>quis</a:t>
+            </a:r>
+            <a:r>
+              <a:rPr lang="en-US" sz="3600" dirty="0">
+                <a:latin typeface="Helvetica"/>
+                <a:cs typeface="Helvetica"/>
+              </a:rPr>
+              <a:t> </a:t>
+            </a:r>
+            <a:r>
+              <a:rPr lang="en-US" sz="3600" dirty="0" err="1">
+                <a:latin typeface="Helvetica"/>
+                <a:cs typeface="Helvetica"/>
+              </a:rPr>
+              <a:t>nostrud</a:t>
+            </a:r>
+            <a:r>
+              <a:rPr lang="en-US" sz="3600" dirty="0">
+                <a:latin typeface="Helvetica"/>
+                <a:cs typeface="Helvetica"/>
+              </a:rPr>
+              <a:t> exercitation </a:t>
+            </a:r>
+            <a:r>
+              <a:rPr lang="en-US" sz="3600" dirty="0" err="1">
+                <a:latin typeface="Helvetica"/>
+                <a:cs typeface="Helvetica"/>
+              </a:rPr>
+              <a:t>ullamco</a:t>
+            </a:r>
+            <a:r>
+              <a:rPr lang="en-US" sz="3600" dirty="0">
+                <a:latin typeface="Helvetica"/>
+                <a:cs typeface="Helvetica"/>
+              </a:rPr>
+              <a:t> </a:t>
+            </a:r>
+            <a:r>
+              <a:rPr lang="en-US" sz="3600" dirty="0" err="1">
+                <a:latin typeface="Helvetica"/>
+                <a:cs typeface="Helvetica"/>
+              </a:rPr>
+              <a:t>laboris</a:t>
+            </a:r>
+            <a:r>
+              <a:rPr lang="en-US" sz="3600" dirty="0">
+                <a:latin typeface="Helvetica"/>
+                <a:cs typeface="Helvetica"/>
+              </a:rPr>
+              <a:t> nisi </a:t>
+            </a:r>
+            <a:r>
+              <a:rPr lang="en-US" sz="3600" dirty="0" err="1">
+                <a:latin typeface="Helvetica"/>
+                <a:cs typeface="Helvetica"/>
+              </a:rPr>
+              <a:t>ut</a:t>
+            </a:r>
+            <a:r>
+              <a:rPr lang="en-US" sz="3600" dirty="0">
+                <a:latin typeface="Helvetica"/>
+                <a:cs typeface="Helvetica"/>
+              </a:rPr>
+              <a:t> </a:t>
+            </a:r>
+            <a:r>
+              <a:rPr lang="en-US" sz="3600" dirty="0" err="1">
+                <a:latin typeface="Helvetica"/>
+                <a:cs typeface="Helvetica"/>
+              </a:rPr>
+              <a:t>aliquip</a:t>
+            </a:r>
+            <a:r>
+              <a:rPr lang="en-US" sz="3600" dirty="0">
+                <a:latin typeface="Helvetica"/>
+                <a:cs typeface="Helvetica"/>
+              </a:rPr>
+              <a:t> ex </a:t>
+            </a:r>
+            <a:r>
+              <a:rPr lang="en-US" sz="3600" dirty="0" err="1">
+                <a:latin typeface="Helvetica"/>
+                <a:cs typeface="Helvetica"/>
+              </a:rPr>
+              <a:t>ea</a:t>
+            </a:r>
+            <a:r>
+              <a:rPr lang="en-US" sz="3600" dirty="0">
+                <a:latin typeface="Helvetica"/>
+                <a:cs typeface="Helvetica"/>
+              </a:rPr>
+              <a:t> </a:t>
+            </a:r>
+            <a:r>
+              <a:rPr lang="en-US" sz="3600" dirty="0" err="1">
+                <a:latin typeface="Helvetica"/>
+                <a:cs typeface="Helvetica"/>
+              </a:rPr>
+              <a:t>commodo</a:t>
+            </a:r>
+            <a:r>
+              <a:rPr lang="en-US" sz="3600" dirty="0">
+                <a:latin typeface="Helvetica"/>
+                <a:cs typeface="Helvetica"/>
+              </a:rPr>
+              <a:t> </a:t>
+            </a:r>
+            <a:r>
+              <a:rPr lang="en-US" sz="3600" dirty="0" err="1">
+                <a:latin typeface="Helvetica"/>
+                <a:cs typeface="Helvetica"/>
+              </a:rPr>
+              <a:t>consequat</a:t>
+            </a:r>
+            <a:r>
+              <a:rPr lang="en-US" sz="3600" dirty="0">
+                <a:latin typeface="Helvetica"/>
+                <a:cs typeface="Helvetica"/>
+              </a:rPr>
+              <a:t>. </a:t>
+            </a:r>
+            <a:r>
+              <a:rPr lang="en-US" sz="3600" dirty="0" err="1">
+                <a:latin typeface="Helvetica"/>
+                <a:cs typeface="Helvetica"/>
+              </a:rPr>
+              <a:t>ut</a:t>
+            </a:r>
+            <a:r>
+              <a:rPr lang="en-US" sz="3600" dirty="0">
+                <a:latin typeface="Helvetica"/>
+                <a:cs typeface="Helvetica"/>
+              </a:rPr>
+              <a:t> </a:t>
+            </a:r>
+            <a:r>
+              <a:rPr lang="en-US" sz="3600" dirty="0" err="1">
+                <a:latin typeface="Helvetica"/>
+                <a:cs typeface="Helvetica"/>
+              </a:rPr>
+              <a:t>aliquip</a:t>
+            </a:r>
+            <a:r>
+              <a:rPr lang="en-US" sz="3600" dirty="0">
+                <a:latin typeface="Helvetica"/>
+                <a:cs typeface="Helvetica"/>
+              </a:rPr>
+              <a:t> ex </a:t>
+            </a:r>
+            <a:r>
+              <a:rPr lang="en-US" sz="3600" dirty="0" err="1">
+                <a:latin typeface="Helvetica"/>
+                <a:cs typeface="Helvetica"/>
+              </a:rPr>
+              <a:t>ea</a:t>
+            </a:r>
+            <a:r>
+              <a:rPr lang="en-US" sz="3600" dirty="0">
+                <a:latin typeface="Helvetica"/>
+                <a:cs typeface="Helvetica"/>
+              </a:rPr>
+              <a:t> exercitation </a:t>
+            </a:r>
+            <a:r>
+              <a:rPr lang="en-US" sz="3600" dirty="0" err="1">
+                <a:latin typeface="Helvetica"/>
+                <a:cs typeface="Helvetica"/>
+              </a:rPr>
+              <a:t>ullamco</a:t>
+            </a:r>
+            <a:r>
+              <a:rPr lang="en-US" sz="3600" dirty="0">
+                <a:latin typeface="Helvetica"/>
+                <a:cs typeface="Helvetica"/>
+              </a:rPr>
+              <a:t> </a:t>
+            </a:r>
+            <a:r>
+              <a:rPr lang="en-US" sz="3600" dirty="0" err="1">
+                <a:latin typeface="Helvetica"/>
+                <a:cs typeface="Helvetica"/>
+              </a:rPr>
+              <a:t>laboris</a:t>
+            </a:r>
+            <a:r>
+              <a:rPr lang="en-US" sz="3600" dirty="0">
+                <a:latin typeface="Helvetica"/>
+                <a:cs typeface="Helvetica"/>
+              </a:rPr>
+              <a:t> nisi </a:t>
+            </a:r>
+            <a:r>
+              <a:rPr lang="en-US" sz="3600" dirty="0" err="1">
+                <a:latin typeface="Helvetica"/>
+                <a:cs typeface="Helvetica"/>
+              </a:rPr>
+              <a:t>ut</a:t>
+            </a:r>
+            <a:r>
+              <a:rPr lang="en-US" sz="3600" dirty="0">
+                <a:latin typeface="Helvetica"/>
+                <a:cs typeface="Helvetica"/>
+              </a:rPr>
+              <a:t> </a:t>
+            </a:r>
+            <a:r>
+              <a:rPr lang="en-US" sz="3600" dirty="0" err="1">
+                <a:latin typeface="Helvetica"/>
+                <a:cs typeface="Helvetica"/>
+              </a:rPr>
+              <a:t>aliquip</a:t>
+            </a:r>
+            <a:r>
+              <a:rPr lang="en-US" sz="3600" dirty="0">
+                <a:latin typeface="Helvetica"/>
+                <a:cs typeface="Helvetica"/>
+              </a:rPr>
+              <a:t> </a:t>
+            </a:r>
+            <a:r>
+              <a:rPr lang="en-US" sz="3600" dirty="0" smtClean="0">
+                <a:latin typeface="Helvetica"/>
+                <a:cs typeface="Helvetica"/>
+              </a:rPr>
+              <a:t>ex</a:t>
+            </a:r>
+          </a:p>
+          <a:p>
+            <a:pPr>
+              <a:lnSpc>
+                <a:spcPct val="110000"/>
+              </a:lnSpc>
+            </a:pPr>
+            <a:r>
+              <a:rPr lang="en-US" sz="3600" dirty="0">
+                <a:latin typeface="Helvetica"/>
+                <a:cs typeface="Helvetica"/>
+              </a:rPr>
+              <a:t>exercitation </a:t>
+            </a:r>
+            <a:r>
+              <a:rPr lang="en-US" sz="3600" dirty="0" err="1">
+                <a:latin typeface="Helvetica"/>
+                <a:cs typeface="Helvetica"/>
+              </a:rPr>
+              <a:t>ullamco</a:t>
+            </a:r>
+            <a:r>
+              <a:rPr lang="en-US" sz="3600" dirty="0">
+                <a:latin typeface="Helvetica"/>
+                <a:cs typeface="Helvetica"/>
+              </a:rPr>
+              <a:t> </a:t>
+            </a:r>
+            <a:r>
+              <a:rPr lang="en-US" sz="3600" dirty="0" err="1">
+                <a:latin typeface="Helvetica"/>
+                <a:cs typeface="Helvetica"/>
+              </a:rPr>
+              <a:t>laboris</a:t>
+            </a:r>
+            <a:r>
+              <a:rPr lang="en-US" sz="3600" dirty="0">
+                <a:latin typeface="Helvetica"/>
+                <a:cs typeface="Helvetica"/>
+              </a:rPr>
+              <a:t> nisi </a:t>
+            </a:r>
+            <a:r>
+              <a:rPr lang="en-US" sz="3600" dirty="0" err="1">
+                <a:latin typeface="Helvetica"/>
+                <a:cs typeface="Helvetica"/>
+              </a:rPr>
+              <a:t>ut</a:t>
+            </a:r>
+            <a:r>
+              <a:rPr lang="en-US" sz="3600" dirty="0">
+                <a:latin typeface="Helvetica"/>
+                <a:cs typeface="Helvetica"/>
+              </a:rPr>
+              <a:t> </a:t>
+            </a:r>
+            <a:r>
+              <a:rPr lang="en-US" sz="3600" dirty="0" err="1">
+                <a:latin typeface="Helvetica"/>
+                <a:cs typeface="Helvetica"/>
+              </a:rPr>
+              <a:t>aliquip</a:t>
+            </a:r>
+            <a:r>
+              <a:rPr lang="en-US" sz="3600" dirty="0">
+                <a:latin typeface="Helvetica"/>
+                <a:cs typeface="Helvetica"/>
+              </a:rPr>
+              <a:t> </a:t>
+            </a:r>
+            <a:r>
+              <a:rPr lang="en-US" sz="3600" dirty="0" smtClean="0">
+                <a:latin typeface="Helvetica"/>
+                <a:cs typeface="Helvetica"/>
+              </a:rPr>
+              <a:t>ex</a:t>
+            </a:r>
+          </a:p>
+          <a:p>
+            <a:pPr>
+              <a:lnSpc>
+                <a:spcPct val="110000"/>
+              </a:lnSpc>
+            </a:pPr>
+            <a:r>
+              <a:rPr lang="en-US" sz="3600" dirty="0">
+                <a:latin typeface="Helvetica"/>
+                <a:cs typeface="Helvetica"/>
+              </a:rPr>
+              <a:t>exercitation </a:t>
+            </a:r>
+            <a:r>
+              <a:rPr lang="en-US" sz="3600" dirty="0" err="1">
+                <a:latin typeface="Helvetica"/>
+                <a:cs typeface="Helvetica"/>
+              </a:rPr>
+              <a:t>ullamco</a:t>
+            </a:r>
+            <a:r>
+              <a:rPr lang="en-US" sz="3600" dirty="0">
+                <a:latin typeface="Helvetica"/>
+                <a:cs typeface="Helvetica"/>
+              </a:rPr>
+              <a:t> </a:t>
+            </a:r>
+            <a:r>
+              <a:rPr lang="en-US" sz="3600" dirty="0" err="1">
+                <a:latin typeface="Helvetica"/>
+                <a:cs typeface="Helvetica"/>
+              </a:rPr>
+              <a:t>laboris</a:t>
+            </a:r>
+            <a:r>
+              <a:rPr lang="en-US" sz="3600" dirty="0">
+                <a:latin typeface="Helvetica"/>
+                <a:cs typeface="Helvetica"/>
+              </a:rPr>
+              <a:t> nisi </a:t>
+            </a:r>
+            <a:r>
+              <a:rPr lang="en-US" sz="3600" dirty="0" err="1">
+                <a:latin typeface="Helvetica"/>
+                <a:cs typeface="Helvetica"/>
+              </a:rPr>
+              <a:t>ut</a:t>
+            </a:r>
+            <a:r>
+              <a:rPr lang="en-US" sz="3600" dirty="0">
+                <a:latin typeface="Helvetica"/>
+                <a:cs typeface="Helvetica"/>
+              </a:rPr>
+              <a:t> </a:t>
+            </a:r>
+            <a:r>
+              <a:rPr lang="en-US" sz="3600" dirty="0" err="1">
+                <a:latin typeface="Helvetica"/>
+                <a:cs typeface="Helvetica"/>
+              </a:rPr>
+              <a:t>aliquip</a:t>
+            </a:r>
+            <a:r>
+              <a:rPr lang="en-US" sz="3600" dirty="0">
+                <a:latin typeface="Helvetica"/>
+                <a:cs typeface="Helvetica"/>
+              </a:rPr>
+              <a:t> ex</a:t>
+            </a:r>
+            <a:endParaRPr lang="en-US" sz="3600" dirty="0">
+              <a:latin typeface="Helvetica"/>
+              <a:cs typeface="Helvetica"/>
+            </a:endParaRPr>
+          </a:p>
+        </p:txBody>
+      </p:sp>
+    </p:spTree>
+    <p:extLst>
+      <p:ext uri="{BB962C8B-B14F-4D97-AF65-F5344CB8AC3E}">
+        <p14:creationId xmlns:p14="http://schemas.microsoft.com/office/powerpoint/2010/main" val="1989372276"/>
+      </p:ext>
+    </p:extLst>
+  </p:cSld>
+  <p:clrMapOvr>
+    <a:masterClrMapping/>
+  </p:clrMapOvr>
+  <p:timing>
+    <p:tnLst>
+      <p:par>
+        <p:cTn xmlns:p14="http://schemas.microsoft.com/office/powerpoint/2010/main" id="1" dur="indefinite" restart="never" nodeType="tmRoot"/>
+      </p:par>
+    </p:tnLst>
+  </p:timing>
+</p:sld>
+</file>
+
+<file path=ppt/slides/slide2.xml><?xml version="1.0" encoding="utf-8"?>
+<p:sld xmlns:a="http://schemas.openxmlformats.org/drawingml/2006/main" xmlns:r="http://schemas.openxmlformats.org/officeDocument/2006/relationships" xmlns:p="http://schemas.openxmlformats.org/presentationml/2006/main">
+  <p:cSld>
+    <p:spTree>
+      <p:nvGrpSpPr>
+        <p:cNvPr id="1" name=""/>
+        <p:cNvGrpSpPr/>
+        <p:nvPr/>
+      </p:nvGrpSpPr>
+      <p:grpSpPr>
+        <a:xfrm>
+          <a:off x="0" y="0"/>
+          <a:ext cx="0" cy="0"/>
+          <a:chOff x="0" y="0"/>
+          <a:chExt cx="0" cy="0"/>
+        </a:xfrm>
+      </p:grpSpPr>
+      <p:sp>
+        <p:nvSpPr>
+          <p:cNvPr id="14" name="Rectangle 13"/>
+          <p:cNvSpPr/>
+          <p:nvPr/>
+        </p:nvSpPr>
+        <p:spPr>
+          <a:xfrm rot="5400000">
+            <a:off x="3203212" y="-3203215"/>
+            <a:ext cx="25597570" cy="32004000"/>
+          </a:xfrm>
+          <a:prstGeom prst="rect">
+            <a:avLst/>
+          </a:prstGeom>
+          <a:solidFill>
+            <a:srgbClr val="E8EDEE"/>
+          </a:solidFill>
+          <a:ln>
+            <a:noFill/>
+          </a:ln>
+          <a:effectLst/>
+        </p:spPr>
+        <p:style>
+          <a:lnRef idx="1">
+            <a:schemeClr val="accent1"/>
+          </a:lnRef>
+          <a:fillRef idx="3">
+            <a:schemeClr val="accent1"/>
+          </a:fillRef>
+          <a:effectRef idx="2">
+            <a:schemeClr val="accent1"/>
+          </a:effectRef>
+          <a:fontRef idx="minor">
+            <a:schemeClr val="lt1"/>
+          </a:fontRef>
+        </p:style>
+        <p:txBody>
+          <a:bodyPr lIns="329104" tIns="164551" rIns="329104" bIns="164551" rtlCol="0" anchor="ctr"/>
+          <a:lstStyle/>
+          <a:p>
+            <a:pPr algn="ctr"/>
+            <a:endParaRPr lang="en-US">
+              <a:latin typeface="Helvetica"/>
+              <a:cs typeface="Helvetica"/>
+            </a:endParaRPr>
+          </a:p>
+        </p:txBody>
+      </p:sp>
+      <p:sp>
+        <p:nvSpPr>
+          <p:cNvPr id="33" name="Rectangle 32"/>
+          <p:cNvSpPr/>
+          <p:nvPr/>
+        </p:nvSpPr>
+        <p:spPr>
+          <a:xfrm>
+            <a:off x="10985500" y="20027116"/>
+            <a:ext cx="12568465" cy="5181212"/>
+          </a:xfrm>
+          <a:prstGeom prst="rect">
+            <a:avLst/>
+          </a:prstGeom>
+          <a:solidFill>
+            <a:schemeClr val="bg1"/>
+          </a:solidFill>
+          <a:ln>
+            <a:noFill/>
+          </a:ln>
+          <a:effectLst/>
+        </p:spPr>
+        <p:style>
+          <a:lnRef idx="1">
+            <a:schemeClr val="accent1"/>
+          </a:lnRef>
+          <a:fillRef idx="3">
+            <a:schemeClr val="accent1"/>
+          </a:fillRef>
+          <a:effectRef idx="2">
+            <a:schemeClr val="accent1"/>
+          </a:effectRef>
+          <a:fontRef idx="minor">
+            <a:schemeClr val="lt1"/>
+          </a:fontRef>
+        </p:style>
+        <p:txBody>
+          <a:bodyPr rtlCol="0" anchor="ctr"/>
+          <a:lstStyle/>
+          <a:p>
+            <a:pPr algn="ctr"/>
+            <a:endParaRPr lang="en-US"/>
+          </a:p>
+        </p:txBody>
+      </p:sp>
+      <p:sp>
+        <p:nvSpPr>
+          <p:cNvPr id="32" name="Rectangle 31"/>
+          <p:cNvSpPr/>
+          <p:nvPr/>
+        </p:nvSpPr>
+        <p:spPr>
+          <a:xfrm rot="5400000">
+            <a:off x="14015726" y="-12243372"/>
+            <a:ext cx="4258532" cy="30359581"/>
+          </a:xfrm>
+          <a:prstGeom prst="rect">
+            <a:avLst/>
+          </a:prstGeom>
+          <a:solidFill>
+            <a:srgbClr val="FFFFFF"/>
+          </a:solidFill>
+          <a:ln>
+            <a:noFill/>
+          </a:ln>
+          <a:effectLst/>
+        </p:spPr>
+        <p:style>
+          <a:lnRef idx="1">
+            <a:schemeClr val="accent1"/>
+          </a:lnRef>
+          <a:fillRef idx="3">
+            <a:schemeClr val="accent1"/>
+          </a:fillRef>
+          <a:effectRef idx="2">
+            <a:schemeClr val="accent1"/>
+          </a:effectRef>
+          <a:fontRef idx="minor">
+            <a:schemeClr val="lt1"/>
+          </a:fontRef>
+        </p:style>
+        <p:txBody>
+          <a:bodyPr lIns="329104" tIns="164551" rIns="329104" bIns="164551" rtlCol="0" anchor="ctr"/>
+          <a:lstStyle/>
+          <a:p>
+            <a:pPr algn="ctr"/>
+            <a:endParaRPr lang="en-US">
+              <a:latin typeface="Helvetica"/>
+              <a:cs typeface="Helvetica"/>
+            </a:endParaRPr>
+          </a:p>
+        </p:txBody>
+      </p:sp>
+      <p:sp>
+        <p:nvSpPr>
+          <p:cNvPr id="13" name="TextBox 12"/>
+          <p:cNvSpPr txBox="1"/>
+          <p:nvPr/>
+        </p:nvSpPr>
+        <p:spPr>
+          <a:xfrm>
+            <a:off x="24094892" y="20511740"/>
+            <a:ext cx="7229891" cy="4696588"/>
+          </a:xfrm>
+          <a:prstGeom prst="rect">
+            <a:avLst/>
+          </a:prstGeom>
+          <a:noFill/>
+          <a:ln w="28575" cmpd="sng">
+            <a:noFill/>
+          </a:ln>
+        </p:spPr>
+        <p:txBody>
+          <a:bodyPr wrap="square" lIns="329104" tIns="164551" rIns="329104" bIns="164551" rtlCol="0">
+            <a:spAutoFit/>
+          </a:bodyPr>
+          <a:lstStyle/>
+          <a:p>
+            <a:pPr>
+              <a:lnSpc>
+                <a:spcPct val="90000"/>
+              </a:lnSpc>
+            </a:pPr>
+            <a:r>
+              <a:rPr lang="en-US" sz="4500" b="1" dirty="0">
+                <a:latin typeface="Helvetica"/>
+                <a:cs typeface="Helvetica"/>
+              </a:rPr>
+              <a:t>About </a:t>
+            </a:r>
+            <a:r>
+              <a:rPr lang="en-US" sz="4500" b="1" dirty="0" smtClean="0">
+                <a:latin typeface="Helvetica"/>
+                <a:cs typeface="Helvetica"/>
+              </a:rPr>
+              <a:t>Cerberus</a:t>
+            </a:r>
+          </a:p>
+          <a:p>
+            <a:pPr>
+              <a:lnSpc>
+                <a:spcPct val="90000"/>
+              </a:lnSpc>
+            </a:pPr>
+            <a:endParaRPr lang="en-US" sz="1400" dirty="0">
+              <a:latin typeface="Helvetica"/>
+              <a:cs typeface="Helvetica"/>
+            </a:endParaRPr>
+          </a:p>
+          <a:p>
+            <a:pPr>
+              <a:lnSpc>
+                <a:spcPct val="110000"/>
+              </a:lnSpc>
+            </a:pPr>
+            <a:r>
+              <a:rPr lang="en-US" sz="3600" dirty="0" err="1">
+                <a:latin typeface="Helvetica"/>
+                <a:cs typeface="Helvetica"/>
+              </a:rPr>
+              <a:t>Lorem</a:t>
+            </a:r>
+            <a:r>
+              <a:rPr lang="en-US" sz="3600" dirty="0">
+                <a:latin typeface="Helvetica"/>
+                <a:cs typeface="Helvetica"/>
+              </a:rPr>
+              <a:t> </a:t>
+            </a:r>
+            <a:r>
+              <a:rPr lang="en-US" sz="3600" dirty="0" err="1">
+                <a:latin typeface="Helvetica"/>
+                <a:cs typeface="Helvetica"/>
+              </a:rPr>
+              <a:t>ipsum</a:t>
+            </a:r>
+            <a:r>
+              <a:rPr lang="en-US" sz="3600" dirty="0">
+                <a:latin typeface="Helvetica"/>
+                <a:cs typeface="Helvetica"/>
+              </a:rPr>
+              <a:t> </a:t>
+            </a:r>
+            <a:r>
+              <a:rPr lang="en-US" sz="3600" dirty="0" smtClean="0">
+                <a:latin typeface="Helvetica"/>
+                <a:cs typeface="Helvetica"/>
+              </a:rPr>
+              <a:t>dolor</a:t>
+            </a:r>
+          </a:p>
+          <a:p>
+            <a:pPr>
+              <a:lnSpc>
+                <a:spcPct val="110000"/>
+              </a:lnSpc>
+            </a:pPr>
+            <a:r>
+              <a:rPr lang="en-US" sz="3600" dirty="0" smtClean="0">
+                <a:latin typeface="Helvetica"/>
+                <a:cs typeface="Helvetica"/>
+              </a:rPr>
+              <a:t> </a:t>
+            </a:r>
+            <a:r>
+              <a:rPr lang="en-US" sz="3600" dirty="0">
+                <a:latin typeface="Helvetica"/>
+                <a:cs typeface="Helvetica"/>
+              </a:rPr>
+              <a:t>sit </a:t>
+            </a:r>
+            <a:r>
+              <a:rPr lang="en-US" sz="3600" dirty="0" err="1">
+                <a:latin typeface="Helvetica"/>
+                <a:cs typeface="Helvetica"/>
+              </a:rPr>
+              <a:t>amet</a:t>
+            </a:r>
+            <a:r>
+              <a:rPr lang="en-US" sz="3600" dirty="0">
+                <a:latin typeface="Helvetica"/>
+                <a:cs typeface="Helvetica"/>
+              </a:rPr>
+              <a:t>, </a:t>
+            </a:r>
+            <a:r>
+              <a:rPr lang="en-US" sz="3600" dirty="0" err="1" smtClean="0">
+                <a:latin typeface="Helvetica"/>
+                <a:cs typeface="Helvetica"/>
+              </a:rPr>
+              <a:t>consect</a:t>
+            </a:r>
+            <a:endParaRPr lang="en-US" sz="3600" dirty="0" smtClean="0">
+              <a:latin typeface="Helvetica"/>
+              <a:cs typeface="Helvetica"/>
+            </a:endParaRPr>
+          </a:p>
+          <a:p>
+            <a:pPr>
+              <a:lnSpc>
+                <a:spcPct val="110000"/>
+              </a:lnSpc>
+            </a:pPr>
+            <a:r>
+              <a:rPr lang="en-US" sz="3600" dirty="0" smtClean="0">
+                <a:latin typeface="Helvetica"/>
+                <a:cs typeface="Helvetica"/>
+              </a:rPr>
+              <a:t> </a:t>
+            </a:r>
+            <a:r>
+              <a:rPr lang="en-US" sz="3600" dirty="0" err="1">
+                <a:latin typeface="Helvetica"/>
+                <a:cs typeface="Helvetica"/>
+              </a:rPr>
+              <a:t>adipiscing</a:t>
+            </a:r>
+            <a:r>
+              <a:rPr lang="en-US" sz="3600" dirty="0">
+                <a:latin typeface="Helvetica"/>
+                <a:cs typeface="Helvetica"/>
+              </a:rPr>
+              <a:t> </a:t>
+            </a:r>
+            <a:r>
+              <a:rPr lang="en-US" sz="3600" dirty="0" err="1">
+                <a:latin typeface="Helvetica"/>
+                <a:cs typeface="Helvetica"/>
+              </a:rPr>
+              <a:t>elit</a:t>
+            </a:r>
+            <a:r>
+              <a:rPr lang="en-US" sz="3600" dirty="0">
+                <a:latin typeface="Helvetica"/>
+                <a:cs typeface="Helvetica"/>
+              </a:rPr>
+              <a:t>, </a:t>
+            </a:r>
+            <a:r>
+              <a:rPr lang="en-US" sz="3600" dirty="0" err="1" smtClean="0">
+                <a:latin typeface="Helvetica"/>
+                <a:cs typeface="Helvetica"/>
+              </a:rPr>
+              <a:t>lgk</a:t>
+            </a:r>
+            <a:endParaRPr lang="en-US" sz="3600" dirty="0" smtClean="0">
+              <a:latin typeface="Helvetica"/>
+              <a:cs typeface="Helvetica"/>
+            </a:endParaRPr>
+          </a:p>
+          <a:p>
+            <a:pPr>
+              <a:lnSpc>
+                <a:spcPct val="110000"/>
+              </a:lnSpc>
+            </a:pPr>
+            <a:r>
+              <a:rPr lang="en-US" sz="3600" dirty="0" err="1" smtClean="0">
+                <a:latin typeface="Helvetica"/>
+                <a:cs typeface="Helvetica"/>
+              </a:rPr>
+              <a:t>sed</a:t>
+            </a:r>
+            <a:r>
+              <a:rPr lang="en-US" sz="3600" dirty="0" smtClean="0">
+                <a:latin typeface="Helvetica"/>
+                <a:cs typeface="Helvetica"/>
+              </a:rPr>
+              <a:t> </a:t>
+            </a:r>
+            <a:r>
+              <a:rPr lang="en-US" sz="3600" dirty="0">
+                <a:latin typeface="Helvetica"/>
+                <a:cs typeface="Helvetica"/>
+              </a:rPr>
+              <a:t>do </a:t>
+            </a:r>
+            <a:r>
+              <a:rPr lang="en-US" sz="3600" dirty="0" err="1">
+                <a:latin typeface="Helvetica"/>
+                <a:cs typeface="Helvetica"/>
+              </a:rPr>
+              <a:t>eiusmod</a:t>
+            </a:r>
+            <a:r>
+              <a:rPr lang="en-US" sz="3600" dirty="0">
+                <a:latin typeface="Helvetica"/>
+                <a:cs typeface="Helvetica"/>
+              </a:rPr>
+              <a:t> </a:t>
+            </a:r>
+            <a:r>
+              <a:rPr lang="en-US" sz="3600" dirty="0" err="1" smtClean="0">
+                <a:latin typeface="Helvetica"/>
+                <a:cs typeface="Helvetica"/>
+              </a:rPr>
+              <a:t>tempor</a:t>
+            </a:r>
+            <a:r>
+              <a:rPr lang="en-US" sz="3600" dirty="0">
+                <a:latin typeface="Helvetica"/>
+                <a:cs typeface="Helvetica"/>
+              </a:rPr>
+              <a:t> </a:t>
+            </a:r>
+            <a:r>
+              <a:rPr lang="en-US" sz="3600" dirty="0" smtClean="0">
+                <a:latin typeface="Helvetica"/>
+                <a:cs typeface="Helvetica"/>
+              </a:rPr>
+              <a:t>sed</a:t>
+            </a:r>
+            <a:r>
+              <a:rPr lang="en-US" sz="3600" dirty="0" smtClean="0">
+                <a:latin typeface="Helvetica"/>
+                <a:cs typeface="Helvetica"/>
+              </a:rPr>
+              <a:t>.</a:t>
+            </a:r>
+          </a:p>
+          <a:p>
+            <a:pPr>
+              <a:lnSpc>
+                <a:spcPct val="110000"/>
+              </a:lnSpc>
+            </a:pPr>
+            <a:r>
+              <a:rPr lang="en-US" sz="3600" dirty="0" err="1">
+                <a:latin typeface="Helvetica"/>
+                <a:cs typeface="Helvetica"/>
+              </a:rPr>
+              <a:t>sed</a:t>
+            </a:r>
+            <a:r>
+              <a:rPr lang="en-US" sz="3600" dirty="0">
+                <a:latin typeface="Helvetica"/>
+                <a:cs typeface="Helvetica"/>
+              </a:rPr>
+              <a:t> do </a:t>
+            </a:r>
+            <a:r>
+              <a:rPr lang="en-US" sz="3600" dirty="0" err="1">
+                <a:latin typeface="Helvetica"/>
+                <a:cs typeface="Helvetica"/>
+              </a:rPr>
+              <a:t>eiusmod</a:t>
+            </a:r>
+            <a:r>
+              <a:rPr lang="en-US" sz="3600" dirty="0">
+                <a:latin typeface="Helvetica"/>
+                <a:cs typeface="Helvetica"/>
+              </a:rPr>
+              <a:t> </a:t>
+            </a:r>
+            <a:r>
+              <a:rPr lang="en-US" sz="3600" dirty="0" err="1">
+                <a:latin typeface="Helvetica"/>
+                <a:cs typeface="Helvetica"/>
+              </a:rPr>
+              <a:t>tempor</a:t>
+            </a:r>
+            <a:r>
+              <a:rPr lang="en-US" sz="3600" dirty="0">
+                <a:latin typeface="Helvetica"/>
+                <a:cs typeface="Helvetica"/>
+              </a:rPr>
+              <a:t> sed. </a:t>
+            </a:r>
+            <a:r>
+              <a:rPr lang="en-US" sz="3000" b="1" dirty="0" err="1">
+                <a:solidFill>
+                  <a:srgbClr val="2B84D2"/>
+                </a:solidFill>
+                <a:latin typeface="Helvetica"/>
+                <a:cs typeface="Helvetica"/>
+              </a:rPr>
+              <a:t>github.com</a:t>
+            </a:r>
+            <a:r>
+              <a:rPr lang="en-US" sz="3000" b="1" dirty="0">
+                <a:solidFill>
+                  <a:srgbClr val="2B84D2"/>
+                </a:solidFill>
+                <a:latin typeface="Helvetica"/>
+                <a:cs typeface="Helvetica"/>
+              </a:rPr>
+              <a:t>/NEU-Libraries/</a:t>
+            </a:r>
+            <a:r>
+              <a:rPr lang="en-US" sz="3000" b="1" dirty="0" err="1">
+                <a:solidFill>
+                  <a:srgbClr val="2B84D2"/>
+                </a:solidFill>
+                <a:latin typeface="Helvetica"/>
+                <a:cs typeface="Helvetica"/>
+              </a:rPr>
+              <a:t>cerberus</a:t>
+            </a:r>
+            <a:endParaRPr lang="en-US" sz="3000" b="1" dirty="0">
+              <a:solidFill>
+                <a:srgbClr val="2B84D2"/>
+              </a:solidFill>
+              <a:latin typeface="Helvetica"/>
+              <a:cs typeface="Helvetica"/>
+            </a:endParaRPr>
+          </a:p>
+        </p:txBody>
+      </p:sp>
+      <p:pic>
+        <p:nvPicPr>
+          <p:cNvPr id="6" name="Picture 5" descr="SmartCollections3.jpg"/>
+          <p:cNvPicPr>
+            <a:picLocks noChangeAspect="1"/>
+          </p:cNvPicPr>
+          <p:nvPr/>
+        </p:nvPicPr>
+        <p:blipFill>
+          <a:blip r:embed="rId3">
+            <a:extLst>
+              <a:ext uri="{28A0092B-C50C-407E-A947-70E740481C1C}">
+                <a14:useLocalDpi xmlns:a14="http://schemas.microsoft.com/office/drawing/2010/main" val="0"/>
+              </a:ext>
+            </a:extLst>
+          </a:blip>
+          <a:stretch>
+            <a:fillRect/>
+          </a:stretch>
+        </p:blipFill>
+        <p:spPr>
+          <a:xfrm>
+            <a:off x="10985500" y="5065683"/>
+            <a:ext cx="12568465" cy="14961433"/>
+          </a:xfrm>
+          <a:prstGeom prst="rect">
+            <a:avLst/>
+          </a:prstGeom>
+        </p:spPr>
+      </p:pic>
+      <p:sp>
+        <p:nvSpPr>
+          <p:cNvPr id="24" name="TextBox 23"/>
+          <p:cNvSpPr txBox="1"/>
+          <p:nvPr/>
+        </p:nvSpPr>
+        <p:spPr>
+          <a:xfrm>
+            <a:off x="24078955" y="5065683"/>
+            <a:ext cx="7163042" cy="9270149"/>
+          </a:xfrm>
+          <a:prstGeom prst="rect">
+            <a:avLst/>
+          </a:prstGeom>
+          <a:noFill/>
+          <a:ln w="28575" cmpd="sng">
+            <a:noFill/>
+          </a:ln>
+        </p:spPr>
+        <p:txBody>
+          <a:bodyPr wrap="square" lIns="329104" tIns="164551" rIns="329104" bIns="164551" rtlCol="0">
+            <a:spAutoFit/>
+          </a:bodyPr>
+          <a:lstStyle/>
+          <a:p>
+            <a:pPr>
+              <a:lnSpc>
+                <a:spcPct val="90000"/>
+              </a:lnSpc>
+            </a:pPr>
+            <a:r>
+              <a:rPr lang="en-US" sz="6000" b="1" dirty="0" smtClean="0">
+                <a:latin typeface="Helvetica"/>
+                <a:cs typeface="Helvetica"/>
+              </a:rPr>
+              <a:t>Communities</a:t>
+            </a:r>
+          </a:p>
+          <a:p>
+            <a:pPr>
+              <a:lnSpc>
+                <a:spcPct val="90000"/>
+              </a:lnSpc>
+            </a:pPr>
+            <a:endParaRPr lang="en-US" sz="1400" dirty="0">
+              <a:latin typeface="Helvetica"/>
+              <a:cs typeface="Helvetica"/>
+            </a:endParaRPr>
+          </a:p>
+          <a:p>
+            <a:pPr>
+              <a:lnSpc>
+                <a:spcPct val="110000"/>
+              </a:lnSpc>
+            </a:pPr>
+            <a:r>
+              <a:rPr lang="en-US" sz="3600" dirty="0" err="1">
+                <a:latin typeface="Helvetica"/>
+                <a:cs typeface="Helvetica"/>
+              </a:rPr>
+              <a:t>Lorem</a:t>
+            </a:r>
+            <a:r>
+              <a:rPr lang="en-US" sz="3600" dirty="0">
+                <a:latin typeface="Helvetica"/>
+                <a:cs typeface="Helvetica"/>
+              </a:rPr>
+              <a:t> </a:t>
+            </a:r>
+            <a:r>
+              <a:rPr lang="en-US" sz="3600" dirty="0" err="1">
+                <a:latin typeface="Helvetica"/>
+                <a:cs typeface="Helvetica"/>
+              </a:rPr>
+              <a:t>ipsum</a:t>
+            </a:r>
+            <a:r>
+              <a:rPr lang="en-US" sz="3600" dirty="0">
+                <a:latin typeface="Helvetica"/>
+                <a:cs typeface="Helvetica"/>
+              </a:rPr>
+              <a:t> dolor sit </a:t>
+            </a:r>
+            <a:r>
+              <a:rPr lang="en-US" sz="3600" dirty="0" err="1">
+                <a:latin typeface="Helvetica"/>
+                <a:cs typeface="Helvetica"/>
+              </a:rPr>
+              <a:t>amet</a:t>
+            </a:r>
+            <a:r>
+              <a:rPr lang="en-US" sz="3600" dirty="0">
+                <a:latin typeface="Helvetica"/>
+                <a:cs typeface="Helvetica"/>
+              </a:rPr>
+              <a:t>, </a:t>
+            </a:r>
+            <a:r>
+              <a:rPr lang="en-US" sz="3600" dirty="0" err="1">
+                <a:latin typeface="Helvetica"/>
+                <a:cs typeface="Helvetica"/>
+              </a:rPr>
+              <a:t>consectetur</a:t>
+            </a:r>
+            <a:r>
+              <a:rPr lang="en-US" sz="3600" dirty="0">
+                <a:latin typeface="Helvetica"/>
+                <a:cs typeface="Helvetica"/>
+              </a:rPr>
+              <a:t> </a:t>
+            </a:r>
+            <a:r>
+              <a:rPr lang="en-US" sz="3600" dirty="0" err="1">
+                <a:latin typeface="Helvetica"/>
+                <a:cs typeface="Helvetica"/>
+              </a:rPr>
+              <a:t>adipiscing</a:t>
+            </a:r>
+            <a:r>
+              <a:rPr lang="en-US" sz="3600" dirty="0">
+                <a:latin typeface="Helvetica"/>
+                <a:cs typeface="Helvetica"/>
+              </a:rPr>
+              <a:t> </a:t>
+            </a:r>
+            <a:r>
+              <a:rPr lang="en-US" sz="3600" dirty="0" err="1">
+                <a:latin typeface="Helvetica"/>
+                <a:cs typeface="Helvetica"/>
+              </a:rPr>
+              <a:t>elit</a:t>
+            </a:r>
+            <a:r>
+              <a:rPr lang="en-US" sz="3600" dirty="0">
+                <a:latin typeface="Helvetica"/>
+                <a:cs typeface="Helvetica"/>
+              </a:rPr>
+              <a:t>, </a:t>
+            </a:r>
+            <a:r>
+              <a:rPr lang="en-US" sz="3600" dirty="0" err="1">
+                <a:latin typeface="Helvetica"/>
+                <a:cs typeface="Helvetica"/>
+              </a:rPr>
+              <a:t>sed</a:t>
+            </a:r>
+            <a:r>
+              <a:rPr lang="en-US" sz="3600" dirty="0">
+                <a:latin typeface="Helvetica"/>
+                <a:cs typeface="Helvetica"/>
+              </a:rPr>
+              <a:t> do </a:t>
+            </a:r>
+            <a:r>
+              <a:rPr lang="en-US" sz="3600" dirty="0" err="1">
+                <a:latin typeface="Helvetica"/>
+                <a:cs typeface="Helvetica"/>
+              </a:rPr>
+              <a:t>eiusmod</a:t>
+            </a:r>
+            <a:r>
+              <a:rPr lang="en-US" sz="3600" dirty="0">
+                <a:latin typeface="Helvetica"/>
+                <a:cs typeface="Helvetica"/>
+              </a:rPr>
+              <a:t> </a:t>
+            </a:r>
+            <a:r>
+              <a:rPr lang="en-US" sz="3600" dirty="0" err="1">
+                <a:latin typeface="Helvetica"/>
+                <a:cs typeface="Helvetica"/>
+              </a:rPr>
+              <a:t>tempor</a:t>
+            </a:r>
+            <a:r>
+              <a:rPr lang="en-US" sz="3600" dirty="0">
+                <a:latin typeface="Helvetica"/>
+                <a:cs typeface="Helvetica"/>
+              </a:rPr>
+              <a:t> </a:t>
+            </a:r>
+            <a:r>
+              <a:rPr lang="en-US" sz="3600" dirty="0" err="1">
+                <a:latin typeface="Helvetica"/>
+                <a:cs typeface="Helvetica"/>
+              </a:rPr>
+              <a:t>incididunt</a:t>
+            </a:r>
+            <a:r>
+              <a:rPr lang="en-US" sz="3600" dirty="0">
+                <a:latin typeface="Helvetica"/>
+                <a:cs typeface="Helvetica"/>
+              </a:rPr>
+              <a:t> </a:t>
+            </a:r>
+            <a:r>
+              <a:rPr lang="en-US" sz="3600" dirty="0" err="1">
+                <a:latin typeface="Helvetica"/>
+                <a:cs typeface="Helvetica"/>
+              </a:rPr>
+              <a:t>ut</a:t>
+            </a:r>
+            <a:r>
+              <a:rPr lang="en-US" sz="3600" dirty="0">
+                <a:latin typeface="Helvetica"/>
+                <a:cs typeface="Helvetica"/>
+              </a:rPr>
+              <a:t> </a:t>
+            </a:r>
+            <a:r>
+              <a:rPr lang="en-US" sz="3600" dirty="0" err="1">
+                <a:latin typeface="Helvetica"/>
+                <a:cs typeface="Helvetica"/>
+              </a:rPr>
+              <a:t>labore</a:t>
+            </a:r>
+            <a:r>
+              <a:rPr lang="en-US" sz="3600" dirty="0">
+                <a:latin typeface="Helvetica"/>
+                <a:cs typeface="Helvetica"/>
+              </a:rPr>
+              <a:t> et </a:t>
+            </a:r>
+            <a:r>
+              <a:rPr lang="en-US" sz="3600" dirty="0" err="1">
+                <a:latin typeface="Helvetica"/>
+                <a:cs typeface="Helvetica"/>
+              </a:rPr>
+              <a:t>dolore</a:t>
+            </a:r>
+            <a:r>
+              <a:rPr lang="en-US" sz="3600" dirty="0">
+                <a:latin typeface="Helvetica"/>
+                <a:cs typeface="Helvetica"/>
+              </a:rPr>
+              <a:t> magna </a:t>
+            </a:r>
+            <a:r>
+              <a:rPr lang="en-US" sz="3600" dirty="0" err="1" smtClean="0">
+                <a:latin typeface="Helvetica"/>
+                <a:cs typeface="Helvetica"/>
+              </a:rPr>
+              <a:t>aliqua</a:t>
+            </a:r>
+            <a:r>
+              <a:rPr lang="en-US" sz="3600" dirty="0" smtClean="0">
+                <a:latin typeface="Helvetica"/>
+                <a:cs typeface="Helvetica"/>
+              </a:rPr>
+              <a:t> </a:t>
+            </a:r>
+            <a:r>
+              <a:rPr lang="en-US" sz="3600" dirty="0">
+                <a:latin typeface="Helvetica"/>
+                <a:cs typeface="Helvetica"/>
+              </a:rPr>
+              <a:t>magna </a:t>
+            </a:r>
+            <a:r>
+              <a:rPr lang="en-US" sz="3600" dirty="0" err="1" smtClean="0">
+                <a:latin typeface="Helvetica"/>
+                <a:cs typeface="Helvetica"/>
+              </a:rPr>
+              <a:t>aliqua</a:t>
+            </a:r>
+            <a:r>
+              <a:rPr lang="en-US" sz="3600" dirty="0" smtClean="0">
+                <a:latin typeface="Helvetica"/>
+                <a:cs typeface="Helvetica"/>
+              </a:rPr>
+              <a:t> </a:t>
+            </a:r>
+            <a:r>
+              <a:rPr lang="en-US" sz="3600" dirty="0">
+                <a:latin typeface="Helvetica"/>
+                <a:cs typeface="Helvetica"/>
+              </a:rPr>
+              <a:t>magna </a:t>
+            </a:r>
+            <a:r>
+              <a:rPr lang="en-US" sz="3600" dirty="0" err="1" smtClean="0">
+                <a:latin typeface="Helvetica"/>
+                <a:cs typeface="Helvetica"/>
+              </a:rPr>
+              <a:t>aliqua</a:t>
+            </a:r>
+            <a:r>
+              <a:rPr lang="en-US" sz="3600" dirty="0" smtClean="0">
+                <a:latin typeface="Helvetica"/>
+                <a:cs typeface="Helvetica"/>
+              </a:rPr>
+              <a:t> </a:t>
+            </a:r>
+            <a:r>
+              <a:rPr lang="en-US" sz="3600" dirty="0">
+                <a:latin typeface="Helvetica"/>
+                <a:cs typeface="Helvetica"/>
+              </a:rPr>
+              <a:t>magna </a:t>
+            </a:r>
+            <a:r>
+              <a:rPr lang="en-US" sz="3600" dirty="0" err="1" smtClean="0">
+                <a:latin typeface="Helvetica"/>
+                <a:cs typeface="Helvetica"/>
+              </a:rPr>
+              <a:t>aliqua</a:t>
+            </a:r>
+            <a:r>
+              <a:rPr lang="en-US" sz="3600" dirty="0">
+                <a:latin typeface="Helvetica"/>
+                <a:cs typeface="Helvetica"/>
+              </a:rPr>
+              <a:t> </a:t>
+            </a:r>
+            <a:r>
+              <a:rPr lang="en-US" sz="3600" dirty="0" err="1">
+                <a:latin typeface="Helvetica"/>
+                <a:cs typeface="Helvetica"/>
+              </a:rPr>
+              <a:t>Lorem</a:t>
+            </a:r>
+            <a:r>
+              <a:rPr lang="en-US" sz="3600" dirty="0">
+                <a:latin typeface="Helvetica"/>
+                <a:cs typeface="Helvetica"/>
+              </a:rPr>
+              <a:t> </a:t>
+            </a:r>
+            <a:r>
+              <a:rPr lang="en-US" sz="3600" dirty="0" err="1">
+                <a:latin typeface="Helvetica"/>
+                <a:cs typeface="Helvetica"/>
+              </a:rPr>
+              <a:t>ipsum</a:t>
+            </a:r>
+            <a:r>
+              <a:rPr lang="en-US" sz="3600" dirty="0">
+                <a:latin typeface="Helvetica"/>
+                <a:cs typeface="Helvetica"/>
+              </a:rPr>
+              <a:t> dolor sit </a:t>
+            </a:r>
+            <a:r>
+              <a:rPr lang="en-US" sz="3600" dirty="0" err="1">
+                <a:latin typeface="Helvetica"/>
+                <a:cs typeface="Helvetica"/>
+              </a:rPr>
+              <a:t>amet</a:t>
+            </a:r>
+            <a:r>
+              <a:rPr lang="en-US" sz="3600" dirty="0">
+                <a:latin typeface="Helvetica"/>
+                <a:cs typeface="Helvetica"/>
+              </a:rPr>
+              <a:t>, </a:t>
+            </a:r>
+            <a:r>
+              <a:rPr lang="en-US" sz="3600" dirty="0" err="1">
+                <a:latin typeface="Helvetica"/>
+                <a:cs typeface="Helvetica"/>
+              </a:rPr>
+              <a:t>consectetur</a:t>
+            </a:r>
+            <a:r>
+              <a:rPr lang="en-US" sz="3600" dirty="0">
+                <a:latin typeface="Helvetica"/>
+                <a:cs typeface="Helvetica"/>
+              </a:rPr>
+              <a:t> </a:t>
+            </a:r>
+            <a:r>
+              <a:rPr lang="en-US" sz="3600" dirty="0" err="1">
+                <a:latin typeface="Helvetica"/>
+                <a:cs typeface="Helvetica"/>
+              </a:rPr>
+              <a:t>adipiscing</a:t>
+            </a:r>
+            <a:r>
+              <a:rPr lang="en-US" sz="3600" dirty="0">
+                <a:latin typeface="Helvetica"/>
+                <a:cs typeface="Helvetica"/>
+              </a:rPr>
+              <a:t> </a:t>
+            </a:r>
+            <a:r>
+              <a:rPr lang="en-US" sz="3600" dirty="0" err="1">
+                <a:latin typeface="Helvetica"/>
+                <a:cs typeface="Helvetica"/>
+              </a:rPr>
+              <a:t>elit</a:t>
+            </a:r>
+            <a:r>
+              <a:rPr lang="en-US" sz="3600" dirty="0">
+                <a:latin typeface="Helvetica"/>
+                <a:cs typeface="Helvetica"/>
+              </a:rPr>
+              <a:t>, </a:t>
+            </a:r>
+            <a:r>
+              <a:rPr lang="en-US" sz="3600" dirty="0" err="1">
+                <a:latin typeface="Helvetica"/>
+                <a:cs typeface="Helvetica"/>
+              </a:rPr>
+              <a:t>sed</a:t>
+            </a:r>
+            <a:r>
+              <a:rPr lang="en-US" sz="3600" dirty="0">
+                <a:latin typeface="Helvetica"/>
+                <a:cs typeface="Helvetica"/>
+              </a:rPr>
+              <a:t> do </a:t>
+            </a:r>
+            <a:r>
+              <a:rPr lang="en-US" sz="3600" dirty="0" err="1">
+                <a:latin typeface="Helvetica"/>
+                <a:cs typeface="Helvetica"/>
+              </a:rPr>
+              <a:t>eiusmod</a:t>
+            </a:r>
+            <a:r>
+              <a:rPr lang="en-US" sz="3600" dirty="0">
+                <a:latin typeface="Helvetica"/>
+                <a:cs typeface="Helvetica"/>
+              </a:rPr>
+              <a:t> </a:t>
+            </a:r>
+            <a:r>
+              <a:rPr lang="en-US" sz="3600" dirty="0" err="1">
+                <a:latin typeface="Helvetica"/>
+                <a:cs typeface="Helvetica"/>
+              </a:rPr>
+              <a:t>tempor</a:t>
+            </a:r>
+            <a:r>
+              <a:rPr lang="en-US" sz="3600" dirty="0">
+                <a:latin typeface="Helvetica"/>
+                <a:cs typeface="Helvetica"/>
+              </a:rPr>
+              <a:t> </a:t>
+            </a:r>
+            <a:r>
+              <a:rPr lang="en-US" sz="3600" dirty="0" err="1">
+                <a:latin typeface="Helvetica"/>
+                <a:cs typeface="Helvetica"/>
+              </a:rPr>
+              <a:t>incididunt</a:t>
+            </a:r>
+            <a:r>
+              <a:rPr lang="en-US" sz="3600" dirty="0">
+                <a:latin typeface="Helvetica"/>
+                <a:cs typeface="Helvetica"/>
+              </a:rPr>
+              <a:t> </a:t>
+            </a:r>
+            <a:r>
+              <a:rPr lang="en-US" sz="3600" dirty="0" err="1">
+                <a:latin typeface="Helvetica"/>
+                <a:cs typeface="Helvetica"/>
+              </a:rPr>
+              <a:t>ut</a:t>
+            </a:r>
+            <a:r>
+              <a:rPr lang="en-US" sz="3600" dirty="0">
+                <a:latin typeface="Helvetica"/>
+                <a:cs typeface="Helvetica"/>
+              </a:rPr>
+              <a:t> </a:t>
+            </a:r>
+            <a:r>
+              <a:rPr lang="en-US" sz="3600" dirty="0" err="1">
+                <a:latin typeface="Helvetica"/>
+                <a:cs typeface="Helvetica"/>
+              </a:rPr>
+              <a:t>labore</a:t>
+            </a:r>
+            <a:r>
+              <a:rPr lang="en-US" sz="3600" dirty="0">
+                <a:latin typeface="Helvetica"/>
+                <a:cs typeface="Helvetica"/>
+              </a:rPr>
+              <a:t> et </a:t>
+            </a:r>
+            <a:r>
+              <a:rPr lang="en-US" sz="3600" dirty="0" err="1">
+                <a:latin typeface="Helvetica"/>
+                <a:cs typeface="Helvetica"/>
+              </a:rPr>
+              <a:t>dolore</a:t>
+            </a:r>
+            <a:r>
+              <a:rPr lang="en-US" sz="3600" dirty="0">
+                <a:latin typeface="Helvetica"/>
+                <a:cs typeface="Helvetica"/>
+              </a:rPr>
+              <a:t> </a:t>
+            </a:r>
+            <a:r>
+              <a:rPr lang="en-US" sz="3600" dirty="0" err="1">
+                <a:latin typeface="Helvetica"/>
+                <a:cs typeface="Helvetica"/>
+              </a:rPr>
+              <a:t>sed</a:t>
+            </a:r>
+            <a:r>
+              <a:rPr lang="en-US" sz="3600" dirty="0">
+                <a:latin typeface="Helvetica"/>
+                <a:cs typeface="Helvetica"/>
+              </a:rPr>
+              <a:t> do </a:t>
+            </a:r>
+            <a:r>
+              <a:rPr lang="en-US" sz="3600" dirty="0" err="1">
+                <a:latin typeface="Helvetica"/>
+                <a:cs typeface="Helvetica"/>
+              </a:rPr>
+              <a:t>eiusmod</a:t>
+            </a:r>
+            <a:r>
+              <a:rPr lang="en-US" sz="3600" dirty="0">
+                <a:latin typeface="Helvetica"/>
+                <a:cs typeface="Helvetica"/>
+              </a:rPr>
+              <a:t> </a:t>
+            </a:r>
+            <a:r>
+              <a:rPr lang="en-US" sz="3600" dirty="0" err="1" smtClean="0">
+                <a:latin typeface="Helvetica"/>
+                <a:cs typeface="Helvetica"/>
+              </a:rPr>
+              <a:t>tempor</a:t>
+            </a:r>
+            <a:endParaRPr lang="en-US" sz="3600" dirty="0" smtClean="0">
+              <a:latin typeface="Helvetica"/>
+              <a:cs typeface="Helvetica"/>
+            </a:endParaRPr>
+          </a:p>
+          <a:p>
+            <a:pPr>
+              <a:lnSpc>
+                <a:spcPct val="110000"/>
+              </a:lnSpc>
+            </a:pPr>
+            <a:r>
+              <a:rPr lang="en-US" sz="3600" dirty="0" err="1">
+                <a:latin typeface="Helvetica"/>
+                <a:cs typeface="Helvetica"/>
+              </a:rPr>
+              <a:t>tempor</a:t>
+            </a:r>
+            <a:r>
+              <a:rPr lang="en-US" sz="3600" dirty="0">
+                <a:latin typeface="Helvetica"/>
+                <a:cs typeface="Helvetica"/>
+              </a:rPr>
+              <a:t> </a:t>
+            </a:r>
+            <a:r>
+              <a:rPr lang="en-US" sz="3600" dirty="0" err="1">
+                <a:latin typeface="Helvetica"/>
+                <a:cs typeface="Helvetica"/>
+              </a:rPr>
+              <a:t>incididunt</a:t>
+            </a:r>
+            <a:r>
+              <a:rPr lang="en-US" sz="3600" dirty="0">
+                <a:latin typeface="Helvetica"/>
+                <a:cs typeface="Helvetica"/>
+              </a:rPr>
+              <a:t> </a:t>
+            </a:r>
+            <a:r>
+              <a:rPr lang="en-US" sz="3600" dirty="0" err="1">
+                <a:latin typeface="Helvetica"/>
+                <a:cs typeface="Helvetica"/>
+              </a:rPr>
+              <a:t>ut</a:t>
+            </a:r>
+            <a:r>
+              <a:rPr lang="en-US" sz="3600" dirty="0">
+                <a:latin typeface="Helvetica"/>
+                <a:cs typeface="Helvetica"/>
+              </a:rPr>
+              <a:t> </a:t>
+            </a:r>
+            <a:r>
+              <a:rPr lang="en-US" sz="3600" dirty="0" err="1">
+                <a:latin typeface="Helvetica"/>
+                <a:cs typeface="Helvetica"/>
+              </a:rPr>
+              <a:t>labore</a:t>
+            </a:r>
+            <a:r>
+              <a:rPr lang="en-US" sz="3600" dirty="0">
+                <a:latin typeface="Helvetica"/>
+                <a:cs typeface="Helvetica"/>
+              </a:rPr>
+              <a:t> </a:t>
+            </a:r>
+            <a:r>
+              <a:rPr lang="en-US" sz="3600" dirty="0" smtClean="0">
+                <a:latin typeface="Helvetica"/>
+                <a:cs typeface="Helvetica"/>
+              </a:rPr>
+              <a:t>et</a:t>
+            </a:r>
+          </a:p>
+          <a:p>
+            <a:pPr>
+              <a:lnSpc>
+                <a:spcPct val="110000"/>
+              </a:lnSpc>
+            </a:pPr>
+            <a:r>
+              <a:rPr lang="en-US" sz="3600" dirty="0" err="1">
+                <a:latin typeface="Helvetica"/>
+                <a:cs typeface="Helvetica"/>
+              </a:rPr>
+              <a:t>tempor</a:t>
+            </a:r>
+            <a:r>
+              <a:rPr lang="en-US" sz="3600" dirty="0">
+                <a:latin typeface="Helvetica"/>
+                <a:cs typeface="Helvetica"/>
+              </a:rPr>
+              <a:t> </a:t>
+            </a:r>
+            <a:r>
+              <a:rPr lang="en-US" sz="3600" dirty="0" err="1">
+                <a:latin typeface="Helvetica"/>
+                <a:cs typeface="Helvetica"/>
+              </a:rPr>
+              <a:t>incididunt</a:t>
+            </a:r>
+            <a:r>
+              <a:rPr lang="en-US" sz="3600" dirty="0">
+                <a:latin typeface="Helvetica"/>
+                <a:cs typeface="Helvetica"/>
+              </a:rPr>
+              <a:t> </a:t>
+            </a:r>
+            <a:r>
+              <a:rPr lang="en-US" sz="3600" dirty="0" err="1">
+                <a:latin typeface="Helvetica"/>
+                <a:cs typeface="Helvetica"/>
+              </a:rPr>
+              <a:t>ut</a:t>
+            </a:r>
+            <a:r>
+              <a:rPr lang="en-US" sz="3600" dirty="0">
+                <a:latin typeface="Helvetica"/>
+                <a:cs typeface="Helvetica"/>
+              </a:rPr>
+              <a:t> </a:t>
+            </a:r>
+            <a:r>
+              <a:rPr lang="en-US" sz="3600" dirty="0" err="1">
+                <a:latin typeface="Helvetica"/>
+                <a:cs typeface="Helvetica"/>
+              </a:rPr>
+              <a:t>labore</a:t>
+            </a:r>
+            <a:r>
+              <a:rPr lang="en-US" sz="3600" dirty="0">
+                <a:latin typeface="Helvetica"/>
+                <a:cs typeface="Helvetica"/>
+              </a:rPr>
+              <a:t> </a:t>
+            </a:r>
+            <a:r>
+              <a:rPr lang="en-US" sz="3600" dirty="0" smtClean="0">
+                <a:latin typeface="Helvetica"/>
+                <a:cs typeface="Helvetica"/>
+              </a:rPr>
+              <a:t>et </a:t>
+            </a:r>
+            <a:r>
+              <a:rPr lang="en-US" sz="3600" dirty="0">
+                <a:latin typeface="Helvetica"/>
+                <a:cs typeface="Helvetica"/>
+              </a:rPr>
+              <a:t>exercitation </a:t>
+            </a:r>
+            <a:r>
+              <a:rPr lang="en-US" sz="3600" dirty="0" err="1">
+                <a:latin typeface="Helvetica"/>
+                <a:cs typeface="Helvetica"/>
+              </a:rPr>
+              <a:t>ullamco</a:t>
+            </a:r>
+            <a:r>
+              <a:rPr lang="en-US" sz="3600" dirty="0">
+                <a:latin typeface="Helvetica"/>
+                <a:cs typeface="Helvetica"/>
+              </a:rPr>
+              <a:t> </a:t>
+            </a:r>
+            <a:r>
+              <a:rPr lang="en-US" sz="3600" dirty="0" err="1">
+                <a:latin typeface="Helvetica"/>
+                <a:cs typeface="Helvetica"/>
+              </a:rPr>
+              <a:t>laboris</a:t>
+            </a:r>
+            <a:r>
+              <a:rPr lang="en-US" sz="3600" dirty="0">
+                <a:latin typeface="Helvetica"/>
+                <a:cs typeface="Helvetica"/>
+              </a:rPr>
+              <a:t> </a:t>
+            </a:r>
+            <a:r>
+              <a:rPr lang="en-US" sz="3600" dirty="0" smtClean="0">
+                <a:latin typeface="Helvetica"/>
+                <a:cs typeface="Helvetica"/>
+              </a:rPr>
+              <a:t>nisi</a:t>
+            </a:r>
+            <a:endParaRPr lang="en-US" sz="3600" dirty="0">
+              <a:latin typeface="Helvetica"/>
+              <a:cs typeface="Helvetica"/>
+            </a:endParaRPr>
+          </a:p>
+        </p:txBody>
+      </p:sp>
+      <p:sp>
+        <p:nvSpPr>
+          <p:cNvPr id="31" name="TextBox 30"/>
+          <p:cNvSpPr txBox="1"/>
+          <p:nvPr/>
+        </p:nvSpPr>
+        <p:spPr>
+          <a:xfrm>
+            <a:off x="17321489" y="20639715"/>
+            <a:ext cx="6232476" cy="4394966"/>
+          </a:xfrm>
+          <a:prstGeom prst="rect">
+            <a:avLst/>
+          </a:prstGeom>
+          <a:noFill/>
+          <a:ln w="28575" cmpd="sng">
+            <a:noFill/>
+          </a:ln>
+        </p:spPr>
+        <p:txBody>
+          <a:bodyPr wrap="square" lIns="329104" tIns="164551" rIns="329104" bIns="164551" rtlCol="0">
+            <a:spAutoFit/>
+          </a:bodyPr>
+          <a:lstStyle/>
+          <a:p>
+            <a:pPr>
+              <a:lnSpc>
+                <a:spcPct val="90000"/>
+              </a:lnSpc>
+            </a:pPr>
+            <a:r>
+              <a:rPr lang="en-US" sz="6000" b="1" dirty="0" smtClean="0">
+                <a:latin typeface="Helvetica"/>
+                <a:cs typeface="Helvetica"/>
+              </a:rPr>
+              <a:t>Disadvantages</a:t>
+            </a:r>
+          </a:p>
+          <a:p>
+            <a:pPr>
+              <a:lnSpc>
+                <a:spcPct val="90000"/>
+              </a:lnSpc>
+            </a:pPr>
+            <a:endParaRPr lang="en-US" sz="1400" dirty="0">
+              <a:latin typeface="Helvetica"/>
+              <a:cs typeface="Helvetica"/>
+            </a:endParaRPr>
+          </a:p>
+          <a:p>
+            <a:pPr marL="571500" indent="-571500">
+              <a:lnSpc>
+                <a:spcPct val="110000"/>
+              </a:lnSpc>
+              <a:buFont typeface="Arial"/>
+              <a:buChar char="•"/>
+            </a:pPr>
+            <a:r>
+              <a:rPr lang="en-US" sz="3600" dirty="0" err="1">
+                <a:latin typeface="Helvetica"/>
+                <a:cs typeface="Helvetica"/>
+              </a:rPr>
+              <a:t>adipiscing</a:t>
+            </a:r>
+            <a:r>
+              <a:rPr lang="en-US" sz="3600" dirty="0">
+                <a:latin typeface="Helvetica"/>
+                <a:cs typeface="Helvetica"/>
+              </a:rPr>
+              <a:t> </a:t>
+            </a:r>
+            <a:r>
+              <a:rPr lang="en-US" sz="3600" dirty="0" err="1">
+                <a:latin typeface="Helvetica"/>
+                <a:cs typeface="Helvetica"/>
+              </a:rPr>
+              <a:t>elit</a:t>
+            </a:r>
+            <a:r>
+              <a:rPr lang="en-US" sz="3600" dirty="0">
+                <a:latin typeface="Helvetica"/>
+                <a:cs typeface="Helvetica"/>
+              </a:rPr>
+              <a:t>, </a:t>
+            </a:r>
+            <a:r>
+              <a:rPr lang="en-US" sz="3600" dirty="0" err="1">
+                <a:latin typeface="Helvetica"/>
+                <a:cs typeface="Helvetica"/>
+              </a:rPr>
+              <a:t>sed</a:t>
+            </a:r>
+            <a:r>
+              <a:rPr lang="en-US" sz="3600" dirty="0">
+                <a:latin typeface="Helvetica"/>
+                <a:cs typeface="Helvetica"/>
+              </a:rPr>
+              <a:t> </a:t>
+            </a:r>
+            <a:r>
+              <a:rPr lang="en-US" sz="3600" dirty="0" smtClean="0">
+                <a:latin typeface="Helvetica"/>
+                <a:cs typeface="Helvetica"/>
+              </a:rPr>
+              <a:t>do</a:t>
+            </a:r>
+          </a:p>
+          <a:p>
+            <a:pPr marL="571500" indent="-571500">
+              <a:lnSpc>
+                <a:spcPct val="110000"/>
+              </a:lnSpc>
+              <a:buFont typeface="Arial"/>
+              <a:buChar char="•"/>
+            </a:pPr>
+            <a:r>
+              <a:rPr lang="en-US" sz="3600" dirty="0" err="1">
+                <a:latin typeface="Helvetica"/>
+                <a:cs typeface="Helvetica"/>
+              </a:rPr>
+              <a:t>adipiscing</a:t>
+            </a:r>
+            <a:r>
+              <a:rPr lang="en-US" sz="3600" dirty="0">
+                <a:latin typeface="Helvetica"/>
+                <a:cs typeface="Helvetica"/>
+              </a:rPr>
+              <a:t> </a:t>
+            </a:r>
+            <a:r>
+              <a:rPr lang="en-US" sz="3600" dirty="0" err="1">
+                <a:latin typeface="Helvetica"/>
+                <a:cs typeface="Helvetica"/>
+              </a:rPr>
+              <a:t>elit</a:t>
+            </a:r>
+            <a:r>
+              <a:rPr lang="en-US" sz="3600" dirty="0">
+                <a:latin typeface="Helvetica"/>
+                <a:cs typeface="Helvetica"/>
+              </a:rPr>
+              <a:t>, </a:t>
+            </a:r>
+            <a:r>
+              <a:rPr lang="en-US" sz="3600" dirty="0" err="1">
+                <a:latin typeface="Helvetica"/>
+                <a:cs typeface="Helvetica"/>
+              </a:rPr>
+              <a:t>sed</a:t>
+            </a:r>
+            <a:r>
+              <a:rPr lang="en-US" sz="3600" dirty="0">
+                <a:latin typeface="Helvetica"/>
+                <a:cs typeface="Helvetica"/>
+              </a:rPr>
+              <a:t> do</a:t>
+            </a:r>
+          </a:p>
+          <a:p>
+            <a:pPr marL="571500" indent="-571500">
+              <a:lnSpc>
+                <a:spcPct val="110000"/>
+              </a:lnSpc>
+              <a:buFont typeface="Arial"/>
+              <a:buChar char="•"/>
+            </a:pPr>
+            <a:r>
+              <a:rPr lang="en-US" sz="3600" dirty="0" err="1">
+                <a:latin typeface="Helvetica"/>
+                <a:cs typeface="Helvetica"/>
+              </a:rPr>
+              <a:t>adipiscing</a:t>
+            </a:r>
+            <a:r>
+              <a:rPr lang="en-US" sz="3600" dirty="0">
+                <a:latin typeface="Helvetica"/>
+                <a:cs typeface="Helvetica"/>
+              </a:rPr>
+              <a:t> </a:t>
+            </a:r>
+            <a:r>
+              <a:rPr lang="en-US" sz="3600" dirty="0" err="1">
+                <a:latin typeface="Helvetica"/>
+                <a:cs typeface="Helvetica"/>
+              </a:rPr>
+              <a:t>elit</a:t>
+            </a:r>
+            <a:r>
+              <a:rPr lang="en-US" sz="3600" dirty="0">
+                <a:latin typeface="Helvetica"/>
+                <a:cs typeface="Helvetica"/>
+              </a:rPr>
+              <a:t>, </a:t>
+            </a:r>
+            <a:r>
+              <a:rPr lang="en-US" sz="3600" dirty="0" err="1">
+                <a:latin typeface="Helvetica"/>
+                <a:cs typeface="Helvetica"/>
+              </a:rPr>
+              <a:t>sed</a:t>
+            </a:r>
+            <a:r>
+              <a:rPr lang="en-US" sz="3600" dirty="0">
+                <a:latin typeface="Helvetica"/>
+                <a:cs typeface="Helvetica"/>
+              </a:rPr>
+              <a:t> do</a:t>
+            </a:r>
+          </a:p>
+          <a:p>
+            <a:pPr marL="571500" indent="-571500">
+              <a:lnSpc>
+                <a:spcPct val="110000"/>
+              </a:lnSpc>
+              <a:buFont typeface="Arial"/>
+              <a:buChar char="•"/>
+            </a:pPr>
+            <a:r>
+              <a:rPr lang="en-US" sz="3600" dirty="0" err="1">
+                <a:latin typeface="Helvetica"/>
+                <a:cs typeface="Helvetica"/>
+              </a:rPr>
+              <a:t>adipiscing</a:t>
+            </a:r>
+            <a:r>
+              <a:rPr lang="en-US" sz="3600" dirty="0">
+                <a:latin typeface="Helvetica"/>
+                <a:cs typeface="Helvetica"/>
+              </a:rPr>
+              <a:t> </a:t>
+            </a:r>
+            <a:r>
+              <a:rPr lang="en-US" sz="3600" dirty="0" err="1">
+                <a:latin typeface="Helvetica"/>
+                <a:cs typeface="Helvetica"/>
+              </a:rPr>
+              <a:t>elit</a:t>
+            </a:r>
+            <a:r>
+              <a:rPr lang="en-US" sz="3600" dirty="0">
+                <a:latin typeface="Helvetica"/>
+                <a:cs typeface="Helvetica"/>
+              </a:rPr>
+              <a:t>, </a:t>
+            </a:r>
+            <a:r>
+              <a:rPr lang="en-US" sz="3600" dirty="0" err="1">
+                <a:latin typeface="Helvetica"/>
+                <a:cs typeface="Helvetica"/>
+              </a:rPr>
+              <a:t>sed</a:t>
+            </a:r>
+            <a:r>
+              <a:rPr lang="en-US" sz="3600" dirty="0">
+                <a:latin typeface="Helvetica"/>
+                <a:cs typeface="Helvetica"/>
+              </a:rPr>
+              <a:t> </a:t>
+            </a:r>
+            <a:r>
+              <a:rPr lang="en-US" sz="3600" dirty="0" smtClean="0">
+                <a:latin typeface="Helvetica"/>
+                <a:cs typeface="Helvetica"/>
+              </a:rPr>
+              <a:t>do</a:t>
+            </a:r>
+          </a:p>
+          <a:p>
+            <a:pPr marL="571500" indent="-571500">
+              <a:lnSpc>
+                <a:spcPct val="110000"/>
+              </a:lnSpc>
+              <a:buFont typeface="Arial"/>
+              <a:buChar char="•"/>
+            </a:pPr>
+            <a:r>
+              <a:rPr lang="en-US" sz="3600" dirty="0" err="1">
+                <a:latin typeface="Helvetica"/>
+                <a:cs typeface="Helvetica"/>
+              </a:rPr>
+              <a:t>adipiscing</a:t>
+            </a:r>
+            <a:r>
+              <a:rPr lang="en-US" sz="3600" dirty="0">
+                <a:latin typeface="Helvetica"/>
+                <a:cs typeface="Helvetica"/>
+              </a:rPr>
+              <a:t> </a:t>
+            </a:r>
+            <a:r>
+              <a:rPr lang="en-US" sz="3600" dirty="0" err="1">
+                <a:latin typeface="Helvetica"/>
+                <a:cs typeface="Helvetica"/>
+              </a:rPr>
+              <a:t>elit</a:t>
+            </a:r>
+            <a:r>
+              <a:rPr lang="en-US" sz="3600" dirty="0">
+                <a:latin typeface="Helvetica"/>
+                <a:cs typeface="Helvetica"/>
+              </a:rPr>
+              <a:t>, </a:t>
+            </a:r>
+            <a:r>
+              <a:rPr lang="en-US" sz="3600" dirty="0" err="1">
+                <a:latin typeface="Helvetica"/>
+                <a:cs typeface="Helvetica"/>
+              </a:rPr>
+              <a:t>sed</a:t>
+            </a:r>
+            <a:r>
+              <a:rPr lang="en-US" sz="3600" dirty="0">
+                <a:latin typeface="Helvetica"/>
+                <a:cs typeface="Helvetica"/>
+              </a:rPr>
+              <a:t> do</a:t>
+            </a:r>
+            <a:endParaRPr lang="en-US" sz="3600" dirty="0" smtClean="0">
+              <a:latin typeface="Helvetica"/>
+              <a:cs typeface="Helvetica"/>
+            </a:endParaRPr>
+          </a:p>
+        </p:txBody>
+      </p:sp>
+      <p:pic>
+        <p:nvPicPr>
+          <p:cNvPr id="3" name="Picture 2" descr="fullpagelarge.png"/>
+          <p:cNvPicPr>
+            <a:picLocks noChangeAspect="1"/>
+          </p:cNvPicPr>
+          <p:nvPr/>
+        </p:nvPicPr>
+        <p:blipFill>
+          <a:blip r:embed="rId4">
+            <a:extLst>
+              <a:ext uri="{28A0092B-C50C-407E-A947-70E740481C1C}">
+                <a14:useLocalDpi xmlns:a14="http://schemas.microsoft.com/office/drawing/2010/main" val="0"/>
+              </a:ext>
+            </a:extLst>
+          </a:blip>
+          <a:stretch>
+            <a:fillRect/>
+          </a:stretch>
+        </p:blipFill>
+        <p:spPr>
+          <a:xfrm>
+            <a:off x="965202" y="14665662"/>
+            <a:ext cx="9563097" cy="10017508"/>
+          </a:xfrm>
+          <a:prstGeom prst="rect">
+            <a:avLst/>
+          </a:prstGeom>
+        </p:spPr>
+      </p:pic>
+      <p:pic>
+        <p:nvPicPr>
+          <p:cNvPr id="2" name="Picture 1" descr="Cerberus_Logo.jpg"/>
+          <p:cNvPicPr>
+            <a:picLocks noChangeAspect="1"/>
+          </p:cNvPicPr>
+          <p:nvPr/>
+        </p:nvPicPr>
+        <p:blipFill>
+          <a:blip r:embed="rId5">
+            <a:extLst>
+              <a:ext uri="{28A0092B-C50C-407E-A947-70E740481C1C}">
+                <a14:useLocalDpi xmlns:a14="http://schemas.microsoft.com/office/drawing/2010/main" val="0"/>
+              </a:ext>
+            </a:extLst>
+          </a:blip>
+          <a:stretch>
+            <a:fillRect/>
+          </a:stretch>
+        </p:blipFill>
+        <p:spPr>
+          <a:xfrm>
+            <a:off x="28870740" y="21483320"/>
+            <a:ext cx="2371257" cy="1832335"/>
+          </a:xfrm>
+          <a:prstGeom prst="rect">
+            <a:avLst/>
+          </a:prstGeom>
+        </p:spPr>
+      </p:pic>
+      <p:sp>
+        <p:nvSpPr>
+          <p:cNvPr id="34" name="TextBox 33"/>
+          <p:cNvSpPr txBox="1"/>
+          <p:nvPr/>
+        </p:nvSpPr>
+        <p:spPr>
+          <a:xfrm>
+            <a:off x="24094892" y="14497996"/>
+            <a:ext cx="7163041" cy="5613762"/>
+          </a:xfrm>
+          <a:prstGeom prst="rect">
+            <a:avLst/>
+          </a:prstGeom>
+          <a:noFill/>
+          <a:ln w="28575" cmpd="sng">
+            <a:noFill/>
+          </a:ln>
+        </p:spPr>
+        <p:txBody>
+          <a:bodyPr wrap="square" lIns="329104" tIns="164551" rIns="329104" bIns="164551" rtlCol="0">
+            <a:spAutoFit/>
+          </a:bodyPr>
+          <a:lstStyle/>
+          <a:p>
+            <a:pPr>
+              <a:lnSpc>
+                <a:spcPct val="90000"/>
+              </a:lnSpc>
+            </a:pPr>
+            <a:r>
+              <a:rPr lang="en-US" sz="6000" b="1" dirty="0" smtClean="0">
+                <a:latin typeface="Helvetica"/>
+                <a:cs typeface="Helvetica"/>
+              </a:rPr>
+              <a:t>User Education</a:t>
+            </a:r>
+          </a:p>
+          <a:p>
+            <a:pPr>
+              <a:lnSpc>
+                <a:spcPct val="90000"/>
+              </a:lnSpc>
+            </a:pPr>
+            <a:endParaRPr lang="en-US" sz="1400" dirty="0">
+              <a:latin typeface="Helvetica"/>
+              <a:cs typeface="Helvetica"/>
+            </a:endParaRPr>
+          </a:p>
+          <a:p>
+            <a:pPr>
+              <a:lnSpc>
+                <a:spcPct val="110000"/>
+              </a:lnSpc>
+            </a:pPr>
+            <a:r>
+              <a:rPr lang="en-US" sz="3600" dirty="0" err="1">
+                <a:latin typeface="Helvetica"/>
+                <a:cs typeface="Helvetica"/>
+              </a:rPr>
+              <a:t>Lorem</a:t>
+            </a:r>
+            <a:r>
+              <a:rPr lang="en-US" sz="3600" dirty="0">
+                <a:latin typeface="Helvetica"/>
+                <a:cs typeface="Helvetica"/>
+              </a:rPr>
+              <a:t> </a:t>
+            </a:r>
+            <a:r>
+              <a:rPr lang="en-US" sz="3600" dirty="0" err="1">
+                <a:latin typeface="Helvetica"/>
+                <a:cs typeface="Helvetica"/>
+              </a:rPr>
+              <a:t>ipsum</a:t>
+            </a:r>
+            <a:r>
+              <a:rPr lang="en-US" sz="3600" dirty="0">
+                <a:latin typeface="Helvetica"/>
+                <a:cs typeface="Helvetica"/>
+              </a:rPr>
+              <a:t> dolor sit </a:t>
+            </a:r>
+            <a:r>
+              <a:rPr lang="en-US" sz="3600" dirty="0" err="1">
+                <a:latin typeface="Helvetica"/>
+                <a:cs typeface="Helvetica"/>
+              </a:rPr>
+              <a:t>amet</a:t>
+            </a:r>
+            <a:r>
+              <a:rPr lang="en-US" sz="3600" dirty="0">
+                <a:latin typeface="Helvetica"/>
+                <a:cs typeface="Helvetica"/>
+              </a:rPr>
+              <a:t>, </a:t>
+            </a:r>
+            <a:r>
+              <a:rPr lang="en-US" sz="3600" dirty="0" err="1">
+                <a:latin typeface="Helvetica"/>
+                <a:cs typeface="Helvetica"/>
+              </a:rPr>
+              <a:t>consectetur</a:t>
+            </a:r>
+            <a:r>
+              <a:rPr lang="en-US" sz="3600" dirty="0">
+                <a:latin typeface="Helvetica"/>
+                <a:cs typeface="Helvetica"/>
+              </a:rPr>
+              <a:t> </a:t>
+            </a:r>
+            <a:r>
+              <a:rPr lang="en-US" sz="3600" dirty="0" err="1">
+                <a:latin typeface="Helvetica"/>
+                <a:cs typeface="Helvetica"/>
+              </a:rPr>
+              <a:t>adipiscing</a:t>
+            </a:r>
+            <a:r>
+              <a:rPr lang="en-US" sz="3600" dirty="0">
+                <a:latin typeface="Helvetica"/>
+                <a:cs typeface="Helvetica"/>
+              </a:rPr>
+              <a:t> </a:t>
+            </a:r>
+            <a:r>
+              <a:rPr lang="en-US" sz="3600" dirty="0" err="1">
+                <a:latin typeface="Helvetica"/>
+                <a:cs typeface="Helvetica"/>
+              </a:rPr>
+              <a:t>elit</a:t>
+            </a:r>
+            <a:r>
+              <a:rPr lang="en-US" sz="3600" dirty="0">
+                <a:latin typeface="Helvetica"/>
+                <a:cs typeface="Helvetica"/>
+              </a:rPr>
+              <a:t>, </a:t>
+            </a:r>
+            <a:r>
+              <a:rPr lang="en-US" sz="3600" dirty="0" err="1">
+                <a:latin typeface="Helvetica"/>
+                <a:cs typeface="Helvetica"/>
+              </a:rPr>
+              <a:t>sed</a:t>
+            </a:r>
+            <a:r>
+              <a:rPr lang="en-US" sz="3600" dirty="0">
+                <a:latin typeface="Helvetica"/>
+                <a:cs typeface="Helvetica"/>
+              </a:rPr>
+              <a:t> do </a:t>
+            </a:r>
+            <a:r>
+              <a:rPr lang="en-US" sz="3600" dirty="0" err="1">
+                <a:latin typeface="Helvetica"/>
+                <a:cs typeface="Helvetica"/>
+              </a:rPr>
+              <a:t>eiusmod</a:t>
+            </a:r>
+            <a:r>
+              <a:rPr lang="en-US" sz="3600" dirty="0">
+                <a:latin typeface="Helvetica"/>
+                <a:cs typeface="Helvetica"/>
+              </a:rPr>
+              <a:t> </a:t>
+            </a:r>
+            <a:r>
+              <a:rPr lang="en-US" sz="3600" dirty="0" err="1">
+                <a:latin typeface="Helvetica"/>
+                <a:cs typeface="Helvetica"/>
+              </a:rPr>
+              <a:t>tempor</a:t>
+            </a:r>
+            <a:r>
+              <a:rPr lang="en-US" sz="3600" dirty="0">
+                <a:latin typeface="Helvetica"/>
+                <a:cs typeface="Helvetica"/>
+              </a:rPr>
+              <a:t> </a:t>
+            </a:r>
+            <a:r>
+              <a:rPr lang="en-US" sz="3600" dirty="0" err="1">
+                <a:latin typeface="Helvetica"/>
+                <a:cs typeface="Helvetica"/>
+              </a:rPr>
+              <a:t>incididunt</a:t>
+            </a:r>
+            <a:r>
+              <a:rPr lang="en-US" sz="3600" dirty="0">
+                <a:latin typeface="Helvetica"/>
+                <a:cs typeface="Helvetica"/>
+              </a:rPr>
+              <a:t> </a:t>
+            </a:r>
+            <a:r>
+              <a:rPr lang="en-US" sz="3600" dirty="0" err="1">
+                <a:latin typeface="Helvetica"/>
+                <a:cs typeface="Helvetica"/>
+              </a:rPr>
+              <a:t>ut</a:t>
+            </a:r>
+            <a:r>
+              <a:rPr lang="en-US" sz="3600" dirty="0">
+                <a:latin typeface="Helvetica"/>
+                <a:cs typeface="Helvetica"/>
+              </a:rPr>
+              <a:t> </a:t>
+            </a:r>
+            <a:r>
+              <a:rPr lang="en-US" sz="3600" dirty="0" err="1">
+                <a:latin typeface="Helvetica"/>
+                <a:cs typeface="Helvetica"/>
+              </a:rPr>
+              <a:t>labore</a:t>
+            </a:r>
+            <a:r>
+              <a:rPr lang="en-US" sz="3600" dirty="0">
+                <a:latin typeface="Helvetica"/>
+                <a:cs typeface="Helvetica"/>
+              </a:rPr>
+              <a:t> et </a:t>
+            </a:r>
+            <a:r>
+              <a:rPr lang="en-US" sz="3600" dirty="0" err="1">
+                <a:latin typeface="Helvetica"/>
+                <a:cs typeface="Helvetica"/>
+              </a:rPr>
+              <a:t>dolore</a:t>
+            </a:r>
+            <a:r>
+              <a:rPr lang="en-US" sz="3600" dirty="0">
+                <a:latin typeface="Helvetica"/>
+                <a:cs typeface="Helvetica"/>
+              </a:rPr>
+              <a:t> </a:t>
+            </a:r>
+            <a:r>
+              <a:rPr lang="en-US" sz="3600" dirty="0" smtClean="0">
+                <a:latin typeface="Helvetica"/>
+                <a:cs typeface="Helvetica"/>
+              </a:rPr>
+              <a:t>magna </a:t>
+            </a:r>
+            <a:r>
+              <a:rPr lang="en-US" sz="3600" dirty="0" err="1" smtClean="0">
+                <a:latin typeface="Helvetica"/>
+                <a:cs typeface="Helvetica"/>
+              </a:rPr>
+              <a:t>aliqua</a:t>
+            </a:r>
+            <a:r>
+              <a:rPr lang="en-US" sz="3600" dirty="0" smtClean="0">
+                <a:latin typeface="Helvetica"/>
+                <a:cs typeface="Helvetica"/>
+              </a:rPr>
+              <a:t> </a:t>
+            </a:r>
+            <a:r>
+              <a:rPr lang="en-US" sz="3600" dirty="0">
+                <a:latin typeface="Helvetica"/>
+                <a:cs typeface="Helvetica"/>
+              </a:rPr>
+              <a:t>magna </a:t>
+            </a:r>
+            <a:r>
+              <a:rPr lang="en-US" sz="3600" dirty="0" err="1" smtClean="0">
+                <a:latin typeface="Helvetica"/>
+                <a:cs typeface="Helvetica"/>
+              </a:rPr>
+              <a:t>aliqua</a:t>
+            </a:r>
+            <a:r>
+              <a:rPr lang="en-US" sz="3600" dirty="0">
+                <a:latin typeface="Helvetica"/>
+                <a:cs typeface="Helvetica"/>
+              </a:rPr>
+              <a:t> </a:t>
+            </a:r>
+            <a:r>
+              <a:rPr lang="en-US" sz="3600" dirty="0" err="1" smtClean="0">
+                <a:latin typeface="Helvetica"/>
+                <a:cs typeface="Helvetica"/>
+              </a:rPr>
+              <a:t>incididunt</a:t>
+            </a:r>
+            <a:r>
+              <a:rPr lang="en-US" sz="3600" dirty="0" smtClean="0">
+                <a:latin typeface="Helvetica"/>
+                <a:cs typeface="Helvetica"/>
+              </a:rPr>
+              <a:t> </a:t>
+            </a:r>
+            <a:r>
+              <a:rPr lang="en-US" sz="3600" dirty="0" err="1">
+                <a:latin typeface="Helvetica"/>
+                <a:cs typeface="Helvetica"/>
+              </a:rPr>
+              <a:t>ut</a:t>
+            </a:r>
+            <a:r>
+              <a:rPr lang="en-US" sz="3600" dirty="0">
+                <a:latin typeface="Helvetica"/>
+                <a:cs typeface="Helvetica"/>
+              </a:rPr>
+              <a:t> </a:t>
+            </a:r>
+            <a:r>
+              <a:rPr lang="en-US" sz="3600" dirty="0" err="1">
+                <a:latin typeface="Helvetica"/>
+                <a:cs typeface="Helvetica"/>
+              </a:rPr>
+              <a:t>labore</a:t>
+            </a:r>
+            <a:r>
+              <a:rPr lang="en-US" sz="3600" dirty="0">
+                <a:latin typeface="Helvetica"/>
+                <a:cs typeface="Helvetica"/>
+              </a:rPr>
+              <a:t> et </a:t>
+            </a:r>
+            <a:r>
+              <a:rPr lang="en-US" sz="3600" dirty="0" err="1">
+                <a:latin typeface="Helvetica"/>
+                <a:cs typeface="Helvetica"/>
+              </a:rPr>
+              <a:t>dolore</a:t>
+            </a:r>
+            <a:r>
+              <a:rPr lang="en-US" sz="3600" dirty="0">
+                <a:latin typeface="Helvetica"/>
+                <a:cs typeface="Helvetica"/>
+              </a:rPr>
+              <a:t> magna </a:t>
+            </a:r>
+            <a:r>
+              <a:rPr lang="en-US" sz="3600" dirty="0" err="1">
+                <a:latin typeface="Helvetica"/>
+                <a:cs typeface="Helvetica"/>
+              </a:rPr>
+              <a:t>aliqua</a:t>
+            </a:r>
+            <a:r>
+              <a:rPr lang="en-US" sz="3600" dirty="0">
+                <a:latin typeface="Helvetica"/>
+                <a:cs typeface="Helvetica"/>
+              </a:rPr>
+              <a:t> magna </a:t>
+            </a:r>
+            <a:r>
+              <a:rPr lang="en-US" sz="3600" dirty="0" err="1" smtClean="0">
+                <a:latin typeface="Helvetica"/>
+                <a:cs typeface="Helvetica"/>
+              </a:rPr>
+              <a:t>aliqua</a:t>
+            </a:r>
+            <a:r>
+              <a:rPr lang="en-US" sz="3600" dirty="0" smtClean="0">
+                <a:latin typeface="Helvetica"/>
+                <a:cs typeface="Helvetica"/>
+              </a:rPr>
+              <a:t> </a:t>
+            </a:r>
+            <a:r>
+              <a:rPr lang="en-US" sz="3600" dirty="0">
+                <a:latin typeface="Helvetica"/>
+                <a:cs typeface="Helvetica"/>
+              </a:rPr>
+              <a:t>magna </a:t>
+            </a:r>
+            <a:r>
+              <a:rPr lang="en-US" sz="3600" dirty="0" err="1">
+                <a:latin typeface="Helvetica"/>
+                <a:cs typeface="Helvetica"/>
+              </a:rPr>
+              <a:t>aliqua</a:t>
+            </a:r>
+            <a:endParaRPr lang="en-US" sz="3600" dirty="0">
+              <a:latin typeface="Helvetica"/>
+              <a:cs typeface="Helvetica"/>
+            </a:endParaRPr>
+          </a:p>
+        </p:txBody>
+      </p:sp>
+      <p:sp>
+        <p:nvSpPr>
+          <p:cNvPr id="35" name="TextBox 34"/>
+          <p:cNvSpPr txBox="1"/>
+          <p:nvPr/>
+        </p:nvSpPr>
+        <p:spPr>
+          <a:xfrm>
+            <a:off x="10985499" y="20639716"/>
+            <a:ext cx="6213955" cy="4394966"/>
+          </a:xfrm>
+          <a:prstGeom prst="rect">
+            <a:avLst/>
+          </a:prstGeom>
+          <a:noFill/>
+          <a:ln w="28575" cmpd="sng">
+            <a:noFill/>
+          </a:ln>
+        </p:spPr>
+        <p:txBody>
+          <a:bodyPr wrap="square" lIns="329104" tIns="164551" rIns="329104" bIns="164551" rtlCol="0">
+            <a:spAutoFit/>
+          </a:bodyPr>
+          <a:lstStyle/>
+          <a:p>
+            <a:pPr>
+              <a:lnSpc>
+                <a:spcPct val="90000"/>
+              </a:lnSpc>
+            </a:pPr>
+            <a:r>
+              <a:rPr lang="en-US" sz="6000" b="1" dirty="0" smtClean="0">
+                <a:latin typeface="Helvetica"/>
+                <a:cs typeface="Helvetica"/>
+              </a:rPr>
+              <a:t>Advantages</a:t>
+            </a:r>
+          </a:p>
+          <a:p>
+            <a:pPr>
+              <a:lnSpc>
+                <a:spcPct val="90000"/>
+              </a:lnSpc>
+            </a:pPr>
+            <a:endParaRPr lang="en-US" sz="1400" dirty="0">
+              <a:latin typeface="Helvetica"/>
+              <a:cs typeface="Helvetica"/>
+            </a:endParaRPr>
+          </a:p>
+          <a:p>
+            <a:pPr marL="571500" indent="-571500">
+              <a:lnSpc>
+                <a:spcPct val="110000"/>
+              </a:lnSpc>
+              <a:buFont typeface="Arial"/>
+              <a:buChar char="•"/>
+            </a:pPr>
+            <a:r>
+              <a:rPr lang="en-US" sz="3600" dirty="0" err="1">
+                <a:latin typeface="Helvetica"/>
+                <a:cs typeface="Helvetica"/>
+              </a:rPr>
+              <a:t>adipiscing</a:t>
+            </a:r>
+            <a:r>
+              <a:rPr lang="en-US" sz="3600" dirty="0">
+                <a:latin typeface="Helvetica"/>
+                <a:cs typeface="Helvetica"/>
+              </a:rPr>
+              <a:t> </a:t>
+            </a:r>
+            <a:r>
+              <a:rPr lang="en-US" sz="3600" dirty="0" err="1">
+                <a:latin typeface="Helvetica"/>
+                <a:cs typeface="Helvetica"/>
+              </a:rPr>
+              <a:t>elit</a:t>
+            </a:r>
+            <a:r>
+              <a:rPr lang="en-US" sz="3600" dirty="0">
+                <a:latin typeface="Helvetica"/>
+                <a:cs typeface="Helvetica"/>
+              </a:rPr>
+              <a:t>, </a:t>
+            </a:r>
+            <a:r>
+              <a:rPr lang="en-US" sz="3600" dirty="0" err="1">
+                <a:latin typeface="Helvetica"/>
+                <a:cs typeface="Helvetica"/>
+              </a:rPr>
+              <a:t>sed</a:t>
+            </a:r>
+            <a:r>
+              <a:rPr lang="en-US" sz="3600" dirty="0">
+                <a:latin typeface="Helvetica"/>
+                <a:cs typeface="Helvetica"/>
+              </a:rPr>
+              <a:t> </a:t>
+            </a:r>
+            <a:r>
+              <a:rPr lang="en-US" sz="3600" dirty="0" smtClean="0">
+                <a:latin typeface="Helvetica"/>
+                <a:cs typeface="Helvetica"/>
+              </a:rPr>
+              <a:t>do</a:t>
+            </a:r>
+          </a:p>
+          <a:p>
+            <a:pPr marL="571500" indent="-571500">
+              <a:lnSpc>
+                <a:spcPct val="110000"/>
+              </a:lnSpc>
+              <a:buFont typeface="Arial"/>
+              <a:buChar char="•"/>
+            </a:pPr>
+            <a:r>
+              <a:rPr lang="en-US" sz="3600" dirty="0" err="1">
+                <a:latin typeface="Helvetica"/>
+                <a:cs typeface="Helvetica"/>
+              </a:rPr>
+              <a:t>adipiscing</a:t>
+            </a:r>
+            <a:r>
+              <a:rPr lang="en-US" sz="3600" dirty="0">
+                <a:latin typeface="Helvetica"/>
+                <a:cs typeface="Helvetica"/>
+              </a:rPr>
+              <a:t> </a:t>
+            </a:r>
+            <a:r>
+              <a:rPr lang="en-US" sz="3600" dirty="0" err="1">
+                <a:latin typeface="Helvetica"/>
+                <a:cs typeface="Helvetica"/>
+              </a:rPr>
+              <a:t>elit</a:t>
+            </a:r>
+            <a:r>
+              <a:rPr lang="en-US" sz="3600" dirty="0">
+                <a:latin typeface="Helvetica"/>
+                <a:cs typeface="Helvetica"/>
+              </a:rPr>
+              <a:t>, </a:t>
+            </a:r>
+            <a:r>
+              <a:rPr lang="en-US" sz="3600" dirty="0" err="1">
+                <a:latin typeface="Helvetica"/>
+                <a:cs typeface="Helvetica"/>
+              </a:rPr>
+              <a:t>sed</a:t>
+            </a:r>
+            <a:r>
+              <a:rPr lang="en-US" sz="3600" dirty="0">
+                <a:latin typeface="Helvetica"/>
+                <a:cs typeface="Helvetica"/>
+              </a:rPr>
+              <a:t> do</a:t>
+            </a:r>
+          </a:p>
+          <a:p>
+            <a:pPr marL="571500" indent="-571500">
+              <a:lnSpc>
+                <a:spcPct val="110000"/>
+              </a:lnSpc>
+              <a:buFont typeface="Arial"/>
+              <a:buChar char="•"/>
+            </a:pPr>
+            <a:r>
+              <a:rPr lang="en-US" sz="3600" dirty="0" err="1">
+                <a:latin typeface="Helvetica"/>
+                <a:cs typeface="Helvetica"/>
+              </a:rPr>
+              <a:t>adipiscing</a:t>
+            </a:r>
+            <a:r>
+              <a:rPr lang="en-US" sz="3600" dirty="0">
+                <a:latin typeface="Helvetica"/>
+                <a:cs typeface="Helvetica"/>
+              </a:rPr>
+              <a:t> </a:t>
+            </a:r>
+            <a:r>
+              <a:rPr lang="en-US" sz="3600" dirty="0" err="1">
+                <a:latin typeface="Helvetica"/>
+                <a:cs typeface="Helvetica"/>
+              </a:rPr>
+              <a:t>elit</a:t>
+            </a:r>
+            <a:r>
+              <a:rPr lang="en-US" sz="3600" dirty="0">
+                <a:latin typeface="Helvetica"/>
+                <a:cs typeface="Helvetica"/>
+              </a:rPr>
+              <a:t>, </a:t>
+            </a:r>
+            <a:r>
+              <a:rPr lang="en-US" sz="3600" dirty="0" err="1">
+                <a:latin typeface="Helvetica"/>
+                <a:cs typeface="Helvetica"/>
+              </a:rPr>
+              <a:t>sed</a:t>
+            </a:r>
+            <a:r>
+              <a:rPr lang="en-US" sz="3600" dirty="0">
+                <a:latin typeface="Helvetica"/>
+                <a:cs typeface="Helvetica"/>
+              </a:rPr>
+              <a:t> do</a:t>
+            </a:r>
+          </a:p>
+          <a:p>
+            <a:pPr marL="571500" indent="-571500">
+              <a:lnSpc>
+                <a:spcPct val="110000"/>
+              </a:lnSpc>
+              <a:buFont typeface="Arial"/>
+              <a:buChar char="•"/>
+            </a:pPr>
+            <a:r>
+              <a:rPr lang="en-US" sz="3600" dirty="0" err="1">
+                <a:latin typeface="Helvetica"/>
+                <a:cs typeface="Helvetica"/>
+              </a:rPr>
+              <a:t>adipiscing</a:t>
+            </a:r>
+            <a:r>
+              <a:rPr lang="en-US" sz="3600" dirty="0">
+                <a:latin typeface="Helvetica"/>
+                <a:cs typeface="Helvetica"/>
+              </a:rPr>
+              <a:t> </a:t>
+            </a:r>
+            <a:r>
+              <a:rPr lang="en-US" sz="3600" dirty="0" err="1">
+                <a:latin typeface="Helvetica"/>
+                <a:cs typeface="Helvetica"/>
+              </a:rPr>
+              <a:t>elit</a:t>
+            </a:r>
+            <a:r>
+              <a:rPr lang="en-US" sz="3600" dirty="0">
+                <a:latin typeface="Helvetica"/>
+                <a:cs typeface="Helvetica"/>
+              </a:rPr>
+              <a:t>, </a:t>
+            </a:r>
+            <a:r>
+              <a:rPr lang="en-US" sz="3600" dirty="0" err="1">
+                <a:latin typeface="Helvetica"/>
+                <a:cs typeface="Helvetica"/>
+              </a:rPr>
+              <a:t>sed</a:t>
+            </a:r>
+            <a:r>
+              <a:rPr lang="en-US" sz="3600" dirty="0">
+                <a:latin typeface="Helvetica"/>
+                <a:cs typeface="Helvetica"/>
+              </a:rPr>
+              <a:t> </a:t>
+            </a:r>
+            <a:r>
+              <a:rPr lang="en-US" sz="3600" dirty="0" smtClean="0">
+                <a:latin typeface="Helvetica"/>
+                <a:cs typeface="Helvetica"/>
+              </a:rPr>
+              <a:t>do</a:t>
+            </a:r>
+          </a:p>
+          <a:p>
+            <a:pPr marL="571500" indent="-571500">
+              <a:lnSpc>
+                <a:spcPct val="110000"/>
+              </a:lnSpc>
+              <a:buFont typeface="Arial"/>
+              <a:buChar char="•"/>
+            </a:pPr>
+            <a:r>
+              <a:rPr lang="en-US" sz="3600" dirty="0" err="1">
+                <a:latin typeface="Helvetica"/>
+                <a:cs typeface="Helvetica"/>
+              </a:rPr>
+              <a:t>adipiscing</a:t>
+            </a:r>
+            <a:r>
+              <a:rPr lang="en-US" sz="3600" dirty="0">
+                <a:latin typeface="Helvetica"/>
+                <a:cs typeface="Helvetica"/>
+              </a:rPr>
+              <a:t> </a:t>
+            </a:r>
+            <a:r>
+              <a:rPr lang="en-US" sz="3600" dirty="0" err="1">
+                <a:latin typeface="Helvetica"/>
+                <a:cs typeface="Helvetica"/>
+              </a:rPr>
+              <a:t>elit</a:t>
+            </a:r>
+            <a:r>
+              <a:rPr lang="en-US" sz="3600" dirty="0">
+                <a:latin typeface="Helvetica"/>
+                <a:cs typeface="Helvetica"/>
+              </a:rPr>
+              <a:t>, </a:t>
+            </a:r>
+            <a:r>
+              <a:rPr lang="en-US" sz="3600" dirty="0" err="1">
+                <a:latin typeface="Helvetica"/>
+                <a:cs typeface="Helvetica"/>
+              </a:rPr>
+              <a:t>sed</a:t>
+            </a:r>
+            <a:r>
+              <a:rPr lang="en-US" sz="3600" dirty="0">
+                <a:latin typeface="Helvetica"/>
+                <a:cs typeface="Helvetica"/>
+              </a:rPr>
+              <a:t> do</a:t>
+            </a:r>
+            <a:endParaRPr lang="en-US" sz="3600" dirty="0" smtClean="0">
+              <a:latin typeface="Helvetica"/>
+              <a:cs typeface="Helvetica"/>
+            </a:endParaRPr>
+          </a:p>
+        </p:txBody>
+      </p:sp>
+      <p:sp>
+        <p:nvSpPr>
+          <p:cNvPr id="23" name="TextBox 22"/>
+          <p:cNvSpPr txBox="1"/>
+          <p:nvPr/>
+        </p:nvSpPr>
+        <p:spPr>
+          <a:xfrm>
+            <a:off x="965198" y="807150"/>
+            <a:ext cx="30292735" cy="1686533"/>
+          </a:xfrm>
+          <a:prstGeom prst="rect">
+            <a:avLst/>
+          </a:prstGeom>
+          <a:solidFill>
+            <a:schemeClr val="bg1"/>
+          </a:solidFill>
+        </p:spPr>
+        <p:txBody>
+          <a:bodyPr wrap="square" lIns="329104" tIns="164551" rIns="329104" bIns="164551" rtlCol="0" anchor="ctr">
+            <a:spAutoFit/>
+          </a:bodyPr>
+          <a:lstStyle/>
+          <a:p>
+            <a:pPr algn="ctr"/>
+            <a:r>
+              <a:rPr lang="en-US" sz="8800" dirty="0">
+                <a:latin typeface="Helvetica"/>
+                <a:cs typeface="Helvetica"/>
+              </a:rPr>
+              <a:t>Highlighting Scholarly Content in Hydra Using Communities </a:t>
+            </a:r>
+            <a:endParaRPr lang="en-US" sz="1400" dirty="0" smtClean="0">
+              <a:latin typeface="Helvetica"/>
+              <a:cs typeface="Helvetica"/>
+            </a:endParaRPr>
+          </a:p>
+        </p:txBody>
+      </p:sp>
+      <p:sp>
+        <p:nvSpPr>
+          <p:cNvPr id="21" name="TextBox 20"/>
+          <p:cNvSpPr txBox="1"/>
+          <p:nvPr/>
+        </p:nvSpPr>
+        <p:spPr>
+          <a:xfrm>
+            <a:off x="914397" y="2581213"/>
+            <a:ext cx="13975484" cy="2363641"/>
+          </a:xfrm>
+          <a:prstGeom prst="rect">
+            <a:avLst/>
+          </a:prstGeom>
+          <a:noFill/>
+          <a:ln>
+            <a:noFill/>
+          </a:ln>
+        </p:spPr>
+        <p:txBody>
+          <a:bodyPr wrap="square" lIns="329104" tIns="164551" rIns="329104" bIns="164551" numCol="1" rtlCol="0" anchor="ctr">
+            <a:spAutoFit/>
+          </a:bodyPr>
+          <a:lstStyle/>
+          <a:p>
+            <a:r>
+              <a:rPr lang="en-US" sz="6600" dirty="0" smtClean="0">
+                <a:solidFill>
+                  <a:srgbClr val="000000"/>
+                </a:solidFill>
+                <a:latin typeface="Helvetica"/>
+                <a:cs typeface="Helvetica"/>
+              </a:rPr>
+              <a:t>Sarah </a:t>
+            </a:r>
+            <a:r>
+              <a:rPr lang="en-US" sz="6600" dirty="0" smtClean="0">
+                <a:solidFill>
+                  <a:srgbClr val="000000"/>
+                </a:solidFill>
+                <a:latin typeface="Helvetica"/>
+                <a:cs typeface="Helvetica"/>
+              </a:rPr>
+              <a:t>Sweeney</a:t>
+            </a:r>
+            <a:endParaRPr lang="en-US" sz="6600" dirty="0" smtClean="0">
+              <a:solidFill>
+                <a:srgbClr val="000000"/>
+              </a:solidFill>
+              <a:latin typeface="Helvetica"/>
+              <a:cs typeface="Helvetica"/>
+            </a:endParaRPr>
+          </a:p>
+          <a:p>
+            <a:r>
+              <a:rPr lang="en-US" sz="6600" dirty="0" smtClean="0">
+                <a:solidFill>
+                  <a:srgbClr val="000000"/>
+                </a:solidFill>
+                <a:latin typeface="Helvetica"/>
+                <a:cs typeface="Helvetica"/>
+              </a:rPr>
+              <a:t>Northeastern University Library</a:t>
+            </a:r>
+            <a:endParaRPr lang="en-US" sz="6600" dirty="0">
+              <a:solidFill>
+                <a:srgbClr val="000000"/>
+              </a:solidFill>
+              <a:latin typeface="Helvetica"/>
+              <a:cs typeface="Helvetica"/>
+            </a:endParaRPr>
+          </a:p>
+        </p:txBody>
+      </p:sp>
+      <p:sp>
+        <p:nvSpPr>
+          <p:cNvPr id="22" name="TextBox 21"/>
+          <p:cNvSpPr txBox="1"/>
+          <p:nvPr/>
+        </p:nvSpPr>
+        <p:spPr>
+          <a:xfrm>
+            <a:off x="13035574" y="2581213"/>
+            <a:ext cx="18289209" cy="2363641"/>
+          </a:xfrm>
+          <a:prstGeom prst="rect">
+            <a:avLst/>
+          </a:prstGeom>
+          <a:noFill/>
+          <a:ln>
+            <a:noFill/>
+          </a:ln>
+        </p:spPr>
+        <p:txBody>
+          <a:bodyPr wrap="square" lIns="329104" tIns="164551" rIns="329104" bIns="164551" numCol="1" rtlCol="0" anchor="ctr">
+            <a:spAutoFit/>
+          </a:bodyPr>
+          <a:lstStyle/>
+          <a:p>
+            <a:pPr algn="r"/>
+            <a:r>
+              <a:rPr lang="en-US" sz="6600" dirty="0" err="1" smtClean="0">
+                <a:solidFill>
+                  <a:srgbClr val="000000"/>
+                </a:solidFill>
+                <a:latin typeface="Helvetica"/>
+                <a:cs typeface="Helvetica"/>
+              </a:rPr>
+              <a:t>sj.sweeney</a:t>
+            </a:r>
+            <a:r>
+              <a:rPr lang="en-US" sz="6600" dirty="0" err="1">
+                <a:solidFill>
+                  <a:srgbClr val="000000"/>
+                </a:solidFill>
+                <a:latin typeface="Helvetica"/>
+                <a:cs typeface="Helvetica"/>
+              </a:rPr>
+              <a:t>@neu.edu</a:t>
+            </a:r>
+            <a:endParaRPr lang="en-US" sz="6600" dirty="0">
+              <a:solidFill>
+                <a:srgbClr val="000000"/>
+              </a:solidFill>
+              <a:latin typeface="Helvetica"/>
+              <a:cs typeface="Helvetica"/>
+            </a:endParaRPr>
+          </a:p>
+          <a:p>
+            <a:pPr algn="r"/>
+            <a:r>
+              <a:rPr lang="en-US" sz="6600" dirty="0">
+                <a:solidFill>
+                  <a:srgbClr val="2B84D2"/>
+                </a:solidFill>
+                <a:latin typeface="Helvetica"/>
+                <a:cs typeface="Helvetica"/>
+              </a:rPr>
+              <a:t>https://</a:t>
+            </a:r>
+            <a:r>
+              <a:rPr lang="en-US" sz="6600" dirty="0" err="1" smtClean="0">
+                <a:solidFill>
+                  <a:srgbClr val="2B84D2"/>
+                </a:solidFill>
+                <a:latin typeface="Helvetica"/>
+                <a:cs typeface="Helvetica"/>
+              </a:rPr>
+              <a:t>repository.library.northeastern.edu</a:t>
+            </a:r>
+            <a:endParaRPr lang="en-US" sz="6600" dirty="0">
+              <a:solidFill>
+                <a:srgbClr val="2B84D2"/>
+              </a:solidFill>
+              <a:latin typeface="Helvetica"/>
+              <a:cs typeface="Helvetica"/>
+            </a:endParaRPr>
+          </a:p>
+        </p:txBody>
+      </p:sp>
+      <p:sp>
+        <p:nvSpPr>
+          <p:cNvPr id="28" name="TextBox 27"/>
+          <p:cNvSpPr txBox="1"/>
+          <p:nvPr/>
+        </p:nvSpPr>
+        <p:spPr>
+          <a:xfrm>
+            <a:off x="731315" y="5065683"/>
+            <a:ext cx="9796984" cy="9270149"/>
+          </a:xfrm>
+          <a:prstGeom prst="rect">
+            <a:avLst/>
+          </a:prstGeom>
+          <a:noFill/>
+          <a:ln w="28575" cmpd="sng">
+            <a:noFill/>
+          </a:ln>
+        </p:spPr>
+        <p:txBody>
+          <a:bodyPr wrap="square" lIns="329104" tIns="164551" rIns="329104" bIns="164551" rtlCol="0">
+            <a:spAutoFit/>
+          </a:bodyPr>
+          <a:lstStyle/>
+          <a:p>
+            <a:pPr>
+              <a:lnSpc>
+                <a:spcPct val="90000"/>
+              </a:lnSpc>
+            </a:pPr>
+            <a:r>
+              <a:rPr lang="en-US" sz="6000" b="1" dirty="0" smtClean="0">
+                <a:latin typeface="Helvetica"/>
+                <a:cs typeface="Helvetica"/>
+              </a:rPr>
+              <a:t>Introduction</a:t>
+            </a:r>
+          </a:p>
+          <a:p>
+            <a:pPr>
+              <a:lnSpc>
+                <a:spcPct val="90000"/>
+              </a:lnSpc>
+            </a:pPr>
+            <a:endParaRPr lang="en-US" sz="1400" dirty="0">
+              <a:latin typeface="Helvetica"/>
+              <a:cs typeface="Helvetica"/>
+            </a:endParaRPr>
+          </a:p>
+          <a:p>
+            <a:pPr>
+              <a:lnSpc>
+                <a:spcPct val="110000"/>
+              </a:lnSpc>
+            </a:pPr>
+            <a:r>
+              <a:rPr lang="en-US" sz="3600" dirty="0" err="1">
+                <a:latin typeface="Helvetica"/>
+                <a:cs typeface="Helvetica"/>
+              </a:rPr>
+              <a:t>Lorem</a:t>
+            </a:r>
+            <a:r>
+              <a:rPr lang="en-US" sz="3600" dirty="0">
+                <a:latin typeface="Helvetica"/>
+                <a:cs typeface="Helvetica"/>
+              </a:rPr>
+              <a:t> </a:t>
+            </a:r>
+            <a:r>
+              <a:rPr lang="en-US" sz="3600" dirty="0" err="1">
+                <a:latin typeface="Helvetica"/>
+                <a:cs typeface="Helvetica"/>
+              </a:rPr>
+              <a:t>ipsum</a:t>
+            </a:r>
+            <a:r>
+              <a:rPr lang="en-US" sz="3600" dirty="0">
+                <a:latin typeface="Helvetica"/>
+                <a:cs typeface="Helvetica"/>
+              </a:rPr>
+              <a:t> dolor sit </a:t>
+            </a:r>
+            <a:r>
+              <a:rPr lang="en-US" sz="3600" dirty="0" err="1">
+                <a:latin typeface="Helvetica"/>
+                <a:cs typeface="Helvetica"/>
+              </a:rPr>
+              <a:t>amet</a:t>
+            </a:r>
+            <a:r>
+              <a:rPr lang="en-US" sz="3600" dirty="0">
+                <a:latin typeface="Helvetica"/>
+                <a:cs typeface="Helvetica"/>
+              </a:rPr>
+              <a:t>, </a:t>
+            </a:r>
+            <a:r>
+              <a:rPr lang="en-US" sz="3600" dirty="0" err="1">
+                <a:latin typeface="Helvetica"/>
+                <a:cs typeface="Helvetica"/>
+              </a:rPr>
+              <a:t>consectetur</a:t>
+            </a:r>
+            <a:r>
+              <a:rPr lang="en-US" sz="3600" dirty="0">
+                <a:latin typeface="Helvetica"/>
+                <a:cs typeface="Helvetica"/>
+              </a:rPr>
+              <a:t> </a:t>
+            </a:r>
+            <a:r>
+              <a:rPr lang="en-US" sz="3600" dirty="0" err="1">
+                <a:latin typeface="Helvetica"/>
+                <a:cs typeface="Helvetica"/>
+              </a:rPr>
+              <a:t>adipiscing</a:t>
+            </a:r>
+            <a:r>
+              <a:rPr lang="en-US" sz="3600" dirty="0">
+                <a:latin typeface="Helvetica"/>
+                <a:cs typeface="Helvetica"/>
+              </a:rPr>
+              <a:t> </a:t>
+            </a:r>
+            <a:r>
+              <a:rPr lang="en-US" sz="3600" dirty="0" err="1">
+                <a:latin typeface="Helvetica"/>
+                <a:cs typeface="Helvetica"/>
+              </a:rPr>
+              <a:t>elit</a:t>
+            </a:r>
+            <a:r>
+              <a:rPr lang="en-US" sz="3600" dirty="0">
+                <a:latin typeface="Helvetica"/>
+                <a:cs typeface="Helvetica"/>
+              </a:rPr>
+              <a:t>, </a:t>
+            </a:r>
+            <a:r>
+              <a:rPr lang="en-US" sz="3600" dirty="0" err="1">
+                <a:latin typeface="Helvetica"/>
+                <a:cs typeface="Helvetica"/>
+              </a:rPr>
+              <a:t>sed</a:t>
+            </a:r>
+            <a:r>
+              <a:rPr lang="en-US" sz="3600" dirty="0">
+                <a:latin typeface="Helvetica"/>
+                <a:cs typeface="Helvetica"/>
+              </a:rPr>
+              <a:t> do </a:t>
+            </a:r>
+            <a:r>
+              <a:rPr lang="en-US" sz="3600" dirty="0" err="1">
+                <a:latin typeface="Helvetica"/>
+                <a:cs typeface="Helvetica"/>
+              </a:rPr>
+              <a:t>eiusmod</a:t>
+            </a:r>
+            <a:r>
+              <a:rPr lang="en-US" sz="3600" dirty="0">
+                <a:latin typeface="Helvetica"/>
+                <a:cs typeface="Helvetica"/>
+              </a:rPr>
+              <a:t> </a:t>
+            </a:r>
+            <a:r>
+              <a:rPr lang="en-US" sz="3600" dirty="0" err="1">
+                <a:latin typeface="Helvetica"/>
+                <a:cs typeface="Helvetica"/>
+              </a:rPr>
+              <a:t>tempor</a:t>
+            </a:r>
+            <a:r>
+              <a:rPr lang="en-US" sz="3600" dirty="0">
+                <a:latin typeface="Helvetica"/>
+                <a:cs typeface="Helvetica"/>
+              </a:rPr>
+              <a:t> </a:t>
+            </a:r>
+            <a:r>
+              <a:rPr lang="en-US" sz="3600" dirty="0" err="1">
+                <a:latin typeface="Helvetica"/>
+                <a:cs typeface="Helvetica"/>
+              </a:rPr>
+              <a:t>incididunt</a:t>
+            </a:r>
+            <a:r>
+              <a:rPr lang="en-US" sz="3600" dirty="0">
+                <a:latin typeface="Helvetica"/>
+                <a:cs typeface="Helvetica"/>
+              </a:rPr>
+              <a:t> </a:t>
+            </a:r>
+            <a:r>
+              <a:rPr lang="en-US" sz="3600" dirty="0" err="1">
+                <a:latin typeface="Helvetica"/>
+                <a:cs typeface="Helvetica"/>
+              </a:rPr>
+              <a:t>ut</a:t>
+            </a:r>
+            <a:r>
+              <a:rPr lang="en-US" sz="3600" dirty="0">
+                <a:latin typeface="Helvetica"/>
+                <a:cs typeface="Helvetica"/>
+              </a:rPr>
+              <a:t> </a:t>
+            </a:r>
+            <a:r>
+              <a:rPr lang="en-US" sz="3600" dirty="0" err="1">
+                <a:latin typeface="Helvetica"/>
+                <a:cs typeface="Helvetica"/>
+              </a:rPr>
+              <a:t>labore</a:t>
+            </a:r>
+            <a:r>
+              <a:rPr lang="en-US" sz="3600" dirty="0">
+                <a:latin typeface="Helvetica"/>
+                <a:cs typeface="Helvetica"/>
+              </a:rPr>
+              <a:t> et </a:t>
+            </a:r>
+            <a:r>
+              <a:rPr lang="en-US" sz="3600" dirty="0" err="1">
+                <a:latin typeface="Helvetica"/>
+                <a:cs typeface="Helvetica"/>
+              </a:rPr>
+              <a:t>dolore</a:t>
+            </a:r>
+            <a:r>
+              <a:rPr lang="en-US" sz="3600" dirty="0">
+                <a:latin typeface="Helvetica"/>
+                <a:cs typeface="Helvetica"/>
+              </a:rPr>
+              <a:t> magna </a:t>
+            </a:r>
+            <a:r>
+              <a:rPr lang="en-US" sz="3600" dirty="0" err="1">
+                <a:latin typeface="Helvetica"/>
+                <a:cs typeface="Helvetica"/>
+              </a:rPr>
+              <a:t>aliqua</a:t>
+            </a:r>
+            <a:r>
+              <a:rPr lang="en-US" sz="3600" dirty="0">
+                <a:latin typeface="Helvetica"/>
+                <a:cs typeface="Helvetica"/>
+              </a:rPr>
+              <a:t>. </a:t>
+            </a:r>
+            <a:r>
+              <a:rPr lang="en-US" sz="3600" dirty="0" err="1">
+                <a:latin typeface="Helvetica"/>
+                <a:cs typeface="Helvetica"/>
+              </a:rPr>
+              <a:t>Ut</a:t>
+            </a:r>
+            <a:r>
+              <a:rPr lang="en-US" sz="3600" dirty="0">
+                <a:latin typeface="Helvetica"/>
+                <a:cs typeface="Helvetica"/>
+              </a:rPr>
+              <a:t> </a:t>
+            </a:r>
+            <a:r>
+              <a:rPr lang="en-US" sz="3600" dirty="0" err="1">
+                <a:latin typeface="Helvetica"/>
+                <a:cs typeface="Helvetica"/>
+              </a:rPr>
+              <a:t>enim</a:t>
+            </a:r>
+            <a:r>
+              <a:rPr lang="en-US" sz="3600" dirty="0">
+                <a:latin typeface="Helvetica"/>
+                <a:cs typeface="Helvetica"/>
+              </a:rPr>
+              <a:t> ad minim </a:t>
+            </a:r>
+            <a:r>
+              <a:rPr lang="en-US" sz="3600" dirty="0" err="1">
+                <a:latin typeface="Helvetica"/>
+                <a:cs typeface="Helvetica"/>
+              </a:rPr>
+              <a:t>veniam</a:t>
+            </a:r>
+            <a:r>
+              <a:rPr lang="en-US" sz="3600" dirty="0">
+                <a:latin typeface="Helvetica"/>
+                <a:cs typeface="Helvetica"/>
+              </a:rPr>
+              <a:t>, </a:t>
+            </a:r>
+            <a:r>
+              <a:rPr lang="en-US" sz="3600" dirty="0" err="1">
+                <a:latin typeface="Helvetica"/>
+                <a:cs typeface="Helvetica"/>
+              </a:rPr>
+              <a:t>quis</a:t>
+            </a:r>
+            <a:r>
+              <a:rPr lang="en-US" sz="3600" dirty="0">
+                <a:latin typeface="Helvetica"/>
+                <a:cs typeface="Helvetica"/>
+              </a:rPr>
+              <a:t> </a:t>
+            </a:r>
+            <a:r>
+              <a:rPr lang="en-US" sz="3600" dirty="0" err="1">
+                <a:latin typeface="Helvetica"/>
+                <a:cs typeface="Helvetica"/>
+              </a:rPr>
+              <a:t>nostrud</a:t>
+            </a:r>
+            <a:r>
+              <a:rPr lang="en-US" sz="3600" dirty="0">
+                <a:latin typeface="Helvetica"/>
+                <a:cs typeface="Helvetica"/>
+              </a:rPr>
+              <a:t> exercitation </a:t>
+            </a:r>
+            <a:r>
+              <a:rPr lang="en-US" sz="3600" dirty="0" err="1">
+                <a:latin typeface="Helvetica"/>
+                <a:cs typeface="Helvetica"/>
+              </a:rPr>
+              <a:t>ullamco</a:t>
+            </a:r>
+            <a:r>
+              <a:rPr lang="en-US" sz="3600" dirty="0">
+                <a:latin typeface="Helvetica"/>
+                <a:cs typeface="Helvetica"/>
+              </a:rPr>
+              <a:t> </a:t>
+            </a:r>
+            <a:r>
+              <a:rPr lang="en-US" sz="3600" dirty="0" err="1">
+                <a:latin typeface="Helvetica"/>
+                <a:cs typeface="Helvetica"/>
+              </a:rPr>
+              <a:t>laboris</a:t>
+            </a:r>
+            <a:r>
+              <a:rPr lang="en-US" sz="3600" dirty="0">
+                <a:latin typeface="Helvetica"/>
+                <a:cs typeface="Helvetica"/>
+              </a:rPr>
+              <a:t> nisi </a:t>
+            </a:r>
+            <a:r>
+              <a:rPr lang="en-US" sz="3600" dirty="0" err="1">
+                <a:latin typeface="Helvetica"/>
+                <a:cs typeface="Helvetica"/>
+              </a:rPr>
+              <a:t>ut</a:t>
+            </a:r>
+            <a:r>
+              <a:rPr lang="en-US" sz="3600" dirty="0">
+                <a:latin typeface="Helvetica"/>
+                <a:cs typeface="Helvetica"/>
+              </a:rPr>
+              <a:t> </a:t>
+            </a:r>
+            <a:r>
+              <a:rPr lang="en-US" sz="3600" dirty="0" err="1">
+                <a:latin typeface="Helvetica"/>
+                <a:cs typeface="Helvetica"/>
+              </a:rPr>
+              <a:t>aliquip</a:t>
+            </a:r>
+            <a:r>
+              <a:rPr lang="en-US" sz="3600" dirty="0">
+                <a:latin typeface="Helvetica"/>
+                <a:cs typeface="Helvetica"/>
+              </a:rPr>
+              <a:t> ex </a:t>
+            </a:r>
+            <a:r>
+              <a:rPr lang="en-US" sz="3600" dirty="0" err="1">
+                <a:latin typeface="Helvetica"/>
+                <a:cs typeface="Helvetica"/>
+              </a:rPr>
+              <a:t>ea</a:t>
+            </a:r>
+            <a:r>
+              <a:rPr lang="en-US" sz="3600" dirty="0">
+                <a:latin typeface="Helvetica"/>
+                <a:cs typeface="Helvetica"/>
+              </a:rPr>
+              <a:t> </a:t>
+            </a:r>
+            <a:r>
+              <a:rPr lang="en-US" sz="3600" dirty="0" err="1">
+                <a:latin typeface="Helvetica"/>
+                <a:cs typeface="Helvetica"/>
+              </a:rPr>
+              <a:t>commodo</a:t>
+            </a:r>
+            <a:r>
+              <a:rPr lang="en-US" sz="3600" dirty="0">
+                <a:latin typeface="Helvetica"/>
+                <a:cs typeface="Helvetica"/>
+              </a:rPr>
+              <a:t> </a:t>
+            </a:r>
+            <a:r>
+              <a:rPr lang="en-US" sz="3600" dirty="0" err="1">
+                <a:latin typeface="Helvetica"/>
+                <a:cs typeface="Helvetica"/>
+              </a:rPr>
+              <a:t>consequat</a:t>
+            </a:r>
+            <a:r>
+              <a:rPr lang="en-US" sz="3600" dirty="0" smtClean="0">
+                <a:latin typeface="Helvetica"/>
+                <a:cs typeface="Helvetica"/>
+              </a:rPr>
+              <a:t>. </a:t>
+            </a:r>
+            <a:r>
+              <a:rPr lang="en-US" sz="3600" dirty="0" err="1">
+                <a:latin typeface="Helvetica"/>
+                <a:cs typeface="Helvetica"/>
+              </a:rPr>
+              <a:t>ut</a:t>
+            </a:r>
+            <a:r>
+              <a:rPr lang="en-US" sz="3600" dirty="0">
+                <a:latin typeface="Helvetica"/>
+                <a:cs typeface="Helvetica"/>
+              </a:rPr>
+              <a:t> </a:t>
+            </a:r>
+            <a:r>
+              <a:rPr lang="en-US" sz="3600" dirty="0" err="1">
+                <a:latin typeface="Helvetica"/>
+                <a:cs typeface="Helvetica"/>
+              </a:rPr>
+              <a:t>aliquip</a:t>
+            </a:r>
+            <a:r>
+              <a:rPr lang="en-US" sz="3600" dirty="0">
+                <a:latin typeface="Helvetica"/>
+                <a:cs typeface="Helvetica"/>
+              </a:rPr>
+              <a:t> ex </a:t>
+            </a:r>
+            <a:r>
+              <a:rPr lang="en-US" sz="3600" dirty="0" err="1">
+                <a:latin typeface="Helvetica"/>
+                <a:cs typeface="Helvetica"/>
+              </a:rPr>
+              <a:t>ea</a:t>
+            </a:r>
+            <a:r>
+              <a:rPr lang="en-US" sz="3600" dirty="0">
+                <a:latin typeface="Helvetica"/>
+                <a:cs typeface="Helvetica"/>
+              </a:rPr>
+              <a:t> </a:t>
+            </a:r>
+            <a:r>
+              <a:rPr lang="en-US" sz="3600" dirty="0" err="1">
+                <a:latin typeface="Helvetica"/>
+                <a:cs typeface="Helvetica"/>
+              </a:rPr>
+              <a:t>incididunt</a:t>
+            </a:r>
+            <a:r>
+              <a:rPr lang="en-US" sz="3600" dirty="0">
+                <a:latin typeface="Helvetica"/>
+                <a:cs typeface="Helvetica"/>
+              </a:rPr>
+              <a:t> </a:t>
+            </a:r>
+            <a:r>
+              <a:rPr lang="en-US" sz="3600" dirty="0" err="1">
+                <a:latin typeface="Helvetica"/>
+                <a:cs typeface="Helvetica"/>
+              </a:rPr>
+              <a:t>ut</a:t>
+            </a:r>
+            <a:r>
+              <a:rPr lang="en-US" sz="3600" dirty="0">
+                <a:latin typeface="Helvetica"/>
+                <a:cs typeface="Helvetica"/>
+              </a:rPr>
+              <a:t> </a:t>
+            </a:r>
+            <a:r>
+              <a:rPr lang="en-US" sz="3600" dirty="0" err="1">
+                <a:latin typeface="Helvetica"/>
+                <a:cs typeface="Helvetica"/>
+              </a:rPr>
+              <a:t>labore</a:t>
+            </a:r>
+            <a:r>
+              <a:rPr lang="en-US" sz="3600" dirty="0">
+                <a:latin typeface="Helvetica"/>
+                <a:cs typeface="Helvetica"/>
+              </a:rPr>
+              <a:t> et </a:t>
+            </a:r>
+            <a:r>
+              <a:rPr lang="en-US" sz="3600" dirty="0" err="1">
+                <a:latin typeface="Helvetica"/>
+                <a:cs typeface="Helvetica"/>
+              </a:rPr>
+              <a:t>dolore</a:t>
+            </a:r>
+            <a:r>
+              <a:rPr lang="en-US" sz="3600" dirty="0">
+                <a:latin typeface="Helvetica"/>
+                <a:cs typeface="Helvetica"/>
+              </a:rPr>
+              <a:t> magna </a:t>
+            </a:r>
+            <a:r>
+              <a:rPr lang="en-US" sz="3600" dirty="0" err="1">
+                <a:latin typeface="Helvetica"/>
+                <a:cs typeface="Helvetica"/>
+              </a:rPr>
+              <a:t>aliqua</a:t>
+            </a:r>
+            <a:r>
+              <a:rPr lang="en-US" sz="3600" dirty="0">
+                <a:latin typeface="Helvetica"/>
+                <a:cs typeface="Helvetica"/>
+              </a:rPr>
+              <a:t>. </a:t>
+            </a:r>
+            <a:r>
+              <a:rPr lang="en-US" sz="3600" dirty="0" err="1">
+                <a:latin typeface="Helvetica"/>
+                <a:cs typeface="Helvetica"/>
+              </a:rPr>
+              <a:t>Ut</a:t>
+            </a:r>
+            <a:r>
+              <a:rPr lang="en-US" sz="3600" dirty="0">
+                <a:latin typeface="Helvetica"/>
+                <a:cs typeface="Helvetica"/>
+              </a:rPr>
+              <a:t> </a:t>
+            </a:r>
+            <a:r>
+              <a:rPr lang="en-US" sz="3600" dirty="0" err="1">
+                <a:latin typeface="Helvetica"/>
+                <a:cs typeface="Helvetica"/>
+              </a:rPr>
+              <a:t>enim</a:t>
+            </a:r>
+            <a:r>
+              <a:rPr lang="en-US" sz="3600" dirty="0">
+                <a:latin typeface="Helvetica"/>
+                <a:cs typeface="Helvetica"/>
+              </a:rPr>
+              <a:t> ad minim </a:t>
+            </a:r>
+            <a:r>
+              <a:rPr lang="en-US" sz="3600" dirty="0" err="1">
+                <a:latin typeface="Helvetica"/>
+                <a:cs typeface="Helvetica"/>
+              </a:rPr>
+              <a:t>veniam</a:t>
+            </a:r>
+            <a:r>
+              <a:rPr lang="en-US" sz="3600" dirty="0">
+                <a:latin typeface="Helvetica"/>
+                <a:cs typeface="Helvetica"/>
+              </a:rPr>
+              <a:t>, </a:t>
+            </a:r>
+            <a:r>
+              <a:rPr lang="en-US" sz="3600" dirty="0" err="1">
+                <a:latin typeface="Helvetica"/>
+                <a:cs typeface="Helvetica"/>
+              </a:rPr>
+              <a:t>quis</a:t>
+            </a:r>
+            <a:r>
+              <a:rPr lang="en-US" sz="3600" dirty="0">
+                <a:latin typeface="Helvetica"/>
+                <a:cs typeface="Helvetica"/>
+              </a:rPr>
+              <a:t> </a:t>
+            </a:r>
+            <a:r>
+              <a:rPr lang="en-US" sz="3600" dirty="0" err="1">
+                <a:latin typeface="Helvetica"/>
+                <a:cs typeface="Helvetica"/>
+              </a:rPr>
+              <a:t>nostrud</a:t>
+            </a:r>
+            <a:r>
+              <a:rPr lang="en-US" sz="3600" dirty="0">
+                <a:latin typeface="Helvetica"/>
+                <a:cs typeface="Helvetica"/>
+              </a:rPr>
+              <a:t> exercitation </a:t>
+            </a:r>
+            <a:r>
+              <a:rPr lang="en-US" sz="3600" dirty="0" err="1">
+                <a:latin typeface="Helvetica"/>
+                <a:cs typeface="Helvetica"/>
+              </a:rPr>
+              <a:t>ullamco</a:t>
+            </a:r>
+            <a:r>
+              <a:rPr lang="en-US" sz="3600" dirty="0">
+                <a:latin typeface="Helvetica"/>
+                <a:cs typeface="Helvetica"/>
+              </a:rPr>
+              <a:t> </a:t>
+            </a:r>
+            <a:r>
+              <a:rPr lang="en-US" sz="3600" dirty="0" err="1">
+                <a:latin typeface="Helvetica"/>
+                <a:cs typeface="Helvetica"/>
+              </a:rPr>
+              <a:t>laboris</a:t>
+            </a:r>
+            <a:r>
+              <a:rPr lang="en-US" sz="3600" dirty="0">
+                <a:latin typeface="Helvetica"/>
+                <a:cs typeface="Helvetica"/>
+              </a:rPr>
+              <a:t> nisi </a:t>
+            </a:r>
+            <a:r>
+              <a:rPr lang="en-US" sz="3600" dirty="0" err="1">
+                <a:latin typeface="Helvetica"/>
+                <a:cs typeface="Helvetica"/>
+              </a:rPr>
+              <a:t>ut</a:t>
+            </a:r>
+            <a:r>
+              <a:rPr lang="en-US" sz="3600" dirty="0">
+                <a:latin typeface="Helvetica"/>
+                <a:cs typeface="Helvetica"/>
+              </a:rPr>
+              <a:t> </a:t>
+            </a:r>
+            <a:r>
+              <a:rPr lang="en-US" sz="3600" dirty="0" err="1">
+                <a:latin typeface="Helvetica"/>
+                <a:cs typeface="Helvetica"/>
+              </a:rPr>
+              <a:t>aliquip</a:t>
+            </a:r>
+            <a:r>
+              <a:rPr lang="en-US" sz="3600" dirty="0">
+                <a:latin typeface="Helvetica"/>
+                <a:cs typeface="Helvetica"/>
+              </a:rPr>
+              <a:t> ex </a:t>
+            </a:r>
+            <a:r>
+              <a:rPr lang="en-US" sz="3600" dirty="0" err="1">
+                <a:latin typeface="Helvetica"/>
+                <a:cs typeface="Helvetica"/>
+              </a:rPr>
+              <a:t>ea</a:t>
+            </a:r>
+            <a:r>
+              <a:rPr lang="en-US" sz="3600" dirty="0">
+                <a:latin typeface="Helvetica"/>
+                <a:cs typeface="Helvetica"/>
+              </a:rPr>
+              <a:t> </a:t>
+            </a:r>
+            <a:r>
+              <a:rPr lang="en-US" sz="3600" dirty="0" err="1">
+                <a:latin typeface="Helvetica"/>
+                <a:cs typeface="Helvetica"/>
+              </a:rPr>
+              <a:t>commodo</a:t>
+            </a:r>
+            <a:r>
+              <a:rPr lang="en-US" sz="3600" dirty="0">
+                <a:latin typeface="Helvetica"/>
+                <a:cs typeface="Helvetica"/>
+              </a:rPr>
+              <a:t> </a:t>
+            </a:r>
+            <a:r>
+              <a:rPr lang="en-US" sz="3600" dirty="0" err="1">
+                <a:latin typeface="Helvetica"/>
+                <a:cs typeface="Helvetica"/>
+              </a:rPr>
+              <a:t>consequat</a:t>
+            </a:r>
+            <a:r>
+              <a:rPr lang="en-US" sz="3600" dirty="0">
+                <a:latin typeface="Helvetica"/>
+                <a:cs typeface="Helvetica"/>
+              </a:rPr>
+              <a:t>. </a:t>
+            </a:r>
+            <a:r>
+              <a:rPr lang="en-US" sz="3600" dirty="0" err="1">
+                <a:latin typeface="Helvetica"/>
+                <a:cs typeface="Helvetica"/>
+              </a:rPr>
+              <a:t>ut</a:t>
+            </a:r>
+            <a:r>
+              <a:rPr lang="en-US" sz="3600" dirty="0">
+                <a:latin typeface="Helvetica"/>
+                <a:cs typeface="Helvetica"/>
+              </a:rPr>
+              <a:t> </a:t>
+            </a:r>
+            <a:r>
+              <a:rPr lang="en-US" sz="3600" dirty="0" err="1">
+                <a:latin typeface="Helvetica"/>
+                <a:cs typeface="Helvetica"/>
+              </a:rPr>
+              <a:t>aliquip</a:t>
+            </a:r>
+            <a:r>
+              <a:rPr lang="en-US" sz="3600" dirty="0">
+                <a:latin typeface="Helvetica"/>
+                <a:cs typeface="Helvetica"/>
+              </a:rPr>
+              <a:t> ex </a:t>
+            </a:r>
+            <a:r>
+              <a:rPr lang="en-US" sz="3600" dirty="0" err="1">
+                <a:latin typeface="Helvetica"/>
+                <a:cs typeface="Helvetica"/>
+              </a:rPr>
+              <a:t>ea</a:t>
+            </a:r>
+            <a:r>
+              <a:rPr lang="en-US" sz="3600" dirty="0">
+                <a:latin typeface="Helvetica"/>
+                <a:cs typeface="Helvetica"/>
+              </a:rPr>
+              <a:t> exercitation </a:t>
+            </a:r>
+            <a:r>
+              <a:rPr lang="en-US" sz="3600" dirty="0" err="1">
+                <a:latin typeface="Helvetica"/>
+                <a:cs typeface="Helvetica"/>
+              </a:rPr>
+              <a:t>ullamco</a:t>
+            </a:r>
+            <a:r>
+              <a:rPr lang="en-US" sz="3600" dirty="0">
+                <a:latin typeface="Helvetica"/>
+                <a:cs typeface="Helvetica"/>
+              </a:rPr>
+              <a:t> </a:t>
+            </a:r>
+            <a:r>
+              <a:rPr lang="en-US" sz="3600" dirty="0" err="1">
+                <a:latin typeface="Helvetica"/>
+                <a:cs typeface="Helvetica"/>
+              </a:rPr>
+              <a:t>laboris</a:t>
+            </a:r>
+            <a:r>
+              <a:rPr lang="en-US" sz="3600" dirty="0">
+                <a:latin typeface="Helvetica"/>
+                <a:cs typeface="Helvetica"/>
+              </a:rPr>
+              <a:t> nisi </a:t>
+            </a:r>
+            <a:r>
+              <a:rPr lang="en-US" sz="3600" dirty="0" err="1">
+                <a:latin typeface="Helvetica"/>
+                <a:cs typeface="Helvetica"/>
+              </a:rPr>
+              <a:t>ut</a:t>
+            </a:r>
+            <a:r>
+              <a:rPr lang="en-US" sz="3600" dirty="0">
+                <a:latin typeface="Helvetica"/>
+                <a:cs typeface="Helvetica"/>
+              </a:rPr>
+              <a:t> </a:t>
+            </a:r>
+            <a:r>
+              <a:rPr lang="en-US" sz="3600" dirty="0" err="1">
+                <a:latin typeface="Helvetica"/>
+                <a:cs typeface="Helvetica"/>
+              </a:rPr>
+              <a:t>aliquip</a:t>
+            </a:r>
+            <a:r>
+              <a:rPr lang="en-US" sz="3600" dirty="0">
+                <a:latin typeface="Helvetica"/>
+                <a:cs typeface="Helvetica"/>
+              </a:rPr>
+              <a:t> </a:t>
+            </a:r>
+            <a:r>
+              <a:rPr lang="en-US" sz="3600" dirty="0" smtClean="0">
+                <a:latin typeface="Helvetica"/>
+                <a:cs typeface="Helvetica"/>
+              </a:rPr>
+              <a:t>ex</a:t>
+            </a:r>
+          </a:p>
+          <a:p>
+            <a:pPr>
+              <a:lnSpc>
+                <a:spcPct val="110000"/>
+              </a:lnSpc>
+            </a:pPr>
+            <a:r>
+              <a:rPr lang="en-US" sz="3600" dirty="0">
+                <a:latin typeface="Helvetica"/>
+                <a:cs typeface="Helvetica"/>
+              </a:rPr>
+              <a:t>exercitation </a:t>
+            </a:r>
+            <a:r>
+              <a:rPr lang="en-US" sz="3600" dirty="0" err="1">
+                <a:latin typeface="Helvetica"/>
+                <a:cs typeface="Helvetica"/>
+              </a:rPr>
+              <a:t>ullamco</a:t>
+            </a:r>
+            <a:r>
+              <a:rPr lang="en-US" sz="3600" dirty="0">
+                <a:latin typeface="Helvetica"/>
+                <a:cs typeface="Helvetica"/>
+              </a:rPr>
+              <a:t> </a:t>
+            </a:r>
+            <a:r>
+              <a:rPr lang="en-US" sz="3600" dirty="0" err="1">
+                <a:latin typeface="Helvetica"/>
+                <a:cs typeface="Helvetica"/>
+              </a:rPr>
+              <a:t>laboris</a:t>
+            </a:r>
+            <a:r>
+              <a:rPr lang="en-US" sz="3600" dirty="0">
+                <a:latin typeface="Helvetica"/>
+                <a:cs typeface="Helvetica"/>
+              </a:rPr>
+              <a:t> nisi </a:t>
+            </a:r>
+            <a:r>
+              <a:rPr lang="en-US" sz="3600" dirty="0" err="1">
+                <a:latin typeface="Helvetica"/>
+                <a:cs typeface="Helvetica"/>
+              </a:rPr>
+              <a:t>ut</a:t>
+            </a:r>
+            <a:r>
+              <a:rPr lang="en-US" sz="3600" dirty="0">
+                <a:latin typeface="Helvetica"/>
+                <a:cs typeface="Helvetica"/>
+              </a:rPr>
+              <a:t> </a:t>
+            </a:r>
+            <a:r>
+              <a:rPr lang="en-US" sz="3600" dirty="0" err="1">
+                <a:latin typeface="Helvetica"/>
+                <a:cs typeface="Helvetica"/>
+              </a:rPr>
+              <a:t>aliquip</a:t>
+            </a:r>
+            <a:r>
+              <a:rPr lang="en-US" sz="3600" dirty="0">
+                <a:latin typeface="Helvetica"/>
+                <a:cs typeface="Helvetica"/>
+              </a:rPr>
+              <a:t> </a:t>
+            </a:r>
+            <a:r>
+              <a:rPr lang="en-US" sz="3600" dirty="0" smtClean="0">
+                <a:latin typeface="Helvetica"/>
+                <a:cs typeface="Helvetica"/>
+              </a:rPr>
+              <a:t>ex</a:t>
+            </a:r>
+          </a:p>
+          <a:p>
+            <a:pPr>
+              <a:lnSpc>
+                <a:spcPct val="110000"/>
+              </a:lnSpc>
+            </a:pPr>
+            <a:r>
+              <a:rPr lang="en-US" sz="3600" dirty="0">
+                <a:latin typeface="Helvetica"/>
+                <a:cs typeface="Helvetica"/>
+              </a:rPr>
+              <a:t>exercitation </a:t>
+            </a:r>
+            <a:r>
+              <a:rPr lang="en-US" sz="3600" dirty="0" err="1">
+                <a:latin typeface="Helvetica"/>
+                <a:cs typeface="Helvetica"/>
+              </a:rPr>
+              <a:t>ullamco</a:t>
+            </a:r>
+            <a:r>
+              <a:rPr lang="en-US" sz="3600" dirty="0">
+                <a:latin typeface="Helvetica"/>
+                <a:cs typeface="Helvetica"/>
+              </a:rPr>
+              <a:t> </a:t>
+            </a:r>
+            <a:r>
+              <a:rPr lang="en-US" sz="3600" dirty="0" err="1">
+                <a:latin typeface="Helvetica"/>
+                <a:cs typeface="Helvetica"/>
+              </a:rPr>
+              <a:t>laboris</a:t>
+            </a:r>
+            <a:r>
+              <a:rPr lang="en-US" sz="3600" dirty="0">
+                <a:latin typeface="Helvetica"/>
+                <a:cs typeface="Helvetica"/>
+              </a:rPr>
+              <a:t> nisi </a:t>
+            </a:r>
+            <a:r>
+              <a:rPr lang="en-US" sz="3600" dirty="0" err="1">
+                <a:latin typeface="Helvetica"/>
+                <a:cs typeface="Helvetica"/>
+              </a:rPr>
+              <a:t>ut</a:t>
+            </a:r>
+            <a:r>
+              <a:rPr lang="en-US" sz="3600" dirty="0">
+                <a:latin typeface="Helvetica"/>
+                <a:cs typeface="Helvetica"/>
+              </a:rPr>
+              <a:t> </a:t>
+            </a:r>
+            <a:r>
+              <a:rPr lang="en-US" sz="3600" dirty="0" err="1">
+                <a:latin typeface="Helvetica"/>
+                <a:cs typeface="Helvetica"/>
+              </a:rPr>
+              <a:t>aliquip</a:t>
+            </a:r>
+            <a:r>
+              <a:rPr lang="en-US" sz="3600" dirty="0">
+                <a:latin typeface="Helvetica"/>
+                <a:cs typeface="Helvetica"/>
+              </a:rPr>
+              <a:t> ex</a:t>
+            </a:r>
+            <a:endParaRPr lang="en-US" sz="3600" dirty="0">
+              <a:latin typeface="Helvetica"/>
+              <a:cs typeface="Helvetica"/>
+            </a:endParaRPr>
+          </a:p>
+        </p:txBody>
+      </p:sp>
     </p:spTree>
     <p:extLst>
       <p:ext uri="{BB962C8B-B14F-4D97-AF65-F5344CB8AC3E}">
@@ -7262,7 +11240,7 @@
 </p:sld>
 </file>
 
-<file path=ppt/slides/slide2.xml><?xml version="1.0" encoding="utf-8"?>
+<file path=ppt/slides/slide3.xml><?xml version="1.0" encoding="utf-8"?>
 <p:sld xmlns:a="http://schemas.openxmlformats.org/drawingml/2006/main" xmlns:r="http://schemas.openxmlformats.org/officeDocument/2006/relationships" xmlns:p="http://schemas.openxmlformats.org/presentationml/2006/main">
   <p:cSld>
     <p:spTree>

--- a/Presentations/Open Repositories 2015/ORCommunities24x36.pptx
+++ b/Presentations/Open Repositories 2015/ORCommunities24x36.pptx
@@ -5,12 +5,13 @@
     <p:sldMasterId id="2147483648" r:id="rId1"/>
   </p:sldMasterIdLst>
   <p:notesMasterIdLst>
-    <p:notesMasterId r:id="rId5"/>
+    <p:notesMasterId r:id="rId6"/>
   </p:notesMasterIdLst>
   <p:sldIdLst>
-    <p:sldId id="261" r:id="rId2"/>
-    <p:sldId id="262" r:id="rId3"/>
-    <p:sldId id="260" r:id="rId4"/>
+    <p:sldId id="263" r:id="rId2"/>
+    <p:sldId id="261" r:id="rId3"/>
+    <p:sldId id="262" r:id="rId4"/>
+    <p:sldId id="260" r:id="rId5"/>
   </p:sldIdLst>
   <p:sldSz cx="32004000" cy="25603200"/>
   <p:notesSz cx="6858000" cy="9144000"/>
@@ -194,7 +195,7 @@
           <a:p>
             <a:fld id="{70685992-2584-0D40-9F4F-6E4B59BEC887}" type="datetimeFigureOut">
               <a:rPr lang="en-US" smtClean="0"/>
-              <a:t>5/12/15</a:t>
+              <a:t>5/13/15</a:t>
             </a:fld>
             <a:endParaRPr lang="en-US"/>
           </a:p>
@@ -512,15 +513,22 @@
           <a:lstStyle/>
           <a:p>
             <a:r>
+              <a:rPr lang="en-US" smtClean="0"/>
+              <a:t>Primary slide</a:t>
+            </a:r>
+          </a:p>
+          <a:p>
+            <a:r>
               <a:rPr lang="en-US" dirty="0" smtClean="0"/>
-              <a:t>-Recommended font sizes for 40x40 posters?</a:t>
-            </a:r>
-          </a:p>
-          <a:p>
-            <a:r>
-              <a:rPr lang="en-US" dirty="0" smtClean="0"/>
-              <a:t>-What’s the right size for posters?</a:t>
-            </a:r>
+              <a:t>Included</a:t>
+            </a:r>
+            <a:r>
+              <a:rPr lang="en-US" baseline="0" dirty="0" smtClean="0"/>
+              <a:t> metadata section, moved A/D</a:t>
+            </a:r>
+          </a:p>
+          <a:p>
+            <a:endParaRPr lang="en-US" dirty="0" smtClean="0"/>
           </a:p>
           <a:p>
             <a:endParaRPr lang="en-US" dirty="0"/>
@@ -614,16 +622,12 @@
           <a:p>
             <a:r>
               <a:rPr lang="en-US" dirty="0" smtClean="0"/>
-              <a:t>-Recommended font sizes for 40x40 posters?</a:t>
-            </a:r>
-          </a:p>
-          <a:p>
-            <a:r>
-              <a:rPr lang="en-US" dirty="0" smtClean="0"/>
-              <a:t>-What’s the right size for posters?</a:t>
-            </a:r>
-          </a:p>
-          <a:p>
+              <a:t>Moved</a:t>
+            </a:r>
+            <a:r>
+              <a:rPr lang="en-US" baseline="0" dirty="0" smtClean="0"/>
+              <a:t> advantages/disadvantages to right column, ditched user education</a:t>
+            </a:r>
             <a:endParaRPr lang="en-US" dirty="0"/>
           </a:p>
         </p:txBody>
@@ -715,8 +719,16 @@
           <a:p>
             <a:r>
               <a:rPr lang="en-US" dirty="0" smtClean="0"/>
-              <a:t>Color scheme</a:t>
-            </a:r>
+              <a:t>-Recommended font sizes for 40x40 posters?</a:t>
+            </a:r>
+          </a:p>
+          <a:p>
+            <a:r>
+              <a:rPr lang="en-US" dirty="0" smtClean="0"/>
+              <a:t>-What’s the right size for posters?</a:t>
+            </a:r>
+          </a:p>
+          <a:p>
             <a:endParaRPr lang="en-US" dirty="0"/>
           </a:p>
         </p:txBody>
@@ -739,6 +751,99 @@
             <a:fld id="{09433A41-3688-D149-9DB2-964966365024}" type="slidenum">
               <a:rPr lang="en-US" smtClean="0"/>
               <a:t>3</a:t>
+            </a:fld>
+            <a:endParaRPr lang="en-US"/>
+          </a:p>
+        </p:txBody>
+      </p:sp>
+    </p:spTree>
+    <p:extLst>
+      <p:ext uri="{BB962C8B-B14F-4D97-AF65-F5344CB8AC3E}">
+        <p14:creationId xmlns:p14="http://schemas.microsoft.com/office/powerpoint/2010/main" val="3178737110"/>
+      </p:ext>
+    </p:extLst>
+  </p:cSld>
+  <p:clrMapOvr>
+    <a:masterClrMapping/>
+  </p:clrMapOvr>
+</p:notes>
+</file>
+
+<file path=ppt/notesSlides/notesSlide4.xml><?xml version="1.0" encoding="utf-8"?>
+<p:notes xmlns:a="http://schemas.openxmlformats.org/drawingml/2006/main" xmlns:r="http://schemas.openxmlformats.org/officeDocument/2006/relationships" xmlns:p="http://schemas.openxmlformats.org/presentationml/2006/main">
+  <p:cSld>
+    <p:spTree>
+      <p:nvGrpSpPr>
+        <p:cNvPr id="1" name=""/>
+        <p:cNvGrpSpPr/>
+        <p:nvPr/>
+      </p:nvGrpSpPr>
+      <p:grpSpPr>
+        <a:xfrm>
+          <a:off x="0" y="0"/>
+          <a:ext cx="0" cy="0"/>
+          <a:chOff x="0" y="0"/>
+          <a:chExt cx="0" cy="0"/>
+        </a:xfrm>
+      </p:grpSpPr>
+      <p:sp>
+        <p:nvSpPr>
+          <p:cNvPr id="2" name="Slide Image Placeholder 1"/>
+          <p:cNvSpPr>
+            <a:spLocks noGrp="1" noRot="1" noChangeAspect="1"/>
+          </p:cNvSpPr>
+          <p:nvPr>
+            <p:ph type="sldImg"/>
+          </p:nvPr>
+        </p:nvSpPr>
+        <p:spPr>
+          <a:xfrm>
+            <a:off x="1285875" y="685800"/>
+            <a:ext cx="4286250" cy="3429000"/>
+          </a:xfrm>
+        </p:spPr>
+      </p:sp>
+      <p:sp>
+        <p:nvSpPr>
+          <p:cNvPr id="3" name="Notes Placeholder 2"/>
+          <p:cNvSpPr>
+            <a:spLocks noGrp="1"/>
+          </p:cNvSpPr>
+          <p:nvPr>
+            <p:ph type="body" idx="1"/>
+          </p:nvPr>
+        </p:nvSpPr>
+        <p:spPr/>
+        <p:txBody>
+          <a:bodyPr/>
+          <a:lstStyle/>
+          <a:p>
+            <a:r>
+              <a:rPr lang="en-US" dirty="0" smtClean="0"/>
+              <a:t>Color scheme</a:t>
+            </a:r>
+            <a:endParaRPr lang="en-US" dirty="0"/>
+          </a:p>
+        </p:txBody>
+      </p:sp>
+      <p:sp>
+        <p:nvSpPr>
+          <p:cNvPr id="4" name="Slide Number Placeholder 3"/>
+          <p:cNvSpPr>
+            <a:spLocks noGrp="1"/>
+          </p:cNvSpPr>
+          <p:nvPr>
+            <p:ph type="sldNum" sz="quarter" idx="10"/>
+          </p:nvPr>
+        </p:nvSpPr>
+        <p:spPr/>
+        <p:txBody>
+          <a:bodyPr/>
+          <a:lstStyle/>
+          <a:p>
+            <a:fld id="{09433A41-3688-D149-9DB2-964966365024}" type="slidenum">
+              <a:rPr lang="en-US" smtClean="0"/>
+              <a:t>4</a:t>
             </a:fld>
             <a:endParaRPr lang="en-US"/>
           </a:p>
@@ -938,7 +1043,7 @@
           <a:p>
             <a:fld id="{D968744C-CFB2-7D43-BF8E-20D9B6CB77D5}" type="datetimeFigureOut">
               <a:rPr lang="en-US" smtClean="0"/>
-              <a:t>5/12/15</a:t>
+              <a:t>5/13/15</a:t>
             </a:fld>
             <a:endParaRPr lang="en-US"/>
           </a:p>
@@ -1108,7 +1213,7 @@
           <a:p>
             <a:fld id="{D968744C-CFB2-7D43-BF8E-20D9B6CB77D5}" type="datetimeFigureOut">
               <a:rPr lang="en-US" smtClean="0"/>
-              <a:t>5/12/15</a:t>
+              <a:t>5/13/15</a:t>
             </a:fld>
             <a:endParaRPr lang="en-US"/>
           </a:p>
@@ -1288,7 +1393,7 @@
           <a:p>
             <a:fld id="{D968744C-CFB2-7D43-BF8E-20D9B6CB77D5}" type="datetimeFigureOut">
               <a:rPr lang="en-US" smtClean="0"/>
-              <a:t>5/12/15</a:t>
+              <a:t>5/13/15</a:t>
             </a:fld>
             <a:endParaRPr lang="en-US"/>
           </a:p>
@@ -1458,7 +1563,7 @@
           <a:p>
             <a:fld id="{D968744C-CFB2-7D43-BF8E-20D9B6CB77D5}" type="datetimeFigureOut">
               <a:rPr lang="en-US" smtClean="0"/>
-              <a:t>5/12/15</a:t>
+              <a:t>5/13/15</a:t>
             </a:fld>
             <a:endParaRPr lang="en-US"/>
           </a:p>
@@ -1704,7 +1809,7 @@
           <a:p>
             <a:fld id="{D968744C-CFB2-7D43-BF8E-20D9B6CB77D5}" type="datetimeFigureOut">
               <a:rPr lang="en-US" smtClean="0"/>
-              <a:t>5/12/15</a:t>
+              <a:t>5/13/15</a:t>
             </a:fld>
             <a:endParaRPr lang="en-US"/>
           </a:p>
@@ -1992,7 +2097,7 @@
           <a:p>
             <a:fld id="{D968744C-CFB2-7D43-BF8E-20D9B6CB77D5}" type="datetimeFigureOut">
               <a:rPr lang="en-US" smtClean="0"/>
-              <a:t>5/12/15</a:t>
+              <a:t>5/13/15</a:t>
             </a:fld>
             <a:endParaRPr lang="en-US"/>
           </a:p>
@@ -2414,7 +2519,7 @@
           <a:p>
             <a:fld id="{D968744C-CFB2-7D43-BF8E-20D9B6CB77D5}" type="datetimeFigureOut">
               <a:rPr lang="en-US" smtClean="0"/>
-              <a:t>5/12/15</a:t>
+              <a:t>5/13/15</a:t>
             </a:fld>
             <a:endParaRPr lang="en-US"/>
           </a:p>
@@ -2532,7 +2637,7 @@
           <a:p>
             <a:fld id="{D968744C-CFB2-7D43-BF8E-20D9B6CB77D5}" type="datetimeFigureOut">
               <a:rPr lang="en-US" smtClean="0"/>
-              <a:t>5/12/15</a:t>
+              <a:t>5/13/15</a:t>
             </a:fld>
             <a:endParaRPr lang="en-US"/>
           </a:p>
@@ -2627,7 +2732,7 @@
           <a:p>
             <a:fld id="{D968744C-CFB2-7D43-BF8E-20D9B6CB77D5}" type="datetimeFigureOut">
               <a:rPr lang="en-US" smtClean="0"/>
-              <a:t>5/12/15</a:t>
+              <a:t>5/13/15</a:t>
             </a:fld>
             <a:endParaRPr lang="en-US"/>
           </a:p>
@@ -2904,7 +3009,7 @@
           <a:p>
             <a:fld id="{D968744C-CFB2-7D43-BF8E-20D9B6CB77D5}" type="datetimeFigureOut">
               <a:rPr lang="en-US" smtClean="0"/>
-              <a:t>5/12/15</a:t>
+              <a:t>5/13/15</a:t>
             </a:fld>
             <a:endParaRPr lang="en-US"/>
           </a:p>
@@ -3157,7 +3262,7 @@
           <a:p>
             <a:fld id="{D968744C-CFB2-7D43-BF8E-20D9B6CB77D5}" type="datetimeFigureOut">
               <a:rPr lang="en-US" smtClean="0"/>
-              <a:t>5/12/15</a:t>
+              <a:t>5/13/15</a:t>
             </a:fld>
             <a:endParaRPr lang="en-US"/>
           </a:p>
@@ -3370,7 +3475,7 @@
           <a:p>
             <a:fld id="{D968744C-CFB2-7D43-BF8E-20D9B6CB77D5}" type="datetimeFigureOut">
               <a:rPr lang="en-US" smtClean="0"/>
-              <a:t>5/12/15</a:t>
+              <a:t>5/13/15</a:t>
             </a:fld>
             <a:endParaRPr lang="en-US"/>
           </a:p>
@@ -3801,8 +3906,8 @@
         </p:nvSpPr>
         <p:spPr>
           <a:xfrm>
-            <a:off x="10985500" y="20366184"/>
-            <a:ext cx="12568465" cy="4842143"/>
+            <a:off x="10985501" y="20366184"/>
+            <a:ext cx="10637010" cy="4842143"/>
           </a:xfrm>
           <a:prstGeom prst="rect">
             <a:avLst/>
@@ -3835,6 +3940,498 @@
           <a:p>
             <a:pPr algn="ctr"/>
             <a:endParaRPr lang="en-US"/>
+          </a:p>
+        </p:txBody>
+      </p:sp>
+      <p:sp>
+        <p:nvSpPr>
+          <p:cNvPr id="13" name="TextBox 12"/>
+          <p:cNvSpPr txBox="1"/>
+          <p:nvPr/>
+        </p:nvSpPr>
+        <p:spPr>
+          <a:xfrm>
+            <a:off x="21622511" y="21401459"/>
+            <a:ext cx="9165034" cy="3850202"/>
+          </a:xfrm>
+          <a:prstGeom prst="rect">
+            <a:avLst/>
+          </a:prstGeom>
+          <a:noFill/>
+          <a:ln w="28575" cmpd="sng">
+            <a:noFill/>
+          </a:ln>
+        </p:spPr>
+        <p:txBody>
+          <a:bodyPr wrap="square" lIns="329104" tIns="164551" rIns="329104" bIns="164551" rtlCol="0">
+            <a:spAutoFit/>
+          </a:bodyPr>
+          <a:lstStyle/>
+          <a:p>
+            <a:pPr>
+              <a:lnSpc>
+                <a:spcPct val="90000"/>
+              </a:lnSpc>
+            </a:pPr>
+            <a:r>
+              <a:rPr lang="en-US" sz="4000" b="1" dirty="0">
+                <a:latin typeface="Helvetica"/>
+                <a:cs typeface="Helvetica"/>
+              </a:rPr>
+              <a:t>About </a:t>
+            </a:r>
+            <a:r>
+              <a:rPr lang="en-US" sz="4000" b="1" dirty="0" smtClean="0">
+                <a:latin typeface="Helvetica"/>
+                <a:cs typeface="Helvetica"/>
+              </a:rPr>
+              <a:t>Cerberus</a:t>
+            </a:r>
+          </a:p>
+          <a:p>
+            <a:pPr>
+              <a:lnSpc>
+                <a:spcPct val="90000"/>
+              </a:lnSpc>
+            </a:pPr>
+            <a:endParaRPr lang="en-US" sz="1400" dirty="0">
+              <a:latin typeface="Helvetica"/>
+              <a:cs typeface="Helvetica"/>
+            </a:endParaRPr>
+          </a:p>
+          <a:p>
+            <a:pPr>
+              <a:lnSpc>
+                <a:spcPct val="110000"/>
+              </a:lnSpc>
+            </a:pPr>
+            <a:r>
+              <a:rPr lang="en-US" sz="2800" dirty="0" err="1">
+                <a:latin typeface="Helvetica"/>
+                <a:cs typeface="Helvetica"/>
+              </a:rPr>
+              <a:t>Lorem</a:t>
+            </a:r>
+            <a:r>
+              <a:rPr lang="en-US" sz="2800" dirty="0">
+                <a:latin typeface="Helvetica"/>
+                <a:cs typeface="Helvetica"/>
+              </a:rPr>
+              <a:t> </a:t>
+            </a:r>
+            <a:r>
+              <a:rPr lang="en-US" sz="2800" dirty="0" err="1">
+                <a:latin typeface="Helvetica"/>
+                <a:cs typeface="Helvetica"/>
+              </a:rPr>
+              <a:t>ipsum</a:t>
+            </a:r>
+            <a:r>
+              <a:rPr lang="en-US" sz="2800" dirty="0">
+                <a:latin typeface="Helvetica"/>
+                <a:cs typeface="Helvetica"/>
+              </a:rPr>
+              <a:t> </a:t>
+            </a:r>
+            <a:r>
+              <a:rPr lang="en-US" sz="2800" dirty="0" smtClean="0">
+                <a:latin typeface="Helvetica"/>
+                <a:cs typeface="Helvetica"/>
+              </a:rPr>
+              <a:t>dolor sit </a:t>
+            </a:r>
+            <a:r>
+              <a:rPr lang="en-US" sz="2800" dirty="0" err="1">
+                <a:latin typeface="Helvetica"/>
+                <a:cs typeface="Helvetica"/>
+              </a:rPr>
+              <a:t>amet</a:t>
+            </a:r>
+            <a:r>
+              <a:rPr lang="en-US" sz="2800" dirty="0" smtClean="0">
+                <a:latin typeface="Helvetica"/>
+                <a:cs typeface="Helvetica"/>
+              </a:rPr>
+              <a:t>, </a:t>
+            </a:r>
+            <a:r>
+              <a:rPr lang="en-US" sz="2800" dirty="0" err="1" smtClean="0">
+                <a:latin typeface="Helvetica"/>
+                <a:cs typeface="Helvetica"/>
+              </a:rPr>
+              <a:t>Consect</a:t>
+            </a:r>
+            <a:endParaRPr lang="en-US" sz="2800" dirty="0" smtClean="0">
+              <a:latin typeface="Helvetica"/>
+              <a:cs typeface="Helvetica"/>
+            </a:endParaRPr>
+          </a:p>
+          <a:p>
+            <a:pPr>
+              <a:lnSpc>
+                <a:spcPct val="110000"/>
+              </a:lnSpc>
+            </a:pPr>
+            <a:r>
+              <a:rPr lang="en-US" sz="2800" dirty="0" err="1" smtClean="0">
+                <a:latin typeface="Helvetica"/>
+                <a:cs typeface="Helvetica"/>
+              </a:rPr>
+              <a:t>sed</a:t>
+            </a:r>
+            <a:r>
+              <a:rPr lang="en-US" sz="2800" dirty="0" smtClean="0">
+                <a:latin typeface="Helvetica"/>
+                <a:cs typeface="Helvetica"/>
+              </a:rPr>
+              <a:t> </a:t>
+            </a:r>
+            <a:r>
+              <a:rPr lang="en-US" sz="2800" dirty="0">
+                <a:latin typeface="Helvetica"/>
+                <a:cs typeface="Helvetica"/>
+              </a:rPr>
+              <a:t>do </a:t>
+            </a:r>
+            <a:r>
+              <a:rPr lang="en-US" sz="2800" dirty="0" err="1">
+                <a:latin typeface="Helvetica"/>
+                <a:cs typeface="Helvetica"/>
+              </a:rPr>
+              <a:t>eiusmod</a:t>
+            </a:r>
+            <a:r>
+              <a:rPr lang="en-US" sz="2800" dirty="0">
+                <a:latin typeface="Helvetica"/>
+                <a:cs typeface="Helvetica"/>
+              </a:rPr>
+              <a:t> </a:t>
+            </a:r>
+            <a:r>
+              <a:rPr lang="en-US" sz="2800" dirty="0" err="1" smtClean="0">
+                <a:latin typeface="Helvetica"/>
+                <a:cs typeface="Helvetica"/>
+              </a:rPr>
+              <a:t>tempor</a:t>
+            </a:r>
+            <a:r>
+              <a:rPr lang="en-US" sz="2800" dirty="0">
+                <a:latin typeface="Helvetica"/>
+                <a:cs typeface="Helvetica"/>
+              </a:rPr>
+              <a:t> </a:t>
+            </a:r>
+            <a:r>
+              <a:rPr lang="en-US" sz="2800" dirty="0" smtClean="0">
+                <a:latin typeface="Helvetica"/>
+                <a:cs typeface="Helvetica"/>
+              </a:rPr>
+              <a:t>sed. </a:t>
+            </a:r>
+            <a:r>
+              <a:rPr lang="en-US" sz="2800" dirty="0" err="1" smtClean="0">
+                <a:latin typeface="Helvetica"/>
+                <a:cs typeface="Helvetica"/>
+              </a:rPr>
+              <a:t>Consec</a:t>
+            </a:r>
+            <a:endParaRPr lang="en-US" sz="2800" dirty="0" smtClean="0">
+              <a:latin typeface="Helvetica"/>
+              <a:cs typeface="Helvetica"/>
+            </a:endParaRPr>
+          </a:p>
+          <a:p>
+            <a:pPr algn="just">
+              <a:lnSpc>
+                <a:spcPct val="110000"/>
+              </a:lnSpc>
+            </a:pPr>
+            <a:r>
+              <a:rPr lang="en-US" sz="2800" dirty="0" err="1" smtClean="0">
+                <a:latin typeface="Helvetica"/>
+                <a:cs typeface="Helvetica"/>
+              </a:rPr>
+              <a:t>ng</a:t>
+            </a:r>
+            <a:r>
+              <a:rPr lang="en-US" sz="2800" dirty="0" smtClean="0">
+                <a:latin typeface="Helvetica"/>
+                <a:cs typeface="Helvetica"/>
+              </a:rPr>
+              <a:t> </a:t>
+            </a:r>
+            <a:r>
+              <a:rPr lang="en-US" sz="2800" dirty="0" err="1" smtClean="0">
+                <a:latin typeface="Helvetica"/>
+                <a:cs typeface="Helvetica"/>
+              </a:rPr>
+              <a:t>elit</a:t>
+            </a:r>
+            <a:r>
+              <a:rPr lang="en-US" sz="2800" dirty="0" smtClean="0">
+                <a:latin typeface="Helvetica"/>
+                <a:cs typeface="Helvetica"/>
+              </a:rPr>
+              <a:t>, </a:t>
+            </a:r>
+            <a:r>
+              <a:rPr lang="en-US" sz="2800" dirty="0" err="1" smtClean="0">
+                <a:latin typeface="Helvetica"/>
+                <a:cs typeface="Helvetica"/>
+              </a:rPr>
+              <a:t>lgksed</a:t>
+            </a:r>
+            <a:r>
+              <a:rPr lang="en-US" sz="2800" dirty="0" smtClean="0">
+                <a:latin typeface="Helvetica"/>
+                <a:cs typeface="Helvetica"/>
+              </a:rPr>
+              <a:t> do </a:t>
+            </a:r>
+            <a:r>
+              <a:rPr lang="en-US" sz="2800" dirty="0" err="1" smtClean="0">
+                <a:latin typeface="Helvetica"/>
+                <a:cs typeface="Helvetica"/>
+              </a:rPr>
+              <a:t>eiusmod</a:t>
+            </a:r>
+            <a:r>
+              <a:rPr lang="en-US" sz="2800" dirty="0" smtClean="0">
+                <a:latin typeface="Helvetica"/>
+                <a:cs typeface="Helvetica"/>
+              </a:rPr>
+              <a:t> </a:t>
+            </a:r>
+            <a:r>
+              <a:rPr lang="en-US" sz="2800" dirty="0" err="1">
+                <a:latin typeface="Helvetica"/>
+                <a:cs typeface="Helvetica"/>
+              </a:rPr>
+              <a:t>tempor</a:t>
+            </a:r>
+            <a:r>
+              <a:rPr lang="en-US" sz="2800" dirty="0">
+                <a:latin typeface="Helvetica"/>
+                <a:cs typeface="Helvetica"/>
+              </a:rPr>
+              <a:t> sed. </a:t>
+            </a:r>
+            <a:r>
+              <a:rPr lang="en-US" sz="2800" dirty="0" err="1">
+                <a:latin typeface="Helvetica"/>
+                <a:cs typeface="Helvetica"/>
+              </a:rPr>
+              <a:t>eiusmod</a:t>
+            </a:r>
+            <a:r>
+              <a:rPr lang="en-US" sz="2800" dirty="0">
+                <a:latin typeface="Helvetica"/>
+                <a:cs typeface="Helvetica"/>
+              </a:rPr>
+              <a:t> </a:t>
+            </a:r>
+            <a:r>
+              <a:rPr lang="en-US" sz="2800" dirty="0" err="1" smtClean="0">
+                <a:latin typeface="Helvetica"/>
+                <a:cs typeface="Helvetica"/>
+              </a:rPr>
+              <a:t>tempor</a:t>
+            </a:r>
+            <a:r>
+              <a:rPr lang="en-US" sz="2800" dirty="0" smtClean="0">
+                <a:latin typeface="Helvetica"/>
+                <a:cs typeface="Helvetica"/>
+              </a:rPr>
+              <a:t> </a:t>
+            </a:r>
+            <a:r>
+              <a:rPr lang="en-US" sz="2800" dirty="0">
+                <a:latin typeface="Helvetica"/>
+                <a:cs typeface="Helvetica"/>
+              </a:rPr>
+              <a:t>sed. </a:t>
+            </a:r>
+            <a:r>
+              <a:rPr lang="en-US" sz="2800" dirty="0" err="1" smtClean="0">
+                <a:latin typeface="Helvetica"/>
+                <a:cs typeface="Helvetica"/>
+              </a:rPr>
+              <a:t>Eiusmod</a:t>
+            </a:r>
+            <a:r>
+              <a:rPr lang="en-US" sz="2800" dirty="0">
+                <a:latin typeface="Helvetica"/>
+                <a:cs typeface="Helvetica"/>
+              </a:rPr>
+              <a:t>. </a:t>
+            </a:r>
+            <a:r>
+              <a:rPr lang="en-US" sz="2800" dirty="0" err="1">
+                <a:latin typeface="Helvetica"/>
+                <a:cs typeface="Helvetica"/>
+              </a:rPr>
+              <a:t>ng</a:t>
+            </a:r>
+            <a:r>
+              <a:rPr lang="en-US" sz="2800" dirty="0">
+                <a:latin typeface="Helvetica"/>
+                <a:cs typeface="Helvetica"/>
+              </a:rPr>
+              <a:t> </a:t>
+            </a:r>
+            <a:r>
+              <a:rPr lang="en-US" sz="2800" dirty="0" err="1">
+                <a:latin typeface="Helvetica"/>
+                <a:cs typeface="Helvetica"/>
+              </a:rPr>
+              <a:t>elit</a:t>
+            </a:r>
+            <a:r>
+              <a:rPr lang="en-US" sz="2800" dirty="0">
+                <a:latin typeface="Helvetica"/>
+                <a:cs typeface="Helvetica"/>
+              </a:rPr>
+              <a:t>, </a:t>
+            </a:r>
+            <a:r>
+              <a:rPr lang="en-US" sz="2800" dirty="0" err="1">
+                <a:latin typeface="Helvetica"/>
+                <a:cs typeface="Helvetica"/>
+              </a:rPr>
+              <a:t>lgksed</a:t>
+            </a:r>
+            <a:r>
+              <a:rPr lang="en-US" sz="2800" dirty="0">
+                <a:latin typeface="Helvetica"/>
+                <a:cs typeface="Helvetica"/>
+              </a:rPr>
+              <a:t> do </a:t>
+            </a:r>
+            <a:r>
+              <a:rPr lang="en-US" sz="2800" dirty="0" err="1">
+                <a:latin typeface="Helvetica"/>
+                <a:cs typeface="Helvetica"/>
+              </a:rPr>
+              <a:t>eiusmod</a:t>
+            </a:r>
+            <a:r>
+              <a:rPr lang="en-US" sz="2800" dirty="0">
+                <a:latin typeface="Helvetica"/>
+                <a:cs typeface="Helvetica"/>
+              </a:rPr>
+              <a:t> </a:t>
+            </a:r>
+            <a:r>
+              <a:rPr lang="en-US" sz="2800" dirty="0" err="1">
+                <a:latin typeface="Helvetica"/>
+                <a:cs typeface="Helvetica"/>
+              </a:rPr>
+              <a:t>tempor</a:t>
+            </a:r>
+            <a:r>
+              <a:rPr lang="en-US" sz="2800" dirty="0">
+                <a:latin typeface="Helvetica"/>
+                <a:cs typeface="Helvetica"/>
+              </a:rPr>
+              <a:t> sed. </a:t>
+            </a:r>
+            <a:r>
+              <a:rPr lang="en-US" sz="2800" dirty="0" err="1">
+                <a:latin typeface="Helvetica"/>
+                <a:cs typeface="Helvetica"/>
+              </a:rPr>
+              <a:t>eiusmod</a:t>
+            </a:r>
+            <a:r>
+              <a:rPr lang="en-US" sz="2800" dirty="0">
+                <a:latin typeface="Helvetica"/>
+                <a:cs typeface="Helvetica"/>
+              </a:rPr>
+              <a:t> </a:t>
+            </a:r>
+            <a:r>
+              <a:rPr lang="en-US" sz="2800" dirty="0" err="1">
+                <a:latin typeface="Helvetica"/>
+                <a:cs typeface="Helvetica"/>
+              </a:rPr>
+              <a:t>tempor</a:t>
+            </a:r>
+            <a:r>
+              <a:rPr lang="en-US" sz="2800" dirty="0">
+                <a:latin typeface="Helvetica"/>
+                <a:cs typeface="Helvetica"/>
+              </a:rPr>
+              <a:t> sed. </a:t>
+            </a:r>
+            <a:r>
+              <a:rPr lang="en-US" sz="2800" dirty="0" err="1">
+                <a:latin typeface="Helvetica"/>
+                <a:cs typeface="Helvetica"/>
+              </a:rPr>
+              <a:t>Eiusmod</a:t>
+            </a:r>
+            <a:r>
+              <a:rPr lang="en-US" sz="2800" dirty="0">
+                <a:latin typeface="Helvetica"/>
+                <a:cs typeface="Helvetica"/>
+              </a:rPr>
+              <a:t>. </a:t>
+            </a:r>
+            <a:r>
+              <a:rPr lang="en-US" sz="2800" dirty="0" err="1" smtClean="0">
+                <a:latin typeface="Helvetica"/>
+                <a:cs typeface="Helvetica"/>
+              </a:rPr>
+              <a:t>eiusmod</a:t>
+            </a:r>
+            <a:endParaRPr lang="en-US" sz="2800" dirty="0">
+              <a:latin typeface="Helvetica"/>
+              <a:cs typeface="Helvetica"/>
+            </a:endParaRPr>
+          </a:p>
+          <a:p>
+            <a:pPr>
+              <a:lnSpc>
+                <a:spcPct val="110000"/>
+              </a:lnSpc>
+            </a:pPr>
+            <a:r>
+              <a:rPr lang="en-US" sz="2400" b="1" dirty="0" err="1" smtClean="0">
+                <a:solidFill>
+                  <a:srgbClr val="2B84D2"/>
+                </a:solidFill>
+                <a:latin typeface="Helvetica"/>
+                <a:cs typeface="Helvetica"/>
+              </a:rPr>
+              <a:t>github.com</a:t>
+            </a:r>
+            <a:r>
+              <a:rPr lang="en-US" sz="2400" b="1" dirty="0">
+                <a:solidFill>
+                  <a:srgbClr val="2B84D2"/>
+                </a:solidFill>
+                <a:latin typeface="Helvetica"/>
+                <a:cs typeface="Helvetica"/>
+              </a:rPr>
+              <a:t>/NEU-Libraries/</a:t>
+            </a:r>
+            <a:r>
+              <a:rPr lang="en-US" sz="2400" b="1" dirty="0" err="1">
+                <a:solidFill>
+                  <a:srgbClr val="2B84D2"/>
+                </a:solidFill>
+                <a:latin typeface="Helvetica"/>
+                <a:cs typeface="Helvetica"/>
+              </a:rPr>
+              <a:t>cerberus</a:t>
+            </a:r>
+            <a:endParaRPr lang="en-US" sz="2400" b="1" dirty="0">
+              <a:solidFill>
+                <a:srgbClr val="2B84D2"/>
+              </a:solidFill>
+              <a:latin typeface="Helvetica"/>
+              <a:cs typeface="Helvetica"/>
+            </a:endParaRPr>
           </a:p>
         </p:txBody>
       </p:sp>
@@ -3886,438 +4483,6 @@
           </a:p>
         </p:txBody>
       </p:sp>
-      <p:sp>
-        <p:nvSpPr>
-          <p:cNvPr id="13" name="TextBox 12"/>
-          <p:cNvSpPr txBox="1"/>
-          <p:nvPr/>
-        </p:nvSpPr>
-        <p:spPr>
-          <a:xfrm>
-            <a:off x="24094892" y="21396204"/>
-            <a:ext cx="7229891" cy="3646044"/>
-          </a:xfrm>
-          <a:prstGeom prst="rect">
-            <a:avLst/>
-          </a:prstGeom>
-          <a:noFill/>
-          <a:ln w="28575" cmpd="sng">
-            <a:noFill/>
-          </a:ln>
-        </p:spPr>
-        <p:txBody>
-          <a:bodyPr wrap="square" lIns="329104" tIns="164551" rIns="329104" bIns="164551" rtlCol="0">
-            <a:spAutoFit/>
-          </a:bodyPr>
-          <a:lstStyle/>
-          <a:p>
-            <a:pPr>
-              <a:lnSpc>
-                <a:spcPct val="90000"/>
-              </a:lnSpc>
-            </a:pPr>
-            <a:r>
-              <a:rPr lang="en-US" sz="4000" b="1" dirty="0">
-                <a:latin typeface="Helvetica"/>
-                <a:cs typeface="Helvetica"/>
-              </a:rPr>
-              <a:t>About </a:t>
-            </a:r>
-            <a:r>
-              <a:rPr lang="en-US" sz="4000" b="1" dirty="0" smtClean="0">
-                <a:latin typeface="Helvetica"/>
-                <a:cs typeface="Helvetica"/>
-              </a:rPr>
-              <a:t>Cerberus</a:t>
-            </a:r>
-          </a:p>
-          <a:p>
-            <a:pPr>
-              <a:lnSpc>
-                <a:spcPct val="90000"/>
-              </a:lnSpc>
-            </a:pPr>
-            <a:endParaRPr lang="en-US" sz="1400" dirty="0">
-              <a:latin typeface="Helvetica"/>
-              <a:cs typeface="Helvetica"/>
-            </a:endParaRPr>
-          </a:p>
-          <a:p>
-            <a:pPr>
-              <a:lnSpc>
-                <a:spcPct val="110000"/>
-              </a:lnSpc>
-            </a:pPr>
-            <a:r>
-              <a:rPr lang="en-US" sz="2400" dirty="0" err="1">
-                <a:latin typeface="Helvetica"/>
-                <a:cs typeface="Helvetica"/>
-              </a:rPr>
-              <a:t>Lorem</a:t>
-            </a:r>
-            <a:r>
-              <a:rPr lang="en-US" sz="2400" dirty="0">
-                <a:latin typeface="Helvetica"/>
-                <a:cs typeface="Helvetica"/>
-              </a:rPr>
-              <a:t> </a:t>
-            </a:r>
-            <a:r>
-              <a:rPr lang="en-US" sz="2400" dirty="0" err="1">
-                <a:latin typeface="Helvetica"/>
-                <a:cs typeface="Helvetica"/>
-              </a:rPr>
-              <a:t>ipsum</a:t>
-            </a:r>
-            <a:r>
-              <a:rPr lang="en-US" sz="2400" dirty="0">
-                <a:latin typeface="Helvetica"/>
-                <a:cs typeface="Helvetica"/>
-              </a:rPr>
-              <a:t> </a:t>
-            </a:r>
-            <a:r>
-              <a:rPr lang="en-US" sz="2400" dirty="0" smtClean="0">
-                <a:latin typeface="Helvetica"/>
-                <a:cs typeface="Helvetica"/>
-              </a:rPr>
-              <a:t>dolor sit </a:t>
-            </a:r>
-            <a:r>
-              <a:rPr lang="en-US" sz="2400" dirty="0" err="1">
-                <a:latin typeface="Helvetica"/>
-                <a:cs typeface="Helvetica"/>
-              </a:rPr>
-              <a:t>amet</a:t>
-            </a:r>
-            <a:r>
-              <a:rPr lang="en-US" sz="2400" dirty="0" smtClean="0">
-                <a:latin typeface="Helvetica"/>
-                <a:cs typeface="Helvetica"/>
-              </a:rPr>
-              <a:t>,</a:t>
-            </a:r>
-          </a:p>
-          <a:p>
-            <a:pPr>
-              <a:lnSpc>
-                <a:spcPct val="110000"/>
-              </a:lnSpc>
-            </a:pPr>
-            <a:r>
-              <a:rPr lang="en-US" sz="2400" dirty="0" err="1" smtClean="0">
-                <a:latin typeface="Helvetica"/>
-                <a:cs typeface="Helvetica"/>
-              </a:rPr>
-              <a:t>Consect</a:t>
-            </a:r>
-            <a:r>
-              <a:rPr lang="en-US" sz="2400" dirty="0">
-                <a:latin typeface="Helvetica"/>
-                <a:cs typeface="Helvetica"/>
-              </a:rPr>
-              <a:t> </a:t>
-            </a:r>
-            <a:r>
-              <a:rPr lang="en-US" sz="2400" dirty="0" err="1" smtClean="0">
-                <a:latin typeface="Helvetica"/>
-                <a:cs typeface="Helvetica"/>
-              </a:rPr>
-              <a:t>adipiscing</a:t>
-            </a:r>
-            <a:r>
-              <a:rPr lang="en-US" sz="2400" dirty="0" smtClean="0">
-                <a:latin typeface="Helvetica"/>
-                <a:cs typeface="Helvetica"/>
-              </a:rPr>
-              <a:t> </a:t>
-            </a:r>
-            <a:r>
-              <a:rPr lang="en-US" sz="2400" dirty="0" err="1">
-                <a:latin typeface="Helvetica"/>
-                <a:cs typeface="Helvetica"/>
-              </a:rPr>
-              <a:t>elit</a:t>
-            </a:r>
-            <a:r>
-              <a:rPr lang="en-US" sz="2400" dirty="0">
-                <a:latin typeface="Helvetica"/>
-                <a:cs typeface="Helvetica"/>
-              </a:rPr>
-              <a:t>, </a:t>
-            </a:r>
-            <a:r>
-              <a:rPr lang="en-US" sz="2400" dirty="0" err="1" smtClean="0">
-                <a:latin typeface="Helvetica"/>
-                <a:cs typeface="Helvetica"/>
-              </a:rPr>
-              <a:t>lgk</a:t>
-            </a:r>
-            <a:endParaRPr lang="en-US" sz="2400" dirty="0" smtClean="0">
-              <a:latin typeface="Helvetica"/>
-              <a:cs typeface="Helvetica"/>
-            </a:endParaRPr>
-          </a:p>
-          <a:p>
-            <a:pPr>
-              <a:lnSpc>
-                <a:spcPct val="110000"/>
-              </a:lnSpc>
-            </a:pPr>
-            <a:r>
-              <a:rPr lang="en-US" sz="2400" dirty="0" err="1" smtClean="0">
-                <a:latin typeface="Helvetica"/>
-                <a:cs typeface="Helvetica"/>
-              </a:rPr>
-              <a:t>sed</a:t>
-            </a:r>
-            <a:r>
-              <a:rPr lang="en-US" sz="2400" dirty="0" smtClean="0">
-                <a:latin typeface="Helvetica"/>
-                <a:cs typeface="Helvetica"/>
-              </a:rPr>
-              <a:t> </a:t>
-            </a:r>
-            <a:r>
-              <a:rPr lang="en-US" sz="2400" dirty="0">
-                <a:latin typeface="Helvetica"/>
-                <a:cs typeface="Helvetica"/>
-              </a:rPr>
-              <a:t>do </a:t>
-            </a:r>
-            <a:r>
-              <a:rPr lang="en-US" sz="2400" dirty="0" err="1">
-                <a:latin typeface="Helvetica"/>
-                <a:cs typeface="Helvetica"/>
-              </a:rPr>
-              <a:t>eiusmod</a:t>
-            </a:r>
-            <a:r>
-              <a:rPr lang="en-US" sz="2400" dirty="0">
-                <a:latin typeface="Helvetica"/>
-                <a:cs typeface="Helvetica"/>
-              </a:rPr>
-              <a:t> </a:t>
-            </a:r>
-            <a:r>
-              <a:rPr lang="en-US" sz="2400" dirty="0" err="1" smtClean="0">
-                <a:latin typeface="Helvetica"/>
-                <a:cs typeface="Helvetica"/>
-              </a:rPr>
-              <a:t>tempor</a:t>
-            </a:r>
-            <a:r>
-              <a:rPr lang="en-US" sz="2400" dirty="0">
-                <a:latin typeface="Helvetica"/>
-                <a:cs typeface="Helvetica"/>
-              </a:rPr>
-              <a:t> </a:t>
-            </a:r>
-            <a:r>
-              <a:rPr lang="en-US" sz="2400" dirty="0" smtClean="0">
-                <a:latin typeface="Helvetica"/>
-                <a:cs typeface="Helvetica"/>
-              </a:rPr>
-              <a:t>sed. </a:t>
-            </a:r>
-            <a:endParaRPr lang="en-US" sz="2400" dirty="0" smtClean="0">
-              <a:latin typeface="Helvetica"/>
-              <a:cs typeface="Helvetica"/>
-            </a:endParaRPr>
-          </a:p>
-          <a:p>
-            <a:pPr>
-              <a:lnSpc>
-                <a:spcPct val="110000"/>
-              </a:lnSpc>
-            </a:pPr>
-            <a:r>
-              <a:rPr lang="en-US" sz="2400" dirty="0" err="1" smtClean="0">
-                <a:latin typeface="Helvetica"/>
-                <a:cs typeface="Helvetica"/>
-              </a:rPr>
-              <a:t>Consect</a:t>
-            </a:r>
-            <a:r>
-              <a:rPr lang="en-US" sz="2400" dirty="0" smtClean="0">
-                <a:latin typeface="Helvetica"/>
-                <a:cs typeface="Helvetica"/>
-              </a:rPr>
-              <a:t> </a:t>
-            </a:r>
-            <a:r>
-              <a:rPr lang="en-US" sz="2400" dirty="0" err="1">
-                <a:latin typeface="Helvetica"/>
-                <a:cs typeface="Helvetica"/>
-              </a:rPr>
-              <a:t>adipiscing</a:t>
-            </a:r>
-            <a:r>
-              <a:rPr lang="en-US" sz="2400" dirty="0">
-                <a:latin typeface="Helvetica"/>
-                <a:cs typeface="Helvetica"/>
-              </a:rPr>
-              <a:t> </a:t>
-            </a:r>
-            <a:r>
-              <a:rPr lang="en-US" sz="2400" dirty="0" err="1">
-                <a:latin typeface="Helvetica"/>
-                <a:cs typeface="Helvetica"/>
-              </a:rPr>
-              <a:t>elit</a:t>
-            </a:r>
-            <a:r>
-              <a:rPr lang="en-US" sz="2400" dirty="0">
-                <a:latin typeface="Helvetica"/>
-                <a:cs typeface="Helvetica"/>
-              </a:rPr>
-              <a:t>, </a:t>
-            </a:r>
-            <a:r>
-              <a:rPr lang="en-US" sz="2400" dirty="0" err="1" smtClean="0">
-                <a:latin typeface="Helvetica"/>
-                <a:cs typeface="Helvetica"/>
-              </a:rPr>
-              <a:t>lgksed</a:t>
-            </a:r>
-            <a:r>
-              <a:rPr lang="en-US" sz="2400" dirty="0" smtClean="0">
-                <a:latin typeface="Helvetica"/>
-                <a:cs typeface="Helvetica"/>
-              </a:rPr>
-              <a:t> </a:t>
-            </a:r>
-            <a:r>
-              <a:rPr lang="en-US" sz="2400" dirty="0">
-                <a:latin typeface="Helvetica"/>
-                <a:cs typeface="Helvetica"/>
-              </a:rPr>
-              <a:t>do </a:t>
-            </a:r>
-            <a:r>
-              <a:rPr lang="en-US" sz="2400" dirty="0" err="1" smtClean="0">
-                <a:latin typeface="Helvetica"/>
-                <a:cs typeface="Helvetica"/>
-              </a:rPr>
-              <a:t>eiusmod</a:t>
-            </a:r>
-            <a:r>
-              <a:rPr lang="en-US" sz="2400" dirty="0" smtClean="0">
-                <a:latin typeface="Helvetica"/>
-                <a:cs typeface="Helvetica"/>
-              </a:rPr>
-              <a:t> </a:t>
-            </a:r>
-            <a:r>
-              <a:rPr lang="en-US" sz="2400" dirty="0" err="1">
-                <a:latin typeface="Helvetica"/>
-                <a:cs typeface="Helvetica"/>
-              </a:rPr>
-              <a:t>tempor</a:t>
-            </a:r>
-            <a:r>
-              <a:rPr lang="en-US" sz="2400" dirty="0">
-                <a:latin typeface="Helvetica"/>
-                <a:cs typeface="Helvetica"/>
-              </a:rPr>
-              <a:t> sed. </a:t>
-            </a:r>
-            <a:r>
-              <a:rPr lang="en-US" sz="2400" dirty="0" err="1">
-                <a:latin typeface="Helvetica"/>
-                <a:cs typeface="Helvetica"/>
-              </a:rPr>
-              <a:t>eiusmod</a:t>
-            </a:r>
-            <a:r>
-              <a:rPr lang="en-US" sz="2400" dirty="0">
-                <a:latin typeface="Helvetica"/>
-                <a:cs typeface="Helvetica"/>
-              </a:rPr>
-              <a:t> </a:t>
-            </a:r>
-            <a:r>
-              <a:rPr lang="en-US" sz="2400" dirty="0" err="1" smtClean="0">
-                <a:latin typeface="Helvetica"/>
-                <a:cs typeface="Helvetica"/>
-              </a:rPr>
-              <a:t>tempor</a:t>
-            </a:r>
-            <a:r>
-              <a:rPr lang="en-US" sz="2400" dirty="0" smtClean="0">
-                <a:latin typeface="Helvetica"/>
-                <a:cs typeface="Helvetica"/>
-              </a:rPr>
-              <a:t> </a:t>
-            </a:r>
-            <a:r>
-              <a:rPr lang="en-US" sz="2400" dirty="0">
-                <a:latin typeface="Helvetica"/>
-                <a:cs typeface="Helvetica"/>
-              </a:rPr>
-              <a:t>sed. </a:t>
-            </a:r>
-            <a:r>
-              <a:rPr lang="en-US" sz="2400" dirty="0" err="1" smtClean="0">
-                <a:latin typeface="Helvetica"/>
-                <a:cs typeface="Helvetica"/>
-              </a:rPr>
-              <a:t>Eiusmod</a:t>
-            </a:r>
-            <a:r>
-              <a:rPr lang="en-US" sz="2800" dirty="0" smtClean="0">
-                <a:latin typeface="Helvetica"/>
-                <a:cs typeface="Helvetica"/>
-              </a:rPr>
-              <a:t>.</a:t>
-            </a:r>
-          </a:p>
-          <a:p>
-            <a:pPr>
-              <a:lnSpc>
-                <a:spcPct val="110000"/>
-              </a:lnSpc>
-            </a:pPr>
-            <a:r>
-              <a:rPr lang="en-US" sz="2800" b="1" dirty="0" err="1" smtClean="0">
-                <a:solidFill>
-                  <a:srgbClr val="2B84D2"/>
-                </a:solidFill>
-                <a:latin typeface="Helvetica"/>
-                <a:cs typeface="Helvetica"/>
-              </a:rPr>
-              <a:t>github.com</a:t>
-            </a:r>
-            <a:r>
-              <a:rPr lang="en-US" sz="2800" b="1" dirty="0">
-                <a:solidFill>
-                  <a:srgbClr val="2B84D2"/>
-                </a:solidFill>
-                <a:latin typeface="Helvetica"/>
-                <a:cs typeface="Helvetica"/>
-              </a:rPr>
-              <a:t>/NEU-Libraries/</a:t>
-            </a:r>
-            <a:r>
-              <a:rPr lang="en-US" sz="2800" b="1" dirty="0" err="1">
-                <a:solidFill>
-                  <a:srgbClr val="2B84D2"/>
-                </a:solidFill>
-                <a:latin typeface="Helvetica"/>
-                <a:cs typeface="Helvetica"/>
-              </a:rPr>
-              <a:t>cerberus</a:t>
-            </a:r>
-            <a:endParaRPr lang="en-US" sz="2800" b="1" dirty="0">
-              <a:solidFill>
-                <a:srgbClr val="2B84D2"/>
-              </a:solidFill>
-              <a:latin typeface="Helvetica"/>
-              <a:cs typeface="Helvetica"/>
-            </a:endParaRPr>
-          </a:p>
-        </p:txBody>
-      </p:sp>
       <p:pic>
         <p:nvPicPr>
           <p:cNvPr id="6" name="Picture 5" descr="SmartCollections3.jpg"/>
@@ -4340,8 +4505,8 @@
         </p:blipFill>
         <p:spPr>
           <a:xfrm>
-            <a:off x="10985500" y="4774325"/>
-            <a:ext cx="12568465" cy="15252792"/>
+            <a:off x="10985501" y="4774325"/>
+            <a:ext cx="10637010" cy="15252792"/>
           </a:xfrm>
           <a:prstGeom prst="rect">
             <a:avLst/>
@@ -4356,8 +4521,8 @@
         </p:nvSpPr>
         <p:spPr>
           <a:xfrm>
-            <a:off x="24078955" y="4593486"/>
-            <a:ext cx="7163042" cy="9659994"/>
+            <a:off x="21622510" y="4664641"/>
+            <a:ext cx="9619488" cy="12503846"/>
           </a:xfrm>
           <a:prstGeom prst="rect">
             <a:avLst/>
@@ -4383,7 +4548,21 @@
                 <a:latin typeface="Helvetica"/>
                 <a:cs typeface="Helvetica"/>
               </a:rPr>
-              <a:t>Communities</a:t>
+              <a:t>Communities </a:t>
+            </a:r>
+            <a:r>
+              <a:rPr lang="en-US" sz="3600" b="1" dirty="0" smtClean="0">
+                <a:latin typeface="Helvetica"/>
+                <a:cs typeface="Helvetica"/>
+              </a:rPr>
+              <a:t>&amp;</a:t>
+            </a:r>
+            <a:r>
+              <a:rPr lang="en-US" sz="4400" b="1" dirty="0" smtClean="0">
+                <a:latin typeface="Helvetica"/>
+                <a:cs typeface="Helvetica"/>
+              </a:rPr>
+              <a:t> Smart Collections</a:t>
             </a:r>
           </a:p>
           <a:p>
@@ -4398,1203 +4577,56 @@
             </a:endParaRPr>
           </a:p>
           <a:p>
-            <a:pPr>
+            <a:pPr algn="just">
               <a:lnSpc>
                 <a:spcPct val="110000"/>
               </a:lnSpc>
             </a:pPr>
             <a:r>
-              <a:rPr lang="en-US" sz="2800" dirty="0" err="1">
-                <a:latin typeface="Helvetica"/>
-                <a:cs typeface="Helvetica"/>
-              </a:rPr>
-              <a:t>Lorem</a:t>
-            </a:r>
-            <a:r>
-              <a:rPr lang="en-US" sz="2800" dirty="0">
-                <a:latin typeface="Helvetica"/>
-                <a:cs typeface="Helvetica"/>
-              </a:rPr>
-              <a:t> </a:t>
-            </a:r>
-            <a:r>
-              <a:rPr lang="en-US" sz="2800" dirty="0" err="1">
-                <a:latin typeface="Helvetica"/>
-                <a:cs typeface="Helvetica"/>
-              </a:rPr>
-              <a:t>ipsum</a:t>
-            </a:r>
-            <a:r>
-              <a:rPr lang="en-US" sz="2800" dirty="0">
-                <a:latin typeface="Helvetica"/>
-                <a:cs typeface="Helvetica"/>
-              </a:rPr>
-              <a:t> dolor sit </a:t>
-            </a:r>
-            <a:r>
-              <a:rPr lang="en-US" sz="2800" dirty="0" err="1">
-                <a:latin typeface="Helvetica"/>
-                <a:cs typeface="Helvetica"/>
-              </a:rPr>
-              <a:t>amet</a:t>
-            </a:r>
-            <a:r>
-              <a:rPr lang="en-US" sz="2800" dirty="0">
-                <a:latin typeface="Helvetica"/>
-                <a:cs typeface="Helvetica"/>
-              </a:rPr>
-              <a:t>, </a:t>
-            </a:r>
-            <a:r>
-              <a:rPr lang="en-US" sz="2800" dirty="0" err="1">
-                <a:latin typeface="Helvetica"/>
-                <a:cs typeface="Helvetica"/>
-              </a:rPr>
-              <a:t>consectetur</a:t>
-            </a:r>
-            <a:r>
-              <a:rPr lang="en-US" sz="2800" dirty="0">
-                <a:latin typeface="Helvetica"/>
-                <a:cs typeface="Helvetica"/>
-              </a:rPr>
-              <a:t> </a:t>
-            </a:r>
-            <a:r>
-              <a:rPr lang="en-US" sz="2800" dirty="0" err="1">
-                <a:latin typeface="Helvetica"/>
-                <a:cs typeface="Helvetica"/>
-              </a:rPr>
-              <a:t>adipiscing</a:t>
-            </a:r>
-            <a:r>
-              <a:rPr lang="en-US" sz="2800" dirty="0">
-                <a:latin typeface="Helvetica"/>
-                <a:cs typeface="Helvetica"/>
-              </a:rPr>
-              <a:t> </a:t>
-            </a:r>
-            <a:r>
-              <a:rPr lang="en-US" sz="2800" dirty="0" err="1">
-                <a:latin typeface="Helvetica"/>
-                <a:cs typeface="Helvetica"/>
-              </a:rPr>
-              <a:t>elit</a:t>
-            </a:r>
-            <a:r>
-              <a:rPr lang="en-US" sz="2800" dirty="0">
-                <a:latin typeface="Helvetica"/>
-                <a:cs typeface="Helvetica"/>
-              </a:rPr>
-              <a:t>, </a:t>
-            </a:r>
-            <a:r>
-              <a:rPr lang="en-US" sz="2800" dirty="0" err="1">
-                <a:latin typeface="Helvetica"/>
-                <a:cs typeface="Helvetica"/>
-              </a:rPr>
-              <a:t>sed</a:t>
-            </a:r>
-            <a:r>
-              <a:rPr lang="en-US" sz="2800" dirty="0">
-                <a:latin typeface="Helvetica"/>
-                <a:cs typeface="Helvetica"/>
-              </a:rPr>
-              <a:t> do </a:t>
-            </a:r>
-            <a:r>
-              <a:rPr lang="en-US" sz="2800" dirty="0" err="1">
-                <a:latin typeface="Helvetica"/>
-                <a:cs typeface="Helvetica"/>
-              </a:rPr>
-              <a:t>eiusmod</a:t>
-            </a:r>
-            <a:r>
-              <a:rPr lang="en-US" sz="2800" dirty="0">
-                <a:latin typeface="Helvetica"/>
-                <a:cs typeface="Helvetica"/>
-              </a:rPr>
-              <a:t> </a:t>
-            </a:r>
-            <a:r>
-              <a:rPr lang="en-US" sz="2800" dirty="0" err="1">
-                <a:latin typeface="Helvetica"/>
-                <a:cs typeface="Helvetica"/>
-              </a:rPr>
-              <a:t>tempor</a:t>
-            </a:r>
-            <a:r>
-              <a:rPr lang="en-US" sz="2800" dirty="0">
-                <a:latin typeface="Helvetica"/>
-                <a:cs typeface="Helvetica"/>
-              </a:rPr>
-              <a:t> </a:t>
-            </a:r>
-            <a:r>
-              <a:rPr lang="en-US" sz="2800" dirty="0" err="1">
-                <a:latin typeface="Helvetica"/>
-                <a:cs typeface="Helvetica"/>
-              </a:rPr>
-              <a:t>incididunt</a:t>
-            </a:r>
-            <a:r>
-              <a:rPr lang="en-US" sz="2800" dirty="0">
-                <a:latin typeface="Helvetica"/>
-                <a:cs typeface="Helvetica"/>
-              </a:rPr>
-              <a:t> </a:t>
-            </a:r>
-            <a:r>
-              <a:rPr lang="en-US" sz="2800" dirty="0" err="1">
-                <a:latin typeface="Helvetica"/>
-                <a:cs typeface="Helvetica"/>
-              </a:rPr>
-              <a:t>ut</a:t>
-            </a:r>
-            <a:r>
-              <a:rPr lang="en-US" sz="2800" dirty="0">
-                <a:latin typeface="Helvetica"/>
-                <a:cs typeface="Helvetica"/>
-              </a:rPr>
-              <a:t> </a:t>
-            </a:r>
-            <a:r>
-              <a:rPr lang="en-US" sz="2800" dirty="0" err="1">
-                <a:latin typeface="Helvetica"/>
-                <a:cs typeface="Helvetica"/>
-              </a:rPr>
-              <a:t>labore</a:t>
-            </a:r>
-            <a:r>
-              <a:rPr lang="en-US" sz="2800" dirty="0">
-                <a:latin typeface="Helvetica"/>
-                <a:cs typeface="Helvetica"/>
-              </a:rPr>
-              <a:t> et </a:t>
-            </a:r>
-            <a:r>
-              <a:rPr lang="en-US" sz="2800" dirty="0" err="1">
-                <a:latin typeface="Helvetica"/>
-                <a:cs typeface="Helvetica"/>
-              </a:rPr>
-              <a:t>dolore</a:t>
-            </a:r>
-            <a:r>
-              <a:rPr lang="en-US" sz="2800" dirty="0">
-                <a:latin typeface="Helvetica"/>
-                <a:cs typeface="Helvetica"/>
-              </a:rPr>
-              <a:t> magna </a:t>
-            </a:r>
-            <a:r>
-              <a:rPr lang="en-US" sz="2800" dirty="0" err="1" smtClean="0">
-                <a:latin typeface="Helvetica"/>
-                <a:cs typeface="Helvetica"/>
-              </a:rPr>
-              <a:t>aliqua</a:t>
-            </a:r>
-            <a:r>
-              <a:rPr lang="en-US" sz="2800" dirty="0" smtClean="0">
-                <a:latin typeface="Helvetica"/>
-                <a:cs typeface="Helvetica"/>
-              </a:rPr>
-              <a:t> </a:t>
-            </a:r>
-            <a:r>
-              <a:rPr lang="en-US" sz="2800" dirty="0">
-                <a:latin typeface="Helvetica"/>
-                <a:cs typeface="Helvetica"/>
-              </a:rPr>
-              <a:t>magna </a:t>
-            </a:r>
-            <a:r>
-              <a:rPr lang="en-US" sz="2800" dirty="0" err="1" smtClean="0">
-                <a:latin typeface="Helvetica"/>
-                <a:cs typeface="Helvetica"/>
-              </a:rPr>
-              <a:t>aliqua</a:t>
-            </a:r>
-            <a:r>
-              <a:rPr lang="en-US" sz="2800" dirty="0" smtClean="0">
-                <a:latin typeface="Helvetica"/>
-                <a:cs typeface="Helvetica"/>
-              </a:rPr>
-              <a:t> </a:t>
-            </a:r>
-            <a:r>
-              <a:rPr lang="en-US" sz="2800" dirty="0">
-                <a:latin typeface="Helvetica"/>
-                <a:cs typeface="Helvetica"/>
-              </a:rPr>
-              <a:t>magna </a:t>
-            </a:r>
-            <a:r>
-              <a:rPr lang="en-US" sz="2800" dirty="0" err="1" smtClean="0">
-                <a:latin typeface="Helvetica"/>
-                <a:cs typeface="Helvetica"/>
-              </a:rPr>
-              <a:t>aliqua</a:t>
-            </a:r>
-            <a:r>
-              <a:rPr lang="en-US" sz="2800" dirty="0" smtClean="0">
-                <a:latin typeface="Helvetica"/>
-                <a:cs typeface="Helvetica"/>
-              </a:rPr>
-              <a:t> </a:t>
-            </a:r>
-            <a:r>
-              <a:rPr lang="en-US" sz="2800" dirty="0">
-                <a:latin typeface="Helvetica"/>
-                <a:cs typeface="Helvetica"/>
-              </a:rPr>
-              <a:t>magna </a:t>
-            </a:r>
-            <a:r>
-              <a:rPr lang="en-US" sz="2800" dirty="0" err="1" smtClean="0">
-                <a:latin typeface="Helvetica"/>
-                <a:cs typeface="Helvetica"/>
-              </a:rPr>
-              <a:t>aliqua</a:t>
-            </a:r>
-            <a:r>
-              <a:rPr lang="en-US" sz="2800" dirty="0">
-                <a:latin typeface="Helvetica"/>
-                <a:cs typeface="Helvetica"/>
-              </a:rPr>
-              <a:t> </a:t>
-            </a:r>
-            <a:r>
-              <a:rPr lang="en-US" sz="2800" dirty="0" err="1">
-                <a:latin typeface="Helvetica"/>
-                <a:cs typeface="Helvetica"/>
-              </a:rPr>
-              <a:t>Lorem</a:t>
-            </a:r>
-            <a:r>
-              <a:rPr lang="en-US" sz="2800" dirty="0">
-                <a:latin typeface="Helvetica"/>
-                <a:cs typeface="Helvetica"/>
-              </a:rPr>
-              <a:t> </a:t>
-            </a:r>
-            <a:r>
-              <a:rPr lang="en-US" sz="2800" dirty="0" err="1">
-                <a:latin typeface="Helvetica"/>
-                <a:cs typeface="Helvetica"/>
-              </a:rPr>
-              <a:t>ipsum</a:t>
-            </a:r>
-            <a:r>
-              <a:rPr lang="en-US" sz="2800" dirty="0">
-                <a:latin typeface="Helvetica"/>
-                <a:cs typeface="Helvetica"/>
-              </a:rPr>
-              <a:t> dolor sit </a:t>
-            </a:r>
-            <a:r>
-              <a:rPr lang="en-US" sz="2800" dirty="0" err="1">
-                <a:latin typeface="Helvetica"/>
-                <a:cs typeface="Helvetica"/>
-              </a:rPr>
-              <a:t>amet</a:t>
-            </a:r>
-            <a:r>
-              <a:rPr lang="en-US" sz="2800" dirty="0">
-                <a:latin typeface="Helvetica"/>
-                <a:cs typeface="Helvetica"/>
-              </a:rPr>
-              <a:t>, </a:t>
-            </a:r>
-            <a:r>
-              <a:rPr lang="en-US" sz="2800" dirty="0" err="1">
-                <a:latin typeface="Helvetica"/>
-                <a:cs typeface="Helvetica"/>
-              </a:rPr>
-              <a:t>consectetur</a:t>
-            </a:r>
-            <a:r>
-              <a:rPr lang="en-US" sz="2800" dirty="0">
-                <a:latin typeface="Helvetica"/>
-                <a:cs typeface="Helvetica"/>
-              </a:rPr>
-              <a:t> </a:t>
-            </a:r>
-            <a:r>
-              <a:rPr lang="en-US" sz="2800" dirty="0" err="1">
-                <a:latin typeface="Helvetica"/>
-                <a:cs typeface="Helvetica"/>
-              </a:rPr>
-              <a:t>adipiscing</a:t>
-            </a:r>
-            <a:r>
-              <a:rPr lang="en-US" sz="2800" dirty="0">
-                <a:latin typeface="Helvetica"/>
-                <a:cs typeface="Helvetica"/>
-              </a:rPr>
-              <a:t> </a:t>
-            </a:r>
-            <a:r>
-              <a:rPr lang="en-US" sz="2800" dirty="0" err="1">
-                <a:latin typeface="Helvetica"/>
-                <a:cs typeface="Helvetica"/>
-              </a:rPr>
-              <a:t>elit</a:t>
-            </a:r>
-            <a:r>
-              <a:rPr lang="en-US" sz="2800" dirty="0">
-                <a:latin typeface="Helvetica"/>
-                <a:cs typeface="Helvetica"/>
-              </a:rPr>
-              <a:t>, </a:t>
-            </a:r>
-            <a:r>
-              <a:rPr lang="en-US" sz="2800" dirty="0" err="1">
-                <a:latin typeface="Helvetica"/>
-                <a:cs typeface="Helvetica"/>
-              </a:rPr>
-              <a:t>sed</a:t>
-            </a:r>
-            <a:r>
-              <a:rPr lang="en-US" sz="2800" dirty="0">
-                <a:latin typeface="Helvetica"/>
-                <a:cs typeface="Helvetica"/>
-              </a:rPr>
-              <a:t> do </a:t>
-            </a:r>
-            <a:r>
-              <a:rPr lang="en-US" sz="2800" dirty="0" err="1">
-                <a:latin typeface="Helvetica"/>
-                <a:cs typeface="Helvetica"/>
-              </a:rPr>
-              <a:t>eiusmod</a:t>
-            </a:r>
-            <a:r>
-              <a:rPr lang="en-US" sz="2800" dirty="0">
-                <a:latin typeface="Helvetica"/>
-                <a:cs typeface="Helvetica"/>
-              </a:rPr>
-              <a:t> </a:t>
-            </a:r>
-            <a:r>
-              <a:rPr lang="en-US" sz="2800" dirty="0" err="1">
-                <a:latin typeface="Helvetica"/>
-                <a:cs typeface="Helvetica"/>
-              </a:rPr>
-              <a:t>tempor</a:t>
-            </a:r>
-            <a:r>
-              <a:rPr lang="en-US" sz="2800" dirty="0">
-                <a:latin typeface="Helvetica"/>
-                <a:cs typeface="Helvetica"/>
-              </a:rPr>
-              <a:t> </a:t>
-            </a:r>
-            <a:r>
-              <a:rPr lang="en-US" sz="2800" dirty="0" err="1">
-                <a:latin typeface="Helvetica"/>
-                <a:cs typeface="Helvetica"/>
-              </a:rPr>
-              <a:t>incididunt</a:t>
-            </a:r>
-            <a:r>
-              <a:rPr lang="en-US" sz="2800" dirty="0">
-                <a:latin typeface="Helvetica"/>
-                <a:cs typeface="Helvetica"/>
-              </a:rPr>
-              <a:t> </a:t>
-            </a:r>
-            <a:r>
-              <a:rPr lang="en-US" sz="2800" dirty="0" err="1">
-                <a:latin typeface="Helvetica"/>
-                <a:cs typeface="Helvetica"/>
-              </a:rPr>
-              <a:t>ut</a:t>
-            </a:r>
-            <a:r>
-              <a:rPr lang="en-US" sz="2800" dirty="0">
-                <a:latin typeface="Helvetica"/>
-                <a:cs typeface="Helvetica"/>
-              </a:rPr>
-              <a:t> </a:t>
-            </a:r>
-            <a:r>
-              <a:rPr lang="en-US" sz="2800" dirty="0" err="1">
-                <a:latin typeface="Helvetica"/>
-                <a:cs typeface="Helvetica"/>
-              </a:rPr>
-              <a:t>labore</a:t>
-            </a:r>
-            <a:r>
-              <a:rPr lang="en-US" sz="2800" dirty="0">
-                <a:latin typeface="Helvetica"/>
-                <a:cs typeface="Helvetica"/>
-              </a:rPr>
-              <a:t> et </a:t>
-            </a:r>
-            <a:r>
-              <a:rPr lang="en-US" sz="2800" dirty="0" err="1">
-                <a:latin typeface="Helvetica"/>
-                <a:cs typeface="Helvetica"/>
-              </a:rPr>
-              <a:t>dolore</a:t>
-            </a:r>
-            <a:r>
-              <a:rPr lang="en-US" sz="2800" dirty="0">
-                <a:latin typeface="Helvetica"/>
-                <a:cs typeface="Helvetica"/>
-              </a:rPr>
-              <a:t> </a:t>
-            </a:r>
-            <a:r>
-              <a:rPr lang="en-US" sz="2800" dirty="0" err="1">
-                <a:latin typeface="Helvetica"/>
-                <a:cs typeface="Helvetica"/>
-              </a:rPr>
-              <a:t>sed</a:t>
-            </a:r>
-            <a:r>
-              <a:rPr lang="en-US" sz="2800" dirty="0">
-                <a:latin typeface="Helvetica"/>
-                <a:cs typeface="Helvetica"/>
-              </a:rPr>
-              <a:t> do </a:t>
-            </a:r>
-            <a:r>
-              <a:rPr lang="en-US" sz="2800" dirty="0" err="1">
-                <a:latin typeface="Helvetica"/>
-                <a:cs typeface="Helvetica"/>
-              </a:rPr>
-              <a:t>eiusmod</a:t>
-            </a:r>
-            <a:r>
-              <a:rPr lang="en-US" sz="2800" dirty="0">
-                <a:latin typeface="Helvetica"/>
-                <a:cs typeface="Helvetica"/>
-              </a:rPr>
-              <a:t> </a:t>
-            </a:r>
-            <a:r>
-              <a:rPr lang="en-US" sz="2800" dirty="0" err="1" smtClean="0">
-                <a:latin typeface="Helvetica"/>
-                <a:cs typeface="Helvetica"/>
-              </a:rPr>
-              <a:t>tempor</a:t>
-            </a:r>
-            <a:r>
-              <a:rPr lang="en-US" sz="2800" dirty="0">
-                <a:latin typeface="Helvetica"/>
-                <a:cs typeface="Helvetica"/>
-              </a:rPr>
-              <a:t> </a:t>
-            </a:r>
-            <a:r>
-              <a:rPr lang="en-US" sz="2800" dirty="0" err="1" smtClean="0">
-                <a:latin typeface="Helvetica"/>
-                <a:cs typeface="Helvetica"/>
-              </a:rPr>
-              <a:t>Lorem</a:t>
-            </a:r>
-            <a:r>
-              <a:rPr lang="en-US" sz="2800" dirty="0" smtClean="0">
-                <a:latin typeface="Helvetica"/>
-                <a:cs typeface="Helvetica"/>
-              </a:rPr>
-              <a:t> </a:t>
-            </a:r>
-            <a:r>
-              <a:rPr lang="en-US" sz="2800" dirty="0" err="1" smtClean="0">
-                <a:latin typeface="Helvetica"/>
-                <a:cs typeface="Helvetica"/>
-              </a:rPr>
-              <a:t>ipsum</a:t>
-            </a:r>
-            <a:r>
-              <a:rPr lang="en-US" sz="2800" dirty="0" smtClean="0">
-                <a:latin typeface="Helvetica"/>
-                <a:cs typeface="Helvetica"/>
-              </a:rPr>
-              <a:t> dolor sit </a:t>
-            </a:r>
-            <a:r>
-              <a:rPr lang="en-US" sz="2800" dirty="0" err="1" smtClean="0">
-                <a:latin typeface="Helvetica"/>
-                <a:cs typeface="Helvetica"/>
-              </a:rPr>
-              <a:t>amet</a:t>
-            </a:r>
-            <a:r>
-              <a:rPr lang="en-US" sz="2800" dirty="0" smtClean="0">
-                <a:latin typeface="Helvetica"/>
-                <a:cs typeface="Helvetica"/>
-              </a:rPr>
-              <a:t>, </a:t>
-            </a:r>
-            <a:r>
-              <a:rPr lang="en-US" sz="2800" dirty="0" err="1" smtClean="0">
-                <a:latin typeface="Helvetica"/>
-                <a:cs typeface="Helvetica"/>
-              </a:rPr>
-              <a:t>consectetur</a:t>
-            </a:r>
-            <a:r>
-              <a:rPr lang="en-US" sz="2800" dirty="0" smtClean="0">
-                <a:latin typeface="Helvetica"/>
-                <a:cs typeface="Helvetica"/>
-              </a:rPr>
-              <a:t> </a:t>
-            </a:r>
-            <a:r>
-              <a:rPr lang="en-US" sz="2800" dirty="0" err="1">
-                <a:latin typeface="Helvetica"/>
-                <a:cs typeface="Helvetica"/>
-              </a:rPr>
-              <a:t>adipiscing</a:t>
-            </a:r>
-            <a:r>
-              <a:rPr lang="en-US" sz="2800" dirty="0">
-                <a:latin typeface="Helvetica"/>
-                <a:cs typeface="Helvetica"/>
-              </a:rPr>
-              <a:t> </a:t>
-            </a:r>
-            <a:r>
-              <a:rPr lang="en-US" sz="2800" dirty="0" err="1">
-                <a:latin typeface="Helvetica"/>
-                <a:cs typeface="Helvetica"/>
-              </a:rPr>
-              <a:t>elit</a:t>
-            </a:r>
-            <a:r>
-              <a:rPr lang="en-US" sz="2800" dirty="0">
-                <a:latin typeface="Helvetica"/>
-                <a:cs typeface="Helvetica"/>
-              </a:rPr>
-              <a:t>, </a:t>
-            </a:r>
-            <a:r>
-              <a:rPr lang="en-US" sz="2800" dirty="0" err="1">
-                <a:latin typeface="Helvetica"/>
-                <a:cs typeface="Helvetica"/>
-              </a:rPr>
-              <a:t>sed</a:t>
-            </a:r>
-            <a:r>
-              <a:rPr lang="en-US" sz="2800" dirty="0">
-                <a:latin typeface="Helvetica"/>
-                <a:cs typeface="Helvetica"/>
-              </a:rPr>
-              <a:t> do </a:t>
-            </a:r>
-            <a:r>
-              <a:rPr lang="en-US" sz="2800" dirty="0" err="1">
-                <a:latin typeface="Helvetica"/>
-                <a:cs typeface="Helvetica"/>
-              </a:rPr>
-              <a:t>eiusmod</a:t>
-            </a:r>
-            <a:r>
-              <a:rPr lang="en-US" sz="2800" dirty="0">
-                <a:latin typeface="Helvetica"/>
-                <a:cs typeface="Helvetica"/>
-              </a:rPr>
-              <a:t> </a:t>
-            </a:r>
-            <a:r>
-              <a:rPr lang="en-US" sz="2800" dirty="0" err="1">
-                <a:latin typeface="Helvetica"/>
-                <a:cs typeface="Helvetica"/>
-              </a:rPr>
-              <a:t>tempor</a:t>
-            </a:r>
-            <a:r>
-              <a:rPr lang="en-US" sz="2800" dirty="0">
-                <a:latin typeface="Helvetica"/>
-                <a:cs typeface="Helvetica"/>
-              </a:rPr>
-              <a:t> </a:t>
-            </a:r>
-            <a:r>
-              <a:rPr lang="en-US" sz="2800" dirty="0" err="1">
-                <a:latin typeface="Helvetica"/>
-                <a:cs typeface="Helvetica"/>
-              </a:rPr>
-              <a:t>incididunt</a:t>
-            </a:r>
-            <a:r>
-              <a:rPr lang="en-US" sz="2800" dirty="0">
-                <a:latin typeface="Helvetica"/>
-                <a:cs typeface="Helvetica"/>
-              </a:rPr>
-              <a:t> </a:t>
-            </a:r>
-            <a:r>
-              <a:rPr lang="en-US" sz="2800" dirty="0" err="1">
-                <a:latin typeface="Helvetica"/>
-                <a:cs typeface="Helvetica"/>
-              </a:rPr>
-              <a:t>ut</a:t>
-            </a:r>
-            <a:r>
-              <a:rPr lang="en-US" sz="2800" dirty="0">
-                <a:latin typeface="Helvetica"/>
-                <a:cs typeface="Helvetica"/>
-              </a:rPr>
-              <a:t> </a:t>
-            </a:r>
-            <a:r>
-              <a:rPr lang="en-US" sz="2800" dirty="0" err="1">
-                <a:latin typeface="Helvetica"/>
-                <a:cs typeface="Helvetica"/>
-              </a:rPr>
-              <a:t>labore</a:t>
-            </a:r>
-            <a:r>
-              <a:rPr lang="en-US" sz="2800" dirty="0">
-                <a:latin typeface="Helvetica"/>
-                <a:cs typeface="Helvetica"/>
-              </a:rPr>
-              <a:t> et </a:t>
-            </a:r>
-            <a:r>
-              <a:rPr lang="en-US" sz="2800" dirty="0" err="1">
-                <a:latin typeface="Helvetica"/>
-                <a:cs typeface="Helvetica"/>
-              </a:rPr>
-              <a:t>dolore</a:t>
-            </a:r>
-            <a:r>
-              <a:rPr lang="en-US" sz="2800" dirty="0">
-                <a:latin typeface="Helvetica"/>
-                <a:cs typeface="Helvetica"/>
-              </a:rPr>
-              <a:t> </a:t>
-            </a:r>
-            <a:r>
-              <a:rPr lang="en-US" sz="2800" dirty="0" err="1">
-                <a:latin typeface="Helvetica"/>
-                <a:cs typeface="Helvetica"/>
-              </a:rPr>
-              <a:t>sed</a:t>
-            </a:r>
-            <a:r>
-              <a:rPr lang="en-US" sz="2800" dirty="0">
-                <a:latin typeface="Helvetica"/>
-                <a:cs typeface="Helvetica"/>
-              </a:rPr>
-              <a:t> do </a:t>
-            </a:r>
-            <a:r>
-              <a:rPr lang="en-US" sz="2800" dirty="0" err="1">
-                <a:latin typeface="Helvetica"/>
-                <a:cs typeface="Helvetica"/>
-              </a:rPr>
-              <a:t>eiusmod</a:t>
-            </a:r>
-            <a:r>
-              <a:rPr lang="en-US" sz="2800" dirty="0">
-                <a:latin typeface="Helvetica"/>
-                <a:cs typeface="Helvetica"/>
-              </a:rPr>
-              <a:t> </a:t>
-            </a:r>
-            <a:r>
-              <a:rPr lang="en-US" sz="2800" dirty="0" err="1" smtClean="0">
-                <a:latin typeface="Helvetica"/>
-                <a:cs typeface="Helvetica"/>
-              </a:rPr>
-              <a:t>tempor</a:t>
-            </a:r>
-            <a:r>
-              <a:rPr lang="en-US" sz="2800" dirty="0" smtClean="0">
-                <a:latin typeface="Helvetica"/>
-                <a:cs typeface="Helvetica"/>
-              </a:rPr>
-              <a:t> </a:t>
-            </a:r>
-            <a:r>
-              <a:rPr lang="en-US" sz="2800" dirty="0" err="1" smtClean="0">
-                <a:latin typeface="Helvetica"/>
-                <a:cs typeface="Helvetica"/>
-              </a:rPr>
-              <a:t>tempor</a:t>
-            </a:r>
-            <a:r>
-              <a:rPr lang="en-US" sz="2800" dirty="0" smtClean="0">
-                <a:latin typeface="Helvetica"/>
-                <a:cs typeface="Helvetica"/>
-              </a:rPr>
-              <a:t> </a:t>
-            </a:r>
-            <a:r>
-              <a:rPr lang="en-US" sz="2800" dirty="0" err="1">
-                <a:latin typeface="Helvetica"/>
-                <a:cs typeface="Helvetica"/>
-              </a:rPr>
-              <a:t>incididunt</a:t>
-            </a:r>
-            <a:r>
-              <a:rPr lang="en-US" sz="2800" dirty="0">
-                <a:latin typeface="Helvetica"/>
-                <a:cs typeface="Helvetica"/>
-              </a:rPr>
-              <a:t> </a:t>
-            </a:r>
-            <a:r>
-              <a:rPr lang="en-US" sz="2800" dirty="0" err="1">
-                <a:latin typeface="Helvetica"/>
-                <a:cs typeface="Helvetica"/>
-              </a:rPr>
-              <a:t>ut</a:t>
-            </a:r>
-            <a:r>
-              <a:rPr lang="en-US" sz="2800" dirty="0">
-                <a:latin typeface="Helvetica"/>
-                <a:cs typeface="Helvetica"/>
-              </a:rPr>
-              <a:t> </a:t>
-            </a:r>
-            <a:r>
-              <a:rPr lang="en-US" sz="2800" dirty="0" err="1">
-                <a:latin typeface="Helvetica"/>
-                <a:cs typeface="Helvetica"/>
-              </a:rPr>
-              <a:t>labore</a:t>
-            </a:r>
-            <a:r>
-              <a:rPr lang="en-US" sz="2800" dirty="0">
-                <a:latin typeface="Helvetica"/>
-                <a:cs typeface="Helvetica"/>
-              </a:rPr>
-              <a:t> </a:t>
-            </a:r>
-            <a:r>
-              <a:rPr lang="en-US" sz="2800" dirty="0" smtClean="0">
-                <a:latin typeface="Helvetica"/>
-                <a:cs typeface="Helvetica"/>
-              </a:rPr>
-              <a:t>et. </a:t>
-            </a:r>
-            <a:r>
-              <a:rPr lang="en-US" sz="2800" dirty="0" err="1">
-                <a:latin typeface="Helvetica"/>
-                <a:cs typeface="Helvetica"/>
-              </a:rPr>
-              <a:t>Lorem</a:t>
-            </a:r>
-            <a:r>
-              <a:rPr lang="en-US" sz="2800" dirty="0">
-                <a:latin typeface="Helvetica"/>
-                <a:cs typeface="Helvetica"/>
-              </a:rPr>
-              <a:t> </a:t>
-            </a:r>
-            <a:r>
-              <a:rPr lang="en-US" sz="2800" dirty="0" err="1">
-                <a:latin typeface="Helvetica"/>
-                <a:cs typeface="Helvetica"/>
-              </a:rPr>
-              <a:t>ipsum</a:t>
-            </a:r>
-            <a:r>
-              <a:rPr lang="en-US" sz="2800" dirty="0">
-                <a:latin typeface="Helvetica"/>
-                <a:cs typeface="Helvetica"/>
-              </a:rPr>
-              <a:t> dolor sit </a:t>
-            </a:r>
-            <a:r>
-              <a:rPr lang="en-US" sz="2800" dirty="0" err="1">
-                <a:latin typeface="Helvetica"/>
-                <a:cs typeface="Helvetica"/>
-              </a:rPr>
-              <a:t>amet</a:t>
-            </a:r>
-            <a:r>
-              <a:rPr lang="en-US" sz="2800" dirty="0">
-                <a:latin typeface="Helvetica"/>
-                <a:cs typeface="Helvetica"/>
-              </a:rPr>
-              <a:t>, </a:t>
-            </a:r>
-            <a:r>
-              <a:rPr lang="en-US" sz="2800" dirty="0" err="1">
-                <a:latin typeface="Helvetica"/>
-                <a:cs typeface="Helvetica"/>
-              </a:rPr>
-              <a:t>consectetur</a:t>
-            </a:r>
-            <a:r>
-              <a:rPr lang="en-US" sz="2800" dirty="0">
-                <a:latin typeface="Helvetica"/>
-                <a:cs typeface="Helvetica"/>
-              </a:rPr>
-              <a:t> </a:t>
-            </a:r>
-            <a:r>
-              <a:rPr lang="en-US" sz="2800" dirty="0" err="1">
-                <a:latin typeface="Helvetica"/>
-                <a:cs typeface="Helvetica"/>
-              </a:rPr>
-              <a:t>adipiscing</a:t>
-            </a:r>
-            <a:r>
-              <a:rPr lang="en-US" sz="2800" dirty="0">
-                <a:latin typeface="Helvetica"/>
-                <a:cs typeface="Helvetica"/>
-              </a:rPr>
-              <a:t> </a:t>
-            </a:r>
-            <a:r>
-              <a:rPr lang="en-US" sz="2800" dirty="0" err="1">
-                <a:latin typeface="Helvetica"/>
-                <a:cs typeface="Helvetica"/>
-              </a:rPr>
-              <a:t>elit</a:t>
-            </a:r>
-            <a:r>
-              <a:rPr lang="en-US" sz="2800" dirty="0">
-                <a:latin typeface="Helvetica"/>
-                <a:cs typeface="Helvetica"/>
-              </a:rPr>
-              <a:t>, </a:t>
-            </a:r>
-            <a:r>
-              <a:rPr lang="en-US" sz="2800" dirty="0" err="1">
-                <a:latin typeface="Helvetica"/>
-                <a:cs typeface="Helvetica"/>
-              </a:rPr>
-              <a:t>sed</a:t>
-            </a:r>
-            <a:r>
-              <a:rPr lang="en-US" sz="2800" dirty="0">
-                <a:latin typeface="Helvetica"/>
-                <a:cs typeface="Helvetica"/>
-              </a:rPr>
-              <a:t> </a:t>
-            </a:r>
-            <a:r>
-              <a:rPr lang="en-US" sz="2800" dirty="0" smtClean="0">
-                <a:latin typeface="Helvetica"/>
-                <a:cs typeface="Helvetica"/>
-              </a:rPr>
-              <a:t>do. </a:t>
-            </a:r>
-            <a:r>
-              <a:rPr lang="en-US" sz="2800" dirty="0" err="1">
-                <a:latin typeface="Helvetica"/>
-                <a:cs typeface="Helvetica"/>
-              </a:rPr>
-              <a:t>incididunt</a:t>
-            </a:r>
-            <a:r>
-              <a:rPr lang="en-US" sz="2800" dirty="0">
-                <a:latin typeface="Helvetica"/>
-                <a:cs typeface="Helvetica"/>
-              </a:rPr>
-              <a:t> </a:t>
-            </a:r>
-            <a:r>
-              <a:rPr lang="en-US" sz="2800" dirty="0" err="1">
-                <a:latin typeface="Helvetica"/>
-                <a:cs typeface="Helvetica"/>
-              </a:rPr>
-              <a:t>ut</a:t>
-            </a:r>
-            <a:r>
-              <a:rPr lang="en-US" sz="2800" dirty="0">
-                <a:latin typeface="Helvetica"/>
-                <a:cs typeface="Helvetica"/>
-              </a:rPr>
-              <a:t> </a:t>
-            </a:r>
-            <a:r>
-              <a:rPr lang="en-US" sz="2800" dirty="0" err="1">
-                <a:latin typeface="Helvetica"/>
-                <a:cs typeface="Helvetica"/>
-              </a:rPr>
-              <a:t>labore</a:t>
-            </a:r>
-            <a:r>
-              <a:rPr lang="en-US" sz="2800" dirty="0">
-                <a:latin typeface="Helvetica"/>
-                <a:cs typeface="Helvetica"/>
-              </a:rPr>
-              <a:t> et </a:t>
-            </a:r>
-            <a:r>
-              <a:rPr lang="en-US" sz="2800" dirty="0" err="1">
-                <a:latin typeface="Helvetica"/>
-                <a:cs typeface="Helvetica"/>
-              </a:rPr>
-              <a:t>dolore</a:t>
-            </a:r>
-            <a:r>
-              <a:rPr lang="en-US" sz="2800" dirty="0">
-                <a:latin typeface="Helvetica"/>
-                <a:cs typeface="Helvetica"/>
-              </a:rPr>
-              <a:t> </a:t>
-            </a:r>
-            <a:r>
-              <a:rPr lang="en-US" sz="2800" dirty="0" err="1">
-                <a:latin typeface="Helvetica"/>
-                <a:cs typeface="Helvetica"/>
-              </a:rPr>
-              <a:t>sed</a:t>
-            </a:r>
-            <a:r>
-              <a:rPr lang="en-US" sz="2800" dirty="0">
-                <a:latin typeface="Helvetica"/>
-                <a:cs typeface="Helvetica"/>
-              </a:rPr>
-              <a:t> do </a:t>
-            </a:r>
-            <a:r>
-              <a:rPr lang="en-US" sz="2800" dirty="0" err="1">
-                <a:latin typeface="Helvetica"/>
-                <a:cs typeface="Helvetica"/>
-              </a:rPr>
-              <a:t>eiusmod</a:t>
-            </a:r>
-            <a:r>
-              <a:rPr lang="en-US" sz="2800" dirty="0">
-                <a:latin typeface="Helvetica"/>
-                <a:cs typeface="Helvetica"/>
-              </a:rPr>
-              <a:t> </a:t>
-            </a:r>
-            <a:r>
-              <a:rPr lang="en-US" sz="2800" dirty="0" err="1">
-                <a:latin typeface="Helvetica"/>
-                <a:cs typeface="Helvetica"/>
-              </a:rPr>
-              <a:t>tempor</a:t>
-            </a:r>
-            <a:r>
-              <a:rPr lang="en-US" sz="2800" dirty="0">
-                <a:latin typeface="Helvetica"/>
-                <a:cs typeface="Helvetica"/>
-              </a:rPr>
-              <a:t> </a:t>
-            </a:r>
-            <a:r>
-              <a:rPr lang="en-US" sz="2800" dirty="0" err="1">
-                <a:latin typeface="Helvetica"/>
-                <a:cs typeface="Helvetica"/>
-              </a:rPr>
-              <a:t>tempor</a:t>
-            </a:r>
-            <a:r>
-              <a:rPr lang="en-US" sz="2800" dirty="0">
-                <a:latin typeface="Helvetica"/>
-                <a:cs typeface="Helvetica"/>
-              </a:rPr>
-              <a:t> </a:t>
-            </a:r>
-            <a:r>
-              <a:rPr lang="en-US" sz="2800" dirty="0" err="1">
-                <a:latin typeface="Helvetica"/>
-                <a:cs typeface="Helvetica"/>
-              </a:rPr>
-              <a:t>incididunt</a:t>
-            </a:r>
-            <a:r>
-              <a:rPr lang="en-US" sz="2800" dirty="0">
-                <a:latin typeface="Helvetica"/>
-                <a:cs typeface="Helvetica"/>
-              </a:rPr>
-              <a:t> </a:t>
-            </a:r>
-            <a:r>
-              <a:rPr lang="en-US" sz="2800" dirty="0" err="1">
-                <a:latin typeface="Helvetica"/>
-                <a:cs typeface="Helvetica"/>
-              </a:rPr>
-              <a:t>ut</a:t>
-            </a:r>
-            <a:r>
-              <a:rPr lang="en-US" sz="2800" dirty="0">
-                <a:latin typeface="Helvetica"/>
-                <a:cs typeface="Helvetica"/>
-              </a:rPr>
-              <a:t> </a:t>
-            </a:r>
-            <a:r>
-              <a:rPr lang="en-US" sz="2800" dirty="0" err="1">
-                <a:latin typeface="Helvetica"/>
-                <a:cs typeface="Helvetica"/>
-              </a:rPr>
-              <a:t>labore</a:t>
-            </a:r>
-            <a:r>
-              <a:rPr lang="en-US" sz="2800" dirty="0">
-                <a:latin typeface="Helvetica"/>
-                <a:cs typeface="Helvetica"/>
-              </a:rPr>
-              <a:t> et. </a:t>
-            </a:r>
-            <a:r>
-              <a:rPr lang="en-US" sz="2800" dirty="0" err="1">
-                <a:latin typeface="Helvetica"/>
-                <a:cs typeface="Helvetica"/>
-              </a:rPr>
-              <a:t>Lorem</a:t>
-            </a:r>
-            <a:r>
-              <a:rPr lang="en-US" sz="2800" dirty="0">
-                <a:latin typeface="Helvetica"/>
-                <a:cs typeface="Helvetica"/>
-              </a:rPr>
-              <a:t> </a:t>
-            </a:r>
-            <a:r>
-              <a:rPr lang="en-US" sz="2800" dirty="0" err="1">
-                <a:latin typeface="Helvetica"/>
-                <a:cs typeface="Helvetica"/>
-              </a:rPr>
-              <a:t>ipsum</a:t>
-            </a:r>
-            <a:r>
-              <a:rPr lang="en-US" sz="2800" dirty="0">
-                <a:latin typeface="Helvetica"/>
-                <a:cs typeface="Helvetica"/>
-              </a:rPr>
-              <a:t> dolor sit </a:t>
-            </a:r>
-            <a:r>
-              <a:rPr lang="en-US" sz="2800" dirty="0" err="1">
-                <a:latin typeface="Helvetica"/>
-                <a:cs typeface="Helvetica"/>
-              </a:rPr>
-              <a:t>amet</a:t>
-            </a:r>
-            <a:r>
-              <a:rPr lang="en-US" sz="2800" dirty="0">
-                <a:latin typeface="Helvetica"/>
-                <a:cs typeface="Helvetica"/>
-              </a:rPr>
-              <a:t>, </a:t>
-            </a:r>
-            <a:r>
-              <a:rPr lang="en-US" sz="2800" dirty="0" err="1">
-                <a:latin typeface="Helvetica"/>
-                <a:cs typeface="Helvetica"/>
-              </a:rPr>
-              <a:t>consectetur</a:t>
-            </a:r>
-            <a:r>
-              <a:rPr lang="en-US" sz="2800" dirty="0">
-                <a:latin typeface="Helvetica"/>
-                <a:cs typeface="Helvetica"/>
-              </a:rPr>
-              <a:t> </a:t>
-            </a:r>
-            <a:r>
-              <a:rPr lang="en-US" sz="2800" dirty="0" err="1">
-                <a:latin typeface="Helvetica"/>
-                <a:cs typeface="Helvetica"/>
-              </a:rPr>
-              <a:t>adipiscing</a:t>
-            </a:r>
-            <a:r>
-              <a:rPr lang="en-US" sz="2800" dirty="0">
-                <a:latin typeface="Helvetica"/>
-                <a:cs typeface="Helvetica"/>
-              </a:rPr>
-              <a:t> </a:t>
-            </a:r>
-            <a:r>
-              <a:rPr lang="en-US" sz="2800" dirty="0" err="1">
-                <a:latin typeface="Helvetica"/>
-                <a:cs typeface="Helvetica"/>
-              </a:rPr>
-              <a:t>elit</a:t>
-            </a:r>
-            <a:r>
-              <a:rPr lang="en-US" sz="2800" dirty="0">
-                <a:latin typeface="Helvetica"/>
-                <a:cs typeface="Helvetica"/>
-              </a:rPr>
-              <a:t>, </a:t>
-            </a:r>
-            <a:r>
-              <a:rPr lang="en-US" sz="2800" dirty="0" err="1">
-                <a:latin typeface="Helvetica"/>
-                <a:cs typeface="Helvetica"/>
-              </a:rPr>
-              <a:t>sed</a:t>
-            </a:r>
-            <a:r>
-              <a:rPr lang="en-US" sz="2800" dirty="0">
-                <a:latin typeface="Helvetica"/>
-                <a:cs typeface="Helvetica"/>
-              </a:rPr>
-              <a:t> do.</a:t>
-            </a:r>
-            <a:r>
-              <a:rPr lang="en-US" sz="2800" dirty="0" smtClean="0">
-                <a:latin typeface="Helvetica"/>
-                <a:cs typeface="Helvetica"/>
-              </a:rPr>
-              <a:t> </a:t>
-            </a:r>
-            <a:endParaRPr lang="en-US" sz="2800" dirty="0">
-              <a:latin typeface="Helvetica"/>
-              <a:cs typeface="Helvetica"/>
-            </a:endParaRPr>
-          </a:p>
-        </p:txBody>
-      </p:sp>
-      <p:sp>
-        <p:nvSpPr>
-          <p:cNvPr id="31" name="TextBox 30"/>
-          <p:cNvSpPr txBox="1"/>
-          <p:nvPr/>
-        </p:nvSpPr>
-        <p:spPr>
-          <a:xfrm>
-            <a:off x="17321489" y="20639715"/>
-            <a:ext cx="6232476" cy="4446262"/>
-          </a:xfrm>
-          <a:prstGeom prst="rect">
-            <a:avLst/>
-          </a:prstGeom>
-          <a:noFill/>
-          <a:ln w="28575" cmpd="sng">
-            <a:noFill/>
-          </a:ln>
-        </p:spPr>
-        <p:txBody>
-          <a:bodyPr wrap="square" lIns="329104" tIns="164551" rIns="329104" bIns="164551" rtlCol="0">
-            <a:spAutoFit/>
-          </a:bodyPr>
-          <a:lstStyle/>
-          <a:p>
-            <a:pPr>
-              <a:lnSpc>
-                <a:spcPct val="90000"/>
-              </a:lnSpc>
-            </a:pPr>
-            <a:r>
-              <a:rPr lang="en-US" sz="4400" b="1" dirty="0" smtClean="0">
-                <a:latin typeface="Helvetica"/>
-                <a:cs typeface="Helvetica"/>
-              </a:rPr>
-              <a:t>Disadvantages</a:t>
-            </a:r>
-          </a:p>
-          <a:p>
-            <a:pPr>
-              <a:lnSpc>
-                <a:spcPct val="90000"/>
-              </a:lnSpc>
-            </a:pPr>
-            <a:endParaRPr lang="en-US" sz="1400" dirty="0">
-              <a:latin typeface="Helvetica"/>
-              <a:cs typeface="Helvetica"/>
-            </a:endParaRPr>
-          </a:p>
-          <a:p>
-            <a:pPr marL="571500" indent="-571500">
+              <a:rPr lang="en-US" sz="2800" dirty="0" smtClean="0">
+                <a:latin typeface="Helvetica"/>
+                <a:cs typeface="Helvetica"/>
+              </a:rPr>
+              <a:t>      Cerberus</a:t>
+            </a:r>
+            <a:r>
+              <a:rPr lang="en-US" sz="2800" dirty="0">
+                <a:latin typeface="Helvetica"/>
+                <a:cs typeface="Helvetica"/>
+              </a:rPr>
+              <a:t>, the DRS's underlying Fedora/Hydra architecture, was derived from </a:t>
+            </a:r>
+            <a:r>
+              <a:rPr lang="en-US" sz="2800" dirty="0" err="1">
+                <a:latin typeface="Helvetica"/>
+                <a:cs typeface="Helvetica"/>
+              </a:rPr>
+              <a:t>Sufia</a:t>
+            </a:r>
+            <a:r>
+              <a:rPr lang="en-US" sz="2800" dirty="0">
+                <a:latin typeface="Helvetica"/>
+                <a:cs typeface="Helvetica"/>
+              </a:rPr>
+              <a:t>, which relied on a flat file structure. The original </a:t>
+            </a:r>
+            <a:r>
+              <a:rPr lang="en-US" sz="2800" dirty="0" err="1">
+                <a:latin typeface="Helvetica"/>
+                <a:cs typeface="Helvetica"/>
+              </a:rPr>
+              <a:t>Sufia</a:t>
+            </a:r>
+            <a:r>
+              <a:rPr lang="en-US" sz="2800" dirty="0">
+                <a:latin typeface="Helvetica"/>
+                <a:cs typeface="Helvetica"/>
+              </a:rPr>
+              <a:t> structure was modified to incorporate three types of collections:</a:t>
+            </a:r>
+          </a:p>
+          <a:p>
+            <a:pPr marL="457200" indent="-457200">
               <a:lnSpc>
                 <a:spcPct val="110000"/>
               </a:lnSpc>
@@ -5602,64 +4634,22 @@
               <a:buChar char="•"/>
             </a:pPr>
             <a:r>
-              <a:rPr lang="en-US" sz="2800" dirty="0" err="1">
-                <a:latin typeface="Helvetica"/>
-                <a:cs typeface="Helvetica"/>
-              </a:rPr>
-              <a:t>adipiscing</a:t>
-            </a:r>
-            <a:r>
-              <a:rPr lang="en-US" sz="2800" dirty="0">
-                <a:latin typeface="Helvetica"/>
-                <a:cs typeface="Helvetica"/>
-              </a:rPr>
-              <a:t> </a:t>
-            </a:r>
-            <a:r>
-              <a:rPr lang="en-US" sz="2800" dirty="0" err="1">
-                <a:latin typeface="Helvetica"/>
-                <a:cs typeface="Helvetica"/>
-              </a:rPr>
-              <a:t>elit</a:t>
-            </a:r>
-            <a:r>
-              <a:rPr lang="en-US" sz="2800" dirty="0">
-                <a:latin typeface="Helvetica"/>
-                <a:cs typeface="Helvetica"/>
-              </a:rPr>
-              <a:t>, </a:t>
-            </a:r>
-            <a:r>
-              <a:rPr lang="en-US" sz="2800" dirty="0" err="1">
-                <a:latin typeface="Helvetica"/>
-                <a:cs typeface="Helvetica"/>
-              </a:rPr>
-              <a:t>sed</a:t>
-            </a:r>
-            <a:r>
-              <a:rPr lang="en-US" sz="2800" dirty="0">
-                <a:latin typeface="Helvetica"/>
-                <a:cs typeface="Helvetica"/>
-              </a:rPr>
-              <a:t> do </a:t>
-            </a:r>
-            <a:r>
-              <a:rPr lang="en-US" sz="2800" dirty="0" err="1">
-                <a:latin typeface="Helvetica"/>
-                <a:cs typeface="Helvetica"/>
-              </a:rPr>
-              <a:t>sed</a:t>
-            </a:r>
-            <a:r>
-              <a:rPr lang="en-US" sz="2800" dirty="0">
-                <a:latin typeface="Helvetica"/>
-                <a:cs typeface="Helvetica"/>
-              </a:rPr>
-              <a:t> do</a:t>
-            </a:r>
-          </a:p>
-          <a:p>
-            <a:pPr marL="571500" indent="-571500">
+              <a:rPr lang="en-US" sz="2800" b="1" dirty="0">
+                <a:latin typeface="Helvetica"/>
+                <a:cs typeface="Helvetica"/>
+              </a:rPr>
+              <a:t>communities</a:t>
+            </a:r>
+            <a:r>
+              <a:rPr lang="en-US" sz="2800" dirty="0">
+                <a:latin typeface="Helvetica"/>
+                <a:cs typeface="Helvetica"/>
+              </a:rPr>
+              <a:t>: collections that belong to the DRS canonical graph. They can only contain communities, collections, or faculty users - no files</a:t>
+            </a:r>
+          </a:p>
+          <a:p>
+            <a:pPr marL="457200" indent="-457200">
               <a:lnSpc>
                 <a:spcPct val="110000"/>
               </a:lnSpc>
@@ -5667,64 +4657,22 @@
               <a:buChar char="•"/>
             </a:pPr>
             <a:r>
-              <a:rPr lang="en-US" sz="2800" dirty="0" err="1">
-                <a:latin typeface="Helvetica"/>
-                <a:cs typeface="Helvetica"/>
-              </a:rPr>
-              <a:t>adipiscing</a:t>
-            </a:r>
-            <a:r>
-              <a:rPr lang="en-US" sz="2800" dirty="0">
-                <a:latin typeface="Helvetica"/>
-                <a:cs typeface="Helvetica"/>
-              </a:rPr>
-              <a:t> </a:t>
-            </a:r>
-            <a:r>
-              <a:rPr lang="en-US" sz="2800" dirty="0" err="1">
-                <a:latin typeface="Helvetica"/>
-                <a:cs typeface="Helvetica"/>
-              </a:rPr>
-              <a:t>elit</a:t>
-            </a:r>
-            <a:r>
-              <a:rPr lang="en-US" sz="2800" dirty="0">
-                <a:latin typeface="Helvetica"/>
-                <a:cs typeface="Helvetica"/>
-              </a:rPr>
-              <a:t>, </a:t>
-            </a:r>
-            <a:r>
-              <a:rPr lang="en-US" sz="2800" dirty="0" err="1">
-                <a:latin typeface="Helvetica"/>
-                <a:cs typeface="Helvetica"/>
-              </a:rPr>
-              <a:t>sed</a:t>
-            </a:r>
-            <a:r>
-              <a:rPr lang="en-US" sz="2800" dirty="0">
-                <a:latin typeface="Helvetica"/>
-                <a:cs typeface="Helvetica"/>
-              </a:rPr>
-              <a:t> do </a:t>
-            </a:r>
-            <a:r>
-              <a:rPr lang="en-US" sz="2800" dirty="0" err="1">
-                <a:latin typeface="Helvetica"/>
-                <a:cs typeface="Helvetica"/>
-              </a:rPr>
-              <a:t>sed</a:t>
-            </a:r>
-            <a:r>
-              <a:rPr lang="en-US" sz="2800" dirty="0">
-                <a:latin typeface="Helvetica"/>
-                <a:cs typeface="Helvetica"/>
-              </a:rPr>
-              <a:t> do</a:t>
-            </a:r>
-          </a:p>
-          <a:p>
-            <a:pPr marL="571500" indent="-571500">
+              <a:rPr lang="en-US" sz="2800" b="1" dirty="0">
+                <a:latin typeface="Helvetica"/>
+                <a:cs typeface="Helvetica"/>
+              </a:rPr>
+              <a:t>smart collections</a:t>
+            </a:r>
+            <a:r>
+              <a:rPr lang="en-US" sz="2800" dirty="0">
+                <a:latin typeface="Helvetica"/>
+                <a:cs typeface="Helvetica"/>
+              </a:rPr>
+              <a:t>: collections that belong to faculty users and are directly connected to the faculty user's community</a:t>
+            </a:r>
+          </a:p>
+          <a:p>
+            <a:pPr marL="457200" indent="-457200">
               <a:lnSpc>
                 <a:spcPct val="110000"/>
               </a:lnSpc>
@@ -5732,322 +4680,48 @@
               <a:buChar char="•"/>
             </a:pPr>
             <a:r>
-              <a:rPr lang="en-US" sz="2800" dirty="0" err="1">
-                <a:latin typeface="Helvetica"/>
-                <a:cs typeface="Helvetica"/>
-              </a:rPr>
-              <a:t>adipiscing</a:t>
-            </a:r>
-            <a:r>
-              <a:rPr lang="en-US" sz="2800" dirty="0">
-                <a:latin typeface="Helvetica"/>
-                <a:cs typeface="Helvetica"/>
-              </a:rPr>
-              <a:t> </a:t>
-            </a:r>
-            <a:r>
-              <a:rPr lang="en-US" sz="2800" dirty="0" err="1">
-                <a:latin typeface="Helvetica"/>
-                <a:cs typeface="Helvetica"/>
-              </a:rPr>
-              <a:t>elit</a:t>
-            </a:r>
-            <a:r>
-              <a:rPr lang="en-US" sz="2800" dirty="0">
-                <a:latin typeface="Helvetica"/>
-                <a:cs typeface="Helvetica"/>
-              </a:rPr>
-              <a:t>, </a:t>
-            </a:r>
-            <a:r>
-              <a:rPr lang="en-US" sz="2800" dirty="0" err="1">
-                <a:latin typeface="Helvetica"/>
-                <a:cs typeface="Helvetica"/>
-              </a:rPr>
-              <a:t>sed</a:t>
-            </a:r>
-            <a:r>
-              <a:rPr lang="en-US" sz="2800" dirty="0">
-                <a:latin typeface="Helvetica"/>
-                <a:cs typeface="Helvetica"/>
-              </a:rPr>
-              <a:t> do </a:t>
-            </a:r>
-            <a:r>
-              <a:rPr lang="en-US" sz="2800" dirty="0" err="1">
-                <a:latin typeface="Helvetica"/>
-                <a:cs typeface="Helvetica"/>
-              </a:rPr>
-              <a:t>sed</a:t>
-            </a:r>
-            <a:r>
-              <a:rPr lang="en-US" sz="2800" dirty="0">
-                <a:latin typeface="Helvetica"/>
-                <a:cs typeface="Helvetica"/>
-              </a:rPr>
-              <a:t> do</a:t>
-            </a:r>
-          </a:p>
-          <a:p>
-            <a:pPr marL="571500" indent="-571500">
+              <a:rPr lang="en-US" sz="2800" b="1" dirty="0">
+                <a:latin typeface="Helvetica"/>
+                <a:cs typeface="Helvetica"/>
+              </a:rPr>
+              <a:t>personal collections</a:t>
+            </a:r>
+            <a:r>
+              <a:rPr lang="en-US" sz="2800" dirty="0">
+                <a:latin typeface="Helvetica"/>
+                <a:cs typeface="Helvetica"/>
+              </a:rPr>
+              <a:t>: a typical static collection</a:t>
+            </a:r>
+          </a:p>
+          <a:p>
+            <a:pPr algn="just">
               <a:lnSpc>
                 <a:spcPct val="110000"/>
               </a:lnSpc>
-              <a:buFont typeface="Arial"/>
-              <a:buChar char="•"/>
             </a:pPr>
             <a:r>
-              <a:rPr lang="en-US" sz="2800" dirty="0" err="1">
-                <a:latin typeface="Helvetica"/>
-                <a:cs typeface="Helvetica"/>
-              </a:rPr>
-              <a:t>adipiscing</a:t>
-            </a:r>
-            <a:r>
-              <a:rPr lang="en-US" sz="2800" dirty="0">
-                <a:latin typeface="Helvetica"/>
-                <a:cs typeface="Helvetica"/>
-              </a:rPr>
-              <a:t> </a:t>
-            </a:r>
-            <a:r>
-              <a:rPr lang="en-US" sz="2800" dirty="0" err="1">
-                <a:latin typeface="Helvetica"/>
-                <a:cs typeface="Helvetica"/>
-              </a:rPr>
-              <a:t>elit</a:t>
-            </a:r>
-            <a:r>
-              <a:rPr lang="en-US" sz="2800" dirty="0">
-                <a:latin typeface="Helvetica"/>
-                <a:cs typeface="Helvetica"/>
-              </a:rPr>
-              <a:t>, </a:t>
-            </a:r>
-            <a:r>
-              <a:rPr lang="en-US" sz="2800" dirty="0" err="1">
-                <a:latin typeface="Helvetica"/>
-                <a:cs typeface="Helvetica"/>
-              </a:rPr>
-              <a:t>sed</a:t>
-            </a:r>
-            <a:r>
-              <a:rPr lang="en-US" sz="2800" dirty="0">
-                <a:latin typeface="Helvetica"/>
-                <a:cs typeface="Helvetica"/>
-              </a:rPr>
-              <a:t> do </a:t>
-            </a:r>
-            <a:r>
-              <a:rPr lang="en-US" sz="2800" dirty="0" err="1">
-                <a:latin typeface="Helvetica"/>
-                <a:cs typeface="Helvetica"/>
-              </a:rPr>
-              <a:t>sed</a:t>
-            </a:r>
-            <a:r>
-              <a:rPr lang="en-US" sz="2800" dirty="0">
-                <a:latin typeface="Helvetica"/>
-                <a:cs typeface="Helvetica"/>
-              </a:rPr>
-              <a:t> do</a:t>
-            </a:r>
-          </a:p>
-          <a:p>
-            <a:pPr marL="571500" indent="-571500">
-              <a:lnSpc>
-                <a:spcPct val="110000"/>
-              </a:lnSpc>
-              <a:buFont typeface="Arial"/>
-              <a:buChar char="•"/>
-            </a:pPr>
-            <a:r>
-              <a:rPr lang="en-US" sz="2800" dirty="0" err="1">
-                <a:latin typeface="Helvetica"/>
-                <a:cs typeface="Helvetica"/>
-              </a:rPr>
-              <a:t>adipiscing</a:t>
-            </a:r>
-            <a:r>
-              <a:rPr lang="en-US" sz="2800" dirty="0">
-                <a:latin typeface="Helvetica"/>
-                <a:cs typeface="Helvetica"/>
-              </a:rPr>
-              <a:t> </a:t>
-            </a:r>
-            <a:r>
-              <a:rPr lang="en-US" sz="2800" dirty="0" err="1">
-                <a:latin typeface="Helvetica"/>
-                <a:cs typeface="Helvetica"/>
-              </a:rPr>
-              <a:t>elit</a:t>
-            </a:r>
-            <a:r>
-              <a:rPr lang="en-US" sz="2800" dirty="0">
-                <a:latin typeface="Helvetica"/>
-                <a:cs typeface="Helvetica"/>
-              </a:rPr>
-              <a:t>, </a:t>
-            </a:r>
-            <a:r>
-              <a:rPr lang="en-US" sz="2800" dirty="0" err="1">
-                <a:latin typeface="Helvetica"/>
-                <a:cs typeface="Helvetica"/>
-              </a:rPr>
-              <a:t>sed</a:t>
-            </a:r>
-            <a:r>
-              <a:rPr lang="en-US" sz="2800" dirty="0">
-                <a:latin typeface="Helvetica"/>
-                <a:cs typeface="Helvetica"/>
-              </a:rPr>
-              <a:t> do </a:t>
-            </a:r>
-            <a:r>
-              <a:rPr lang="en-US" sz="2800" dirty="0" err="1">
-                <a:latin typeface="Helvetica"/>
-                <a:cs typeface="Helvetica"/>
-              </a:rPr>
-              <a:t>sed</a:t>
-            </a:r>
-            <a:r>
-              <a:rPr lang="en-US" sz="2800" dirty="0">
-                <a:latin typeface="Helvetica"/>
-                <a:cs typeface="Helvetica"/>
-              </a:rPr>
-              <a:t> do</a:t>
-            </a:r>
-          </a:p>
-          <a:p>
-            <a:pPr marL="571500" indent="-571500">
-              <a:lnSpc>
-                <a:spcPct val="110000"/>
-              </a:lnSpc>
-              <a:buFont typeface="Arial"/>
-              <a:buChar char="•"/>
-            </a:pPr>
-            <a:r>
-              <a:rPr lang="en-US" sz="2800" dirty="0" err="1">
-                <a:latin typeface="Helvetica"/>
-                <a:cs typeface="Helvetica"/>
-              </a:rPr>
-              <a:t>adipiscing</a:t>
-            </a:r>
-            <a:r>
-              <a:rPr lang="en-US" sz="2800" dirty="0">
-                <a:latin typeface="Helvetica"/>
-                <a:cs typeface="Helvetica"/>
-              </a:rPr>
-              <a:t> </a:t>
-            </a:r>
-            <a:r>
-              <a:rPr lang="en-US" sz="2800" dirty="0" err="1">
-                <a:latin typeface="Helvetica"/>
-                <a:cs typeface="Helvetica"/>
-              </a:rPr>
-              <a:t>elit</a:t>
-            </a:r>
-            <a:r>
-              <a:rPr lang="en-US" sz="2800" dirty="0">
-                <a:latin typeface="Helvetica"/>
-                <a:cs typeface="Helvetica"/>
-              </a:rPr>
-              <a:t>, </a:t>
-            </a:r>
-            <a:r>
-              <a:rPr lang="en-US" sz="2800" dirty="0" err="1">
-                <a:latin typeface="Helvetica"/>
-                <a:cs typeface="Helvetica"/>
-              </a:rPr>
-              <a:t>sed</a:t>
-            </a:r>
-            <a:r>
-              <a:rPr lang="en-US" sz="2800" dirty="0">
-                <a:latin typeface="Helvetica"/>
-                <a:cs typeface="Helvetica"/>
-              </a:rPr>
-              <a:t> do </a:t>
-            </a:r>
-            <a:r>
-              <a:rPr lang="en-US" sz="2800" dirty="0" err="1">
-                <a:latin typeface="Helvetica"/>
-                <a:cs typeface="Helvetica"/>
-              </a:rPr>
-              <a:t>sed</a:t>
-            </a:r>
-            <a:r>
-              <a:rPr lang="en-US" sz="2800" dirty="0">
-                <a:latin typeface="Helvetica"/>
-                <a:cs typeface="Helvetica"/>
-              </a:rPr>
-              <a:t> do</a:t>
-            </a:r>
-          </a:p>
-          <a:p>
-            <a:pPr marL="571500" indent="-571500">
-              <a:lnSpc>
-                <a:spcPct val="110000"/>
-              </a:lnSpc>
-              <a:buFont typeface="Arial"/>
-              <a:buChar char="•"/>
-            </a:pPr>
-            <a:r>
-              <a:rPr lang="en-US" sz="2800" dirty="0" err="1">
-                <a:latin typeface="Helvetica"/>
-                <a:cs typeface="Helvetica"/>
-              </a:rPr>
-              <a:t>adipiscing</a:t>
-            </a:r>
-            <a:r>
-              <a:rPr lang="en-US" sz="2800" dirty="0">
-                <a:latin typeface="Helvetica"/>
-                <a:cs typeface="Helvetica"/>
-              </a:rPr>
-              <a:t> </a:t>
-            </a:r>
-            <a:r>
-              <a:rPr lang="en-US" sz="2800" dirty="0" err="1">
-                <a:latin typeface="Helvetica"/>
-                <a:cs typeface="Helvetica"/>
-              </a:rPr>
-              <a:t>elit</a:t>
-            </a:r>
-            <a:r>
-              <a:rPr lang="en-US" sz="2800" dirty="0">
-                <a:latin typeface="Helvetica"/>
-                <a:cs typeface="Helvetica"/>
-              </a:rPr>
-              <a:t>, </a:t>
-            </a:r>
-            <a:r>
-              <a:rPr lang="en-US" sz="2800" dirty="0" err="1">
-                <a:latin typeface="Helvetica"/>
-                <a:cs typeface="Helvetica"/>
-              </a:rPr>
-              <a:t>sed</a:t>
-            </a:r>
-            <a:r>
-              <a:rPr lang="en-US" sz="2800" dirty="0">
-                <a:latin typeface="Helvetica"/>
-                <a:cs typeface="Helvetica"/>
-              </a:rPr>
-              <a:t> do </a:t>
-            </a:r>
-            <a:r>
-              <a:rPr lang="en-US" sz="2800" dirty="0" err="1">
-                <a:latin typeface="Helvetica"/>
-                <a:cs typeface="Helvetica"/>
-              </a:rPr>
-              <a:t>sed</a:t>
-            </a:r>
-            <a:r>
-              <a:rPr lang="en-US" sz="2800" dirty="0">
-                <a:latin typeface="Helvetica"/>
-                <a:cs typeface="Helvetica"/>
-              </a:rPr>
-              <a:t> do</a:t>
-            </a:r>
-            <a:endParaRPr lang="en-US" sz="2800" dirty="0">
+              <a:rPr lang="en-US" sz="2800" dirty="0">
+                <a:latin typeface="Helvetica"/>
+                <a:cs typeface="Helvetica"/>
+              </a:rPr>
+              <a:t> </a:t>
+            </a:r>
+            <a:r>
+              <a:rPr lang="en-US" sz="2800" dirty="0" smtClean="0">
+                <a:latin typeface="Helvetica"/>
+                <a:cs typeface="Helvetica"/>
+              </a:rPr>
+              <a:t>    All </a:t>
+            </a:r>
+            <a:r>
+              <a:rPr lang="en-US" sz="2800" dirty="0">
+                <a:latin typeface="Helvetica"/>
+                <a:cs typeface="Helvetica"/>
+              </a:rPr>
+              <a:t>schools and colleges communities are nested beneath the top-level Northeastern University community. Departments and research group communities are nested within the proper University school or college community, and each faculty user is connected to his or her appropriate communities using RELS-EXT and properties metadata. The relationships between faculty users, smart collections, and communities allows the DRS to aggregate content stored in Smart Collections up through the community structure. Once faculty are attached to a community, the files stored in their Smart Collections can be discovered by browsing through the community's Smart Collections.</a:t>
+            </a:r>
+            <a:endParaRPr lang="en-US" sz="2800" dirty="0" smtClean="0">
               <a:latin typeface="Helvetica"/>
               <a:cs typeface="Helvetica"/>
             </a:endParaRPr>
@@ -6106,7 +4780,7 @@
         </p:blipFill>
         <p:spPr>
           <a:xfrm>
-            <a:off x="28416288" y="21627509"/>
+            <a:off x="27974568" y="21401459"/>
             <a:ext cx="2371257" cy="1832335"/>
           </a:xfrm>
           <a:prstGeom prst="rect">
@@ -6122,8 +4796,8 @@
         </p:nvSpPr>
         <p:spPr>
           <a:xfrm>
-            <a:off x="24094892" y="14497996"/>
-            <a:ext cx="7163041" cy="6816141"/>
+            <a:off x="10985500" y="20288089"/>
+            <a:ext cx="10637009" cy="4920238"/>
           </a:xfrm>
           <a:prstGeom prst="rect">
             <a:avLst/>
@@ -6139,7 +4813,7 @@
           </a:bodyPr>
           <a:lstStyle/>
           <a:p>
-            <a:pPr>
+            <a:pPr algn="just">
               <a:lnSpc>
                 <a:spcPct val="90000"/>
               </a:lnSpc>
@@ -6149,11 +4823,11 @@
                 <a:latin typeface="Helvetica"/>
                 <a:cs typeface="Helvetica"/>
               </a:rPr>
-              <a:t>User Education</a:t>
-            </a:r>
-          </a:p>
-          <a:p>
-            <a:pPr>
+              <a:t>Metadata</a:t>
+            </a:r>
+          </a:p>
+          <a:p>
+            <a:pPr algn="just">
               <a:lnSpc>
                 <a:spcPct val="90000"/>
               </a:lnSpc>
@@ -6164,7 +4838,7 @@
             </a:endParaRPr>
           </a:p>
           <a:p>
-            <a:pPr>
+            <a:pPr algn="just">
               <a:lnSpc>
                 <a:spcPct val="110000"/>
               </a:lnSpc>
@@ -6889,6 +5563,20 @@
                 <a:cs typeface="Helvetica"/>
               </a:rPr>
               <a:t>tempor</a:t>
+            </a:r>
+            <a:r>
+              <a:rPr lang="en-US" sz="2800" dirty="0">
+                <a:latin typeface="Helvetica"/>
+                <a:cs typeface="Helvetica"/>
+              </a:rPr>
+              <a:t> </a:t>
+            </a:r>
+            <a:r>
+              <a:rPr lang="en-US" sz="2800" dirty="0" err="1" smtClean="0">
+                <a:latin typeface="Helvetica"/>
+                <a:cs typeface="Helvetica"/>
+              </a:rPr>
+              <a:t>aliqua</a:t>
             </a:r>
             <a:endParaRPr lang="en-US" sz="2800" dirty="0">
               <a:latin typeface="Helvetica"/>
@@ -6905,8 +5593,8 @@
         </p:nvSpPr>
         <p:spPr>
           <a:xfrm>
-            <a:off x="10985499" y="20639716"/>
-            <a:ext cx="6213955" cy="4920238"/>
+            <a:off x="21622511" y="17250067"/>
+            <a:ext cx="9635422" cy="4215430"/>
           </a:xfrm>
           <a:prstGeom prst="rect">
             <a:avLst/>
@@ -6928,7 +5616,7 @@
               </a:lnSpc>
             </a:pPr>
             <a:r>
-              <a:rPr lang="en-US" sz="4400" b="1" dirty="0" smtClean="0">
+              <a:rPr lang="en-US" sz="3600" b="1" dirty="0" smtClean="0">
                 <a:latin typeface="Helvetica"/>
                 <a:cs typeface="Helvetica"/>
               </a:rPr>
@@ -6947,7 +5635,7 @@
             </a:endParaRPr>
           </a:p>
           <a:p>
-            <a:pPr marL="571500" indent="-571500">
+            <a:pPr marL="457200" indent="-457200">
               <a:lnSpc>
                 <a:spcPct val="110000"/>
               </a:lnSpc>
@@ -6955,71 +5643,22 @@
               <a:buChar char="•"/>
             </a:pPr>
             <a:r>
-              <a:rPr lang="en-US" sz="2800" dirty="0" err="1" smtClean="0">
-                <a:latin typeface="Helvetica"/>
-                <a:cs typeface="Helvetica"/>
-              </a:rPr>
-              <a:t>adipiscing</a:t>
-            </a:r>
-            <a:r>
-              <a:rPr lang="en-US" sz="2800" dirty="0" smtClean="0">
-                <a:latin typeface="Helvetica"/>
-                <a:cs typeface="Helvetica"/>
-              </a:rPr>
-              <a:t> </a:t>
-            </a:r>
-            <a:r>
-              <a:rPr lang="en-US" sz="2800" dirty="0" err="1" smtClean="0">
-                <a:latin typeface="Helvetica"/>
-                <a:cs typeface="Helvetica"/>
-              </a:rPr>
-              <a:t>elit</a:t>
-            </a:r>
-            <a:r>
-              <a:rPr lang="en-US" sz="2800" dirty="0" smtClean="0">
-                <a:latin typeface="Helvetica"/>
-                <a:cs typeface="Helvetica"/>
-              </a:rPr>
-              <a:t>, </a:t>
-            </a:r>
-            <a:r>
-              <a:rPr lang="en-US" sz="2800" dirty="0" err="1" smtClean="0">
-                <a:latin typeface="Helvetica"/>
-                <a:cs typeface="Helvetica"/>
-              </a:rPr>
-              <a:t>sed</a:t>
-            </a:r>
-            <a:r>
-              <a:rPr lang="en-US" sz="2800" dirty="0" smtClean="0">
-                <a:latin typeface="Helvetica"/>
-                <a:cs typeface="Helvetica"/>
-              </a:rPr>
-              <a:t> </a:t>
-            </a:r>
-            <a:r>
-              <a:rPr lang="en-US" sz="2800" dirty="0" smtClean="0">
-                <a:latin typeface="Helvetica"/>
-                <a:cs typeface="Helvetica"/>
-              </a:rPr>
-              <a:t>do </a:t>
-            </a:r>
-            <a:r>
-              <a:rPr lang="en-US" sz="2800" dirty="0" err="1" smtClean="0">
-                <a:latin typeface="Helvetica"/>
-                <a:cs typeface="Helvetica"/>
-              </a:rPr>
-              <a:t>sed</a:t>
-            </a:r>
-            <a:r>
-              <a:rPr lang="en-US" sz="2800" dirty="0" smtClean="0">
-                <a:latin typeface="Helvetica"/>
-                <a:cs typeface="Helvetica"/>
-              </a:rPr>
-              <a:t> do</a:t>
-            </a:r>
-          </a:p>
-          <a:p>
-            <a:pPr marL="571500" indent="-571500">
+              <a:rPr lang="en-US" sz="2800" dirty="0">
+                <a:latin typeface="Helvetica"/>
+                <a:cs typeface="Helvetica"/>
+              </a:rPr>
+              <a:t>Easy organization of university departments </a:t>
+            </a:r>
+            <a:r>
+              <a:rPr lang="en-US" sz="2800" dirty="0" smtClean="0">
+                <a:latin typeface="Helvetica"/>
+                <a:cs typeface="Helvetica"/>
+              </a:rPr>
+              <a:t>and</a:t>
+            </a:r>
+          </a:p>
+          <a:p>
+            <a:pPr marL="457200" indent="-457200">
               <a:lnSpc>
                 <a:spcPct val="110000"/>
               </a:lnSpc>
@@ -7027,64 +5666,22 @@
               <a:buChar char="•"/>
             </a:pPr>
             <a:r>
-              <a:rPr lang="en-US" sz="2800" dirty="0" err="1">
-                <a:latin typeface="Helvetica"/>
-                <a:cs typeface="Helvetica"/>
-              </a:rPr>
-              <a:t>adipiscing</a:t>
-            </a:r>
-            <a:r>
-              <a:rPr lang="en-US" sz="2800" dirty="0">
-                <a:latin typeface="Helvetica"/>
-                <a:cs typeface="Helvetica"/>
-              </a:rPr>
-              <a:t> </a:t>
-            </a:r>
-            <a:r>
-              <a:rPr lang="en-US" sz="2800" dirty="0" err="1">
-                <a:latin typeface="Helvetica"/>
-                <a:cs typeface="Helvetica"/>
-              </a:rPr>
-              <a:t>elit</a:t>
-            </a:r>
-            <a:r>
-              <a:rPr lang="en-US" sz="2800" dirty="0">
-                <a:latin typeface="Helvetica"/>
-                <a:cs typeface="Helvetica"/>
-              </a:rPr>
-              <a:t>, </a:t>
-            </a:r>
-            <a:r>
-              <a:rPr lang="en-US" sz="2800" dirty="0" err="1">
-                <a:latin typeface="Helvetica"/>
-                <a:cs typeface="Helvetica"/>
-              </a:rPr>
-              <a:t>sed</a:t>
-            </a:r>
-            <a:r>
-              <a:rPr lang="en-US" sz="2800" dirty="0">
-                <a:latin typeface="Helvetica"/>
-                <a:cs typeface="Helvetica"/>
-              </a:rPr>
-              <a:t> do </a:t>
-            </a:r>
-            <a:r>
-              <a:rPr lang="en-US" sz="2800" dirty="0" err="1">
-                <a:latin typeface="Helvetica"/>
-                <a:cs typeface="Helvetica"/>
-              </a:rPr>
-              <a:t>sed</a:t>
-            </a:r>
-            <a:r>
-              <a:rPr lang="en-US" sz="2800" dirty="0">
-                <a:latin typeface="Helvetica"/>
-                <a:cs typeface="Helvetica"/>
-              </a:rPr>
-              <a:t> do</a:t>
-            </a:r>
-          </a:p>
-          <a:p>
-            <a:pPr marL="571500" indent="-571500">
+              <a:rPr lang="en-US" sz="2800" dirty="0">
+                <a:latin typeface="Helvetica"/>
+                <a:cs typeface="Helvetica"/>
+              </a:rPr>
+              <a:t>A nested repository structure that is </a:t>
+            </a:r>
+            <a:r>
+              <a:rPr lang="en-US" sz="2800" dirty="0" smtClean="0">
+                <a:latin typeface="Helvetica"/>
+                <a:cs typeface="Helvetica"/>
+              </a:rPr>
+              <a:t>quickly</a:t>
+            </a:r>
+          </a:p>
+          <a:p>
+            <a:pPr marL="457200" indent="-457200">
               <a:lnSpc>
                 <a:spcPct val="110000"/>
               </a:lnSpc>
@@ -7092,64 +5689,58 @@
               <a:buChar char="•"/>
             </a:pPr>
             <a:r>
-              <a:rPr lang="en-US" sz="2800" dirty="0" err="1">
-                <a:latin typeface="Helvetica"/>
-                <a:cs typeface="Helvetica"/>
-              </a:rPr>
-              <a:t>adipiscing</a:t>
-            </a:r>
-            <a:r>
-              <a:rPr lang="en-US" sz="2800" dirty="0">
-                <a:latin typeface="Helvetica"/>
-                <a:cs typeface="Helvetica"/>
-              </a:rPr>
-              <a:t> </a:t>
-            </a:r>
-            <a:r>
-              <a:rPr lang="en-US" sz="2800" dirty="0" err="1">
-                <a:latin typeface="Helvetica"/>
-                <a:cs typeface="Helvetica"/>
-              </a:rPr>
-              <a:t>elit</a:t>
-            </a:r>
-            <a:r>
-              <a:rPr lang="en-US" sz="2800" dirty="0">
-                <a:latin typeface="Helvetica"/>
-                <a:cs typeface="Helvetica"/>
-              </a:rPr>
-              <a:t>, </a:t>
-            </a:r>
-            <a:r>
-              <a:rPr lang="en-US" sz="2800" dirty="0" err="1">
-                <a:latin typeface="Helvetica"/>
-                <a:cs typeface="Helvetica"/>
-              </a:rPr>
-              <a:t>sed</a:t>
-            </a:r>
-            <a:r>
-              <a:rPr lang="en-US" sz="2800" dirty="0">
-                <a:latin typeface="Helvetica"/>
-                <a:cs typeface="Helvetica"/>
-              </a:rPr>
-              <a:t> do </a:t>
-            </a:r>
-            <a:r>
-              <a:rPr lang="en-US" sz="2800" dirty="0" err="1">
-                <a:latin typeface="Helvetica"/>
-                <a:cs typeface="Helvetica"/>
-              </a:rPr>
-              <a:t>sed</a:t>
-            </a:r>
-            <a:r>
-              <a:rPr lang="en-US" sz="2800" dirty="0">
-                <a:latin typeface="Helvetica"/>
-                <a:cs typeface="Helvetica"/>
-              </a:rPr>
-              <a:t> do</a:t>
-            </a:r>
-          </a:p>
-          <a:p>
-            <a:pPr marL="571500" indent="-571500">
+              <a:rPr lang="en-US" sz="2800" dirty="0">
+                <a:latin typeface="Helvetica"/>
+                <a:cs typeface="Helvetica"/>
+              </a:rPr>
+              <a:t>Multiple browsing methods to enhance discovery </a:t>
+            </a:r>
+            <a:r>
+              <a:rPr lang="en-US" sz="2800" dirty="0" smtClean="0">
+                <a:latin typeface="Helvetica"/>
+                <a:cs typeface="Helvetica"/>
+              </a:rPr>
+              <a:t>of</a:t>
+            </a:r>
+          </a:p>
+          <a:p>
+            <a:pPr>
+              <a:lnSpc>
+                <a:spcPct val="110000"/>
+              </a:lnSpc>
+            </a:pPr>
+            <a:endParaRPr lang="en-US" sz="800" dirty="0" smtClean="0">
+              <a:latin typeface="Helvetica"/>
+              <a:cs typeface="Helvetica"/>
+            </a:endParaRPr>
+          </a:p>
+          <a:p>
+            <a:pPr>
+              <a:lnSpc>
+                <a:spcPct val="90000"/>
+              </a:lnSpc>
+            </a:pPr>
+            <a:r>
+              <a:rPr lang="en-US" sz="3600" b="1" dirty="0">
+                <a:latin typeface="Helvetica"/>
+                <a:cs typeface="Helvetica"/>
+              </a:rPr>
+              <a:t>Disadvantages</a:t>
+            </a:r>
+          </a:p>
+          <a:p>
+            <a:pPr>
+              <a:lnSpc>
+                <a:spcPct val="90000"/>
+              </a:lnSpc>
+            </a:pPr>
+            <a:endParaRPr lang="en-US" sz="1400" dirty="0">
+              <a:latin typeface="Helvetica"/>
+              <a:cs typeface="Helvetica"/>
+            </a:endParaRPr>
+          </a:p>
+          <a:p>
+            <a:pPr marL="457200" indent="-457200">
               <a:lnSpc>
                 <a:spcPct val="110000"/>
               </a:lnSpc>
@@ -7157,64 +5748,26 @@
               <a:buChar char="•"/>
             </a:pPr>
             <a:r>
-              <a:rPr lang="en-US" sz="2800" dirty="0" err="1">
-                <a:latin typeface="Helvetica"/>
-                <a:cs typeface="Helvetica"/>
-              </a:rPr>
-              <a:t>adipiscing</a:t>
-            </a:r>
-            <a:r>
-              <a:rPr lang="en-US" sz="2800" dirty="0">
-                <a:latin typeface="Helvetica"/>
-                <a:cs typeface="Helvetica"/>
-              </a:rPr>
-              <a:t> </a:t>
-            </a:r>
-            <a:r>
-              <a:rPr lang="en-US" sz="2800" dirty="0" err="1">
-                <a:latin typeface="Helvetica"/>
-                <a:cs typeface="Helvetica"/>
-              </a:rPr>
-              <a:t>elit</a:t>
-            </a:r>
-            <a:r>
-              <a:rPr lang="en-US" sz="2800" dirty="0">
-                <a:latin typeface="Helvetica"/>
-                <a:cs typeface="Helvetica"/>
-              </a:rPr>
-              <a:t>, </a:t>
-            </a:r>
-            <a:r>
-              <a:rPr lang="en-US" sz="2800" dirty="0" err="1">
-                <a:latin typeface="Helvetica"/>
-                <a:cs typeface="Helvetica"/>
-              </a:rPr>
-              <a:t>sed</a:t>
-            </a:r>
-            <a:r>
-              <a:rPr lang="en-US" sz="2800" dirty="0">
-                <a:latin typeface="Helvetica"/>
-                <a:cs typeface="Helvetica"/>
-              </a:rPr>
-              <a:t> do </a:t>
-            </a:r>
-            <a:r>
-              <a:rPr lang="en-US" sz="2800" dirty="0" err="1">
-                <a:latin typeface="Helvetica"/>
-                <a:cs typeface="Helvetica"/>
-              </a:rPr>
-              <a:t>sed</a:t>
-            </a:r>
-            <a:r>
-              <a:rPr lang="en-US" sz="2800" dirty="0">
-                <a:latin typeface="Helvetica"/>
-                <a:cs typeface="Helvetica"/>
-              </a:rPr>
-              <a:t> do</a:t>
-            </a:r>
-          </a:p>
-          <a:p>
-            <a:pPr marL="571500" indent="-571500">
+              <a:rPr lang="en-US" sz="2800" dirty="0">
+                <a:latin typeface="Helvetica"/>
+                <a:cs typeface="Helvetica"/>
+              </a:rPr>
+              <a:t>Maintaining the repository structure as the </a:t>
+            </a:r>
+            <a:r>
+              <a:rPr lang="en-US" sz="2800" dirty="0" smtClean="0">
+                <a:latin typeface="Helvetica"/>
+                <a:cs typeface="Helvetica"/>
+              </a:rPr>
+              <a:t>University</a:t>
+            </a:r>
+            <a:endParaRPr lang="en-US" sz="2800" dirty="0">
+              <a:latin typeface="Helvetica"/>
+              <a:cs typeface="Helvetica"/>
+            </a:endParaRPr>
+          </a:p>
+          <a:p>
+            <a:pPr marL="457200" indent="-457200">
               <a:lnSpc>
                 <a:spcPct val="110000"/>
               </a:lnSpc>
@@ -7222,202 +5775,19 @@
               <a:buChar char="•"/>
             </a:pPr>
             <a:r>
-              <a:rPr lang="en-US" sz="2800" dirty="0" err="1">
-                <a:latin typeface="Helvetica"/>
-                <a:cs typeface="Helvetica"/>
-              </a:rPr>
-              <a:t>adipiscing</a:t>
-            </a:r>
-            <a:r>
-              <a:rPr lang="en-US" sz="2800" dirty="0">
-                <a:latin typeface="Helvetica"/>
-                <a:cs typeface="Helvetica"/>
-              </a:rPr>
-              <a:t> </a:t>
-            </a:r>
-            <a:r>
-              <a:rPr lang="en-US" sz="2800" dirty="0" err="1">
-                <a:latin typeface="Helvetica"/>
-                <a:cs typeface="Helvetica"/>
-              </a:rPr>
-              <a:t>elit</a:t>
-            </a:r>
-            <a:r>
-              <a:rPr lang="en-US" sz="2800" dirty="0">
-                <a:latin typeface="Helvetica"/>
-                <a:cs typeface="Helvetica"/>
-              </a:rPr>
-              <a:t>, </a:t>
-            </a:r>
-            <a:r>
-              <a:rPr lang="en-US" sz="2800" dirty="0" err="1">
-                <a:latin typeface="Helvetica"/>
-                <a:cs typeface="Helvetica"/>
-              </a:rPr>
-              <a:t>sed</a:t>
-            </a:r>
-            <a:r>
-              <a:rPr lang="en-US" sz="2800" dirty="0">
-                <a:latin typeface="Helvetica"/>
-                <a:cs typeface="Helvetica"/>
-              </a:rPr>
-              <a:t> do </a:t>
-            </a:r>
-            <a:r>
-              <a:rPr lang="en-US" sz="2800" dirty="0" err="1">
-                <a:latin typeface="Helvetica"/>
-                <a:cs typeface="Helvetica"/>
-              </a:rPr>
-              <a:t>sed</a:t>
-            </a:r>
-            <a:r>
-              <a:rPr lang="en-US" sz="2800" dirty="0">
-                <a:latin typeface="Helvetica"/>
-                <a:cs typeface="Helvetica"/>
-              </a:rPr>
-              <a:t> do</a:t>
-            </a:r>
-          </a:p>
-          <a:p>
-            <a:pPr marL="571500" indent="-571500">
-              <a:lnSpc>
-                <a:spcPct val="110000"/>
-              </a:lnSpc>
-              <a:buFont typeface="Arial"/>
-              <a:buChar char="•"/>
-            </a:pPr>
-            <a:r>
-              <a:rPr lang="en-US" sz="2800" dirty="0" err="1">
-                <a:latin typeface="Helvetica"/>
-                <a:cs typeface="Helvetica"/>
-              </a:rPr>
-              <a:t>adipiscing</a:t>
-            </a:r>
-            <a:r>
-              <a:rPr lang="en-US" sz="2800" dirty="0">
-                <a:latin typeface="Helvetica"/>
-                <a:cs typeface="Helvetica"/>
-              </a:rPr>
-              <a:t> </a:t>
-            </a:r>
-            <a:r>
-              <a:rPr lang="en-US" sz="2800" dirty="0" err="1">
-                <a:latin typeface="Helvetica"/>
-                <a:cs typeface="Helvetica"/>
-              </a:rPr>
-              <a:t>elit</a:t>
-            </a:r>
-            <a:r>
-              <a:rPr lang="en-US" sz="2800" dirty="0">
-                <a:latin typeface="Helvetica"/>
-                <a:cs typeface="Helvetica"/>
-              </a:rPr>
-              <a:t>, </a:t>
-            </a:r>
-            <a:r>
-              <a:rPr lang="en-US" sz="2800" dirty="0" err="1">
-                <a:latin typeface="Helvetica"/>
-                <a:cs typeface="Helvetica"/>
-              </a:rPr>
-              <a:t>sed</a:t>
-            </a:r>
-            <a:r>
-              <a:rPr lang="en-US" sz="2800" dirty="0">
-                <a:latin typeface="Helvetica"/>
-                <a:cs typeface="Helvetica"/>
-              </a:rPr>
-              <a:t> do </a:t>
-            </a:r>
-            <a:r>
-              <a:rPr lang="en-US" sz="2800" dirty="0" err="1">
-                <a:latin typeface="Helvetica"/>
-                <a:cs typeface="Helvetica"/>
-              </a:rPr>
-              <a:t>sed</a:t>
-            </a:r>
-            <a:r>
-              <a:rPr lang="en-US" sz="2800" dirty="0">
-                <a:latin typeface="Helvetica"/>
-                <a:cs typeface="Helvetica"/>
-              </a:rPr>
-              <a:t> do</a:t>
-            </a:r>
-          </a:p>
-          <a:p>
-            <a:pPr marL="571500" indent="-571500">
-              <a:lnSpc>
-                <a:spcPct val="110000"/>
-              </a:lnSpc>
-              <a:buFont typeface="Arial"/>
-              <a:buChar char="•"/>
-            </a:pPr>
-            <a:r>
-              <a:rPr lang="en-US" sz="2800" dirty="0" err="1">
-                <a:latin typeface="Helvetica"/>
-                <a:cs typeface="Helvetica"/>
-              </a:rPr>
-              <a:t>adipiscing</a:t>
-            </a:r>
-            <a:r>
-              <a:rPr lang="en-US" sz="2800" dirty="0">
-                <a:latin typeface="Helvetica"/>
-                <a:cs typeface="Helvetica"/>
-              </a:rPr>
-              <a:t> </a:t>
-            </a:r>
-            <a:r>
-              <a:rPr lang="en-US" sz="2800" dirty="0" err="1">
-                <a:latin typeface="Helvetica"/>
-                <a:cs typeface="Helvetica"/>
-              </a:rPr>
-              <a:t>elit</a:t>
-            </a:r>
-            <a:r>
-              <a:rPr lang="en-US" sz="2800" dirty="0">
-                <a:latin typeface="Helvetica"/>
-                <a:cs typeface="Helvetica"/>
-              </a:rPr>
-              <a:t>, </a:t>
-            </a:r>
-            <a:r>
-              <a:rPr lang="en-US" sz="2800" dirty="0" err="1">
-                <a:latin typeface="Helvetica"/>
-                <a:cs typeface="Helvetica"/>
-              </a:rPr>
-              <a:t>sed</a:t>
-            </a:r>
-            <a:r>
-              <a:rPr lang="en-US" sz="2800" dirty="0">
-                <a:latin typeface="Helvetica"/>
-                <a:cs typeface="Helvetica"/>
-              </a:rPr>
-              <a:t> do </a:t>
-            </a:r>
-            <a:r>
-              <a:rPr lang="en-US" sz="2800" dirty="0" err="1">
-                <a:latin typeface="Helvetica"/>
-                <a:cs typeface="Helvetica"/>
-              </a:rPr>
-              <a:t>sed</a:t>
-            </a:r>
-            <a:r>
-              <a:rPr lang="en-US" sz="2800" dirty="0">
-                <a:latin typeface="Helvetica"/>
-                <a:cs typeface="Helvetica"/>
-              </a:rPr>
-              <a:t> do</a:t>
-            </a:r>
-          </a:p>
-          <a:p>
-            <a:pPr>
-              <a:lnSpc>
-                <a:spcPct val="110000"/>
-              </a:lnSpc>
-            </a:pPr>
-            <a:endParaRPr lang="en-US" sz="2800" dirty="0" smtClean="0">
-              <a:latin typeface="Helvetica"/>
-              <a:cs typeface="Helvetica"/>
-            </a:endParaRPr>
+              <a:rPr lang="en-US" sz="2800" dirty="0">
+                <a:latin typeface="Helvetica"/>
+                <a:cs typeface="Helvetica"/>
+              </a:rPr>
+              <a:t>Educating users on the concept of Smart </a:t>
+            </a:r>
+            <a:r>
+              <a:rPr lang="en-US" sz="2800" dirty="0" smtClean="0">
+                <a:latin typeface="Helvetica"/>
+                <a:cs typeface="Helvetica"/>
+              </a:rPr>
+              <a:t>Collections</a:t>
+            </a:r>
           </a:p>
         </p:txBody>
       </p:sp>
@@ -7447,16 +5817,26 @@
           <a:p>
             <a:pPr algn="ctr"/>
             <a:r>
+              <a:rPr lang="en-US" sz="7200" dirty="0" smtClean="0">
+                <a:latin typeface="Helvetica"/>
+                <a:cs typeface="Helvetica"/>
+              </a:rPr>
+              <a:t>Using Communities to Highlight </a:t>
+            </a:r>
+            <a:r>
               <a:rPr lang="en-US" sz="7200" dirty="0">
                 <a:latin typeface="Helvetica"/>
                 <a:cs typeface="Helvetica"/>
               </a:rPr>
-              <a:t>Highlighting Scholarly Content in Hydra Using Communities </a:t>
-            </a:r>
-            <a:endParaRPr lang="en-US" sz="7200" dirty="0" smtClean="0">
-              <a:latin typeface="Helvetica"/>
-              <a:cs typeface="Helvetica"/>
-            </a:endParaRPr>
+              <a:t>Scholarly Content in </a:t>
+            </a:r>
+            <a:r>
+              <a:rPr lang="en-US" sz="7200" dirty="0" smtClean="0">
+                <a:latin typeface="Helvetica"/>
+                <a:cs typeface="Helvetica"/>
+              </a:rPr>
+              <a:t>Hydra</a:t>
+            </a:r>
           </a:p>
         </p:txBody>
       </p:sp>
@@ -7493,25 +5873,8 @@
                 <a:latin typeface="Helvetica"/>
                 <a:cs typeface="Helvetica"/>
               </a:rPr>
-              <a:t>Sarah </a:t>
-            </a:r>
-            <a:r>
-              <a:rPr lang="en-US" sz="5400" dirty="0" smtClean="0">
-                <a:solidFill>
-                  <a:srgbClr val="000000"/>
-                </a:solidFill>
-                <a:latin typeface="Helvetica"/>
-                <a:cs typeface="Helvetica"/>
-              </a:rPr>
-              <a:t>Sweeney</a:t>
-            </a:r>
-            <a:endParaRPr lang="en-US" sz="5400" dirty="0" smtClean="0">
-              <a:solidFill>
-                <a:srgbClr val="000000"/>
-              </a:solidFill>
-              <a:latin typeface="Helvetica"/>
-              <a:cs typeface="Helvetica"/>
-            </a:endParaRPr>
+              <a:t>Sarah Sweeney</a:t>
+            </a:r>
           </a:p>
           <a:p>
             <a:r>
@@ -7629,7 +5992,7 @@
         <p:spPr>
           <a:xfrm>
             <a:off x="914397" y="4593484"/>
-            <a:ext cx="9613902" cy="9794396"/>
+            <a:ext cx="9613902" cy="9659994"/>
           </a:xfrm>
           <a:prstGeom prst="rect">
             <a:avLst/>
@@ -7670,1216 +6033,4178 @@
             </a:endParaRPr>
           </a:p>
           <a:p>
+            <a:pPr algn="just">
+              <a:lnSpc>
+                <a:spcPct val="110000"/>
+              </a:lnSpc>
+            </a:pPr>
+            <a:r>
+              <a:rPr lang="en-US" sz="2800" dirty="0" smtClean="0">
+                <a:latin typeface="Helvetica"/>
+                <a:cs typeface="Helvetica"/>
+              </a:rPr>
+              <a:t>    The </a:t>
+            </a:r>
+            <a:r>
+              <a:rPr lang="en-US" sz="2800" dirty="0">
+                <a:latin typeface="Helvetica"/>
+                <a:cs typeface="Helvetica"/>
+              </a:rPr>
+              <a:t>Digital Repository Service (DRS) was designed to store the important digital assets created as part of Northeastern University's mission, including scholarly, administrative, and archival objects. Early on in the development of the DRS we recognized a need to highlight the scholarly content, including research publications, presentations, datasets, and theses and dissertations (ETDs)</a:t>
+            </a:r>
+            <a:r>
+              <a:rPr lang="en-US" sz="2800" dirty="0" smtClean="0">
+                <a:latin typeface="Helvetica"/>
+                <a:cs typeface="Helvetica"/>
+              </a:rPr>
+              <a:t>.</a:t>
+            </a:r>
+          </a:p>
+          <a:p>
+            <a:pPr algn="just">
+              <a:lnSpc>
+                <a:spcPct val="110000"/>
+              </a:lnSpc>
+            </a:pPr>
+            <a:r>
+              <a:rPr lang="en-US" sz="2800" dirty="0">
+                <a:latin typeface="Helvetica"/>
+                <a:cs typeface="Helvetica"/>
+              </a:rPr>
+              <a:t> </a:t>
+            </a:r>
+            <a:r>
+              <a:rPr lang="en-US" sz="2800" dirty="0" smtClean="0">
+                <a:latin typeface="Helvetica"/>
+                <a:cs typeface="Helvetica"/>
+              </a:rPr>
+              <a:t>   Because </a:t>
+            </a:r>
+            <a:r>
+              <a:rPr lang="en-US" sz="2800" dirty="0">
+                <a:latin typeface="Helvetica"/>
+                <a:cs typeface="Helvetica"/>
+              </a:rPr>
+              <a:t>most of the scholarly content would originate from Northeastern faculty, we decided to model the DRS collection structure after the Northeastern University community structure and create relationships between the faculty and their communities. The community structure has not just neatly organized repository content according to the existing Northeastern structure, it has made it easier for the system to leverage the relationships between objects to enhance the discoverability of scholarly content in the repository.</a:t>
+            </a:r>
+            <a:endParaRPr lang="en-US" sz="2800" dirty="0" smtClean="0">
+              <a:latin typeface="Helvetica"/>
+              <a:cs typeface="Helvetica"/>
+            </a:endParaRPr>
+          </a:p>
+        </p:txBody>
+      </p:sp>
+      <p:sp>
+        <p:nvSpPr>
+          <p:cNvPr id="17" name="TextBox 16"/>
+          <p:cNvSpPr txBox="1"/>
+          <p:nvPr/>
+        </p:nvSpPr>
+        <p:spPr>
+          <a:xfrm>
+            <a:off x="2981612" y="16066724"/>
+            <a:ext cx="4196340" cy="1178701"/>
+          </a:xfrm>
+          <a:prstGeom prst="rect">
+            <a:avLst/>
+          </a:prstGeom>
+          <a:solidFill>
+            <a:schemeClr val="bg1"/>
+          </a:solidFill>
+          <a:ln w="28575" cmpd="sng">
+            <a:solidFill>
+              <a:schemeClr val="tx1"/>
+            </a:solidFill>
+          </a:ln>
+        </p:spPr>
+        <p:txBody>
+          <a:bodyPr wrap="square" lIns="329104" tIns="164551" rIns="329104" bIns="164551" rtlCol="0">
+            <a:spAutoFit/>
+          </a:bodyPr>
+          <a:lstStyle/>
+          <a:p>
+            <a:pPr>
+              <a:lnSpc>
+                <a:spcPct val="90000"/>
+              </a:lnSpc>
+            </a:pPr>
+            <a:r>
+              <a:rPr lang="en-US" sz="6000" b="1" dirty="0" smtClean="0">
+                <a:solidFill>
+                  <a:schemeClr val="accent4">
+                    <a:lumMod val="75000"/>
+                  </a:schemeClr>
+                </a:solidFill>
+                <a:latin typeface="Helvetica"/>
+                <a:cs typeface="Helvetica"/>
+              </a:rPr>
+              <a:t>Metadata</a:t>
+            </a:r>
+            <a:endParaRPr lang="en-US" sz="3600" dirty="0">
+              <a:solidFill>
+                <a:schemeClr val="accent4">
+                  <a:lumMod val="75000"/>
+                </a:schemeClr>
+              </a:solidFill>
+              <a:latin typeface="Helvetica"/>
+              <a:cs typeface="Helvetica"/>
+            </a:endParaRPr>
+          </a:p>
+        </p:txBody>
+      </p:sp>
+      <p:sp>
+        <p:nvSpPr>
+          <p:cNvPr id="18" name="TextBox 17"/>
+          <p:cNvSpPr txBox="1"/>
+          <p:nvPr/>
+        </p:nvSpPr>
+        <p:spPr>
+          <a:xfrm>
+            <a:off x="13125149" y="9205683"/>
+            <a:ext cx="6531394" cy="1178701"/>
+          </a:xfrm>
+          <a:prstGeom prst="rect">
+            <a:avLst/>
+          </a:prstGeom>
+          <a:solidFill>
+            <a:schemeClr val="bg1"/>
+          </a:solidFill>
+          <a:ln w="28575" cmpd="sng">
+            <a:solidFill>
+              <a:schemeClr val="tx1"/>
+            </a:solidFill>
+          </a:ln>
+        </p:spPr>
+        <p:txBody>
+          <a:bodyPr wrap="square" lIns="329104" tIns="164551" rIns="329104" bIns="164551" rtlCol="0">
+            <a:spAutoFit/>
+          </a:bodyPr>
+          <a:lstStyle/>
+          <a:p>
+            <a:pPr>
+              <a:lnSpc>
+                <a:spcPct val="90000"/>
+              </a:lnSpc>
+            </a:pPr>
+            <a:r>
+              <a:rPr lang="en-US" sz="6000" b="1" dirty="0" smtClean="0">
+                <a:solidFill>
+                  <a:schemeClr val="accent4">
+                    <a:lumMod val="75000"/>
+                  </a:schemeClr>
+                </a:solidFill>
+                <a:latin typeface="Helvetica"/>
+                <a:cs typeface="Helvetica"/>
+              </a:rPr>
+              <a:t>Sample Graph</a:t>
+            </a:r>
+            <a:endParaRPr lang="en-US" sz="3600" dirty="0">
+              <a:solidFill>
+                <a:schemeClr val="accent4">
+                  <a:lumMod val="75000"/>
+                </a:schemeClr>
+              </a:solidFill>
+              <a:latin typeface="Helvetica"/>
+              <a:cs typeface="Helvetica"/>
+            </a:endParaRPr>
+          </a:p>
+        </p:txBody>
+      </p:sp>
+    </p:spTree>
+    <p:extLst>
+      <p:ext uri="{BB962C8B-B14F-4D97-AF65-F5344CB8AC3E}">
+        <p14:creationId xmlns:p14="http://schemas.microsoft.com/office/powerpoint/2010/main" val="3941958016"/>
+      </p:ext>
+    </p:extLst>
+  </p:cSld>
+  <p:clrMapOvr>
+    <a:masterClrMapping/>
+  </p:clrMapOvr>
+  <p:timing>
+    <p:tnLst>
+      <p:par>
+        <p:cTn xmlns:p14="http://schemas.microsoft.com/office/powerpoint/2010/main" id="1" dur="indefinite" restart="never" nodeType="tmRoot"/>
+      </p:par>
+    </p:tnLst>
+  </p:timing>
+</p:sld>
+</file>
+
+<file path=ppt/slides/slide2.xml><?xml version="1.0" encoding="utf-8"?>
+<p:sld xmlns:a="http://schemas.openxmlformats.org/drawingml/2006/main" xmlns:r="http://schemas.openxmlformats.org/officeDocument/2006/relationships" xmlns:p="http://schemas.openxmlformats.org/presentationml/2006/main">
+  <p:cSld>
+    <p:spTree>
+      <p:nvGrpSpPr>
+        <p:cNvPr id="1" name=""/>
+        <p:cNvGrpSpPr/>
+        <p:nvPr/>
+      </p:nvGrpSpPr>
+      <p:grpSpPr>
+        <a:xfrm>
+          <a:off x="0" y="0"/>
+          <a:ext cx="0" cy="0"/>
+          <a:chOff x="0" y="0"/>
+          <a:chExt cx="0" cy="0"/>
+        </a:xfrm>
+      </p:grpSpPr>
+      <p:sp>
+        <p:nvSpPr>
+          <p:cNvPr id="14" name="Rectangle 13"/>
+          <p:cNvSpPr/>
+          <p:nvPr/>
+        </p:nvSpPr>
+        <p:spPr>
+          <a:xfrm rot="5400000">
+            <a:off x="3203212" y="-3203215"/>
+            <a:ext cx="25597570" cy="32004000"/>
+          </a:xfrm>
+          <a:prstGeom prst="rect">
+            <a:avLst/>
+          </a:prstGeom>
+          <a:solidFill>
+            <a:srgbClr val="E8EDEE"/>
+          </a:solidFill>
+          <a:ln>
+            <a:noFill/>
+          </a:ln>
+          <a:effectLst/>
+        </p:spPr>
+        <p:style>
+          <a:lnRef idx="1">
+            <a:schemeClr val="accent1"/>
+          </a:lnRef>
+          <a:fillRef idx="3">
+            <a:schemeClr val="accent1"/>
+          </a:fillRef>
+          <a:effectRef idx="2">
+            <a:schemeClr val="accent1"/>
+          </a:effectRef>
+          <a:fontRef idx="minor">
+            <a:schemeClr val="lt1"/>
+          </a:fontRef>
+        </p:style>
+        <p:txBody>
+          <a:bodyPr lIns="329104" tIns="164551" rIns="329104" bIns="164551" rtlCol="0" anchor="ctr"/>
+          <a:lstStyle/>
+          <a:p>
+            <a:pPr algn="ctr"/>
+            <a:endParaRPr lang="en-US">
+              <a:latin typeface="Helvetica"/>
+              <a:cs typeface="Helvetica"/>
+            </a:endParaRPr>
+          </a:p>
+        </p:txBody>
+      </p:sp>
+      <p:sp>
+        <p:nvSpPr>
+          <p:cNvPr id="33" name="Rectangle 32"/>
+          <p:cNvSpPr/>
+          <p:nvPr/>
+        </p:nvSpPr>
+        <p:spPr>
+          <a:xfrm>
+            <a:off x="10985500" y="20366184"/>
+            <a:ext cx="12568465" cy="4842143"/>
+          </a:xfrm>
+          <a:prstGeom prst="rect">
+            <a:avLst/>
+          </a:prstGeom>
+          <a:solidFill>
+            <a:schemeClr val="bg1"/>
+          </a:solidFill>
+          <a:ln>
+            <a:noFill/>
+          </a:ln>
+          <a:effectLst/>
+        </p:spPr>
+        <p:style>
+          <a:lnRef idx="1">
+            <a:schemeClr val="accent1"/>
+          </a:lnRef>
+          <a:fillRef idx="3">
+            <a:schemeClr val="accent1"/>
+          </a:fillRef>
+          <a:effectRef idx="2">
+            <a:schemeClr val="accent1"/>
+          </a:effectRef>
+          <a:fontRef idx="minor">
+            <a:schemeClr val="lt1"/>
+          </a:fontRef>
+        </p:style>
+        <p:txBody>
+          <a:bodyPr rtlCol="0" anchor="ctr"/>
+          <a:lstStyle/>
+          <a:p>
+            <a:pPr algn="ctr"/>
+            <a:endParaRPr lang="en-US"/>
+          </a:p>
+        </p:txBody>
+      </p:sp>
+      <p:sp>
+        <p:nvSpPr>
+          <p:cNvPr id="32" name="Rectangle 31"/>
+          <p:cNvSpPr/>
+          <p:nvPr/>
+        </p:nvSpPr>
+        <p:spPr>
+          <a:xfrm rot="5400000">
+            <a:off x="14324735" y="-12552381"/>
+            <a:ext cx="3557729" cy="30276797"/>
+          </a:xfrm>
+          <a:prstGeom prst="rect">
+            <a:avLst/>
+          </a:prstGeom>
+          <a:solidFill>
+            <a:srgbClr val="FFFFFF"/>
+          </a:solidFill>
+          <a:ln>
+            <a:noFill/>
+          </a:ln>
+          <a:effectLst/>
+        </p:spPr>
+        <p:style>
+          <a:lnRef idx="1">
+            <a:schemeClr val="accent1"/>
+          </a:lnRef>
+          <a:fillRef idx="3">
+            <a:schemeClr val="accent1"/>
+          </a:fillRef>
+          <a:effectRef idx="2">
+            <a:schemeClr val="accent1"/>
+          </a:effectRef>
+          <a:fontRef idx="minor">
+            <a:schemeClr val="lt1"/>
+          </a:fontRef>
+        </p:style>
+        <p:txBody>
+          <a:bodyPr lIns="329104" tIns="164551" rIns="329104" bIns="164551" rtlCol="0" anchor="ctr"/>
+          <a:lstStyle/>
+          <a:p>
+            <a:pPr algn="ctr"/>
+            <a:endParaRPr lang="en-US">
+              <a:latin typeface="Helvetica"/>
+              <a:cs typeface="Helvetica"/>
+            </a:endParaRPr>
+          </a:p>
+        </p:txBody>
+      </p:sp>
+      <p:sp>
+        <p:nvSpPr>
+          <p:cNvPr id="13" name="TextBox 12"/>
+          <p:cNvSpPr txBox="1"/>
+          <p:nvPr/>
+        </p:nvSpPr>
+        <p:spPr>
+          <a:xfrm>
+            <a:off x="24012107" y="20448666"/>
+            <a:ext cx="7229891" cy="4593995"/>
+          </a:xfrm>
+          <a:prstGeom prst="rect">
+            <a:avLst/>
+          </a:prstGeom>
+          <a:noFill/>
+          <a:ln w="28575" cmpd="sng">
+            <a:noFill/>
+          </a:ln>
+        </p:spPr>
+        <p:txBody>
+          <a:bodyPr wrap="square" lIns="329104" tIns="164551" rIns="329104" bIns="164551" rtlCol="0">
+            <a:spAutoFit/>
+          </a:bodyPr>
+          <a:lstStyle/>
+          <a:p>
+            <a:pPr>
+              <a:lnSpc>
+                <a:spcPct val="90000"/>
+              </a:lnSpc>
+            </a:pPr>
+            <a:r>
+              <a:rPr lang="en-US" sz="4000" b="1" dirty="0">
+                <a:latin typeface="Helvetica"/>
+                <a:cs typeface="Helvetica"/>
+              </a:rPr>
+              <a:t>About </a:t>
+            </a:r>
+            <a:r>
+              <a:rPr lang="en-US" sz="4000" b="1" dirty="0" smtClean="0">
+                <a:latin typeface="Helvetica"/>
+                <a:cs typeface="Helvetica"/>
+              </a:rPr>
+              <a:t>Cerberus</a:t>
+            </a:r>
+          </a:p>
+          <a:p>
+            <a:pPr>
+              <a:lnSpc>
+                <a:spcPct val="90000"/>
+              </a:lnSpc>
+            </a:pPr>
+            <a:endParaRPr lang="en-US" sz="1400" dirty="0">
+              <a:latin typeface="Helvetica"/>
+              <a:cs typeface="Helvetica"/>
+            </a:endParaRPr>
+          </a:p>
+          <a:p>
             <a:pPr>
               <a:lnSpc>
                 <a:spcPct val="110000"/>
               </a:lnSpc>
             </a:pPr>
             <a:r>
-              <a:rPr lang="en-US" sz="3200" dirty="0" err="1">
+              <a:rPr lang="en-US" sz="2400" dirty="0" err="1">
                 <a:latin typeface="Helvetica"/>
                 <a:cs typeface="Helvetica"/>
               </a:rPr>
               <a:t>Lorem</a:t>
             </a:r>
             <a:r>
-              <a:rPr lang="en-US" sz="3200" dirty="0">
-                <a:latin typeface="Helvetica"/>
-                <a:cs typeface="Helvetica"/>
-              </a:rPr>
-              <a:t> </a:t>
-            </a:r>
-            <a:r>
-              <a:rPr lang="en-US" sz="3200" dirty="0" err="1">
+              <a:rPr lang="en-US" sz="2400" dirty="0">
+                <a:latin typeface="Helvetica"/>
+                <a:cs typeface="Helvetica"/>
+              </a:rPr>
+              <a:t> </a:t>
+            </a:r>
+            <a:r>
+              <a:rPr lang="en-US" sz="2400" dirty="0" err="1">
                 <a:latin typeface="Helvetica"/>
                 <a:cs typeface="Helvetica"/>
               </a:rPr>
               <a:t>ipsum</a:t>
             </a:r>
             <a:r>
-              <a:rPr lang="en-US" sz="3200" dirty="0">
+              <a:rPr lang="en-US" sz="2400" dirty="0">
+                <a:latin typeface="Helvetica"/>
+                <a:cs typeface="Helvetica"/>
+              </a:rPr>
+              <a:t> </a:t>
+            </a:r>
+            <a:r>
+              <a:rPr lang="en-US" sz="2400" dirty="0" smtClean="0">
+                <a:latin typeface="Helvetica"/>
+                <a:cs typeface="Helvetica"/>
+              </a:rPr>
+              <a:t>dolor sit </a:t>
+            </a:r>
+            <a:r>
+              <a:rPr lang="en-US" sz="2400" dirty="0" err="1">
+                <a:latin typeface="Helvetica"/>
+                <a:cs typeface="Helvetica"/>
+              </a:rPr>
+              <a:t>amet</a:t>
+            </a:r>
+            <a:r>
+              <a:rPr lang="en-US" sz="2400" dirty="0" smtClean="0">
+                <a:latin typeface="Helvetica"/>
+                <a:cs typeface="Helvetica"/>
+              </a:rPr>
+              <a:t>,</a:t>
+            </a:r>
+          </a:p>
+          <a:p>
+            <a:pPr>
+              <a:lnSpc>
+                <a:spcPct val="110000"/>
+              </a:lnSpc>
+            </a:pPr>
+            <a:r>
+              <a:rPr lang="en-US" sz="2400" dirty="0" err="1" smtClean="0">
+                <a:latin typeface="Helvetica"/>
+                <a:cs typeface="Helvetica"/>
+              </a:rPr>
+              <a:t>Consect</a:t>
+            </a:r>
+            <a:r>
+              <a:rPr lang="en-US" sz="2400" dirty="0">
+                <a:latin typeface="Helvetica"/>
+                <a:cs typeface="Helvetica"/>
+              </a:rPr>
+              <a:t> </a:t>
+            </a:r>
+            <a:r>
+              <a:rPr lang="en-US" sz="2400" dirty="0" err="1" smtClean="0">
+                <a:latin typeface="Helvetica"/>
+                <a:cs typeface="Helvetica"/>
+              </a:rPr>
+              <a:t>adipiscing</a:t>
+            </a:r>
+            <a:r>
+              <a:rPr lang="en-US" sz="2400" dirty="0" smtClean="0">
+                <a:latin typeface="Helvetica"/>
+                <a:cs typeface="Helvetica"/>
+              </a:rPr>
+              <a:t> </a:t>
+            </a:r>
+            <a:r>
+              <a:rPr lang="en-US" sz="2400" dirty="0" err="1">
+                <a:latin typeface="Helvetica"/>
+                <a:cs typeface="Helvetica"/>
+              </a:rPr>
+              <a:t>elit</a:t>
+            </a:r>
+            <a:r>
+              <a:rPr lang="en-US" sz="2400" dirty="0">
+                <a:latin typeface="Helvetica"/>
+                <a:cs typeface="Helvetica"/>
+              </a:rPr>
+              <a:t>, </a:t>
+            </a:r>
+            <a:r>
+              <a:rPr lang="en-US" sz="2400" dirty="0" err="1" smtClean="0">
+                <a:latin typeface="Helvetica"/>
+                <a:cs typeface="Helvetica"/>
+              </a:rPr>
+              <a:t>lgk</a:t>
+            </a:r>
+            <a:endParaRPr lang="en-US" sz="2400" dirty="0" smtClean="0">
+              <a:latin typeface="Helvetica"/>
+              <a:cs typeface="Helvetica"/>
+            </a:endParaRPr>
+          </a:p>
+          <a:p>
+            <a:pPr>
+              <a:lnSpc>
+                <a:spcPct val="110000"/>
+              </a:lnSpc>
+            </a:pPr>
+            <a:r>
+              <a:rPr lang="en-US" sz="2400" dirty="0" err="1" smtClean="0">
+                <a:latin typeface="Helvetica"/>
+                <a:cs typeface="Helvetica"/>
+              </a:rPr>
+              <a:t>sed</a:t>
+            </a:r>
+            <a:r>
+              <a:rPr lang="en-US" sz="2400" dirty="0" smtClean="0">
+                <a:latin typeface="Helvetica"/>
+                <a:cs typeface="Helvetica"/>
+              </a:rPr>
+              <a:t> </a:t>
+            </a:r>
+            <a:r>
+              <a:rPr lang="en-US" sz="2400" dirty="0">
+                <a:latin typeface="Helvetica"/>
+                <a:cs typeface="Helvetica"/>
+              </a:rPr>
+              <a:t>do </a:t>
+            </a:r>
+            <a:r>
+              <a:rPr lang="en-US" sz="2400" dirty="0" err="1">
+                <a:latin typeface="Helvetica"/>
+                <a:cs typeface="Helvetica"/>
+              </a:rPr>
+              <a:t>eiusmod</a:t>
+            </a:r>
+            <a:r>
+              <a:rPr lang="en-US" sz="2400" dirty="0">
+                <a:latin typeface="Helvetica"/>
+                <a:cs typeface="Helvetica"/>
+              </a:rPr>
+              <a:t> </a:t>
+            </a:r>
+            <a:r>
+              <a:rPr lang="en-US" sz="2400" dirty="0" err="1" smtClean="0">
+                <a:latin typeface="Helvetica"/>
+                <a:cs typeface="Helvetica"/>
+              </a:rPr>
+              <a:t>tempor</a:t>
+            </a:r>
+            <a:r>
+              <a:rPr lang="en-US" sz="2400" dirty="0">
+                <a:latin typeface="Helvetica"/>
+                <a:cs typeface="Helvetica"/>
+              </a:rPr>
+              <a:t> </a:t>
+            </a:r>
+            <a:r>
+              <a:rPr lang="en-US" sz="2400" dirty="0" smtClean="0">
+                <a:latin typeface="Helvetica"/>
+                <a:cs typeface="Helvetica"/>
+              </a:rPr>
+              <a:t>sed. </a:t>
+            </a:r>
+          </a:p>
+          <a:p>
+            <a:pPr>
+              <a:lnSpc>
+                <a:spcPct val="110000"/>
+              </a:lnSpc>
+            </a:pPr>
+            <a:r>
+              <a:rPr lang="en-US" sz="2400" dirty="0" err="1" smtClean="0">
+                <a:latin typeface="Helvetica"/>
+                <a:cs typeface="Helvetica"/>
+              </a:rPr>
+              <a:t>Consect</a:t>
+            </a:r>
+            <a:r>
+              <a:rPr lang="en-US" sz="2400" dirty="0" smtClean="0">
+                <a:latin typeface="Helvetica"/>
+                <a:cs typeface="Helvetica"/>
+              </a:rPr>
+              <a:t> </a:t>
+            </a:r>
+            <a:r>
+              <a:rPr lang="en-US" sz="2400" dirty="0" err="1">
+                <a:latin typeface="Helvetica"/>
+                <a:cs typeface="Helvetica"/>
+              </a:rPr>
+              <a:t>adipiscing</a:t>
+            </a:r>
+            <a:r>
+              <a:rPr lang="en-US" sz="2400" dirty="0">
+                <a:latin typeface="Helvetica"/>
+                <a:cs typeface="Helvetica"/>
+              </a:rPr>
+              <a:t> </a:t>
+            </a:r>
+            <a:r>
+              <a:rPr lang="en-US" sz="2400" dirty="0" err="1">
+                <a:latin typeface="Helvetica"/>
+                <a:cs typeface="Helvetica"/>
+              </a:rPr>
+              <a:t>elit</a:t>
+            </a:r>
+            <a:r>
+              <a:rPr lang="en-US" sz="2400" dirty="0">
+                <a:latin typeface="Helvetica"/>
+                <a:cs typeface="Helvetica"/>
+              </a:rPr>
+              <a:t>, </a:t>
+            </a:r>
+            <a:r>
+              <a:rPr lang="en-US" sz="2400" dirty="0" err="1" smtClean="0">
+                <a:latin typeface="Helvetica"/>
+                <a:cs typeface="Helvetica"/>
+              </a:rPr>
+              <a:t>lgksed</a:t>
+            </a:r>
+            <a:r>
+              <a:rPr lang="en-US" sz="2400" dirty="0" smtClean="0">
+                <a:latin typeface="Helvetica"/>
+                <a:cs typeface="Helvetica"/>
+              </a:rPr>
+              <a:t> </a:t>
+            </a:r>
+            <a:r>
+              <a:rPr lang="en-US" sz="2400" dirty="0">
+                <a:latin typeface="Helvetica"/>
+                <a:cs typeface="Helvetica"/>
+              </a:rPr>
+              <a:t>do </a:t>
+            </a:r>
+            <a:r>
+              <a:rPr lang="en-US" sz="2400" dirty="0" err="1" smtClean="0">
+                <a:latin typeface="Helvetica"/>
+                <a:cs typeface="Helvetica"/>
+              </a:rPr>
+              <a:t>eiusmod</a:t>
+            </a:r>
+            <a:r>
+              <a:rPr lang="en-US" sz="2400" dirty="0" smtClean="0">
+                <a:latin typeface="Helvetica"/>
+                <a:cs typeface="Helvetica"/>
+              </a:rPr>
+              <a:t> </a:t>
+            </a:r>
+            <a:r>
+              <a:rPr lang="en-US" sz="2400" dirty="0" err="1">
+                <a:latin typeface="Helvetica"/>
+                <a:cs typeface="Helvetica"/>
+              </a:rPr>
+              <a:t>tempor</a:t>
+            </a:r>
+            <a:r>
+              <a:rPr lang="en-US" sz="2400" dirty="0">
+                <a:latin typeface="Helvetica"/>
+                <a:cs typeface="Helvetica"/>
+              </a:rPr>
+              <a:t> sed. </a:t>
+            </a:r>
+            <a:r>
+              <a:rPr lang="en-US" sz="2400" dirty="0" err="1">
+                <a:latin typeface="Helvetica"/>
+                <a:cs typeface="Helvetica"/>
+              </a:rPr>
+              <a:t>eiusmod</a:t>
+            </a:r>
+            <a:r>
+              <a:rPr lang="en-US" sz="2400" dirty="0">
+                <a:latin typeface="Helvetica"/>
+                <a:cs typeface="Helvetica"/>
+              </a:rPr>
+              <a:t> </a:t>
+            </a:r>
+            <a:r>
+              <a:rPr lang="en-US" sz="2400" dirty="0" err="1" smtClean="0">
+                <a:latin typeface="Helvetica"/>
+                <a:cs typeface="Helvetica"/>
+              </a:rPr>
+              <a:t>tempor</a:t>
+            </a:r>
+            <a:r>
+              <a:rPr lang="en-US" sz="2400" dirty="0" smtClean="0">
+                <a:latin typeface="Helvetica"/>
+                <a:cs typeface="Helvetica"/>
+              </a:rPr>
+              <a:t> </a:t>
+            </a:r>
+            <a:r>
+              <a:rPr lang="en-US" sz="2400" dirty="0">
+                <a:latin typeface="Helvetica"/>
+                <a:cs typeface="Helvetica"/>
+              </a:rPr>
+              <a:t>sed. </a:t>
+            </a:r>
+            <a:r>
+              <a:rPr lang="en-US" sz="2400" dirty="0" err="1" smtClean="0">
+                <a:latin typeface="Helvetica"/>
+                <a:cs typeface="Helvetica"/>
+              </a:rPr>
+              <a:t>Eiusmod</a:t>
+            </a:r>
+            <a:r>
+              <a:rPr lang="en-US" sz="2800" dirty="0">
+                <a:latin typeface="Helvetica"/>
+                <a:cs typeface="Helvetica"/>
+              </a:rPr>
+              <a:t>. </a:t>
+            </a:r>
+            <a:r>
+              <a:rPr lang="en-US" sz="2800" dirty="0" err="1">
+                <a:latin typeface="Helvetica"/>
+                <a:cs typeface="Helvetica"/>
+              </a:rPr>
+              <a:t>Consect</a:t>
+            </a:r>
+            <a:r>
+              <a:rPr lang="en-US" sz="2800" dirty="0">
+                <a:latin typeface="Helvetica"/>
+                <a:cs typeface="Helvetica"/>
+              </a:rPr>
+              <a:t> </a:t>
+            </a:r>
+            <a:r>
+              <a:rPr lang="en-US" sz="2800" dirty="0" err="1">
+                <a:latin typeface="Helvetica"/>
+                <a:cs typeface="Helvetica"/>
+              </a:rPr>
+              <a:t>adipiscing</a:t>
+            </a:r>
+            <a:r>
+              <a:rPr lang="en-US" sz="2800" dirty="0">
+                <a:latin typeface="Helvetica"/>
+                <a:cs typeface="Helvetica"/>
+              </a:rPr>
+              <a:t> </a:t>
+            </a:r>
+            <a:r>
+              <a:rPr lang="en-US" sz="2800" dirty="0" err="1">
+                <a:latin typeface="Helvetica"/>
+                <a:cs typeface="Helvetica"/>
+              </a:rPr>
+              <a:t>elit</a:t>
+            </a:r>
+            <a:r>
+              <a:rPr lang="en-US" sz="2800" dirty="0">
+                <a:latin typeface="Helvetica"/>
+                <a:cs typeface="Helvetica"/>
+              </a:rPr>
+              <a:t>, </a:t>
+            </a:r>
+            <a:r>
+              <a:rPr lang="en-US" sz="2800" dirty="0" err="1">
+                <a:latin typeface="Helvetica"/>
+                <a:cs typeface="Helvetica"/>
+              </a:rPr>
+              <a:t>lgksed</a:t>
+            </a:r>
+            <a:r>
+              <a:rPr lang="en-US" sz="2800" dirty="0">
+                <a:latin typeface="Helvetica"/>
+                <a:cs typeface="Helvetica"/>
+              </a:rPr>
+              <a:t> do </a:t>
+            </a:r>
+            <a:r>
+              <a:rPr lang="en-US" sz="2800" dirty="0" err="1">
+                <a:latin typeface="Helvetica"/>
+                <a:cs typeface="Helvetica"/>
+              </a:rPr>
+              <a:t>eiusmod</a:t>
+            </a:r>
+            <a:r>
+              <a:rPr lang="en-US" sz="2800" dirty="0">
+                <a:latin typeface="Helvetica"/>
+                <a:cs typeface="Helvetica"/>
+              </a:rPr>
+              <a:t> </a:t>
+            </a:r>
+            <a:r>
+              <a:rPr lang="en-US" sz="2800" dirty="0" err="1">
+                <a:latin typeface="Helvetica"/>
+                <a:cs typeface="Helvetica"/>
+              </a:rPr>
+              <a:t>tempor</a:t>
+            </a:r>
+            <a:r>
+              <a:rPr lang="en-US" sz="2800" dirty="0">
+                <a:latin typeface="Helvetica"/>
+                <a:cs typeface="Helvetica"/>
+              </a:rPr>
+              <a:t> sed. </a:t>
+            </a:r>
+            <a:r>
+              <a:rPr lang="en-US" sz="2800" dirty="0" err="1">
+                <a:latin typeface="Helvetica"/>
+                <a:cs typeface="Helvetica"/>
+              </a:rPr>
+              <a:t>eiusmod</a:t>
+            </a:r>
+            <a:r>
+              <a:rPr lang="en-US" sz="2800" dirty="0">
+                <a:latin typeface="Helvetica"/>
+                <a:cs typeface="Helvetica"/>
+              </a:rPr>
+              <a:t> </a:t>
+            </a:r>
+            <a:r>
+              <a:rPr lang="en-US" sz="2800" dirty="0" err="1" smtClean="0">
+                <a:latin typeface="Helvetica"/>
+                <a:cs typeface="Helvetica"/>
+              </a:rPr>
+              <a:t>tempor</a:t>
+            </a:r>
+            <a:endParaRPr lang="en-US" sz="2800" dirty="0" smtClean="0">
+              <a:latin typeface="Helvetica"/>
+              <a:cs typeface="Helvetica"/>
+            </a:endParaRPr>
+          </a:p>
+          <a:p>
+            <a:pPr>
+              <a:lnSpc>
+                <a:spcPct val="110000"/>
+              </a:lnSpc>
+            </a:pPr>
+            <a:r>
+              <a:rPr lang="en-US" sz="2800" b="1" dirty="0" err="1" smtClean="0">
+                <a:solidFill>
+                  <a:srgbClr val="2B84D2"/>
+                </a:solidFill>
+                <a:latin typeface="Helvetica"/>
+                <a:cs typeface="Helvetica"/>
+              </a:rPr>
+              <a:t>github.com</a:t>
+            </a:r>
+            <a:r>
+              <a:rPr lang="en-US" sz="2800" b="1" dirty="0">
+                <a:solidFill>
+                  <a:srgbClr val="2B84D2"/>
+                </a:solidFill>
+                <a:latin typeface="Helvetica"/>
+                <a:cs typeface="Helvetica"/>
+              </a:rPr>
+              <a:t>/NEU-Libraries/</a:t>
+            </a:r>
+            <a:r>
+              <a:rPr lang="en-US" sz="2800" b="1" dirty="0" err="1">
+                <a:solidFill>
+                  <a:srgbClr val="2B84D2"/>
+                </a:solidFill>
+                <a:latin typeface="Helvetica"/>
+                <a:cs typeface="Helvetica"/>
+              </a:rPr>
+              <a:t>cerberus</a:t>
+            </a:r>
+            <a:endParaRPr lang="en-US" sz="2800" b="1" dirty="0">
+              <a:solidFill>
+                <a:srgbClr val="2B84D2"/>
+              </a:solidFill>
+              <a:latin typeface="Helvetica"/>
+              <a:cs typeface="Helvetica"/>
+            </a:endParaRPr>
+          </a:p>
+        </p:txBody>
+      </p:sp>
+      <p:pic>
+        <p:nvPicPr>
+          <p:cNvPr id="6" name="Picture 5" descr="SmartCollections3.jpg"/>
+          <p:cNvPicPr>
+            <a:picLocks noChangeAspect="1"/>
+          </p:cNvPicPr>
+          <p:nvPr/>
+        </p:nvPicPr>
+        <p:blipFill>
+          <a:blip r:embed="rId3">
+            <a:extLst>
+              <a:ext uri="{28A0092B-C50C-407E-A947-70E740481C1C}">
+                <a14:useLocalDpi xmlns:a14="http://schemas.microsoft.com/office/drawing/2010/main" val="0"/>
+              </a:ext>
+            </a:extLst>
+          </a:blip>
+          <a:stretch>
+            <a:fillRect/>
+          </a:stretch>
+        </p:blipFill>
+        <p:spPr>
+          <a:xfrm>
+            <a:off x="10985501" y="4774325"/>
+            <a:ext cx="10637010" cy="15252792"/>
+          </a:xfrm>
+          <a:prstGeom prst="rect">
+            <a:avLst/>
+          </a:prstGeom>
+        </p:spPr>
+      </p:pic>
+      <p:sp>
+        <p:nvSpPr>
+          <p:cNvPr id="24" name="TextBox 23"/>
+          <p:cNvSpPr txBox="1"/>
+          <p:nvPr/>
+        </p:nvSpPr>
+        <p:spPr>
+          <a:xfrm>
+            <a:off x="21622510" y="4664641"/>
+            <a:ext cx="9619488" cy="9659994"/>
+          </a:xfrm>
+          <a:prstGeom prst="rect">
+            <a:avLst/>
+          </a:prstGeom>
+          <a:noFill/>
+          <a:ln w="28575" cmpd="sng">
+            <a:noFill/>
+          </a:ln>
+        </p:spPr>
+        <p:txBody>
+          <a:bodyPr wrap="square" lIns="329104" tIns="164551" rIns="329104" bIns="164551" rtlCol="0">
+            <a:spAutoFit/>
+          </a:bodyPr>
+          <a:lstStyle/>
+          <a:p>
+            <a:pPr>
+              <a:lnSpc>
+                <a:spcPct val="90000"/>
+              </a:lnSpc>
+            </a:pPr>
+            <a:r>
+              <a:rPr lang="en-US" sz="4400" b="1" dirty="0" smtClean="0">
+                <a:latin typeface="Helvetica"/>
+                <a:cs typeface="Helvetica"/>
+              </a:rPr>
+              <a:t>Communities </a:t>
+            </a:r>
+            <a:r>
+              <a:rPr lang="en-US" sz="3600" b="1" dirty="0" smtClean="0">
+                <a:latin typeface="Helvetica"/>
+                <a:cs typeface="Helvetica"/>
+              </a:rPr>
+              <a:t>&amp;</a:t>
+            </a:r>
+            <a:r>
+              <a:rPr lang="en-US" sz="4400" b="1" dirty="0" smtClean="0">
+                <a:latin typeface="Helvetica"/>
+                <a:cs typeface="Helvetica"/>
+              </a:rPr>
+              <a:t> Smart Collections</a:t>
+            </a:r>
+          </a:p>
+          <a:p>
+            <a:pPr>
+              <a:lnSpc>
+                <a:spcPct val="90000"/>
+              </a:lnSpc>
+            </a:pPr>
+            <a:endParaRPr lang="en-US" sz="1400" dirty="0">
+              <a:latin typeface="Helvetica"/>
+              <a:cs typeface="Helvetica"/>
+            </a:endParaRPr>
+          </a:p>
+          <a:p>
+            <a:pPr>
+              <a:lnSpc>
+                <a:spcPct val="110000"/>
+              </a:lnSpc>
+            </a:pPr>
+            <a:r>
+              <a:rPr lang="en-US" sz="2800" dirty="0" err="1" smtClean="0">
+                <a:latin typeface="Helvetica"/>
+                <a:cs typeface="Helvetica"/>
+              </a:rPr>
+              <a:t>Lorem</a:t>
+            </a:r>
+            <a:r>
+              <a:rPr lang="en-US" sz="2800" dirty="0" smtClean="0">
+                <a:latin typeface="Helvetica"/>
+                <a:cs typeface="Helvetica"/>
+              </a:rPr>
+              <a:t> </a:t>
+            </a:r>
+            <a:r>
+              <a:rPr lang="en-US" sz="2800" dirty="0" err="1" smtClean="0">
+                <a:latin typeface="Helvetica"/>
+                <a:cs typeface="Helvetica"/>
+              </a:rPr>
+              <a:t>ipsum</a:t>
+            </a:r>
+            <a:r>
+              <a:rPr lang="en-US" sz="2800" dirty="0" smtClean="0">
                 <a:latin typeface="Helvetica"/>
                 <a:cs typeface="Helvetica"/>
               </a:rPr>
               <a:t> dolor sit </a:t>
             </a:r>
             <a:r>
-              <a:rPr lang="en-US" sz="3200" dirty="0" err="1">
+              <a:rPr lang="en-US" sz="2800" dirty="0" err="1" smtClean="0">
                 <a:latin typeface="Helvetica"/>
                 <a:cs typeface="Helvetica"/>
               </a:rPr>
               <a:t>amet</a:t>
             </a:r>
             <a:r>
-              <a:rPr lang="en-US" sz="3200" dirty="0">
+              <a:rPr lang="en-US" sz="2800" dirty="0" smtClean="0">
                 <a:latin typeface="Helvetica"/>
                 <a:cs typeface="Helvetica"/>
               </a:rPr>
               <a:t>, </a:t>
             </a:r>
             <a:r>
-              <a:rPr lang="en-US" sz="3200" dirty="0" err="1">
+              <a:rPr lang="en-US" sz="2800" dirty="0" err="1" smtClean="0">
                 <a:latin typeface="Helvetica"/>
                 <a:cs typeface="Helvetica"/>
               </a:rPr>
               <a:t>consectetur</a:t>
             </a:r>
             <a:r>
-              <a:rPr lang="en-US" sz="3200" dirty="0">
-                <a:latin typeface="Helvetica"/>
-                <a:cs typeface="Helvetica"/>
-              </a:rPr>
-              <a:t> </a:t>
-            </a:r>
-            <a:r>
-              <a:rPr lang="en-US" sz="3200" dirty="0" err="1">
+              <a:rPr lang="en-US" sz="2800" dirty="0" smtClean="0">
+                <a:latin typeface="Helvetica"/>
+                <a:cs typeface="Helvetica"/>
+              </a:rPr>
+              <a:t> </a:t>
+            </a:r>
+            <a:r>
+              <a:rPr lang="en-US" sz="2800" dirty="0" err="1" smtClean="0">
                 <a:latin typeface="Helvetica"/>
                 <a:cs typeface="Helvetica"/>
               </a:rPr>
               <a:t>adipiscing</a:t>
             </a:r>
             <a:r>
-              <a:rPr lang="en-US" sz="3200" dirty="0">
-                <a:latin typeface="Helvetica"/>
-                <a:cs typeface="Helvetica"/>
-              </a:rPr>
-              <a:t> </a:t>
-            </a:r>
-            <a:r>
-              <a:rPr lang="en-US" sz="3200" dirty="0" err="1">
+              <a:rPr lang="en-US" sz="2800" dirty="0" smtClean="0">
+                <a:latin typeface="Helvetica"/>
+                <a:cs typeface="Helvetica"/>
+              </a:rPr>
+              <a:t> </a:t>
+            </a:r>
+            <a:r>
+              <a:rPr lang="en-US" sz="2800" dirty="0" err="1" smtClean="0">
                 <a:latin typeface="Helvetica"/>
                 <a:cs typeface="Helvetica"/>
               </a:rPr>
               <a:t>elit</a:t>
             </a:r>
             <a:r>
-              <a:rPr lang="en-US" sz="3200" dirty="0">
+              <a:rPr lang="en-US" sz="2800" dirty="0" smtClean="0">
                 <a:latin typeface="Helvetica"/>
                 <a:cs typeface="Helvetica"/>
               </a:rPr>
               <a:t>, </a:t>
             </a:r>
             <a:r>
-              <a:rPr lang="en-US" sz="3200" dirty="0" err="1">
+              <a:rPr lang="en-US" sz="2800" dirty="0" err="1" smtClean="0">
                 <a:latin typeface="Helvetica"/>
                 <a:cs typeface="Helvetica"/>
               </a:rPr>
               <a:t>sed</a:t>
             </a:r>
             <a:r>
-              <a:rPr lang="en-US" sz="3200" dirty="0">
+              <a:rPr lang="en-US" sz="2800" dirty="0" smtClean="0">
                 <a:latin typeface="Helvetica"/>
                 <a:cs typeface="Helvetica"/>
               </a:rPr>
               <a:t> do </a:t>
             </a:r>
             <a:r>
-              <a:rPr lang="en-US" sz="3200" dirty="0" err="1">
+              <a:rPr lang="en-US" sz="2800" dirty="0" err="1" smtClean="0">
                 <a:latin typeface="Helvetica"/>
                 <a:cs typeface="Helvetica"/>
               </a:rPr>
               <a:t>eiusmod</a:t>
             </a:r>
             <a:r>
-              <a:rPr lang="en-US" sz="3200" dirty="0">
-                <a:latin typeface="Helvetica"/>
-                <a:cs typeface="Helvetica"/>
-              </a:rPr>
-              <a:t> </a:t>
-            </a:r>
-            <a:r>
-              <a:rPr lang="en-US" sz="3200" dirty="0" err="1">
+              <a:rPr lang="en-US" sz="2800" dirty="0" smtClean="0">
+                <a:latin typeface="Helvetica"/>
+                <a:cs typeface="Helvetica"/>
+              </a:rPr>
+              <a:t> </a:t>
+            </a:r>
+            <a:r>
+              <a:rPr lang="en-US" sz="2800" dirty="0" err="1" smtClean="0">
                 <a:latin typeface="Helvetica"/>
                 <a:cs typeface="Helvetica"/>
               </a:rPr>
               <a:t>tempor</a:t>
             </a:r>
             <a:r>
-              <a:rPr lang="en-US" sz="3200" dirty="0">
-                <a:latin typeface="Helvetica"/>
-                <a:cs typeface="Helvetica"/>
-              </a:rPr>
-              <a:t> </a:t>
-            </a:r>
-            <a:r>
-              <a:rPr lang="en-US" sz="3200" dirty="0" err="1">
+              <a:rPr lang="en-US" sz="2800" dirty="0" smtClean="0">
+                <a:latin typeface="Helvetica"/>
+                <a:cs typeface="Helvetica"/>
+              </a:rPr>
+              <a:t> </a:t>
+            </a:r>
+            <a:r>
+              <a:rPr lang="en-US" sz="2800" dirty="0" err="1" smtClean="0">
                 <a:latin typeface="Helvetica"/>
                 <a:cs typeface="Helvetica"/>
               </a:rPr>
               <a:t>incididunt</a:t>
             </a:r>
             <a:r>
-              <a:rPr lang="en-US" sz="3200" dirty="0">
-                <a:latin typeface="Helvetica"/>
-                <a:cs typeface="Helvetica"/>
-              </a:rPr>
-              <a:t> </a:t>
-            </a:r>
-            <a:r>
-              <a:rPr lang="en-US" sz="3200" dirty="0" err="1">
+              <a:rPr lang="en-US" sz="2800" dirty="0" smtClean="0">
+                <a:latin typeface="Helvetica"/>
+                <a:cs typeface="Helvetica"/>
+              </a:rPr>
+              <a:t> </a:t>
+            </a:r>
+            <a:r>
+              <a:rPr lang="en-US" sz="2800" dirty="0" err="1" smtClean="0">
                 <a:latin typeface="Helvetica"/>
                 <a:cs typeface="Helvetica"/>
               </a:rPr>
               <a:t>ut</a:t>
             </a:r>
             <a:r>
-              <a:rPr lang="en-US" sz="3200" dirty="0">
-                <a:latin typeface="Helvetica"/>
-                <a:cs typeface="Helvetica"/>
-              </a:rPr>
-              <a:t> </a:t>
-            </a:r>
-            <a:r>
-              <a:rPr lang="en-US" sz="3200" dirty="0" err="1">
+              <a:rPr lang="en-US" sz="2800" dirty="0" smtClean="0">
+                <a:latin typeface="Helvetica"/>
+                <a:cs typeface="Helvetica"/>
+              </a:rPr>
+              <a:t> </a:t>
+            </a:r>
+            <a:r>
+              <a:rPr lang="en-US" sz="2800" dirty="0" err="1" smtClean="0">
                 <a:latin typeface="Helvetica"/>
                 <a:cs typeface="Helvetica"/>
               </a:rPr>
               <a:t>labore</a:t>
             </a:r>
             <a:r>
-              <a:rPr lang="en-US" sz="3200" dirty="0">
+              <a:rPr lang="en-US" sz="2800" dirty="0" smtClean="0">
                 <a:latin typeface="Helvetica"/>
                 <a:cs typeface="Helvetica"/>
               </a:rPr>
               <a:t> et </a:t>
             </a:r>
             <a:r>
-              <a:rPr lang="en-US" sz="3200" dirty="0" err="1">
+              <a:rPr lang="en-US" sz="2800" dirty="0" err="1" smtClean="0">
                 <a:latin typeface="Helvetica"/>
                 <a:cs typeface="Helvetica"/>
               </a:rPr>
               <a:t>dolore</a:t>
             </a:r>
             <a:r>
-              <a:rPr lang="en-US" sz="3200" dirty="0">
+              <a:rPr lang="en-US" sz="2800" dirty="0" smtClean="0">
                 <a:latin typeface="Helvetica"/>
                 <a:cs typeface="Helvetica"/>
               </a:rPr>
               <a:t> magna </a:t>
             </a:r>
             <a:r>
-              <a:rPr lang="en-US" sz="3200" dirty="0" err="1">
+              <a:rPr lang="en-US" sz="2800" dirty="0" err="1" smtClean="0">
                 <a:latin typeface="Helvetica"/>
                 <a:cs typeface="Helvetica"/>
               </a:rPr>
               <a:t>aliqua</a:t>
             </a:r>
             <a:r>
-              <a:rPr lang="en-US" sz="3200" dirty="0">
+              <a:rPr lang="en-US" sz="2800" dirty="0" smtClean="0">
+                <a:latin typeface="Helvetica"/>
+                <a:cs typeface="Helvetica"/>
+              </a:rPr>
+              <a:t> magna </a:t>
+            </a:r>
+            <a:r>
+              <a:rPr lang="en-US" sz="2800" dirty="0" err="1" smtClean="0">
+                <a:latin typeface="Helvetica"/>
+                <a:cs typeface="Helvetica"/>
+              </a:rPr>
+              <a:t>aliqua</a:t>
+            </a:r>
+            <a:r>
+              <a:rPr lang="en-US" sz="2800" dirty="0" smtClean="0">
+                <a:latin typeface="Helvetica"/>
+                <a:cs typeface="Helvetica"/>
+              </a:rPr>
+              <a:t> magna </a:t>
+            </a:r>
+            <a:r>
+              <a:rPr lang="en-US" sz="2800" dirty="0" err="1" smtClean="0">
+                <a:latin typeface="Helvetica"/>
+                <a:cs typeface="Helvetica"/>
+              </a:rPr>
+              <a:t>aliqua</a:t>
+            </a:r>
+            <a:r>
+              <a:rPr lang="en-US" sz="2800" dirty="0" smtClean="0">
+                <a:latin typeface="Helvetica"/>
+                <a:cs typeface="Helvetica"/>
+              </a:rPr>
+              <a:t> magna </a:t>
+            </a:r>
+            <a:r>
+              <a:rPr lang="en-US" sz="2800" dirty="0" err="1" smtClean="0">
+                <a:latin typeface="Helvetica"/>
+                <a:cs typeface="Helvetica"/>
+              </a:rPr>
+              <a:t>aliqua</a:t>
+            </a:r>
+            <a:r>
+              <a:rPr lang="en-US" sz="2800" dirty="0" smtClean="0">
+                <a:latin typeface="Helvetica"/>
+                <a:cs typeface="Helvetica"/>
+              </a:rPr>
+              <a:t> </a:t>
+            </a:r>
+            <a:r>
+              <a:rPr lang="en-US" sz="2800" dirty="0" err="1" smtClean="0">
+                <a:latin typeface="Helvetica"/>
+                <a:cs typeface="Helvetica"/>
+              </a:rPr>
+              <a:t>Lorem</a:t>
+            </a:r>
+            <a:r>
+              <a:rPr lang="en-US" sz="2800" dirty="0" smtClean="0">
+                <a:latin typeface="Helvetica"/>
+                <a:cs typeface="Helvetica"/>
+              </a:rPr>
+              <a:t> </a:t>
+            </a:r>
+            <a:r>
+              <a:rPr lang="en-US" sz="2800" dirty="0" err="1" smtClean="0">
+                <a:latin typeface="Helvetica"/>
+                <a:cs typeface="Helvetica"/>
+              </a:rPr>
+              <a:t>ipsum</a:t>
+            </a:r>
+            <a:r>
+              <a:rPr lang="en-US" sz="2800" dirty="0" smtClean="0">
+                <a:latin typeface="Helvetica"/>
+                <a:cs typeface="Helvetica"/>
+              </a:rPr>
+              <a:t> dolor sit </a:t>
+            </a:r>
+            <a:r>
+              <a:rPr lang="en-US" sz="2800" dirty="0" err="1" smtClean="0">
+                <a:latin typeface="Helvetica"/>
+                <a:cs typeface="Helvetica"/>
+              </a:rPr>
+              <a:t>amet</a:t>
+            </a:r>
+            <a:r>
+              <a:rPr lang="en-US" sz="2800" dirty="0" smtClean="0">
+                <a:latin typeface="Helvetica"/>
+                <a:cs typeface="Helvetica"/>
+              </a:rPr>
+              <a:t>, </a:t>
+            </a:r>
+            <a:r>
+              <a:rPr lang="en-US" sz="2800" dirty="0" err="1" smtClean="0">
+                <a:latin typeface="Helvetica"/>
+                <a:cs typeface="Helvetica"/>
+              </a:rPr>
+              <a:t>consectetur</a:t>
+            </a:r>
+            <a:r>
+              <a:rPr lang="en-US" sz="2800" dirty="0" smtClean="0">
+                <a:latin typeface="Helvetica"/>
+                <a:cs typeface="Helvetica"/>
+              </a:rPr>
+              <a:t> </a:t>
+            </a:r>
+            <a:r>
+              <a:rPr lang="en-US" sz="2800" dirty="0" err="1" smtClean="0">
+                <a:latin typeface="Helvetica"/>
+                <a:cs typeface="Helvetica"/>
+              </a:rPr>
+              <a:t>adipiscing</a:t>
+            </a:r>
+            <a:r>
+              <a:rPr lang="en-US" sz="2800" dirty="0" smtClean="0">
+                <a:latin typeface="Helvetica"/>
+                <a:cs typeface="Helvetica"/>
+              </a:rPr>
+              <a:t> </a:t>
+            </a:r>
+            <a:r>
+              <a:rPr lang="en-US" sz="2800" dirty="0" err="1" smtClean="0">
+                <a:latin typeface="Helvetica"/>
+                <a:cs typeface="Helvetica"/>
+              </a:rPr>
+              <a:t>elit</a:t>
+            </a:r>
+            <a:r>
+              <a:rPr lang="en-US" sz="2800" dirty="0" smtClean="0">
+                <a:latin typeface="Helvetica"/>
+                <a:cs typeface="Helvetica"/>
+              </a:rPr>
+              <a:t>, </a:t>
+            </a:r>
+            <a:r>
+              <a:rPr lang="en-US" sz="2800" dirty="0" err="1" smtClean="0">
+                <a:latin typeface="Helvetica"/>
+                <a:cs typeface="Helvetica"/>
+              </a:rPr>
+              <a:t>sed</a:t>
+            </a:r>
+            <a:r>
+              <a:rPr lang="en-US" sz="2800" dirty="0" smtClean="0">
+                <a:latin typeface="Helvetica"/>
+                <a:cs typeface="Helvetica"/>
+              </a:rPr>
+              <a:t> do </a:t>
+            </a:r>
+            <a:r>
+              <a:rPr lang="en-US" sz="2800" dirty="0" err="1" smtClean="0">
+                <a:latin typeface="Helvetica"/>
+                <a:cs typeface="Helvetica"/>
+              </a:rPr>
+              <a:t>eiusmod</a:t>
+            </a:r>
+            <a:r>
+              <a:rPr lang="en-US" sz="2800" dirty="0" smtClean="0">
+                <a:latin typeface="Helvetica"/>
+                <a:cs typeface="Helvetica"/>
+              </a:rPr>
+              <a:t> </a:t>
+            </a:r>
+            <a:r>
+              <a:rPr lang="en-US" sz="2800" dirty="0" err="1" smtClean="0">
+                <a:latin typeface="Helvetica"/>
+                <a:cs typeface="Helvetica"/>
+              </a:rPr>
+              <a:t>tempor</a:t>
+            </a:r>
+            <a:r>
+              <a:rPr lang="en-US" sz="2800" dirty="0" smtClean="0">
+                <a:latin typeface="Helvetica"/>
+                <a:cs typeface="Helvetica"/>
+              </a:rPr>
+              <a:t> </a:t>
+            </a:r>
+            <a:r>
+              <a:rPr lang="en-US" sz="2800" dirty="0" err="1" smtClean="0">
+                <a:latin typeface="Helvetica"/>
+                <a:cs typeface="Helvetica"/>
+              </a:rPr>
+              <a:t>incididunt</a:t>
+            </a:r>
+            <a:r>
+              <a:rPr lang="en-US" sz="2800" dirty="0" smtClean="0">
+                <a:latin typeface="Helvetica"/>
+                <a:cs typeface="Helvetica"/>
+              </a:rPr>
+              <a:t> </a:t>
+            </a:r>
+            <a:r>
+              <a:rPr lang="en-US" sz="2800" dirty="0" err="1" smtClean="0">
+                <a:latin typeface="Helvetica"/>
+                <a:cs typeface="Helvetica"/>
+              </a:rPr>
+              <a:t>ut</a:t>
+            </a:r>
+            <a:r>
+              <a:rPr lang="en-US" sz="2800" dirty="0" smtClean="0">
+                <a:latin typeface="Helvetica"/>
+                <a:cs typeface="Helvetica"/>
+              </a:rPr>
+              <a:t> </a:t>
+            </a:r>
+            <a:r>
+              <a:rPr lang="en-US" sz="2800" dirty="0" err="1" smtClean="0">
+                <a:latin typeface="Helvetica"/>
+                <a:cs typeface="Helvetica"/>
+              </a:rPr>
+              <a:t>labore</a:t>
+            </a:r>
+            <a:r>
+              <a:rPr lang="en-US" sz="2800" dirty="0" smtClean="0">
+                <a:latin typeface="Helvetica"/>
+                <a:cs typeface="Helvetica"/>
+              </a:rPr>
+              <a:t> et </a:t>
+            </a:r>
+            <a:r>
+              <a:rPr lang="en-US" sz="2800" dirty="0" err="1" smtClean="0">
+                <a:latin typeface="Helvetica"/>
+                <a:cs typeface="Helvetica"/>
+              </a:rPr>
+              <a:t>dolore</a:t>
+            </a:r>
+            <a:r>
+              <a:rPr lang="en-US" sz="2800" dirty="0" smtClean="0">
+                <a:latin typeface="Helvetica"/>
+                <a:cs typeface="Helvetica"/>
+              </a:rPr>
+              <a:t> </a:t>
+            </a:r>
+            <a:r>
+              <a:rPr lang="en-US" sz="2800" dirty="0" err="1" smtClean="0">
+                <a:latin typeface="Helvetica"/>
+                <a:cs typeface="Helvetica"/>
+              </a:rPr>
+              <a:t>sed</a:t>
+            </a:r>
+            <a:r>
+              <a:rPr lang="en-US" sz="2800" dirty="0" smtClean="0">
+                <a:latin typeface="Helvetica"/>
+                <a:cs typeface="Helvetica"/>
+              </a:rPr>
+              <a:t> do </a:t>
+            </a:r>
+            <a:r>
+              <a:rPr lang="en-US" sz="2800" dirty="0" err="1" smtClean="0">
+                <a:latin typeface="Helvetica"/>
+                <a:cs typeface="Helvetica"/>
+              </a:rPr>
+              <a:t>eiusmod</a:t>
+            </a:r>
+            <a:r>
+              <a:rPr lang="en-US" sz="2800" dirty="0" smtClean="0">
+                <a:latin typeface="Helvetica"/>
+                <a:cs typeface="Helvetica"/>
+              </a:rPr>
+              <a:t> </a:t>
+            </a:r>
+            <a:r>
+              <a:rPr lang="en-US" sz="2800" dirty="0" err="1" smtClean="0">
+                <a:latin typeface="Helvetica"/>
+                <a:cs typeface="Helvetica"/>
+              </a:rPr>
+              <a:t>tempor</a:t>
+            </a:r>
+            <a:r>
+              <a:rPr lang="en-US" sz="2800" dirty="0" smtClean="0">
+                <a:latin typeface="Helvetica"/>
+                <a:cs typeface="Helvetica"/>
+              </a:rPr>
+              <a:t> </a:t>
+            </a:r>
+            <a:r>
+              <a:rPr lang="en-US" sz="2800" dirty="0" err="1" smtClean="0">
+                <a:latin typeface="Helvetica"/>
+                <a:cs typeface="Helvetica"/>
+              </a:rPr>
+              <a:t>Lorem</a:t>
+            </a:r>
+            <a:r>
+              <a:rPr lang="en-US" sz="2800" dirty="0" smtClean="0">
+                <a:latin typeface="Helvetica"/>
+                <a:cs typeface="Helvetica"/>
+              </a:rPr>
+              <a:t> </a:t>
+            </a:r>
+            <a:r>
+              <a:rPr lang="en-US" sz="2800" dirty="0" err="1" smtClean="0">
+                <a:latin typeface="Helvetica"/>
+                <a:cs typeface="Helvetica"/>
+              </a:rPr>
+              <a:t>ipsum</a:t>
+            </a:r>
+            <a:r>
+              <a:rPr lang="en-US" sz="2800" dirty="0" smtClean="0">
+                <a:latin typeface="Helvetica"/>
+                <a:cs typeface="Helvetica"/>
+              </a:rPr>
+              <a:t> dolor sit </a:t>
+            </a:r>
+            <a:r>
+              <a:rPr lang="en-US" sz="2800" dirty="0" err="1" smtClean="0">
+                <a:latin typeface="Helvetica"/>
+                <a:cs typeface="Helvetica"/>
+              </a:rPr>
+              <a:t>amet</a:t>
+            </a:r>
+            <a:r>
+              <a:rPr lang="en-US" sz="2800" dirty="0" smtClean="0">
+                <a:latin typeface="Helvetica"/>
+                <a:cs typeface="Helvetica"/>
+              </a:rPr>
+              <a:t>, </a:t>
+            </a:r>
+            <a:r>
+              <a:rPr lang="en-US" sz="2800" dirty="0" err="1" smtClean="0">
+                <a:latin typeface="Helvetica"/>
+                <a:cs typeface="Helvetica"/>
+              </a:rPr>
+              <a:t>consectetur</a:t>
+            </a:r>
+            <a:r>
+              <a:rPr lang="en-US" sz="2800" dirty="0" smtClean="0">
+                <a:latin typeface="Helvetica"/>
+                <a:cs typeface="Helvetica"/>
+              </a:rPr>
+              <a:t> </a:t>
+            </a:r>
+            <a:r>
+              <a:rPr lang="en-US" sz="2800" dirty="0" err="1" smtClean="0">
+                <a:latin typeface="Helvetica"/>
+                <a:cs typeface="Helvetica"/>
+              </a:rPr>
+              <a:t>adipiscing</a:t>
+            </a:r>
+            <a:r>
+              <a:rPr lang="en-US" sz="2800" dirty="0" smtClean="0">
+                <a:latin typeface="Helvetica"/>
+                <a:cs typeface="Helvetica"/>
+              </a:rPr>
+              <a:t> </a:t>
+            </a:r>
+            <a:r>
+              <a:rPr lang="en-US" sz="2800" dirty="0" err="1" smtClean="0">
+                <a:latin typeface="Helvetica"/>
+                <a:cs typeface="Helvetica"/>
+              </a:rPr>
+              <a:t>elit</a:t>
+            </a:r>
+            <a:r>
+              <a:rPr lang="en-US" sz="2800" dirty="0" smtClean="0">
+                <a:latin typeface="Helvetica"/>
+                <a:cs typeface="Helvetica"/>
+              </a:rPr>
+              <a:t>, </a:t>
+            </a:r>
+            <a:r>
+              <a:rPr lang="en-US" sz="2800" dirty="0" err="1" smtClean="0">
+                <a:latin typeface="Helvetica"/>
+                <a:cs typeface="Helvetica"/>
+              </a:rPr>
+              <a:t>sed</a:t>
+            </a:r>
+            <a:r>
+              <a:rPr lang="en-US" sz="2800" dirty="0" smtClean="0">
+                <a:latin typeface="Helvetica"/>
+                <a:cs typeface="Helvetica"/>
+              </a:rPr>
+              <a:t> do </a:t>
+            </a:r>
+            <a:r>
+              <a:rPr lang="en-US" sz="2800" dirty="0" err="1" smtClean="0">
+                <a:latin typeface="Helvetica"/>
+                <a:cs typeface="Helvetica"/>
+              </a:rPr>
+              <a:t>eiusmod</a:t>
+            </a:r>
+            <a:r>
+              <a:rPr lang="en-US" sz="2800" dirty="0" smtClean="0">
+                <a:latin typeface="Helvetica"/>
+                <a:cs typeface="Helvetica"/>
+              </a:rPr>
+              <a:t> </a:t>
+            </a:r>
+            <a:r>
+              <a:rPr lang="en-US" sz="2800" dirty="0" err="1" smtClean="0">
+                <a:latin typeface="Helvetica"/>
+                <a:cs typeface="Helvetica"/>
+              </a:rPr>
+              <a:t>tempor</a:t>
+            </a:r>
+            <a:r>
+              <a:rPr lang="en-US" sz="2800" dirty="0" smtClean="0">
+                <a:latin typeface="Helvetica"/>
+                <a:cs typeface="Helvetica"/>
+              </a:rPr>
+              <a:t> </a:t>
+            </a:r>
+            <a:r>
+              <a:rPr lang="en-US" sz="2800" dirty="0" err="1" smtClean="0">
+                <a:latin typeface="Helvetica"/>
+                <a:cs typeface="Helvetica"/>
+              </a:rPr>
+              <a:t>incididunt</a:t>
+            </a:r>
+            <a:r>
+              <a:rPr lang="en-US" sz="2800" dirty="0" smtClean="0">
+                <a:latin typeface="Helvetica"/>
+                <a:cs typeface="Helvetica"/>
+              </a:rPr>
+              <a:t> </a:t>
+            </a:r>
+            <a:r>
+              <a:rPr lang="en-US" sz="2800" dirty="0" err="1" smtClean="0">
+                <a:latin typeface="Helvetica"/>
+                <a:cs typeface="Helvetica"/>
+              </a:rPr>
+              <a:t>ut</a:t>
+            </a:r>
+            <a:r>
+              <a:rPr lang="en-US" sz="2800" dirty="0" smtClean="0">
+                <a:latin typeface="Helvetica"/>
+                <a:cs typeface="Helvetica"/>
+              </a:rPr>
+              <a:t> </a:t>
+            </a:r>
+            <a:r>
+              <a:rPr lang="en-US" sz="2800" dirty="0" err="1" smtClean="0">
+                <a:latin typeface="Helvetica"/>
+                <a:cs typeface="Helvetica"/>
+              </a:rPr>
+              <a:t>labore</a:t>
+            </a:r>
+            <a:r>
+              <a:rPr lang="en-US" sz="2800" dirty="0" smtClean="0">
+                <a:latin typeface="Helvetica"/>
+                <a:cs typeface="Helvetica"/>
+              </a:rPr>
+              <a:t> et </a:t>
+            </a:r>
+            <a:r>
+              <a:rPr lang="en-US" sz="2800" dirty="0" err="1" smtClean="0">
+                <a:latin typeface="Helvetica"/>
+                <a:cs typeface="Helvetica"/>
+              </a:rPr>
+              <a:t>dolore</a:t>
+            </a:r>
+            <a:r>
+              <a:rPr lang="en-US" sz="2800" dirty="0" smtClean="0">
+                <a:latin typeface="Helvetica"/>
+                <a:cs typeface="Helvetica"/>
+              </a:rPr>
+              <a:t> </a:t>
+            </a:r>
+            <a:r>
+              <a:rPr lang="en-US" sz="2800" dirty="0" err="1" smtClean="0">
+                <a:latin typeface="Helvetica"/>
+                <a:cs typeface="Helvetica"/>
+              </a:rPr>
+              <a:t>sed</a:t>
+            </a:r>
+            <a:r>
+              <a:rPr lang="en-US" sz="2800" dirty="0" smtClean="0">
+                <a:latin typeface="Helvetica"/>
+                <a:cs typeface="Helvetica"/>
+              </a:rPr>
+              <a:t> do </a:t>
+            </a:r>
+            <a:r>
+              <a:rPr lang="en-US" sz="2800" dirty="0" err="1" smtClean="0">
+                <a:latin typeface="Helvetica"/>
+                <a:cs typeface="Helvetica"/>
+              </a:rPr>
+              <a:t>eiusmod</a:t>
+            </a:r>
+            <a:r>
+              <a:rPr lang="en-US" sz="2800" dirty="0" smtClean="0">
+                <a:latin typeface="Helvetica"/>
+                <a:cs typeface="Helvetica"/>
+              </a:rPr>
+              <a:t> </a:t>
+            </a:r>
+            <a:r>
+              <a:rPr lang="en-US" sz="2800" dirty="0" err="1" smtClean="0">
+                <a:latin typeface="Helvetica"/>
+                <a:cs typeface="Helvetica"/>
+              </a:rPr>
+              <a:t>tempor</a:t>
+            </a:r>
+            <a:r>
+              <a:rPr lang="en-US" sz="2800" dirty="0" smtClean="0">
+                <a:latin typeface="Helvetica"/>
+                <a:cs typeface="Helvetica"/>
+              </a:rPr>
+              <a:t> </a:t>
+            </a:r>
+            <a:r>
+              <a:rPr lang="en-US" sz="2800" dirty="0" err="1" smtClean="0">
+                <a:latin typeface="Helvetica"/>
+                <a:cs typeface="Helvetica"/>
+              </a:rPr>
+              <a:t>tempor</a:t>
+            </a:r>
+            <a:r>
+              <a:rPr lang="en-US" sz="2800" dirty="0" smtClean="0">
+                <a:latin typeface="Helvetica"/>
+                <a:cs typeface="Helvetica"/>
+              </a:rPr>
+              <a:t> </a:t>
+            </a:r>
+            <a:r>
+              <a:rPr lang="en-US" sz="2800" dirty="0" err="1" smtClean="0">
+                <a:latin typeface="Helvetica"/>
+                <a:cs typeface="Helvetica"/>
+              </a:rPr>
+              <a:t>incididunt</a:t>
+            </a:r>
+            <a:r>
+              <a:rPr lang="en-US" sz="2800" dirty="0" smtClean="0">
+                <a:latin typeface="Helvetica"/>
+                <a:cs typeface="Helvetica"/>
+              </a:rPr>
+              <a:t> </a:t>
+            </a:r>
+            <a:r>
+              <a:rPr lang="en-US" sz="2800" dirty="0" err="1" smtClean="0">
+                <a:latin typeface="Helvetica"/>
+                <a:cs typeface="Helvetica"/>
+              </a:rPr>
+              <a:t>ut</a:t>
+            </a:r>
+            <a:r>
+              <a:rPr lang="en-US" sz="2800" dirty="0" smtClean="0">
+                <a:latin typeface="Helvetica"/>
+                <a:cs typeface="Helvetica"/>
+              </a:rPr>
+              <a:t> </a:t>
+            </a:r>
+            <a:r>
+              <a:rPr lang="en-US" sz="2800" dirty="0" err="1" smtClean="0">
+                <a:latin typeface="Helvetica"/>
+                <a:cs typeface="Helvetica"/>
+              </a:rPr>
+              <a:t>labore</a:t>
+            </a:r>
+            <a:r>
+              <a:rPr lang="en-US" sz="2800" dirty="0" smtClean="0">
+                <a:latin typeface="Helvetica"/>
+                <a:cs typeface="Helvetica"/>
+              </a:rPr>
+              <a:t> et. </a:t>
+            </a:r>
+            <a:r>
+              <a:rPr lang="en-US" sz="2800" dirty="0" err="1" smtClean="0">
+                <a:latin typeface="Helvetica"/>
+                <a:cs typeface="Helvetica"/>
+              </a:rPr>
+              <a:t>Lorem</a:t>
+            </a:r>
+            <a:r>
+              <a:rPr lang="en-US" sz="2800" dirty="0" smtClean="0">
+                <a:latin typeface="Helvetica"/>
+                <a:cs typeface="Helvetica"/>
+              </a:rPr>
+              <a:t> </a:t>
+            </a:r>
+            <a:r>
+              <a:rPr lang="en-US" sz="2800" dirty="0" err="1" smtClean="0">
+                <a:latin typeface="Helvetica"/>
+                <a:cs typeface="Helvetica"/>
+              </a:rPr>
+              <a:t>ipsum</a:t>
+            </a:r>
+            <a:r>
+              <a:rPr lang="en-US" sz="2800" dirty="0" smtClean="0">
+                <a:latin typeface="Helvetica"/>
+                <a:cs typeface="Helvetica"/>
+              </a:rPr>
+              <a:t> dolor sit </a:t>
+            </a:r>
+            <a:r>
+              <a:rPr lang="en-US" sz="2800" dirty="0" err="1" smtClean="0">
+                <a:latin typeface="Helvetica"/>
+                <a:cs typeface="Helvetica"/>
+              </a:rPr>
+              <a:t>amet</a:t>
+            </a:r>
+            <a:r>
+              <a:rPr lang="en-US" sz="2800" dirty="0" smtClean="0">
+                <a:latin typeface="Helvetica"/>
+                <a:cs typeface="Helvetica"/>
+              </a:rPr>
+              <a:t>, </a:t>
+            </a:r>
+            <a:r>
+              <a:rPr lang="en-US" sz="2800" dirty="0" err="1" smtClean="0">
+                <a:latin typeface="Helvetica"/>
+                <a:cs typeface="Helvetica"/>
+              </a:rPr>
+              <a:t>consectetur</a:t>
+            </a:r>
+            <a:r>
+              <a:rPr lang="en-US" sz="2800" dirty="0" smtClean="0">
+                <a:latin typeface="Helvetica"/>
+                <a:cs typeface="Helvetica"/>
+              </a:rPr>
+              <a:t> </a:t>
+            </a:r>
+            <a:r>
+              <a:rPr lang="en-US" sz="2800" dirty="0" err="1" smtClean="0">
+                <a:latin typeface="Helvetica"/>
+                <a:cs typeface="Helvetica"/>
+              </a:rPr>
+              <a:t>adipiscing</a:t>
+            </a:r>
+            <a:r>
+              <a:rPr lang="en-US" sz="2800" dirty="0" smtClean="0">
+                <a:latin typeface="Helvetica"/>
+                <a:cs typeface="Helvetica"/>
+              </a:rPr>
+              <a:t> </a:t>
+            </a:r>
+            <a:r>
+              <a:rPr lang="en-US" sz="2800" dirty="0" err="1" smtClean="0">
+                <a:latin typeface="Helvetica"/>
+                <a:cs typeface="Helvetica"/>
+              </a:rPr>
+              <a:t>elit</a:t>
+            </a:r>
+            <a:r>
+              <a:rPr lang="en-US" sz="2800" dirty="0" smtClean="0">
+                <a:latin typeface="Helvetica"/>
+                <a:cs typeface="Helvetica"/>
+              </a:rPr>
+              <a:t>, </a:t>
+            </a:r>
+            <a:r>
+              <a:rPr lang="en-US" sz="2800" dirty="0" err="1" smtClean="0">
+                <a:latin typeface="Helvetica"/>
+                <a:cs typeface="Helvetica"/>
+              </a:rPr>
+              <a:t>sed</a:t>
+            </a:r>
+            <a:r>
+              <a:rPr lang="en-US" sz="2800" dirty="0" smtClean="0">
+                <a:latin typeface="Helvetica"/>
+                <a:cs typeface="Helvetica"/>
+              </a:rPr>
+              <a:t> do. </a:t>
+            </a:r>
+            <a:r>
+              <a:rPr lang="en-US" sz="2800" dirty="0" err="1" smtClean="0">
+                <a:latin typeface="Helvetica"/>
+                <a:cs typeface="Helvetica"/>
+              </a:rPr>
+              <a:t>incididunt</a:t>
+            </a:r>
+            <a:r>
+              <a:rPr lang="en-US" sz="2800" dirty="0" smtClean="0">
+                <a:latin typeface="Helvetica"/>
+                <a:cs typeface="Helvetica"/>
+              </a:rPr>
+              <a:t> </a:t>
+            </a:r>
+            <a:r>
+              <a:rPr lang="en-US" sz="2800" dirty="0" err="1" smtClean="0">
+                <a:latin typeface="Helvetica"/>
+                <a:cs typeface="Helvetica"/>
+              </a:rPr>
+              <a:t>ut</a:t>
+            </a:r>
+            <a:r>
+              <a:rPr lang="en-US" sz="2800" dirty="0" smtClean="0">
+                <a:latin typeface="Helvetica"/>
+                <a:cs typeface="Helvetica"/>
+              </a:rPr>
+              <a:t> </a:t>
+            </a:r>
+            <a:r>
+              <a:rPr lang="en-US" sz="2800" dirty="0" err="1" smtClean="0">
+                <a:latin typeface="Helvetica"/>
+                <a:cs typeface="Helvetica"/>
+              </a:rPr>
+              <a:t>labore</a:t>
+            </a:r>
+            <a:r>
+              <a:rPr lang="en-US" sz="2800" dirty="0" smtClean="0">
+                <a:latin typeface="Helvetica"/>
+                <a:cs typeface="Helvetica"/>
+              </a:rPr>
+              <a:t> et </a:t>
+            </a:r>
+            <a:r>
+              <a:rPr lang="en-US" sz="2800" dirty="0" err="1" smtClean="0">
+                <a:latin typeface="Helvetica"/>
+                <a:cs typeface="Helvetica"/>
+              </a:rPr>
+              <a:t>dolore</a:t>
+            </a:r>
+            <a:r>
+              <a:rPr lang="en-US" sz="2800" dirty="0" smtClean="0">
+                <a:latin typeface="Helvetica"/>
+                <a:cs typeface="Helvetica"/>
+              </a:rPr>
+              <a:t> </a:t>
+            </a:r>
+            <a:r>
+              <a:rPr lang="en-US" sz="2800" dirty="0" err="1" smtClean="0">
+                <a:latin typeface="Helvetica"/>
+                <a:cs typeface="Helvetica"/>
+              </a:rPr>
+              <a:t>sed</a:t>
+            </a:r>
+            <a:r>
+              <a:rPr lang="en-US" sz="2800" dirty="0" smtClean="0">
+                <a:latin typeface="Helvetica"/>
+                <a:cs typeface="Helvetica"/>
+              </a:rPr>
+              <a:t> do </a:t>
+            </a:r>
+            <a:r>
+              <a:rPr lang="en-US" sz="2800" dirty="0" err="1" smtClean="0">
+                <a:latin typeface="Helvetica"/>
+                <a:cs typeface="Helvetica"/>
+              </a:rPr>
+              <a:t>eiusmod</a:t>
+            </a:r>
+            <a:r>
+              <a:rPr lang="en-US" sz="2800" dirty="0" smtClean="0">
+                <a:latin typeface="Helvetica"/>
+                <a:cs typeface="Helvetica"/>
+              </a:rPr>
+              <a:t> </a:t>
+            </a:r>
+            <a:r>
+              <a:rPr lang="en-US" sz="2800" dirty="0" err="1" smtClean="0">
+                <a:latin typeface="Helvetica"/>
+                <a:cs typeface="Helvetica"/>
+              </a:rPr>
+              <a:t>tempor</a:t>
+            </a:r>
+            <a:r>
+              <a:rPr lang="en-US" sz="2800" dirty="0" smtClean="0">
+                <a:latin typeface="Helvetica"/>
+                <a:cs typeface="Helvetica"/>
+              </a:rPr>
+              <a:t> </a:t>
+            </a:r>
+            <a:r>
+              <a:rPr lang="en-US" sz="2800" dirty="0" err="1" smtClean="0">
+                <a:latin typeface="Helvetica"/>
+                <a:cs typeface="Helvetica"/>
+              </a:rPr>
+              <a:t>tempor</a:t>
+            </a:r>
+            <a:r>
+              <a:rPr lang="en-US" sz="2800" dirty="0" smtClean="0">
+                <a:latin typeface="Helvetica"/>
+                <a:cs typeface="Helvetica"/>
+              </a:rPr>
+              <a:t> </a:t>
+            </a:r>
+            <a:r>
+              <a:rPr lang="en-US" sz="2800" dirty="0" err="1" smtClean="0">
+                <a:latin typeface="Helvetica"/>
+                <a:cs typeface="Helvetica"/>
+              </a:rPr>
+              <a:t>incididunt</a:t>
+            </a:r>
+            <a:r>
+              <a:rPr lang="en-US" sz="2800" dirty="0" smtClean="0">
+                <a:latin typeface="Helvetica"/>
+                <a:cs typeface="Helvetica"/>
+              </a:rPr>
+              <a:t> </a:t>
+            </a:r>
+            <a:r>
+              <a:rPr lang="en-US" sz="2800" dirty="0" err="1" smtClean="0">
+                <a:latin typeface="Helvetica"/>
+                <a:cs typeface="Helvetica"/>
+              </a:rPr>
+              <a:t>ut</a:t>
+            </a:r>
+            <a:r>
+              <a:rPr lang="en-US" sz="2800" dirty="0" smtClean="0">
+                <a:latin typeface="Helvetica"/>
+                <a:cs typeface="Helvetica"/>
+              </a:rPr>
+              <a:t> </a:t>
+            </a:r>
+            <a:r>
+              <a:rPr lang="en-US" sz="2800" dirty="0" err="1" smtClean="0">
+                <a:latin typeface="Helvetica"/>
+                <a:cs typeface="Helvetica"/>
+              </a:rPr>
+              <a:t>labore</a:t>
+            </a:r>
+            <a:r>
+              <a:rPr lang="en-US" sz="2800" dirty="0" smtClean="0">
+                <a:latin typeface="Helvetica"/>
+                <a:cs typeface="Helvetica"/>
+              </a:rPr>
+              <a:t> et. </a:t>
+            </a:r>
+            <a:r>
+              <a:rPr lang="en-US" sz="2800" dirty="0" err="1" smtClean="0">
+                <a:latin typeface="Helvetica"/>
+                <a:cs typeface="Helvetica"/>
+              </a:rPr>
+              <a:t>Lorem</a:t>
+            </a:r>
+            <a:r>
+              <a:rPr lang="en-US" sz="2800" dirty="0" smtClean="0">
+                <a:latin typeface="Helvetica"/>
+                <a:cs typeface="Helvetica"/>
+              </a:rPr>
+              <a:t> </a:t>
+            </a:r>
+            <a:r>
+              <a:rPr lang="en-US" sz="2800" dirty="0" err="1" smtClean="0">
+                <a:latin typeface="Helvetica"/>
+                <a:cs typeface="Helvetica"/>
+              </a:rPr>
+              <a:t>ipsum</a:t>
+            </a:r>
+            <a:r>
+              <a:rPr lang="en-US" sz="2800" dirty="0" smtClean="0">
+                <a:latin typeface="Helvetica"/>
+                <a:cs typeface="Helvetica"/>
+              </a:rPr>
+              <a:t> dolor sit </a:t>
+            </a:r>
+            <a:r>
+              <a:rPr lang="en-US" sz="2800" dirty="0" err="1" smtClean="0">
+                <a:latin typeface="Helvetica"/>
+                <a:cs typeface="Helvetica"/>
+              </a:rPr>
+              <a:t>amet</a:t>
+            </a:r>
+            <a:r>
+              <a:rPr lang="en-US" sz="2800" dirty="0" smtClean="0">
+                <a:latin typeface="Helvetica"/>
+                <a:cs typeface="Helvetica"/>
+              </a:rPr>
+              <a:t>, </a:t>
+            </a:r>
+            <a:r>
+              <a:rPr lang="en-US" sz="2800" dirty="0" err="1" smtClean="0">
+                <a:latin typeface="Helvetica"/>
+                <a:cs typeface="Helvetica"/>
+              </a:rPr>
+              <a:t>consectetur</a:t>
+            </a:r>
+            <a:r>
+              <a:rPr lang="en-US" sz="2800" dirty="0" smtClean="0">
+                <a:latin typeface="Helvetica"/>
+                <a:cs typeface="Helvetica"/>
+              </a:rPr>
+              <a:t> </a:t>
+            </a:r>
+            <a:r>
+              <a:rPr lang="en-US" sz="2800" dirty="0" err="1" smtClean="0">
+                <a:latin typeface="Helvetica"/>
+                <a:cs typeface="Helvetica"/>
+              </a:rPr>
+              <a:t>adipiscing</a:t>
+            </a:r>
+            <a:r>
+              <a:rPr lang="en-US" sz="2800" dirty="0" smtClean="0">
+                <a:latin typeface="Helvetica"/>
+                <a:cs typeface="Helvetica"/>
+              </a:rPr>
+              <a:t> </a:t>
+            </a:r>
+            <a:r>
+              <a:rPr lang="en-US" sz="2800" dirty="0" err="1" smtClean="0">
+                <a:latin typeface="Helvetica"/>
+                <a:cs typeface="Helvetica"/>
+              </a:rPr>
+              <a:t>elit</a:t>
+            </a:r>
+            <a:r>
+              <a:rPr lang="en-US" sz="2800" dirty="0" smtClean="0">
+                <a:latin typeface="Helvetica"/>
+                <a:cs typeface="Helvetica"/>
+              </a:rPr>
+              <a:t>, </a:t>
+            </a:r>
+            <a:r>
+              <a:rPr lang="en-US" sz="2800" dirty="0" err="1" smtClean="0">
+                <a:latin typeface="Helvetica"/>
+                <a:cs typeface="Helvetica"/>
+              </a:rPr>
+              <a:t>sed</a:t>
+            </a:r>
+            <a:r>
+              <a:rPr lang="en-US" sz="2800" dirty="0" smtClean="0">
+                <a:latin typeface="Helvetica"/>
+                <a:cs typeface="Helvetica"/>
+              </a:rPr>
+              <a:t> do. </a:t>
+            </a:r>
+            <a:r>
+              <a:rPr lang="en-US" sz="2800" dirty="0" err="1" smtClean="0">
+                <a:latin typeface="Helvetica"/>
+                <a:cs typeface="Helvetica"/>
+              </a:rPr>
+              <a:t>Lorem</a:t>
+            </a:r>
+            <a:r>
+              <a:rPr lang="en-US" sz="2800" dirty="0" smtClean="0">
+                <a:latin typeface="Helvetica"/>
+                <a:cs typeface="Helvetica"/>
+              </a:rPr>
+              <a:t> </a:t>
+            </a:r>
+            <a:r>
+              <a:rPr lang="en-US" sz="2800" dirty="0" err="1" smtClean="0">
+                <a:latin typeface="Helvetica"/>
+                <a:cs typeface="Helvetica"/>
+              </a:rPr>
+              <a:t>ipsum</a:t>
+            </a:r>
+            <a:r>
+              <a:rPr lang="en-US" sz="2800" dirty="0" smtClean="0">
+                <a:latin typeface="Helvetica"/>
+                <a:cs typeface="Helvetica"/>
+              </a:rPr>
+              <a:t> dolor sit </a:t>
+            </a:r>
+            <a:r>
+              <a:rPr lang="en-US" sz="2800" dirty="0" err="1" smtClean="0">
+                <a:latin typeface="Helvetica"/>
+                <a:cs typeface="Helvetica"/>
+              </a:rPr>
+              <a:t>amet</a:t>
+            </a:r>
+            <a:r>
+              <a:rPr lang="en-US" sz="2800" dirty="0" smtClean="0">
+                <a:latin typeface="Helvetica"/>
+                <a:cs typeface="Helvetica"/>
+              </a:rPr>
+              <a:t>, </a:t>
+            </a:r>
+            <a:r>
+              <a:rPr lang="en-US" sz="2800" dirty="0" err="1" smtClean="0">
+                <a:latin typeface="Helvetica"/>
+                <a:cs typeface="Helvetica"/>
+              </a:rPr>
+              <a:t>consectetur</a:t>
+            </a:r>
+            <a:r>
+              <a:rPr lang="en-US" sz="2800" dirty="0" smtClean="0">
+                <a:latin typeface="Helvetica"/>
+                <a:cs typeface="Helvetica"/>
+              </a:rPr>
+              <a:t> </a:t>
+            </a:r>
+            <a:r>
+              <a:rPr lang="en-US" sz="2800" dirty="0" err="1" smtClean="0">
+                <a:latin typeface="Helvetica"/>
+                <a:cs typeface="Helvetica"/>
+              </a:rPr>
+              <a:t>adipiscing</a:t>
+            </a:r>
+            <a:r>
+              <a:rPr lang="en-US" sz="2800" dirty="0" smtClean="0">
+                <a:latin typeface="Helvetica"/>
+                <a:cs typeface="Helvetica"/>
+              </a:rPr>
+              <a:t> </a:t>
+            </a:r>
+            <a:r>
+              <a:rPr lang="en-US" sz="2800" dirty="0" err="1" smtClean="0">
+                <a:latin typeface="Helvetica"/>
+                <a:cs typeface="Helvetica"/>
+              </a:rPr>
+              <a:t>elit</a:t>
+            </a:r>
+            <a:r>
+              <a:rPr lang="en-US" sz="2800" dirty="0" smtClean="0">
+                <a:latin typeface="Helvetica"/>
+                <a:cs typeface="Helvetica"/>
+              </a:rPr>
+              <a:t>, </a:t>
+            </a:r>
+            <a:r>
+              <a:rPr lang="en-US" sz="2800" dirty="0" err="1" smtClean="0">
+                <a:latin typeface="Helvetica"/>
+                <a:cs typeface="Helvetica"/>
+              </a:rPr>
+              <a:t>sed</a:t>
+            </a:r>
+            <a:r>
+              <a:rPr lang="en-US" sz="2800" dirty="0" smtClean="0">
+                <a:latin typeface="Helvetica"/>
+                <a:cs typeface="Helvetica"/>
+              </a:rPr>
+              <a:t> do. </a:t>
+            </a:r>
+            <a:r>
+              <a:rPr lang="en-US" sz="2800" dirty="0" err="1" smtClean="0">
+                <a:latin typeface="Helvetica"/>
+                <a:cs typeface="Helvetica"/>
+              </a:rPr>
+              <a:t>incididunt</a:t>
+            </a:r>
+            <a:r>
+              <a:rPr lang="en-US" sz="2800" dirty="0" smtClean="0">
+                <a:latin typeface="Helvetica"/>
+                <a:cs typeface="Helvetica"/>
+              </a:rPr>
+              <a:t> </a:t>
+            </a:r>
+            <a:r>
+              <a:rPr lang="en-US" sz="2800" dirty="0" err="1" smtClean="0">
+                <a:latin typeface="Helvetica"/>
+                <a:cs typeface="Helvetica"/>
+              </a:rPr>
+              <a:t>ut</a:t>
+            </a:r>
+            <a:r>
+              <a:rPr lang="en-US" sz="2800" dirty="0" smtClean="0">
+                <a:latin typeface="Helvetica"/>
+                <a:cs typeface="Helvetica"/>
+              </a:rPr>
+              <a:t> </a:t>
+            </a:r>
+            <a:r>
+              <a:rPr lang="en-US" sz="2800" dirty="0" err="1" smtClean="0">
+                <a:latin typeface="Helvetica"/>
+                <a:cs typeface="Helvetica"/>
+              </a:rPr>
+              <a:t>labore</a:t>
+            </a:r>
+            <a:r>
+              <a:rPr lang="en-US" sz="2800" dirty="0" smtClean="0">
+                <a:latin typeface="Helvetica"/>
+                <a:cs typeface="Helvetica"/>
+              </a:rPr>
+              <a:t> et </a:t>
+            </a:r>
+            <a:r>
+              <a:rPr lang="en-US" sz="2800" dirty="0" err="1" smtClean="0">
+                <a:latin typeface="Helvetica"/>
+                <a:cs typeface="Helvetica"/>
+              </a:rPr>
+              <a:t>dolore</a:t>
+            </a:r>
+            <a:r>
+              <a:rPr lang="en-US" sz="2800" dirty="0" smtClean="0">
+                <a:latin typeface="Helvetica"/>
+                <a:cs typeface="Helvetica"/>
+              </a:rPr>
+              <a:t> </a:t>
+            </a:r>
+            <a:r>
+              <a:rPr lang="en-US" sz="2800" dirty="0" err="1" smtClean="0">
+                <a:latin typeface="Helvetica"/>
+                <a:cs typeface="Helvetica"/>
+              </a:rPr>
+              <a:t>sed</a:t>
+            </a:r>
+            <a:r>
+              <a:rPr lang="en-US" sz="2800" dirty="0" smtClean="0">
+                <a:latin typeface="Helvetica"/>
+                <a:cs typeface="Helvetica"/>
+              </a:rPr>
+              <a:t> do </a:t>
+            </a:r>
+            <a:r>
+              <a:rPr lang="en-US" sz="2800" dirty="0" err="1" smtClean="0">
+                <a:latin typeface="Helvetica"/>
+                <a:cs typeface="Helvetica"/>
+              </a:rPr>
+              <a:t>eiusmod</a:t>
+            </a:r>
+            <a:r>
+              <a:rPr lang="en-US" sz="2800" dirty="0" smtClean="0">
+                <a:latin typeface="Helvetica"/>
+                <a:cs typeface="Helvetica"/>
+              </a:rPr>
+              <a:t> </a:t>
+            </a:r>
+            <a:r>
+              <a:rPr lang="en-US" sz="2800" dirty="0" err="1" smtClean="0">
+                <a:latin typeface="Helvetica"/>
+                <a:cs typeface="Helvetica"/>
+              </a:rPr>
+              <a:t>tempor</a:t>
+            </a:r>
+            <a:r>
+              <a:rPr lang="en-US" sz="2800" dirty="0" smtClean="0">
+                <a:latin typeface="Helvetica"/>
+                <a:cs typeface="Helvetica"/>
+              </a:rPr>
+              <a:t> </a:t>
+            </a:r>
+            <a:r>
+              <a:rPr lang="en-US" sz="2800" dirty="0" err="1" smtClean="0">
+                <a:latin typeface="Helvetica"/>
+                <a:cs typeface="Helvetica"/>
+              </a:rPr>
+              <a:t>tempor</a:t>
+            </a:r>
+            <a:r>
+              <a:rPr lang="en-US" sz="2800" dirty="0" smtClean="0">
+                <a:latin typeface="Helvetica"/>
+                <a:cs typeface="Helvetica"/>
+              </a:rPr>
+              <a:t> </a:t>
+            </a:r>
+            <a:r>
+              <a:rPr lang="en-US" sz="2800" dirty="0" err="1" smtClean="0">
+                <a:latin typeface="Helvetica"/>
+                <a:cs typeface="Helvetica"/>
+              </a:rPr>
+              <a:t>incididunt</a:t>
+            </a:r>
+            <a:r>
+              <a:rPr lang="en-US" sz="2800" dirty="0" smtClean="0">
+                <a:latin typeface="Helvetica"/>
+                <a:cs typeface="Helvetica"/>
+              </a:rPr>
+              <a:t> </a:t>
+            </a:r>
+            <a:r>
+              <a:rPr lang="en-US" sz="2800" dirty="0" err="1" smtClean="0">
+                <a:latin typeface="Helvetica"/>
+                <a:cs typeface="Helvetica"/>
+              </a:rPr>
+              <a:t>ut</a:t>
+            </a:r>
+            <a:r>
+              <a:rPr lang="en-US" sz="2800" dirty="0" smtClean="0">
+                <a:latin typeface="Helvetica"/>
+                <a:cs typeface="Helvetica"/>
+              </a:rPr>
+              <a:t> </a:t>
+            </a:r>
+            <a:r>
+              <a:rPr lang="en-US" sz="2800" dirty="0" err="1" smtClean="0">
+                <a:latin typeface="Helvetica"/>
+                <a:cs typeface="Helvetica"/>
+              </a:rPr>
+              <a:t>labore</a:t>
+            </a:r>
+            <a:r>
+              <a:rPr lang="en-US" sz="2800" dirty="0" smtClean="0">
+                <a:latin typeface="Helvetica"/>
+                <a:cs typeface="Helvetica"/>
+              </a:rPr>
+              <a:t> et. </a:t>
+            </a:r>
+            <a:r>
+              <a:rPr lang="en-US" sz="2800" dirty="0" err="1" smtClean="0">
+                <a:latin typeface="Helvetica"/>
+                <a:cs typeface="Helvetica"/>
+              </a:rPr>
+              <a:t>Lorem</a:t>
+            </a:r>
+            <a:r>
+              <a:rPr lang="en-US" sz="2800" dirty="0" smtClean="0">
+                <a:latin typeface="Helvetica"/>
+                <a:cs typeface="Helvetica"/>
+              </a:rPr>
+              <a:t> </a:t>
+            </a:r>
+            <a:r>
+              <a:rPr lang="en-US" sz="2800" dirty="0" err="1" smtClean="0">
+                <a:latin typeface="Helvetica"/>
+                <a:cs typeface="Helvetica"/>
+              </a:rPr>
+              <a:t>ipsum</a:t>
+            </a:r>
+            <a:r>
+              <a:rPr lang="en-US" sz="2800" dirty="0" smtClean="0">
+                <a:latin typeface="Helvetica"/>
+                <a:cs typeface="Helvetica"/>
+              </a:rPr>
+              <a:t> dolor sit </a:t>
+            </a:r>
+            <a:r>
+              <a:rPr lang="en-US" sz="2800" dirty="0" err="1" smtClean="0">
+                <a:latin typeface="Helvetica"/>
+                <a:cs typeface="Helvetica"/>
+              </a:rPr>
+              <a:t>amet</a:t>
+            </a:r>
+            <a:r>
+              <a:rPr lang="en-US" sz="2800" dirty="0" smtClean="0">
+                <a:latin typeface="Helvetica"/>
+                <a:cs typeface="Helvetica"/>
+              </a:rPr>
+              <a:t>, </a:t>
+            </a:r>
+            <a:r>
+              <a:rPr lang="en-US" sz="2800" dirty="0" err="1" smtClean="0">
+                <a:latin typeface="Helvetica"/>
+                <a:cs typeface="Helvetica"/>
+              </a:rPr>
+              <a:t>consectetur</a:t>
+            </a:r>
+            <a:r>
+              <a:rPr lang="en-US" sz="2800" dirty="0" smtClean="0">
+                <a:latin typeface="Helvetica"/>
+                <a:cs typeface="Helvetica"/>
+              </a:rPr>
+              <a:t> </a:t>
+            </a:r>
+            <a:r>
+              <a:rPr lang="en-US" sz="2800" dirty="0" err="1" smtClean="0">
+                <a:latin typeface="Helvetica"/>
+                <a:cs typeface="Helvetica"/>
+              </a:rPr>
+              <a:t>adipiscing</a:t>
+            </a:r>
+            <a:r>
+              <a:rPr lang="en-US" sz="2800" dirty="0" smtClean="0">
+                <a:latin typeface="Helvetica"/>
+                <a:cs typeface="Helvetica"/>
+              </a:rPr>
+              <a:t> </a:t>
+            </a:r>
+            <a:r>
+              <a:rPr lang="en-US" sz="2800" dirty="0" err="1" smtClean="0">
+                <a:latin typeface="Helvetica"/>
+                <a:cs typeface="Helvetica"/>
+              </a:rPr>
+              <a:t>elit</a:t>
+            </a:r>
+            <a:r>
+              <a:rPr lang="en-US" sz="2800" dirty="0" smtClean="0">
+                <a:latin typeface="Helvetica"/>
+                <a:cs typeface="Helvetica"/>
+              </a:rPr>
+              <a:t>, </a:t>
+            </a:r>
+            <a:r>
+              <a:rPr lang="en-US" sz="2800" dirty="0" err="1" smtClean="0">
+                <a:latin typeface="Helvetica"/>
+                <a:cs typeface="Helvetica"/>
+              </a:rPr>
+              <a:t>sed</a:t>
+            </a:r>
+            <a:r>
+              <a:rPr lang="en-US" sz="2800" dirty="0" smtClean="0">
+                <a:latin typeface="Helvetica"/>
+                <a:cs typeface="Helvetica"/>
+              </a:rPr>
+              <a:t> do. </a:t>
+            </a:r>
+            <a:r>
+              <a:rPr lang="en-US" sz="2800" dirty="0" err="1" smtClean="0">
+                <a:latin typeface="Helvetica"/>
+                <a:cs typeface="Helvetica"/>
+              </a:rPr>
+              <a:t>Lorem</a:t>
+            </a:r>
+            <a:r>
+              <a:rPr lang="en-US" sz="2800" dirty="0" smtClean="0">
+                <a:latin typeface="Helvetica"/>
+                <a:cs typeface="Helvetica"/>
+              </a:rPr>
+              <a:t> </a:t>
+            </a:r>
+            <a:r>
+              <a:rPr lang="en-US" sz="2800" dirty="0" err="1" smtClean="0">
+                <a:latin typeface="Helvetica"/>
+                <a:cs typeface="Helvetica"/>
+              </a:rPr>
+              <a:t>ipsum</a:t>
+            </a:r>
+            <a:r>
+              <a:rPr lang="en-US" sz="2800" dirty="0" smtClean="0">
+                <a:latin typeface="Helvetica"/>
+                <a:cs typeface="Helvetica"/>
+              </a:rPr>
+              <a:t> dolor sit </a:t>
+            </a:r>
+            <a:r>
+              <a:rPr lang="en-US" sz="2800" dirty="0" err="1" smtClean="0">
+                <a:latin typeface="Helvetica"/>
+                <a:cs typeface="Helvetica"/>
+              </a:rPr>
+              <a:t>amet</a:t>
+            </a:r>
+            <a:r>
+              <a:rPr lang="en-US" sz="2800" dirty="0" smtClean="0">
+                <a:latin typeface="Helvetica"/>
+                <a:cs typeface="Helvetica"/>
+              </a:rPr>
+              <a:t>, </a:t>
+            </a:r>
+            <a:r>
+              <a:rPr lang="en-US" sz="2800" dirty="0" err="1" smtClean="0">
+                <a:latin typeface="Helvetica"/>
+                <a:cs typeface="Helvetica"/>
+              </a:rPr>
+              <a:t>consectetur</a:t>
+            </a:r>
+            <a:r>
+              <a:rPr lang="en-US" sz="2800" dirty="0" smtClean="0">
+                <a:latin typeface="Helvetica"/>
+                <a:cs typeface="Helvetica"/>
+              </a:rPr>
+              <a:t> </a:t>
+            </a:r>
+            <a:r>
+              <a:rPr lang="en-US" sz="2800" dirty="0" err="1" smtClean="0">
+                <a:latin typeface="Helvetica"/>
+                <a:cs typeface="Helvetica"/>
+              </a:rPr>
+              <a:t>adipiscing</a:t>
+            </a:r>
+            <a:r>
+              <a:rPr lang="en-US" sz="2800" dirty="0" smtClean="0">
+                <a:latin typeface="Helvetica"/>
+                <a:cs typeface="Helvetica"/>
+              </a:rPr>
+              <a:t> </a:t>
+            </a:r>
+            <a:r>
+              <a:rPr lang="en-US" sz="2800" dirty="0" err="1" smtClean="0">
+                <a:latin typeface="Helvetica"/>
+                <a:cs typeface="Helvetica"/>
+              </a:rPr>
+              <a:t>elit</a:t>
+            </a:r>
+            <a:r>
+              <a:rPr lang="en-US" sz="2800" dirty="0" smtClean="0">
+                <a:latin typeface="Helvetica"/>
+                <a:cs typeface="Helvetica"/>
+              </a:rPr>
+              <a:t>, </a:t>
+            </a:r>
+            <a:r>
+              <a:rPr lang="en-US" sz="2800" dirty="0" err="1" smtClean="0">
+                <a:latin typeface="Helvetica"/>
+                <a:cs typeface="Helvetica"/>
+              </a:rPr>
+              <a:t>sed</a:t>
+            </a:r>
+            <a:r>
+              <a:rPr lang="en-US" sz="2800" dirty="0" smtClean="0">
+                <a:latin typeface="Helvetica"/>
+                <a:cs typeface="Helvetica"/>
+              </a:rPr>
+              <a:t> do. </a:t>
+            </a:r>
+            <a:r>
+              <a:rPr lang="en-US" sz="2800" dirty="0" err="1" smtClean="0">
+                <a:latin typeface="Helvetica"/>
+                <a:cs typeface="Helvetica"/>
+              </a:rPr>
+              <a:t>incididunt</a:t>
+            </a:r>
+            <a:r>
+              <a:rPr lang="en-US" sz="2800" dirty="0" smtClean="0">
+                <a:latin typeface="Helvetica"/>
+                <a:cs typeface="Helvetica"/>
+              </a:rPr>
+              <a:t> </a:t>
+            </a:r>
+            <a:r>
+              <a:rPr lang="en-US" sz="2800" dirty="0" err="1" smtClean="0">
+                <a:latin typeface="Helvetica"/>
+                <a:cs typeface="Helvetica"/>
+              </a:rPr>
+              <a:t>ut</a:t>
+            </a:r>
+            <a:endParaRPr lang="en-US" sz="2800" dirty="0">
+              <a:latin typeface="Helvetica"/>
+              <a:cs typeface="Helvetica"/>
+            </a:endParaRPr>
+          </a:p>
+        </p:txBody>
+      </p:sp>
+      <p:sp>
+        <p:nvSpPr>
+          <p:cNvPr id="31" name="TextBox 30"/>
+          <p:cNvSpPr txBox="1"/>
+          <p:nvPr/>
+        </p:nvSpPr>
+        <p:spPr>
+          <a:xfrm>
+            <a:off x="17321489" y="20639715"/>
+            <a:ext cx="6232476" cy="4446262"/>
+          </a:xfrm>
+          <a:prstGeom prst="rect">
+            <a:avLst/>
+          </a:prstGeom>
+          <a:noFill/>
+          <a:ln w="28575" cmpd="sng">
+            <a:noFill/>
+          </a:ln>
+        </p:spPr>
+        <p:txBody>
+          <a:bodyPr wrap="square" lIns="329104" tIns="164551" rIns="329104" bIns="164551" rtlCol="0">
+            <a:spAutoFit/>
+          </a:bodyPr>
+          <a:lstStyle/>
+          <a:p>
+            <a:pPr>
+              <a:lnSpc>
+                <a:spcPct val="90000"/>
+              </a:lnSpc>
+            </a:pPr>
+            <a:r>
+              <a:rPr lang="en-US" sz="4400" b="1" dirty="0" smtClean="0">
+                <a:latin typeface="Helvetica"/>
+                <a:cs typeface="Helvetica"/>
+              </a:rPr>
+              <a:t>Disadvantages</a:t>
+            </a:r>
+          </a:p>
+          <a:p>
+            <a:pPr>
+              <a:lnSpc>
+                <a:spcPct val="90000"/>
+              </a:lnSpc>
+            </a:pPr>
+            <a:endParaRPr lang="en-US" sz="1400" dirty="0">
+              <a:latin typeface="Helvetica"/>
+              <a:cs typeface="Helvetica"/>
+            </a:endParaRPr>
+          </a:p>
+          <a:p>
+            <a:pPr marL="457200" indent="-457200">
+              <a:lnSpc>
+                <a:spcPct val="110000"/>
+              </a:lnSpc>
+              <a:buFont typeface="Arial"/>
+              <a:buChar char="•"/>
+            </a:pPr>
+            <a:r>
+              <a:rPr lang="en-US" sz="2800" dirty="0">
+                <a:latin typeface="Helvetica"/>
+                <a:cs typeface="Helvetica"/>
+              </a:rPr>
+              <a:t>Maintaining the repository structure as the University </a:t>
+            </a:r>
+            <a:r>
+              <a:rPr lang="en-US" sz="2800" dirty="0" smtClean="0">
+                <a:latin typeface="Helvetica"/>
+                <a:cs typeface="Helvetica"/>
+              </a:rPr>
+              <a:t>evolves</a:t>
+            </a:r>
+          </a:p>
+          <a:p>
+            <a:pPr marL="457200" indent="-457200">
+              <a:lnSpc>
+                <a:spcPct val="110000"/>
+              </a:lnSpc>
+              <a:buFont typeface="Arial"/>
+              <a:buChar char="•"/>
+            </a:pPr>
+            <a:r>
+              <a:rPr lang="en-US" sz="2800" dirty="0">
+                <a:latin typeface="Helvetica"/>
+                <a:cs typeface="Helvetica"/>
+              </a:rPr>
+              <a:t>Educating users on the concept of Smart </a:t>
+            </a:r>
+            <a:r>
+              <a:rPr lang="en-US" sz="2800" dirty="0" smtClean="0">
+                <a:latin typeface="Helvetica"/>
+                <a:cs typeface="Helvetica"/>
+              </a:rPr>
+              <a:t>Collections</a:t>
+            </a:r>
+          </a:p>
+          <a:p>
+            <a:pPr marL="457200" indent="-457200">
+              <a:lnSpc>
+                <a:spcPct val="110000"/>
+              </a:lnSpc>
+              <a:buFont typeface="Arial"/>
+              <a:buChar char="•"/>
+            </a:pPr>
+            <a:r>
+              <a:rPr lang="en-US" sz="2800" dirty="0">
+                <a:latin typeface="Helvetica"/>
+                <a:cs typeface="Helvetica"/>
+              </a:rPr>
+              <a:t>Two classes of user: faculty and staff</a:t>
+            </a:r>
+            <a:endParaRPr lang="en-US" sz="2800" dirty="0" smtClean="0">
+              <a:latin typeface="Helvetica"/>
+              <a:cs typeface="Helvetica"/>
+            </a:endParaRPr>
+          </a:p>
+        </p:txBody>
+      </p:sp>
+      <p:pic>
+        <p:nvPicPr>
+          <p:cNvPr id="3" name="Picture 2" descr="fullpagelarge.png"/>
+          <p:cNvPicPr>
+            <a:picLocks noChangeAspect="1"/>
+          </p:cNvPicPr>
+          <p:nvPr/>
+        </p:nvPicPr>
+        <p:blipFill>
+          <a:blip r:embed="rId4">
+            <a:extLst>
+              <a:ext uri="{28A0092B-C50C-407E-A947-70E740481C1C}">
+                <a14:useLocalDpi xmlns:a14="http://schemas.microsoft.com/office/drawing/2010/main" val="0"/>
+              </a:ext>
+            </a:extLst>
+          </a:blip>
+          <a:stretch>
+            <a:fillRect/>
+          </a:stretch>
+        </p:blipFill>
+        <p:spPr>
+          <a:xfrm>
+            <a:off x="965202" y="14665662"/>
+            <a:ext cx="9563097" cy="10017508"/>
+          </a:xfrm>
+          <a:prstGeom prst="rect">
+            <a:avLst/>
+          </a:prstGeom>
+        </p:spPr>
+      </p:pic>
+      <p:pic>
+        <p:nvPicPr>
+          <p:cNvPr id="2" name="Picture 1" descr="Cerberus_Logo.jpg"/>
+          <p:cNvPicPr>
+            <a:picLocks noChangeAspect="1"/>
+          </p:cNvPicPr>
+          <p:nvPr/>
+        </p:nvPicPr>
+        <p:blipFill>
+          <a:blip r:embed="rId5">
+            <a:extLst>
+              <a:ext uri="{28A0092B-C50C-407E-A947-70E740481C1C}">
+                <a14:useLocalDpi xmlns:a14="http://schemas.microsoft.com/office/drawing/2010/main" val="0"/>
+              </a:ext>
+            </a:extLst>
+          </a:blip>
+          <a:stretch>
+            <a:fillRect/>
+          </a:stretch>
+        </p:blipFill>
+        <p:spPr>
+          <a:xfrm>
+            <a:off x="28416288" y="20639716"/>
+            <a:ext cx="2371257" cy="1832335"/>
+          </a:xfrm>
+          <a:prstGeom prst="rect">
+            <a:avLst/>
+          </a:prstGeom>
+        </p:spPr>
+      </p:pic>
+      <p:sp>
+        <p:nvSpPr>
+          <p:cNvPr id="34" name="TextBox 33"/>
+          <p:cNvSpPr txBox="1"/>
+          <p:nvPr/>
+        </p:nvSpPr>
+        <p:spPr>
+          <a:xfrm>
+            <a:off x="21622511" y="14421788"/>
+            <a:ext cx="9637776" cy="5868189"/>
+          </a:xfrm>
+          <a:prstGeom prst="rect">
+            <a:avLst/>
+          </a:prstGeom>
+          <a:noFill/>
+          <a:ln w="28575" cmpd="sng">
+            <a:noFill/>
+          </a:ln>
+        </p:spPr>
+        <p:txBody>
+          <a:bodyPr wrap="square" lIns="329104" tIns="164551" rIns="329104" bIns="164551" rtlCol="0">
+            <a:spAutoFit/>
+          </a:bodyPr>
+          <a:lstStyle/>
+          <a:p>
+            <a:pPr>
+              <a:lnSpc>
+                <a:spcPct val="90000"/>
+              </a:lnSpc>
+            </a:pPr>
+            <a:r>
+              <a:rPr lang="en-US" sz="4400" b="1" dirty="0" smtClean="0">
+                <a:latin typeface="Helvetica"/>
+                <a:cs typeface="Helvetica"/>
+              </a:rPr>
+              <a:t>User Education</a:t>
+            </a:r>
+          </a:p>
+          <a:p>
+            <a:pPr>
+              <a:lnSpc>
+                <a:spcPct val="90000"/>
+              </a:lnSpc>
+            </a:pPr>
+            <a:endParaRPr lang="en-US" sz="1400" dirty="0">
+              <a:latin typeface="Helvetica"/>
+              <a:cs typeface="Helvetica"/>
+            </a:endParaRPr>
+          </a:p>
+          <a:p>
+            <a:pPr>
+              <a:lnSpc>
+                <a:spcPct val="110000"/>
+              </a:lnSpc>
+            </a:pPr>
+            <a:r>
+              <a:rPr lang="en-US" sz="2800" dirty="0" err="1">
+                <a:latin typeface="Helvetica"/>
+                <a:cs typeface="Helvetica"/>
+              </a:rPr>
+              <a:t>Lorem</a:t>
+            </a:r>
+            <a:r>
+              <a:rPr lang="en-US" sz="2800" dirty="0">
+                <a:latin typeface="Helvetica"/>
+                <a:cs typeface="Helvetica"/>
+              </a:rPr>
+              <a:t> </a:t>
+            </a:r>
+            <a:r>
+              <a:rPr lang="en-US" sz="2800" dirty="0" err="1">
+                <a:latin typeface="Helvetica"/>
+                <a:cs typeface="Helvetica"/>
+              </a:rPr>
+              <a:t>ipsum</a:t>
+            </a:r>
+            <a:r>
+              <a:rPr lang="en-US" sz="2800" dirty="0">
+                <a:latin typeface="Helvetica"/>
+                <a:cs typeface="Helvetica"/>
+              </a:rPr>
+              <a:t> dolor sit </a:t>
+            </a:r>
+            <a:r>
+              <a:rPr lang="en-US" sz="2800" dirty="0" err="1">
+                <a:latin typeface="Helvetica"/>
+                <a:cs typeface="Helvetica"/>
+              </a:rPr>
+              <a:t>amet</a:t>
+            </a:r>
+            <a:r>
+              <a:rPr lang="en-US" sz="2800" dirty="0">
+                <a:latin typeface="Helvetica"/>
+                <a:cs typeface="Helvetica"/>
+              </a:rPr>
+              <a:t>, </a:t>
+            </a:r>
+            <a:r>
+              <a:rPr lang="en-US" sz="2800" dirty="0" err="1">
+                <a:latin typeface="Helvetica"/>
+                <a:cs typeface="Helvetica"/>
+              </a:rPr>
+              <a:t>consectetur</a:t>
+            </a:r>
+            <a:r>
+              <a:rPr lang="en-US" sz="2800" dirty="0">
+                <a:latin typeface="Helvetica"/>
+                <a:cs typeface="Helvetica"/>
+              </a:rPr>
+              <a:t> </a:t>
+            </a:r>
+            <a:r>
+              <a:rPr lang="en-US" sz="2800" dirty="0" err="1">
+                <a:latin typeface="Helvetica"/>
+                <a:cs typeface="Helvetica"/>
+              </a:rPr>
+              <a:t>adipiscing</a:t>
+            </a:r>
+            <a:r>
+              <a:rPr lang="en-US" sz="2800" dirty="0">
+                <a:latin typeface="Helvetica"/>
+                <a:cs typeface="Helvetica"/>
+              </a:rPr>
+              <a:t> </a:t>
+            </a:r>
+            <a:r>
+              <a:rPr lang="en-US" sz="2800" dirty="0" err="1">
+                <a:latin typeface="Helvetica"/>
+                <a:cs typeface="Helvetica"/>
+              </a:rPr>
+              <a:t>elit</a:t>
+            </a:r>
+            <a:r>
+              <a:rPr lang="en-US" sz="2800" dirty="0">
+                <a:latin typeface="Helvetica"/>
+                <a:cs typeface="Helvetica"/>
+              </a:rPr>
+              <a:t>, </a:t>
+            </a:r>
+            <a:r>
+              <a:rPr lang="en-US" sz="2800" dirty="0" err="1">
+                <a:latin typeface="Helvetica"/>
+                <a:cs typeface="Helvetica"/>
+              </a:rPr>
+              <a:t>sed</a:t>
+            </a:r>
+            <a:r>
+              <a:rPr lang="en-US" sz="2800" dirty="0">
+                <a:latin typeface="Helvetica"/>
+                <a:cs typeface="Helvetica"/>
+              </a:rPr>
+              <a:t> do </a:t>
+            </a:r>
+            <a:r>
+              <a:rPr lang="en-US" sz="2800" dirty="0" err="1">
+                <a:latin typeface="Helvetica"/>
+                <a:cs typeface="Helvetica"/>
+              </a:rPr>
+              <a:t>eiusmod</a:t>
+            </a:r>
+            <a:r>
+              <a:rPr lang="en-US" sz="2800" dirty="0">
+                <a:latin typeface="Helvetica"/>
+                <a:cs typeface="Helvetica"/>
+              </a:rPr>
+              <a:t> </a:t>
+            </a:r>
+            <a:r>
+              <a:rPr lang="en-US" sz="2800" dirty="0" err="1">
+                <a:latin typeface="Helvetica"/>
+                <a:cs typeface="Helvetica"/>
+              </a:rPr>
+              <a:t>tempor</a:t>
+            </a:r>
+            <a:r>
+              <a:rPr lang="en-US" sz="2800" dirty="0">
+                <a:latin typeface="Helvetica"/>
+                <a:cs typeface="Helvetica"/>
+              </a:rPr>
+              <a:t> </a:t>
+            </a:r>
+            <a:r>
+              <a:rPr lang="en-US" sz="2800" dirty="0" err="1">
+                <a:latin typeface="Helvetica"/>
+                <a:cs typeface="Helvetica"/>
+              </a:rPr>
+              <a:t>incididunt</a:t>
+            </a:r>
+            <a:r>
+              <a:rPr lang="en-US" sz="2800" dirty="0">
+                <a:latin typeface="Helvetica"/>
+                <a:cs typeface="Helvetica"/>
+              </a:rPr>
+              <a:t> </a:t>
+            </a:r>
+            <a:r>
+              <a:rPr lang="en-US" sz="2800" dirty="0" err="1">
+                <a:latin typeface="Helvetica"/>
+                <a:cs typeface="Helvetica"/>
+              </a:rPr>
+              <a:t>ut</a:t>
+            </a:r>
+            <a:r>
+              <a:rPr lang="en-US" sz="2800" dirty="0">
+                <a:latin typeface="Helvetica"/>
+                <a:cs typeface="Helvetica"/>
+              </a:rPr>
+              <a:t> </a:t>
+            </a:r>
+            <a:r>
+              <a:rPr lang="en-US" sz="2800" dirty="0" err="1">
+                <a:latin typeface="Helvetica"/>
+                <a:cs typeface="Helvetica"/>
+              </a:rPr>
+              <a:t>labore</a:t>
+            </a:r>
+            <a:r>
+              <a:rPr lang="en-US" sz="2800" dirty="0">
+                <a:latin typeface="Helvetica"/>
+                <a:cs typeface="Helvetica"/>
+              </a:rPr>
+              <a:t> et </a:t>
+            </a:r>
+            <a:r>
+              <a:rPr lang="en-US" sz="2800" dirty="0" err="1">
+                <a:latin typeface="Helvetica"/>
+                <a:cs typeface="Helvetica"/>
+              </a:rPr>
+              <a:t>dolore</a:t>
+            </a:r>
+            <a:r>
+              <a:rPr lang="en-US" sz="2800" dirty="0">
+                <a:latin typeface="Helvetica"/>
+                <a:cs typeface="Helvetica"/>
+              </a:rPr>
+              <a:t> </a:t>
+            </a:r>
+            <a:r>
+              <a:rPr lang="en-US" sz="2800" dirty="0" smtClean="0">
+                <a:latin typeface="Helvetica"/>
+                <a:cs typeface="Helvetica"/>
+              </a:rPr>
+              <a:t>magna </a:t>
+            </a:r>
+            <a:r>
+              <a:rPr lang="en-US" sz="2800" dirty="0" err="1" smtClean="0">
+                <a:latin typeface="Helvetica"/>
+                <a:cs typeface="Helvetica"/>
+              </a:rPr>
+              <a:t>aliqua</a:t>
+            </a:r>
+            <a:r>
+              <a:rPr lang="en-US" sz="2800" dirty="0" smtClean="0">
+                <a:latin typeface="Helvetica"/>
+                <a:cs typeface="Helvetica"/>
+              </a:rPr>
+              <a:t> </a:t>
+            </a:r>
+            <a:r>
+              <a:rPr lang="en-US" sz="2800" dirty="0">
+                <a:latin typeface="Helvetica"/>
+                <a:cs typeface="Helvetica"/>
+              </a:rPr>
+              <a:t>magna </a:t>
+            </a:r>
+            <a:r>
+              <a:rPr lang="en-US" sz="2800" dirty="0" err="1" smtClean="0">
+                <a:latin typeface="Helvetica"/>
+                <a:cs typeface="Helvetica"/>
+              </a:rPr>
+              <a:t>aliqua</a:t>
+            </a:r>
+            <a:r>
+              <a:rPr lang="en-US" sz="2800" dirty="0">
+                <a:latin typeface="Helvetica"/>
+                <a:cs typeface="Helvetica"/>
+              </a:rPr>
+              <a:t> </a:t>
+            </a:r>
+            <a:r>
+              <a:rPr lang="en-US" sz="2800" dirty="0" err="1" smtClean="0">
+                <a:latin typeface="Helvetica"/>
+                <a:cs typeface="Helvetica"/>
+              </a:rPr>
+              <a:t>incididunt</a:t>
+            </a:r>
+            <a:r>
+              <a:rPr lang="en-US" sz="2800" dirty="0" smtClean="0">
+                <a:latin typeface="Helvetica"/>
+                <a:cs typeface="Helvetica"/>
+              </a:rPr>
+              <a:t> </a:t>
+            </a:r>
+            <a:r>
+              <a:rPr lang="en-US" sz="2800" dirty="0" err="1">
+                <a:latin typeface="Helvetica"/>
+                <a:cs typeface="Helvetica"/>
+              </a:rPr>
+              <a:t>ut</a:t>
+            </a:r>
+            <a:r>
+              <a:rPr lang="en-US" sz="2800" dirty="0">
+                <a:latin typeface="Helvetica"/>
+                <a:cs typeface="Helvetica"/>
+              </a:rPr>
+              <a:t> </a:t>
+            </a:r>
+            <a:r>
+              <a:rPr lang="en-US" sz="2800" dirty="0" err="1">
+                <a:latin typeface="Helvetica"/>
+                <a:cs typeface="Helvetica"/>
+              </a:rPr>
+              <a:t>labore</a:t>
+            </a:r>
+            <a:r>
+              <a:rPr lang="en-US" sz="2800" dirty="0">
+                <a:latin typeface="Helvetica"/>
+                <a:cs typeface="Helvetica"/>
+              </a:rPr>
+              <a:t> et </a:t>
+            </a:r>
+            <a:r>
+              <a:rPr lang="en-US" sz="2800" dirty="0" err="1">
+                <a:latin typeface="Helvetica"/>
+                <a:cs typeface="Helvetica"/>
+              </a:rPr>
+              <a:t>dolore</a:t>
+            </a:r>
+            <a:r>
+              <a:rPr lang="en-US" sz="2800" dirty="0">
+                <a:latin typeface="Helvetica"/>
+                <a:cs typeface="Helvetica"/>
+              </a:rPr>
+              <a:t> magna </a:t>
+            </a:r>
+            <a:r>
+              <a:rPr lang="en-US" sz="2800" dirty="0" err="1">
+                <a:latin typeface="Helvetica"/>
+                <a:cs typeface="Helvetica"/>
+              </a:rPr>
+              <a:t>aliqua</a:t>
+            </a:r>
+            <a:r>
+              <a:rPr lang="en-US" sz="2800" dirty="0">
+                <a:latin typeface="Helvetica"/>
+                <a:cs typeface="Helvetica"/>
+              </a:rPr>
+              <a:t> magna </a:t>
+            </a:r>
+            <a:r>
+              <a:rPr lang="en-US" sz="2800" dirty="0" err="1" smtClean="0">
+                <a:latin typeface="Helvetica"/>
+                <a:cs typeface="Helvetica"/>
+              </a:rPr>
+              <a:t>aliqua</a:t>
+            </a:r>
+            <a:r>
+              <a:rPr lang="en-US" sz="2800" dirty="0" smtClean="0">
+                <a:latin typeface="Helvetica"/>
+                <a:cs typeface="Helvetica"/>
+              </a:rPr>
+              <a:t> </a:t>
+            </a:r>
+            <a:r>
+              <a:rPr lang="en-US" sz="2800" dirty="0">
+                <a:latin typeface="Helvetica"/>
+                <a:cs typeface="Helvetica"/>
+              </a:rPr>
+              <a:t>magna </a:t>
+            </a:r>
+            <a:r>
+              <a:rPr lang="en-US" sz="2800" dirty="0" err="1" smtClean="0">
+                <a:latin typeface="Helvetica"/>
+                <a:cs typeface="Helvetica"/>
+              </a:rPr>
+              <a:t>aliqua</a:t>
+            </a:r>
+            <a:r>
+              <a:rPr lang="en-US" sz="2800" dirty="0">
                 <a:latin typeface="Helvetica"/>
                 <a:cs typeface="Helvetica"/>
               </a:rPr>
               <a:t>. </a:t>
             </a:r>
             <a:r>
-              <a:rPr lang="en-US" sz="3200" dirty="0" err="1">
-                <a:latin typeface="Helvetica"/>
-                <a:cs typeface="Helvetica"/>
-              </a:rPr>
-              <a:t>Ut</a:t>
-            </a:r>
-            <a:r>
-              <a:rPr lang="en-US" sz="3200" dirty="0">
-                <a:latin typeface="Helvetica"/>
-                <a:cs typeface="Helvetica"/>
-              </a:rPr>
-              <a:t> </a:t>
-            </a:r>
-            <a:r>
-              <a:rPr lang="en-US" sz="3200" dirty="0" err="1">
-                <a:latin typeface="Helvetica"/>
-                <a:cs typeface="Helvetica"/>
-              </a:rPr>
-              <a:t>enim</a:t>
-            </a:r>
-            <a:r>
-              <a:rPr lang="en-US" sz="3200" dirty="0">
-                <a:latin typeface="Helvetica"/>
-                <a:cs typeface="Helvetica"/>
-              </a:rPr>
-              <a:t> ad minim </a:t>
-            </a:r>
-            <a:r>
-              <a:rPr lang="en-US" sz="3200" dirty="0" err="1">
-                <a:latin typeface="Helvetica"/>
-                <a:cs typeface="Helvetica"/>
-              </a:rPr>
-              <a:t>veniam</a:t>
-            </a:r>
-            <a:r>
-              <a:rPr lang="en-US" sz="3200" dirty="0">
+              <a:rPr lang="en-US" sz="2800" dirty="0" err="1">
+                <a:latin typeface="Helvetica"/>
+                <a:cs typeface="Helvetica"/>
+              </a:rPr>
+              <a:t>Lorem</a:t>
+            </a:r>
+            <a:r>
+              <a:rPr lang="en-US" sz="2800" dirty="0">
+                <a:latin typeface="Helvetica"/>
+                <a:cs typeface="Helvetica"/>
+              </a:rPr>
+              <a:t> </a:t>
+            </a:r>
+            <a:r>
+              <a:rPr lang="en-US" sz="2800" dirty="0" err="1">
+                <a:latin typeface="Helvetica"/>
+                <a:cs typeface="Helvetica"/>
+              </a:rPr>
+              <a:t>ipsum</a:t>
+            </a:r>
+            <a:r>
+              <a:rPr lang="en-US" sz="2800" dirty="0">
+                <a:latin typeface="Helvetica"/>
+                <a:cs typeface="Helvetica"/>
+              </a:rPr>
+              <a:t> dolor sit </a:t>
+            </a:r>
+            <a:r>
+              <a:rPr lang="en-US" sz="2800" dirty="0" err="1">
+                <a:latin typeface="Helvetica"/>
+                <a:cs typeface="Helvetica"/>
+              </a:rPr>
+              <a:t>amet</a:t>
+            </a:r>
+            <a:r>
+              <a:rPr lang="en-US" sz="2800" dirty="0">
                 <a:latin typeface="Helvetica"/>
                 <a:cs typeface="Helvetica"/>
               </a:rPr>
               <a:t>, </a:t>
             </a:r>
             <a:r>
-              <a:rPr lang="en-US" sz="3200" dirty="0" err="1">
-                <a:latin typeface="Helvetica"/>
-                <a:cs typeface="Helvetica"/>
-              </a:rPr>
-              <a:t>quis</a:t>
-            </a:r>
-            <a:r>
-              <a:rPr lang="en-US" sz="3200" dirty="0">
-                <a:latin typeface="Helvetica"/>
-                <a:cs typeface="Helvetica"/>
-              </a:rPr>
-              <a:t> </a:t>
-            </a:r>
-            <a:r>
-              <a:rPr lang="en-US" sz="3200" dirty="0" err="1">
-                <a:latin typeface="Helvetica"/>
-                <a:cs typeface="Helvetica"/>
-              </a:rPr>
-              <a:t>nostrud</a:t>
-            </a:r>
-            <a:r>
-              <a:rPr lang="en-US" sz="3200" dirty="0">
-                <a:latin typeface="Helvetica"/>
-                <a:cs typeface="Helvetica"/>
-              </a:rPr>
-              <a:t> exercitation </a:t>
-            </a:r>
-            <a:r>
-              <a:rPr lang="en-US" sz="3200" dirty="0" err="1">
-                <a:latin typeface="Helvetica"/>
-                <a:cs typeface="Helvetica"/>
-              </a:rPr>
-              <a:t>ullamco</a:t>
-            </a:r>
-            <a:r>
-              <a:rPr lang="en-US" sz="3200" dirty="0">
-                <a:latin typeface="Helvetica"/>
-                <a:cs typeface="Helvetica"/>
-              </a:rPr>
-              <a:t> </a:t>
-            </a:r>
-            <a:r>
-              <a:rPr lang="en-US" sz="3200" dirty="0" err="1">
-                <a:latin typeface="Helvetica"/>
-                <a:cs typeface="Helvetica"/>
-              </a:rPr>
-              <a:t>laboris</a:t>
-            </a:r>
-            <a:r>
-              <a:rPr lang="en-US" sz="3200" dirty="0">
-                <a:latin typeface="Helvetica"/>
-                <a:cs typeface="Helvetica"/>
-              </a:rPr>
-              <a:t> nisi </a:t>
-            </a:r>
-            <a:r>
-              <a:rPr lang="en-US" sz="3200" dirty="0" err="1">
+              <a:rPr lang="en-US" sz="2800" dirty="0" err="1">
+                <a:latin typeface="Helvetica"/>
+                <a:cs typeface="Helvetica"/>
+              </a:rPr>
+              <a:t>consectetur</a:t>
+            </a:r>
+            <a:r>
+              <a:rPr lang="en-US" sz="2800" dirty="0">
+                <a:latin typeface="Helvetica"/>
+                <a:cs typeface="Helvetica"/>
+              </a:rPr>
+              <a:t> </a:t>
+            </a:r>
+            <a:r>
+              <a:rPr lang="en-US" sz="2800" dirty="0" err="1">
+                <a:latin typeface="Helvetica"/>
+                <a:cs typeface="Helvetica"/>
+              </a:rPr>
+              <a:t>adipiscing</a:t>
+            </a:r>
+            <a:r>
+              <a:rPr lang="en-US" sz="2800" dirty="0">
+                <a:latin typeface="Helvetica"/>
+                <a:cs typeface="Helvetica"/>
+              </a:rPr>
+              <a:t> </a:t>
+            </a:r>
+            <a:r>
+              <a:rPr lang="en-US" sz="2800" dirty="0" err="1">
+                <a:latin typeface="Helvetica"/>
+                <a:cs typeface="Helvetica"/>
+              </a:rPr>
+              <a:t>elit</a:t>
+            </a:r>
+            <a:r>
+              <a:rPr lang="en-US" sz="2800" dirty="0">
+                <a:latin typeface="Helvetica"/>
+                <a:cs typeface="Helvetica"/>
+              </a:rPr>
+              <a:t>, </a:t>
+            </a:r>
+            <a:r>
+              <a:rPr lang="en-US" sz="2800" dirty="0" err="1">
+                <a:latin typeface="Helvetica"/>
+                <a:cs typeface="Helvetica"/>
+              </a:rPr>
+              <a:t>sed</a:t>
+            </a:r>
+            <a:r>
+              <a:rPr lang="en-US" sz="2800" dirty="0">
+                <a:latin typeface="Helvetica"/>
+                <a:cs typeface="Helvetica"/>
+              </a:rPr>
+              <a:t> do </a:t>
+            </a:r>
+            <a:r>
+              <a:rPr lang="en-US" sz="2800" dirty="0" err="1">
+                <a:latin typeface="Helvetica"/>
+                <a:cs typeface="Helvetica"/>
+              </a:rPr>
+              <a:t>eiusmod</a:t>
+            </a:r>
+            <a:r>
+              <a:rPr lang="en-US" sz="2800" dirty="0">
+                <a:latin typeface="Helvetica"/>
+                <a:cs typeface="Helvetica"/>
+              </a:rPr>
+              <a:t> </a:t>
+            </a:r>
+            <a:r>
+              <a:rPr lang="en-US" sz="2800" dirty="0" err="1">
+                <a:latin typeface="Helvetica"/>
+                <a:cs typeface="Helvetica"/>
+              </a:rPr>
+              <a:t>tempor</a:t>
+            </a:r>
+            <a:r>
+              <a:rPr lang="en-US" sz="2800" dirty="0">
+                <a:latin typeface="Helvetica"/>
+                <a:cs typeface="Helvetica"/>
+              </a:rPr>
+              <a:t> </a:t>
+            </a:r>
+            <a:r>
+              <a:rPr lang="en-US" sz="2800" dirty="0" err="1">
+                <a:latin typeface="Helvetica"/>
+                <a:cs typeface="Helvetica"/>
+              </a:rPr>
+              <a:t>incididunt</a:t>
+            </a:r>
+            <a:r>
+              <a:rPr lang="en-US" sz="2800" dirty="0">
+                <a:latin typeface="Helvetica"/>
+                <a:cs typeface="Helvetica"/>
+              </a:rPr>
+              <a:t> </a:t>
+            </a:r>
+            <a:r>
+              <a:rPr lang="en-US" sz="2800" dirty="0" err="1">
                 <a:latin typeface="Helvetica"/>
                 <a:cs typeface="Helvetica"/>
               </a:rPr>
               <a:t>ut</a:t>
             </a:r>
             <a:r>
-              <a:rPr lang="en-US" sz="3200" dirty="0">
-                <a:latin typeface="Helvetica"/>
-                <a:cs typeface="Helvetica"/>
-              </a:rPr>
-              <a:t> </a:t>
-            </a:r>
-            <a:r>
-              <a:rPr lang="en-US" sz="3200" dirty="0" err="1">
-                <a:latin typeface="Helvetica"/>
-                <a:cs typeface="Helvetica"/>
-              </a:rPr>
-              <a:t>aliquip</a:t>
-            </a:r>
-            <a:r>
-              <a:rPr lang="en-US" sz="3200" dirty="0">
-                <a:latin typeface="Helvetica"/>
-                <a:cs typeface="Helvetica"/>
-              </a:rPr>
-              <a:t> ex </a:t>
-            </a:r>
-            <a:r>
-              <a:rPr lang="en-US" sz="3200" dirty="0" err="1">
-                <a:latin typeface="Helvetica"/>
-                <a:cs typeface="Helvetica"/>
-              </a:rPr>
-              <a:t>ea</a:t>
-            </a:r>
-            <a:r>
-              <a:rPr lang="en-US" sz="3200" dirty="0">
-                <a:latin typeface="Helvetica"/>
-                <a:cs typeface="Helvetica"/>
-              </a:rPr>
-              <a:t> </a:t>
-            </a:r>
-            <a:r>
-              <a:rPr lang="en-US" sz="3200" dirty="0" err="1">
-                <a:latin typeface="Helvetica"/>
-                <a:cs typeface="Helvetica"/>
-              </a:rPr>
-              <a:t>commodo</a:t>
-            </a:r>
-            <a:r>
-              <a:rPr lang="en-US" sz="3200" dirty="0">
-                <a:latin typeface="Helvetica"/>
-                <a:cs typeface="Helvetica"/>
-              </a:rPr>
-              <a:t> </a:t>
-            </a:r>
-            <a:r>
-              <a:rPr lang="en-US" sz="3200" dirty="0" err="1">
-                <a:latin typeface="Helvetica"/>
-                <a:cs typeface="Helvetica"/>
-              </a:rPr>
-              <a:t>consequat</a:t>
-            </a:r>
-            <a:r>
-              <a:rPr lang="en-US" sz="3200" dirty="0" smtClean="0">
-                <a:latin typeface="Helvetica"/>
-                <a:cs typeface="Helvetica"/>
-              </a:rPr>
-              <a:t>. </a:t>
-            </a:r>
-            <a:r>
-              <a:rPr lang="en-US" sz="3200" dirty="0" err="1">
+              <a:rPr lang="en-US" sz="2800" dirty="0">
+                <a:latin typeface="Helvetica"/>
+                <a:cs typeface="Helvetica"/>
+              </a:rPr>
+              <a:t> </a:t>
+            </a:r>
+            <a:r>
+              <a:rPr lang="en-US" sz="2800" dirty="0" err="1">
+                <a:latin typeface="Helvetica"/>
+                <a:cs typeface="Helvetica"/>
+              </a:rPr>
+              <a:t>labore</a:t>
+            </a:r>
+            <a:r>
+              <a:rPr lang="en-US" sz="2800" dirty="0">
+                <a:latin typeface="Helvetica"/>
+                <a:cs typeface="Helvetica"/>
+              </a:rPr>
+              <a:t> et </a:t>
+            </a:r>
+            <a:r>
+              <a:rPr lang="en-US" sz="2800" dirty="0" err="1">
+                <a:latin typeface="Helvetica"/>
+                <a:cs typeface="Helvetica"/>
+              </a:rPr>
+              <a:t>dolore</a:t>
+            </a:r>
+            <a:r>
+              <a:rPr lang="en-US" sz="2800" dirty="0">
+                <a:latin typeface="Helvetica"/>
+                <a:cs typeface="Helvetica"/>
+              </a:rPr>
+              <a:t> magna </a:t>
+            </a:r>
+            <a:r>
+              <a:rPr lang="en-US" sz="2800" dirty="0" err="1">
+                <a:latin typeface="Helvetica"/>
+                <a:cs typeface="Helvetica"/>
+              </a:rPr>
+              <a:t>aliqua</a:t>
+            </a:r>
+            <a:r>
+              <a:rPr lang="en-US" sz="2800" dirty="0">
+                <a:latin typeface="Helvetica"/>
+                <a:cs typeface="Helvetica"/>
+              </a:rPr>
+              <a:t> magna </a:t>
+            </a:r>
+            <a:r>
+              <a:rPr lang="en-US" sz="2800" dirty="0" err="1">
+                <a:latin typeface="Helvetica"/>
+                <a:cs typeface="Helvetica"/>
+              </a:rPr>
+              <a:t>aliqua</a:t>
+            </a:r>
+            <a:r>
+              <a:rPr lang="en-US" sz="2800" dirty="0">
+                <a:latin typeface="Helvetica"/>
+                <a:cs typeface="Helvetica"/>
+              </a:rPr>
+              <a:t> </a:t>
+            </a:r>
+            <a:r>
+              <a:rPr lang="en-US" sz="2800" dirty="0" err="1">
+                <a:latin typeface="Helvetica"/>
+                <a:cs typeface="Helvetica"/>
+              </a:rPr>
+              <a:t>incididunt</a:t>
+            </a:r>
+            <a:r>
+              <a:rPr lang="en-US" sz="2800" dirty="0">
+                <a:latin typeface="Helvetica"/>
+                <a:cs typeface="Helvetica"/>
+              </a:rPr>
+              <a:t> </a:t>
+            </a:r>
+            <a:r>
+              <a:rPr lang="en-US" sz="2800" dirty="0" err="1">
                 <a:latin typeface="Helvetica"/>
                 <a:cs typeface="Helvetica"/>
               </a:rPr>
               <a:t>ut</a:t>
             </a:r>
             <a:r>
-              <a:rPr lang="en-US" sz="3200" dirty="0">
-                <a:latin typeface="Helvetica"/>
-                <a:cs typeface="Helvetica"/>
-              </a:rPr>
-              <a:t> </a:t>
-            </a:r>
-            <a:r>
-              <a:rPr lang="en-US" sz="3200" dirty="0" err="1">
-                <a:latin typeface="Helvetica"/>
-                <a:cs typeface="Helvetica"/>
-              </a:rPr>
-              <a:t>aliquip</a:t>
-            </a:r>
-            <a:r>
-              <a:rPr lang="en-US" sz="3200" dirty="0">
-                <a:latin typeface="Helvetica"/>
-                <a:cs typeface="Helvetica"/>
-              </a:rPr>
-              <a:t> ex </a:t>
-            </a:r>
-            <a:r>
-              <a:rPr lang="en-US" sz="3200" dirty="0" err="1">
-                <a:latin typeface="Helvetica"/>
-                <a:cs typeface="Helvetica"/>
-              </a:rPr>
-              <a:t>ea</a:t>
-            </a:r>
-            <a:r>
-              <a:rPr lang="en-US" sz="3200" dirty="0">
-                <a:latin typeface="Helvetica"/>
-                <a:cs typeface="Helvetica"/>
-              </a:rPr>
-              <a:t> </a:t>
-            </a:r>
-            <a:r>
-              <a:rPr lang="en-US" sz="3200" dirty="0" err="1">
+              <a:rPr lang="en-US" sz="2800" dirty="0">
+                <a:latin typeface="Helvetica"/>
+                <a:cs typeface="Helvetica"/>
+              </a:rPr>
+              <a:t> </a:t>
+            </a:r>
+            <a:r>
+              <a:rPr lang="en-US" sz="2800" dirty="0" err="1">
+                <a:latin typeface="Helvetica"/>
+                <a:cs typeface="Helvetica"/>
+              </a:rPr>
+              <a:t>labore</a:t>
+            </a:r>
+            <a:r>
+              <a:rPr lang="en-US" sz="2800" dirty="0">
+                <a:latin typeface="Helvetica"/>
+                <a:cs typeface="Helvetica"/>
+              </a:rPr>
+              <a:t> et </a:t>
+            </a:r>
+            <a:r>
+              <a:rPr lang="en-US" sz="2800" dirty="0" err="1">
+                <a:latin typeface="Helvetica"/>
+                <a:cs typeface="Helvetica"/>
+              </a:rPr>
+              <a:t>dolore</a:t>
+            </a:r>
+            <a:r>
+              <a:rPr lang="en-US" sz="2800" dirty="0">
+                <a:latin typeface="Helvetica"/>
+                <a:cs typeface="Helvetica"/>
+              </a:rPr>
+              <a:t> </a:t>
+            </a:r>
+            <a:r>
+              <a:rPr lang="en-US" sz="2800" dirty="0" smtClean="0">
+                <a:latin typeface="Helvetica"/>
+                <a:cs typeface="Helvetica"/>
+              </a:rPr>
+              <a:t>magna. </a:t>
+            </a:r>
+            <a:r>
+              <a:rPr lang="en-US" sz="2800" dirty="0" err="1">
+                <a:latin typeface="Helvetica"/>
+                <a:cs typeface="Helvetica"/>
+              </a:rPr>
+              <a:t>Lorem</a:t>
+            </a:r>
+            <a:r>
+              <a:rPr lang="en-US" sz="2800" dirty="0">
+                <a:latin typeface="Helvetica"/>
+                <a:cs typeface="Helvetica"/>
+              </a:rPr>
+              <a:t> </a:t>
+            </a:r>
+            <a:r>
+              <a:rPr lang="en-US" sz="2800" dirty="0" err="1">
+                <a:latin typeface="Helvetica"/>
+                <a:cs typeface="Helvetica"/>
+              </a:rPr>
+              <a:t>ipsum</a:t>
+            </a:r>
+            <a:r>
+              <a:rPr lang="en-US" sz="2800" dirty="0">
+                <a:latin typeface="Helvetica"/>
+                <a:cs typeface="Helvetica"/>
+              </a:rPr>
+              <a:t> dolor sit </a:t>
+            </a:r>
+            <a:r>
+              <a:rPr lang="en-US" sz="2800" dirty="0" err="1">
+                <a:latin typeface="Helvetica"/>
+                <a:cs typeface="Helvetica"/>
+              </a:rPr>
+              <a:t>amet</a:t>
+            </a:r>
+            <a:r>
+              <a:rPr lang="en-US" sz="2800" dirty="0">
+                <a:latin typeface="Helvetica"/>
+                <a:cs typeface="Helvetica"/>
+              </a:rPr>
+              <a:t>, </a:t>
+            </a:r>
+            <a:r>
+              <a:rPr lang="en-US" sz="2800" dirty="0" err="1">
+                <a:latin typeface="Helvetica"/>
+                <a:cs typeface="Helvetica"/>
+              </a:rPr>
+              <a:t>consectetur</a:t>
+            </a:r>
+            <a:r>
+              <a:rPr lang="en-US" sz="2800" dirty="0">
+                <a:latin typeface="Helvetica"/>
+                <a:cs typeface="Helvetica"/>
+              </a:rPr>
+              <a:t> </a:t>
+            </a:r>
+            <a:r>
+              <a:rPr lang="en-US" sz="2800" dirty="0" err="1">
+                <a:latin typeface="Helvetica"/>
+                <a:cs typeface="Helvetica"/>
+              </a:rPr>
+              <a:t>adipiscing</a:t>
+            </a:r>
+            <a:r>
+              <a:rPr lang="en-US" sz="2800" dirty="0">
+                <a:latin typeface="Helvetica"/>
+                <a:cs typeface="Helvetica"/>
+              </a:rPr>
+              <a:t> </a:t>
+            </a:r>
+            <a:r>
+              <a:rPr lang="en-US" sz="2800" dirty="0" err="1">
+                <a:latin typeface="Helvetica"/>
+                <a:cs typeface="Helvetica"/>
+              </a:rPr>
+              <a:t>elit</a:t>
+            </a:r>
+            <a:r>
+              <a:rPr lang="en-US" sz="2800" dirty="0">
+                <a:latin typeface="Helvetica"/>
+                <a:cs typeface="Helvetica"/>
+              </a:rPr>
+              <a:t>, </a:t>
+            </a:r>
+            <a:r>
+              <a:rPr lang="en-US" sz="2800" dirty="0" err="1">
+                <a:latin typeface="Helvetica"/>
+                <a:cs typeface="Helvetica"/>
+              </a:rPr>
+              <a:t>sed</a:t>
+            </a:r>
+            <a:r>
+              <a:rPr lang="en-US" sz="2800" dirty="0">
+                <a:latin typeface="Helvetica"/>
+                <a:cs typeface="Helvetica"/>
+              </a:rPr>
+              <a:t> do </a:t>
+            </a:r>
+            <a:r>
+              <a:rPr lang="en-US" sz="2800" dirty="0" err="1">
+                <a:latin typeface="Helvetica"/>
+                <a:cs typeface="Helvetica"/>
+              </a:rPr>
+              <a:t>eiusmod</a:t>
+            </a:r>
+            <a:r>
+              <a:rPr lang="en-US" sz="2800" dirty="0">
+                <a:latin typeface="Helvetica"/>
+                <a:cs typeface="Helvetica"/>
+              </a:rPr>
+              <a:t> </a:t>
+            </a:r>
+            <a:r>
+              <a:rPr lang="en-US" sz="2800" dirty="0" err="1" smtClean="0">
+                <a:latin typeface="Helvetica"/>
+                <a:cs typeface="Helvetica"/>
+              </a:rPr>
+              <a:t>tempor</a:t>
+            </a:r>
+            <a:r>
+              <a:rPr lang="en-US" sz="2800" dirty="0">
+                <a:latin typeface="Helvetica"/>
+                <a:cs typeface="Helvetica"/>
+              </a:rPr>
+              <a:t> </a:t>
+            </a:r>
+            <a:r>
+              <a:rPr lang="en-US" sz="2800" dirty="0" err="1">
+                <a:latin typeface="Helvetica"/>
+                <a:cs typeface="Helvetica"/>
+              </a:rPr>
+              <a:t>aliqua</a:t>
+            </a:r>
+            <a:r>
+              <a:rPr lang="en-US" sz="2800" dirty="0">
+                <a:latin typeface="Helvetica"/>
+                <a:cs typeface="Helvetica"/>
+              </a:rPr>
+              <a:t> magna </a:t>
+            </a:r>
+            <a:r>
+              <a:rPr lang="en-US" sz="2800" dirty="0" err="1">
+                <a:latin typeface="Helvetica"/>
+                <a:cs typeface="Helvetica"/>
+              </a:rPr>
+              <a:t>aliqua</a:t>
+            </a:r>
+            <a:r>
+              <a:rPr lang="en-US" sz="2800" dirty="0">
+                <a:latin typeface="Helvetica"/>
+                <a:cs typeface="Helvetica"/>
+              </a:rPr>
+              <a:t> </a:t>
+            </a:r>
+            <a:r>
+              <a:rPr lang="en-US" sz="2800" dirty="0" err="1">
                 <a:latin typeface="Helvetica"/>
                 <a:cs typeface="Helvetica"/>
               </a:rPr>
               <a:t>incididunt</a:t>
             </a:r>
             <a:r>
-              <a:rPr lang="en-US" sz="3200" dirty="0">
-                <a:latin typeface="Helvetica"/>
-                <a:cs typeface="Helvetica"/>
-              </a:rPr>
-              <a:t> </a:t>
-            </a:r>
-            <a:r>
-              <a:rPr lang="en-US" sz="3200" dirty="0" err="1">
+              <a:rPr lang="en-US" sz="2800" dirty="0">
+                <a:latin typeface="Helvetica"/>
+                <a:cs typeface="Helvetica"/>
+              </a:rPr>
+              <a:t> </a:t>
+            </a:r>
+            <a:r>
+              <a:rPr lang="en-US" sz="2800" dirty="0" err="1">
                 <a:latin typeface="Helvetica"/>
                 <a:cs typeface="Helvetica"/>
               </a:rPr>
               <a:t>ut</a:t>
             </a:r>
             <a:r>
-              <a:rPr lang="en-US" sz="3200" dirty="0">
-                <a:latin typeface="Helvetica"/>
-                <a:cs typeface="Helvetica"/>
-              </a:rPr>
-              <a:t> </a:t>
-            </a:r>
-            <a:r>
-              <a:rPr lang="en-US" sz="3200" dirty="0" err="1">
+              <a:rPr lang="en-US" sz="2800" dirty="0">
+                <a:latin typeface="Helvetica"/>
+                <a:cs typeface="Helvetica"/>
+              </a:rPr>
+              <a:t> </a:t>
+            </a:r>
+            <a:r>
+              <a:rPr lang="en-US" sz="2800" dirty="0" err="1">
                 <a:latin typeface="Helvetica"/>
                 <a:cs typeface="Helvetica"/>
               </a:rPr>
               <a:t>labore</a:t>
             </a:r>
             <a:r>
-              <a:rPr lang="en-US" sz="3200" dirty="0">
+              <a:rPr lang="en-US" sz="2800" dirty="0">
                 <a:latin typeface="Helvetica"/>
                 <a:cs typeface="Helvetica"/>
               </a:rPr>
               <a:t> et </a:t>
             </a:r>
             <a:r>
-              <a:rPr lang="en-US" sz="3200" dirty="0" err="1">
+              <a:rPr lang="en-US" sz="2800" dirty="0" err="1">
                 <a:latin typeface="Helvetica"/>
                 <a:cs typeface="Helvetica"/>
               </a:rPr>
               <a:t>dolore</a:t>
             </a:r>
             <a:r>
-              <a:rPr lang="en-US" sz="3200" dirty="0">
-                <a:latin typeface="Helvetica"/>
-                <a:cs typeface="Helvetica"/>
-              </a:rPr>
-              <a:t> magna </a:t>
-            </a:r>
-            <a:r>
-              <a:rPr lang="en-US" sz="3200" dirty="0" err="1">
-                <a:latin typeface="Helvetica"/>
-                <a:cs typeface="Helvetica"/>
-              </a:rPr>
-              <a:t>aliqua</a:t>
-            </a:r>
-            <a:r>
-              <a:rPr lang="en-US" sz="3200" dirty="0">
-                <a:latin typeface="Helvetica"/>
-                <a:cs typeface="Helvetica"/>
-              </a:rPr>
-              <a:t>. </a:t>
-            </a:r>
-            <a:r>
-              <a:rPr lang="en-US" sz="3200" dirty="0" err="1">
-                <a:latin typeface="Helvetica"/>
-                <a:cs typeface="Helvetica"/>
-              </a:rPr>
-              <a:t>Ut</a:t>
-            </a:r>
-            <a:r>
-              <a:rPr lang="en-US" sz="3200" dirty="0">
-                <a:latin typeface="Helvetica"/>
-                <a:cs typeface="Helvetica"/>
-              </a:rPr>
-              <a:t> </a:t>
-            </a:r>
-            <a:r>
-              <a:rPr lang="en-US" sz="3200" dirty="0" err="1">
-                <a:latin typeface="Helvetica"/>
-                <a:cs typeface="Helvetica"/>
-              </a:rPr>
-              <a:t>enim</a:t>
-            </a:r>
-            <a:r>
-              <a:rPr lang="en-US" sz="3200" dirty="0">
-                <a:latin typeface="Helvetica"/>
-                <a:cs typeface="Helvetica"/>
-              </a:rPr>
-              <a:t> ad minim </a:t>
-            </a:r>
-            <a:r>
-              <a:rPr lang="en-US" sz="3200" dirty="0" err="1">
-                <a:latin typeface="Helvetica"/>
-                <a:cs typeface="Helvetica"/>
-              </a:rPr>
-              <a:t>veniam</a:t>
-            </a:r>
-            <a:r>
-              <a:rPr lang="en-US" sz="3200" dirty="0">
-                <a:latin typeface="Helvetica"/>
-                <a:cs typeface="Helvetica"/>
-              </a:rPr>
-              <a:t>, </a:t>
-            </a:r>
-            <a:r>
-              <a:rPr lang="en-US" sz="3200" dirty="0" err="1">
-                <a:latin typeface="Helvetica"/>
-                <a:cs typeface="Helvetica"/>
-              </a:rPr>
-              <a:t>quis</a:t>
-            </a:r>
-            <a:r>
-              <a:rPr lang="en-US" sz="3200" dirty="0">
-                <a:latin typeface="Helvetica"/>
-                <a:cs typeface="Helvetica"/>
-              </a:rPr>
-              <a:t> </a:t>
-            </a:r>
-            <a:r>
-              <a:rPr lang="en-US" sz="3200" dirty="0" err="1">
-                <a:latin typeface="Helvetica"/>
-                <a:cs typeface="Helvetica"/>
-              </a:rPr>
-              <a:t>nostrud</a:t>
-            </a:r>
-            <a:r>
-              <a:rPr lang="en-US" sz="3200" dirty="0">
-                <a:latin typeface="Helvetica"/>
-                <a:cs typeface="Helvetica"/>
-              </a:rPr>
-              <a:t> exercitation </a:t>
-            </a:r>
-            <a:r>
-              <a:rPr lang="en-US" sz="3200" dirty="0" err="1">
-                <a:latin typeface="Helvetica"/>
-                <a:cs typeface="Helvetica"/>
-              </a:rPr>
-              <a:t>ullamco</a:t>
-            </a:r>
-            <a:r>
-              <a:rPr lang="en-US" sz="3200" dirty="0">
-                <a:latin typeface="Helvetica"/>
-                <a:cs typeface="Helvetica"/>
-              </a:rPr>
-              <a:t> </a:t>
-            </a:r>
-            <a:r>
-              <a:rPr lang="en-US" sz="3200" dirty="0" err="1">
-                <a:latin typeface="Helvetica"/>
-                <a:cs typeface="Helvetica"/>
-              </a:rPr>
-              <a:t>laboris</a:t>
-            </a:r>
-            <a:r>
-              <a:rPr lang="en-US" sz="3200" dirty="0">
-                <a:latin typeface="Helvetica"/>
-                <a:cs typeface="Helvetica"/>
-              </a:rPr>
-              <a:t> nisi </a:t>
-            </a:r>
-            <a:r>
-              <a:rPr lang="en-US" sz="3200" dirty="0" err="1">
-                <a:latin typeface="Helvetica"/>
-                <a:cs typeface="Helvetica"/>
-              </a:rPr>
-              <a:t>ut</a:t>
-            </a:r>
-            <a:r>
-              <a:rPr lang="en-US" sz="3200" dirty="0">
-                <a:latin typeface="Helvetica"/>
-                <a:cs typeface="Helvetica"/>
-              </a:rPr>
-              <a:t> </a:t>
-            </a:r>
-            <a:r>
-              <a:rPr lang="en-US" sz="3200" dirty="0" err="1">
-                <a:latin typeface="Helvetica"/>
-                <a:cs typeface="Helvetica"/>
-              </a:rPr>
-              <a:t>aliquip</a:t>
-            </a:r>
-            <a:r>
-              <a:rPr lang="en-US" sz="3200" dirty="0">
-                <a:latin typeface="Helvetica"/>
-                <a:cs typeface="Helvetica"/>
-              </a:rPr>
-              <a:t> </a:t>
-            </a:r>
-            <a:r>
-              <a:rPr lang="en-US" sz="3200" dirty="0" err="1">
+              <a:rPr lang="en-US" sz="2800" dirty="0">
+                <a:latin typeface="Helvetica"/>
+                <a:cs typeface="Helvetica"/>
+              </a:rPr>
+              <a:t> magna. </a:t>
+            </a:r>
+            <a:r>
+              <a:rPr lang="en-US" sz="2800" dirty="0" err="1">
                 <a:latin typeface="Helvetica"/>
                 <a:cs typeface="Helvetica"/>
               </a:rPr>
               <a:t>Lorem</a:t>
             </a:r>
             <a:r>
-              <a:rPr lang="en-US" sz="3200" dirty="0">
-                <a:latin typeface="Helvetica"/>
-                <a:cs typeface="Helvetica"/>
-              </a:rPr>
-              <a:t> </a:t>
-            </a:r>
-            <a:r>
-              <a:rPr lang="en-US" sz="3200" dirty="0" err="1">
+              <a:rPr lang="en-US" sz="2800" dirty="0">
+                <a:latin typeface="Helvetica"/>
+                <a:cs typeface="Helvetica"/>
+              </a:rPr>
+              <a:t> </a:t>
+            </a:r>
+            <a:r>
+              <a:rPr lang="en-US" sz="2800" dirty="0" err="1" smtClean="0">
                 <a:latin typeface="Helvetica"/>
                 <a:cs typeface="Helvetica"/>
               </a:rPr>
               <a:t>ipsum</a:t>
             </a:r>
-            <a:r>
-              <a:rPr lang="en-US" sz="3200" dirty="0">
-                <a:latin typeface="Helvetica"/>
-                <a:cs typeface="Helvetica"/>
-              </a:rPr>
-              <a:t> dolor sit </a:t>
-            </a:r>
-            <a:r>
-              <a:rPr lang="en-US" sz="3200" dirty="0" err="1">
-                <a:latin typeface="Helvetica"/>
-                <a:cs typeface="Helvetica"/>
-              </a:rPr>
-              <a:t>amet</a:t>
-            </a:r>
-            <a:r>
-              <a:rPr lang="en-US" sz="3200" dirty="0">
-                <a:latin typeface="Helvetica"/>
-                <a:cs typeface="Helvetica"/>
-              </a:rPr>
-              <a:t>, </a:t>
-            </a:r>
-            <a:r>
-              <a:rPr lang="en-US" sz="3200" dirty="0" err="1">
-                <a:latin typeface="Helvetica"/>
-                <a:cs typeface="Helvetica"/>
-              </a:rPr>
-              <a:t>consectetur</a:t>
-            </a:r>
-            <a:r>
-              <a:rPr lang="en-US" sz="3200" dirty="0">
-                <a:latin typeface="Helvetica"/>
-                <a:cs typeface="Helvetica"/>
-              </a:rPr>
-              <a:t> </a:t>
-            </a:r>
-            <a:r>
-              <a:rPr lang="en-US" sz="3200" dirty="0" err="1">
-                <a:latin typeface="Helvetica"/>
-                <a:cs typeface="Helvetica"/>
-              </a:rPr>
-              <a:t>adipiscing</a:t>
-            </a:r>
-            <a:r>
-              <a:rPr lang="en-US" sz="3200" dirty="0">
-                <a:latin typeface="Helvetica"/>
-                <a:cs typeface="Helvetica"/>
-              </a:rPr>
-              <a:t> </a:t>
-            </a:r>
-            <a:r>
-              <a:rPr lang="en-US" sz="3200" dirty="0" err="1">
-                <a:latin typeface="Helvetica"/>
-                <a:cs typeface="Helvetica"/>
-              </a:rPr>
-              <a:t>elit</a:t>
-            </a:r>
-            <a:r>
-              <a:rPr lang="en-US" sz="3200" dirty="0">
-                <a:latin typeface="Helvetica"/>
-                <a:cs typeface="Helvetica"/>
-              </a:rPr>
-              <a:t>, </a:t>
-            </a:r>
-            <a:r>
-              <a:rPr lang="en-US" sz="3200" dirty="0" err="1">
-                <a:latin typeface="Helvetica"/>
-                <a:cs typeface="Helvetica"/>
-              </a:rPr>
-              <a:t>sed</a:t>
-            </a:r>
-            <a:r>
-              <a:rPr lang="en-US" sz="3200" dirty="0">
-                <a:latin typeface="Helvetica"/>
-                <a:cs typeface="Helvetica"/>
-              </a:rPr>
-              <a:t> do </a:t>
-            </a:r>
-            <a:r>
-              <a:rPr lang="en-US" sz="3200" dirty="0" err="1">
-                <a:latin typeface="Helvetica"/>
-                <a:cs typeface="Helvetica"/>
-              </a:rPr>
-              <a:t>eiusmod</a:t>
-            </a:r>
-            <a:r>
-              <a:rPr lang="en-US" sz="3200" dirty="0">
-                <a:latin typeface="Helvetica"/>
-                <a:cs typeface="Helvetica"/>
-              </a:rPr>
-              <a:t> </a:t>
-            </a:r>
-            <a:r>
-              <a:rPr lang="en-US" sz="3200" dirty="0" err="1">
-                <a:latin typeface="Helvetica"/>
-                <a:cs typeface="Helvetica"/>
-              </a:rPr>
-              <a:t>tempor</a:t>
-            </a:r>
-            <a:r>
-              <a:rPr lang="en-US" sz="3200" dirty="0">
-                <a:latin typeface="Helvetica"/>
-                <a:cs typeface="Helvetica"/>
-              </a:rPr>
-              <a:t> </a:t>
-            </a:r>
-            <a:r>
-              <a:rPr lang="en-US" sz="3200" dirty="0" err="1">
-                <a:latin typeface="Helvetica"/>
-                <a:cs typeface="Helvetica"/>
-              </a:rPr>
-              <a:t>incididunt</a:t>
-            </a:r>
-            <a:r>
-              <a:rPr lang="en-US" sz="3200" dirty="0">
-                <a:latin typeface="Helvetica"/>
-                <a:cs typeface="Helvetica"/>
-              </a:rPr>
-              <a:t> </a:t>
-            </a:r>
-            <a:r>
-              <a:rPr lang="en-US" sz="3200" dirty="0" err="1">
-                <a:latin typeface="Helvetica"/>
-                <a:cs typeface="Helvetica"/>
-              </a:rPr>
-              <a:t>ut</a:t>
-            </a:r>
-            <a:r>
-              <a:rPr lang="en-US" sz="3200" dirty="0">
-                <a:latin typeface="Helvetica"/>
-                <a:cs typeface="Helvetica"/>
-              </a:rPr>
-              <a:t> </a:t>
-            </a:r>
-            <a:r>
-              <a:rPr lang="en-US" sz="3200" dirty="0" err="1">
-                <a:latin typeface="Helvetica"/>
-                <a:cs typeface="Helvetica"/>
-              </a:rPr>
-              <a:t>labore</a:t>
-            </a:r>
-            <a:r>
-              <a:rPr lang="en-US" sz="3200" dirty="0">
-                <a:latin typeface="Helvetica"/>
-                <a:cs typeface="Helvetica"/>
-              </a:rPr>
-              <a:t> et </a:t>
-            </a:r>
-            <a:r>
-              <a:rPr lang="en-US" sz="3200" dirty="0" err="1">
-                <a:latin typeface="Helvetica"/>
-                <a:cs typeface="Helvetica"/>
-              </a:rPr>
-              <a:t>dolore</a:t>
-            </a:r>
-            <a:r>
-              <a:rPr lang="en-US" sz="3200" dirty="0">
-                <a:latin typeface="Helvetica"/>
-                <a:cs typeface="Helvetica"/>
-              </a:rPr>
-              <a:t> magna </a:t>
-            </a:r>
-            <a:r>
-              <a:rPr lang="en-US" sz="3200" dirty="0" err="1">
-                <a:latin typeface="Helvetica"/>
-                <a:cs typeface="Helvetica"/>
-              </a:rPr>
-              <a:t>aliqua</a:t>
-            </a:r>
-            <a:r>
-              <a:rPr lang="en-US" sz="3200" dirty="0">
-                <a:latin typeface="Helvetica"/>
-                <a:cs typeface="Helvetica"/>
-              </a:rPr>
-              <a:t>. </a:t>
-            </a:r>
-            <a:r>
-              <a:rPr lang="en-US" sz="3200" dirty="0" err="1">
-                <a:latin typeface="Helvetica"/>
-                <a:cs typeface="Helvetica"/>
-              </a:rPr>
-              <a:t>Ut</a:t>
-            </a:r>
-            <a:r>
-              <a:rPr lang="en-US" sz="3200" dirty="0">
-                <a:latin typeface="Helvetica"/>
-                <a:cs typeface="Helvetica"/>
-              </a:rPr>
-              <a:t> </a:t>
-            </a:r>
-            <a:r>
-              <a:rPr lang="en-US" sz="3200" dirty="0" err="1">
-                <a:latin typeface="Helvetica"/>
-                <a:cs typeface="Helvetica"/>
-              </a:rPr>
-              <a:t>enim</a:t>
-            </a:r>
-            <a:r>
-              <a:rPr lang="en-US" sz="3200" dirty="0">
-                <a:latin typeface="Helvetica"/>
-                <a:cs typeface="Helvetica"/>
-              </a:rPr>
-              <a:t> ad minim </a:t>
-            </a:r>
-            <a:r>
-              <a:rPr lang="en-US" sz="3200" dirty="0" err="1">
-                <a:latin typeface="Helvetica"/>
-                <a:cs typeface="Helvetica"/>
-              </a:rPr>
-              <a:t>veniam</a:t>
-            </a:r>
-            <a:r>
-              <a:rPr lang="en-US" sz="3200" dirty="0">
-                <a:latin typeface="Helvetica"/>
-                <a:cs typeface="Helvetica"/>
-              </a:rPr>
-              <a:t>, </a:t>
-            </a:r>
-            <a:r>
-              <a:rPr lang="en-US" sz="3200" dirty="0" err="1">
-                <a:latin typeface="Helvetica"/>
-                <a:cs typeface="Helvetica"/>
-              </a:rPr>
-              <a:t>quis</a:t>
-            </a:r>
-            <a:r>
-              <a:rPr lang="en-US" sz="3200" dirty="0">
-                <a:latin typeface="Helvetica"/>
-                <a:cs typeface="Helvetica"/>
-              </a:rPr>
-              <a:t> </a:t>
-            </a:r>
-            <a:r>
-              <a:rPr lang="en-US" sz="3200" dirty="0" err="1">
-                <a:latin typeface="Helvetica"/>
-                <a:cs typeface="Helvetica"/>
-              </a:rPr>
-              <a:t>nostrud</a:t>
-            </a:r>
-            <a:r>
-              <a:rPr lang="en-US" sz="3200" dirty="0">
-                <a:latin typeface="Helvetica"/>
-                <a:cs typeface="Helvetica"/>
-              </a:rPr>
-              <a:t> exercitation </a:t>
-            </a:r>
-            <a:r>
-              <a:rPr lang="en-US" sz="3200" dirty="0" err="1">
-                <a:latin typeface="Helvetica"/>
-                <a:cs typeface="Helvetica"/>
-              </a:rPr>
-              <a:t>ullamco</a:t>
-            </a:r>
-            <a:r>
-              <a:rPr lang="en-US" sz="3200" dirty="0">
-                <a:latin typeface="Helvetica"/>
-                <a:cs typeface="Helvetica"/>
-              </a:rPr>
-              <a:t> </a:t>
-            </a:r>
-            <a:r>
-              <a:rPr lang="en-US" sz="3200" dirty="0" err="1">
-                <a:latin typeface="Helvetica"/>
-                <a:cs typeface="Helvetica"/>
-              </a:rPr>
-              <a:t>laboris</a:t>
-            </a:r>
-            <a:r>
-              <a:rPr lang="en-US" sz="3200" dirty="0">
-                <a:latin typeface="Helvetica"/>
-                <a:cs typeface="Helvetica"/>
-              </a:rPr>
-              <a:t> nisi </a:t>
-            </a:r>
-            <a:r>
-              <a:rPr lang="en-US" sz="3200" dirty="0" err="1">
-                <a:latin typeface="Helvetica"/>
-                <a:cs typeface="Helvetica"/>
-              </a:rPr>
-              <a:t>ut</a:t>
-            </a:r>
-            <a:r>
-              <a:rPr lang="en-US" sz="3200" dirty="0">
-                <a:latin typeface="Helvetica"/>
-                <a:cs typeface="Helvetica"/>
-              </a:rPr>
-              <a:t> </a:t>
-            </a:r>
-            <a:r>
-              <a:rPr lang="en-US" sz="3200" dirty="0" err="1">
-                <a:latin typeface="Helvetica"/>
-                <a:cs typeface="Helvetica"/>
-              </a:rPr>
-              <a:t>aliquip</a:t>
-            </a:r>
-            <a:r>
-              <a:rPr lang="en-US" sz="3200" dirty="0">
-                <a:latin typeface="Helvetica"/>
-                <a:cs typeface="Helvetica"/>
-              </a:rPr>
-              <a:t> ex </a:t>
-            </a:r>
-            <a:r>
-              <a:rPr lang="en-US" sz="3200" dirty="0" err="1">
-                <a:latin typeface="Helvetica"/>
-                <a:cs typeface="Helvetica"/>
-              </a:rPr>
-              <a:t>ea</a:t>
-            </a:r>
-            <a:r>
-              <a:rPr lang="en-US" sz="3200" dirty="0">
-                <a:latin typeface="Helvetica"/>
-                <a:cs typeface="Helvetica"/>
-              </a:rPr>
-              <a:t> </a:t>
-            </a:r>
-            <a:r>
-              <a:rPr lang="en-US" sz="3200" dirty="0" err="1">
-                <a:latin typeface="Helvetica"/>
-                <a:cs typeface="Helvetica"/>
-              </a:rPr>
-              <a:t>commodo</a:t>
-            </a:r>
-            <a:r>
-              <a:rPr lang="en-US" sz="3200" dirty="0">
-                <a:latin typeface="Helvetica"/>
-                <a:cs typeface="Helvetica"/>
-              </a:rPr>
-              <a:t> </a:t>
-            </a:r>
-            <a:r>
-              <a:rPr lang="en-US" sz="3200" dirty="0" err="1">
-                <a:latin typeface="Helvetica"/>
-                <a:cs typeface="Helvetica"/>
-              </a:rPr>
-              <a:t>consequat</a:t>
-            </a:r>
-            <a:r>
-              <a:rPr lang="en-US" sz="3200" dirty="0">
-                <a:latin typeface="Helvetica"/>
-                <a:cs typeface="Helvetica"/>
-              </a:rPr>
-              <a:t>. </a:t>
-            </a:r>
-            <a:r>
-              <a:rPr lang="en-US" sz="3200" dirty="0" err="1">
-                <a:latin typeface="Helvetica"/>
-                <a:cs typeface="Helvetica"/>
-              </a:rPr>
-              <a:t>ut</a:t>
-            </a:r>
-            <a:r>
-              <a:rPr lang="en-US" sz="3200" dirty="0">
-                <a:latin typeface="Helvetica"/>
-                <a:cs typeface="Helvetica"/>
-              </a:rPr>
-              <a:t> </a:t>
-            </a:r>
-            <a:r>
-              <a:rPr lang="en-US" sz="3200" dirty="0" err="1">
-                <a:latin typeface="Helvetica"/>
-                <a:cs typeface="Helvetica"/>
-              </a:rPr>
-              <a:t>aliquip</a:t>
-            </a:r>
-            <a:r>
-              <a:rPr lang="en-US" sz="3200" dirty="0">
-                <a:latin typeface="Helvetica"/>
-                <a:cs typeface="Helvetica"/>
-              </a:rPr>
-              <a:t> ex </a:t>
-            </a:r>
-            <a:r>
-              <a:rPr lang="en-US" sz="3200" dirty="0" err="1">
-                <a:latin typeface="Helvetica"/>
-                <a:cs typeface="Helvetica"/>
-              </a:rPr>
-              <a:t>ea</a:t>
-            </a:r>
-            <a:r>
-              <a:rPr lang="en-US" sz="3200" dirty="0">
-                <a:latin typeface="Helvetica"/>
-                <a:cs typeface="Helvetica"/>
-              </a:rPr>
-              <a:t> </a:t>
-            </a:r>
-            <a:r>
-              <a:rPr lang="en-US" sz="3200" dirty="0" err="1">
-                <a:latin typeface="Helvetica"/>
-                <a:cs typeface="Helvetica"/>
-              </a:rPr>
-              <a:t>incididunt</a:t>
-            </a:r>
-            <a:r>
-              <a:rPr lang="en-US" sz="3200" dirty="0">
-                <a:latin typeface="Helvetica"/>
-                <a:cs typeface="Helvetica"/>
-              </a:rPr>
-              <a:t> </a:t>
-            </a:r>
-            <a:r>
-              <a:rPr lang="en-US" sz="3200" dirty="0" err="1">
-                <a:latin typeface="Helvetica"/>
-                <a:cs typeface="Helvetica"/>
-              </a:rPr>
-              <a:t>ut</a:t>
-            </a:r>
-            <a:r>
-              <a:rPr lang="en-US" sz="3200" dirty="0">
-                <a:latin typeface="Helvetica"/>
-                <a:cs typeface="Helvetica"/>
-              </a:rPr>
-              <a:t> </a:t>
-            </a:r>
-            <a:r>
-              <a:rPr lang="en-US" sz="3200" dirty="0" err="1">
-                <a:latin typeface="Helvetica"/>
-                <a:cs typeface="Helvetica"/>
-              </a:rPr>
-              <a:t>labore</a:t>
-            </a:r>
-            <a:r>
-              <a:rPr lang="en-US" sz="3200" dirty="0">
-                <a:latin typeface="Helvetica"/>
-                <a:cs typeface="Helvetica"/>
-              </a:rPr>
-              <a:t> et </a:t>
-            </a:r>
-            <a:r>
-              <a:rPr lang="en-US" sz="3200" dirty="0" err="1">
-                <a:latin typeface="Helvetica"/>
-                <a:cs typeface="Helvetica"/>
-              </a:rPr>
-              <a:t>dolore</a:t>
-            </a:r>
-            <a:r>
-              <a:rPr lang="en-US" sz="3200" dirty="0">
-                <a:latin typeface="Helvetica"/>
-                <a:cs typeface="Helvetica"/>
-              </a:rPr>
-              <a:t> magna </a:t>
-            </a:r>
-            <a:r>
-              <a:rPr lang="en-US" sz="3200" dirty="0" err="1">
-                <a:latin typeface="Helvetica"/>
-                <a:cs typeface="Helvetica"/>
-              </a:rPr>
-              <a:t>aliqua</a:t>
-            </a:r>
-            <a:r>
-              <a:rPr lang="en-US" sz="3200" dirty="0">
-                <a:latin typeface="Helvetica"/>
-                <a:cs typeface="Helvetica"/>
-              </a:rPr>
-              <a:t>. </a:t>
-            </a:r>
-            <a:r>
-              <a:rPr lang="en-US" sz="3200" dirty="0" err="1">
-                <a:latin typeface="Helvetica"/>
-                <a:cs typeface="Helvetica"/>
-              </a:rPr>
-              <a:t>Ut</a:t>
-            </a:r>
-            <a:r>
-              <a:rPr lang="en-US" sz="3200" dirty="0">
-                <a:latin typeface="Helvetica"/>
-                <a:cs typeface="Helvetica"/>
-              </a:rPr>
-              <a:t> </a:t>
-            </a:r>
-            <a:r>
-              <a:rPr lang="en-US" sz="3200" dirty="0" err="1">
-                <a:latin typeface="Helvetica"/>
-                <a:cs typeface="Helvetica"/>
-              </a:rPr>
-              <a:t>enim</a:t>
-            </a:r>
-            <a:r>
-              <a:rPr lang="en-US" sz="3200" dirty="0">
-                <a:latin typeface="Helvetica"/>
-                <a:cs typeface="Helvetica"/>
-              </a:rPr>
-              <a:t> ad minim </a:t>
-            </a:r>
-            <a:r>
-              <a:rPr lang="en-US" sz="3200" dirty="0" err="1">
-                <a:latin typeface="Helvetica"/>
-                <a:cs typeface="Helvetica"/>
-              </a:rPr>
-              <a:t>veniam</a:t>
-            </a:r>
-            <a:r>
-              <a:rPr lang="en-US" sz="3200" dirty="0">
-                <a:latin typeface="Helvetica"/>
-                <a:cs typeface="Helvetica"/>
-              </a:rPr>
-              <a:t>, </a:t>
-            </a:r>
-            <a:r>
-              <a:rPr lang="en-US" sz="3200" dirty="0" err="1">
-                <a:latin typeface="Helvetica"/>
-                <a:cs typeface="Helvetica"/>
-              </a:rPr>
-              <a:t>quis</a:t>
-            </a:r>
-            <a:r>
-              <a:rPr lang="en-US" sz="3200" dirty="0">
-                <a:latin typeface="Helvetica"/>
-                <a:cs typeface="Helvetica"/>
-              </a:rPr>
-              <a:t> </a:t>
-            </a:r>
-            <a:r>
-              <a:rPr lang="en-US" sz="3200" dirty="0" err="1">
-                <a:latin typeface="Helvetica"/>
-                <a:cs typeface="Helvetica"/>
-              </a:rPr>
-              <a:t>nostrud</a:t>
-            </a:r>
-            <a:r>
-              <a:rPr lang="en-US" sz="3200" dirty="0">
-                <a:latin typeface="Helvetica"/>
-                <a:cs typeface="Helvetica"/>
-              </a:rPr>
-              <a:t> exercitation </a:t>
-            </a:r>
-            <a:r>
-              <a:rPr lang="en-US" sz="3200" dirty="0" err="1">
-                <a:latin typeface="Helvetica"/>
-                <a:cs typeface="Helvetica"/>
-              </a:rPr>
-              <a:t>ullamco</a:t>
-            </a:r>
-            <a:r>
-              <a:rPr lang="en-US" sz="3200" dirty="0">
-                <a:latin typeface="Helvetica"/>
-                <a:cs typeface="Helvetica"/>
-              </a:rPr>
-              <a:t> </a:t>
-            </a:r>
-            <a:r>
-              <a:rPr lang="en-US" sz="3200" dirty="0" err="1">
-                <a:latin typeface="Helvetica"/>
-                <a:cs typeface="Helvetica"/>
-              </a:rPr>
-              <a:t>laboris</a:t>
-            </a:r>
-            <a:r>
-              <a:rPr lang="en-US" sz="3200" dirty="0">
-                <a:latin typeface="Helvetica"/>
-                <a:cs typeface="Helvetica"/>
-              </a:rPr>
-              <a:t> nisi </a:t>
-            </a:r>
-            <a:r>
-              <a:rPr lang="en-US" sz="3200" dirty="0" err="1">
-                <a:latin typeface="Helvetica"/>
-                <a:cs typeface="Helvetica"/>
-              </a:rPr>
-              <a:t>ut</a:t>
-            </a:r>
-            <a:r>
-              <a:rPr lang="en-US" sz="3200" dirty="0">
-                <a:latin typeface="Helvetica"/>
-                <a:cs typeface="Helvetica"/>
-              </a:rPr>
-              <a:t> </a:t>
-            </a:r>
-            <a:r>
-              <a:rPr lang="en-US" sz="3200" dirty="0" err="1">
-                <a:latin typeface="Helvetica"/>
-                <a:cs typeface="Helvetica"/>
-              </a:rPr>
-              <a:t>aliquip</a:t>
-            </a:r>
-            <a:r>
-              <a:rPr lang="en-US" sz="3200" dirty="0">
-                <a:latin typeface="Helvetica"/>
-                <a:cs typeface="Helvetica"/>
-              </a:rPr>
-              <a:t> </a:t>
-            </a:r>
-            <a:endParaRPr lang="en-US" sz="3200" dirty="0">
+            <a:endParaRPr lang="en-US" sz="2800" dirty="0">
+              <a:latin typeface="Helvetica"/>
+              <a:cs typeface="Helvetica"/>
+            </a:endParaRPr>
+          </a:p>
+        </p:txBody>
+      </p:sp>
+      <p:sp>
+        <p:nvSpPr>
+          <p:cNvPr id="35" name="TextBox 34"/>
+          <p:cNvSpPr txBox="1"/>
+          <p:nvPr/>
+        </p:nvSpPr>
+        <p:spPr>
+          <a:xfrm>
+            <a:off x="10985499" y="20639716"/>
+            <a:ext cx="6213955" cy="4446262"/>
+          </a:xfrm>
+          <a:prstGeom prst="rect">
+            <a:avLst/>
+          </a:prstGeom>
+          <a:noFill/>
+          <a:ln w="28575" cmpd="sng">
+            <a:noFill/>
+          </a:ln>
+        </p:spPr>
+        <p:txBody>
+          <a:bodyPr wrap="square" lIns="329104" tIns="164551" rIns="329104" bIns="164551" rtlCol="0">
+            <a:spAutoFit/>
+          </a:bodyPr>
+          <a:lstStyle/>
+          <a:p>
+            <a:pPr>
+              <a:lnSpc>
+                <a:spcPct val="90000"/>
+              </a:lnSpc>
+            </a:pPr>
+            <a:r>
+              <a:rPr lang="en-US" sz="4400" b="1" dirty="0" smtClean="0">
+                <a:latin typeface="Helvetica"/>
+                <a:cs typeface="Helvetica"/>
+              </a:rPr>
+              <a:t>Advantages</a:t>
+            </a:r>
+          </a:p>
+          <a:p>
+            <a:pPr>
+              <a:lnSpc>
+                <a:spcPct val="90000"/>
+              </a:lnSpc>
+            </a:pPr>
+            <a:endParaRPr lang="en-US" sz="1400" dirty="0">
+              <a:latin typeface="Helvetica"/>
+              <a:cs typeface="Helvetica"/>
+            </a:endParaRPr>
+          </a:p>
+          <a:p>
+            <a:pPr marL="457200" indent="-457200">
+              <a:lnSpc>
+                <a:spcPct val="110000"/>
+              </a:lnSpc>
+              <a:buFont typeface="Arial"/>
+              <a:buChar char="•"/>
+            </a:pPr>
+            <a:r>
+              <a:rPr lang="en-US" sz="2800" dirty="0">
+                <a:latin typeface="Helvetica"/>
+                <a:cs typeface="Helvetica"/>
+              </a:rPr>
+              <a:t>Easy organization of university departments and </a:t>
+            </a:r>
+            <a:r>
+              <a:rPr lang="en-US" sz="2800" dirty="0" smtClean="0">
+                <a:latin typeface="Helvetica"/>
+                <a:cs typeface="Helvetica"/>
+              </a:rPr>
+              <a:t>faculty</a:t>
+            </a:r>
+          </a:p>
+          <a:p>
+            <a:pPr marL="457200" indent="-457200">
+              <a:lnSpc>
+                <a:spcPct val="110000"/>
+              </a:lnSpc>
+              <a:buFont typeface="Arial"/>
+              <a:buChar char="•"/>
+            </a:pPr>
+            <a:r>
+              <a:rPr lang="en-US" sz="2800" dirty="0">
+                <a:latin typeface="Helvetica"/>
+                <a:cs typeface="Helvetica"/>
+              </a:rPr>
+              <a:t>A nested repository structure that is quickly understood by </a:t>
+            </a:r>
+            <a:r>
+              <a:rPr lang="en-US" sz="2800" dirty="0" smtClean="0">
+                <a:latin typeface="Helvetica"/>
+                <a:cs typeface="Helvetica"/>
+              </a:rPr>
+              <a:t>users </a:t>
+            </a:r>
+            <a:r>
+              <a:rPr lang="en-US" sz="2800" dirty="0">
+                <a:latin typeface="Helvetica"/>
+                <a:cs typeface="Helvetica"/>
+              </a:rPr>
+              <a:t>users users users users </a:t>
+            </a:r>
+            <a:endParaRPr lang="en-US" sz="2800" dirty="0" smtClean="0">
+              <a:latin typeface="Helvetica"/>
+              <a:cs typeface="Helvetica"/>
+            </a:endParaRPr>
+          </a:p>
+          <a:p>
+            <a:pPr marL="457200" indent="-457200">
+              <a:lnSpc>
+                <a:spcPct val="110000"/>
+              </a:lnSpc>
+              <a:buFont typeface="Arial"/>
+              <a:buChar char="•"/>
+            </a:pPr>
+            <a:r>
+              <a:rPr lang="en-US" sz="2800" dirty="0">
+                <a:latin typeface="Helvetica"/>
+                <a:cs typeface="Helvetica"/>
+              </a:rPr>
+              <a:t>Multiple browsing methods to enhance discovery of content</a:t>
+            </a:r>
+            <a:endParaRPr lang="en-US" sz="2800" dirty="0" smtClean="0">
+              <a:latin typeface="Helvetica"/>
+              <a:cs typeface="Helvetica"/>
+            </a:endParaRPr>
+          </a:p>
+        </p:txBody>
+      </p:sp>
+      <p:sp>
+        <p:nvSpPr>
+          <p:cNvPr id="23" name="TextBox 22"/>
+          <p:cNvSpPr txBox="1"/>
+          <p:nvPr/>
+        </p:nvSpPr>
+        <p:spPr>
+          <a:xfrm>
+            <a:off x="965198" y="930260"/>
+            <a:ext cx="30292735" cy="1440312"/>
+          </a:xfrm>
+          <a:prstGeom prst="rect">
+            <a:avLst/>
+          </a:prstGeom>
+          <a:solidFill>
+            <a:schemeClr val="bg1"/>
+          </a:solidFill>
+        </p:spPr>
+        <p:txBody>
+          <a:bodyPr wrap="square" lIns="329104" tIns="164551" rIns="329104" bIns="164551" rtlCol="0" anchor="ctr">
+            <a:spAutoFit/>
+          </a:bodyPr>
+          <a:lstStyle/>
+          <a:p>
+            <a:pPr algn="ctr"/>
+            <a:r>
+              <a:rPr lang="en-US" sz="7200" dirty="0" smtClean="0">
+                <a:latin typeface="Helvetica"/>
+                <a:cs typeface="Helvetica"/>
+              </a:rPr>
+              <a:t>Using Communities to Highlight </a:t>
+            </a:r>
+            <a:r>
+              <a:rPr lang="en-US" sz="7200" dirty="0">
+                <a:latin typeface="Helvetica"/>
+                <a:cs typeface="Helvetica"/>
+              </a:rPr>
+              <a:t>Scholarly Content in </a:t>
+            </a:r>
+            <a:r>
+              <a:rPr lang="en-US" sz="7200" dirty="0" smtClean="0">
+                <a:latin typeface="Helvetica"/>
+                <a:cs typeface="Helvetica"/>
+              </a:rPr>
+              <a:t>Hydra</a:t>
+            </a:r>
+          </a:p>
+        </p:txBody>
+      </p:sp>
+      <p:sp>
+        <p:nvSpPr>
+          <p:cNvPr id="21" name="TextBox 20"/>
+          <p:cNvSpPr txBox="1"/>
+          <p:nvPr/>
+        </p:nvSpPr>
+        <p:spPr>
+          <a:xfrm>
+            <a:off x="914397" y="2370572"/>
+            <a:ext cx="13975484" cy="1994309"/>
+          </a:xfrm>
+          <a:prstGeom prst="rect">
+            <a:avLst/>
+          </a:prstGeom>
+          <a:noFill/>
+          <a:ln>
+            <a:noFill/>
+          </a:ln>
+        </p:spPr>
+        <p:txBody>
+          <a:bodyPr wrap="square" lIns="329104" tIns="164551" rIns="329104" bIns="164551" numCol="1" rtlCol="0" anchor="ctr">
+            <a:spAutoFit/>
+          </a:bodyPr>
+          <a:lstStyle/>
+          <a:p>
+            <a:r>
+              <a:rPr lang="en-US" sz="5400" dirty="0" smtClean="0">
+                <a:solidFill>
+                  <a:srgbClr val="000000"/>
+                </a:solidFill>
+                <a:latin typeface="Helvetica"/>
+                <a:cs typeface="Helvetica"/>
+              </a:rPr>
+              <a:t>Sarah Sweeney</a:t>
+            </a:r>
+          </a:p>
+          <a:p>
+            <a:r>
+              <a:rPr lang="en-US" sz="5400" dirty="0" smtClean="0">
+                <a:solidFill>
+                  <a:srgbClr val="000000"/>
+                </a:solidFill>
+                <a:latin typeface="Helvetica"/>
+                <a:cs typeface="Helvetica"/>
+              </a:rPr>
+              <a:t>Northeastern University Library</a:t>
+            </a:r>
+            <a:endParaRPr lang="en-US" sz="5400" dirty="0">
+              <a:solidFill>
+                <a:srgbClr val="000000"/>
+              </a:solidFill>
+              <a:latin typeface="Helvetica"/>
+              <a:cs typeface="Helvetica"/>
+            </a:endParaRPr>
+          </a:p>
+        </p:txBody>
+      </p:sp>
+      <p:sp>
+        <p:nvSpPr>
+          <p:cNvPr id="22" name="TextBox 21"/>
+          <p:cNvSpPr txBox="1"/>
+          <p:nvPr/>
+        </p:nvSpPr>
+        <p:spPr>
+          <a:xfrm>
+            <a:off x="13035574" y="2370572"/>
+            <a:ext cx="18289209" cy="1994309"/>
+          </a:xfrm>
+          <a:prstGeom prst="rect">
+            <a:avLst/>
+          </a:prstGeom>
+          <a:noFill/>
+          <a:ln>
+            <a:noFill/>
+          </a:ln>
+        </p:spPr>
+        <p:txBody>
+          <a:bodyPr wrap="square" lIns="329104" tIns="164551" rIns="329104" bIns="164551" numCol="1" rtlCol="0" anchor="ctr">
+            <a:spAutoFit/>
+          </a:bodyPr>
+          <a:lstStyle/>
+          <a:p>
+            <a:pPr algn="r"/>
+            <a:r>
+              <a:rPr lang="en-US" sz="5400" dirty="0" err="1" smtClean="0">
+                <a:solidFill>
+                  <a:srgbClr val="000000"/>
+                </a:solidFill>
+                <a:latin typeface="Helvetica"/>
+                <a:cs typeface="Helvetica"/>
+              </a:rPr>
+              <a:t>sj.sweeney</a:t>
+            </a:r>
+            <a:r>
+              <a:rPr lang="en-US" sz="5400" dirty="0" err="1">
+                <a:solidFill>
+                  <a:srgbClr val="000000"/>
+                </a:solidFill>
+                <a:latin typeface="Helvetica"/>
+                <a:cs typeface="Helvetica"/>
+              </a:rPr>
+              <a:t>@neu.edu</a:t>
+            </a:r>
+            <a:endParaRPr lang="en-US" sz="5400" dirty="0">
+              <a:solidFill>
+                <a:srgbClr val="000000"/>
+              </a:solidFill>
+              <a:latin typeface="Helvetica"/>
+              <a:cs typeface="Helvetica"/>
+            </a:endParaRPr>
+          </a:p>
+          <a:p>
+            <a:pPr algn="r"/>
+            <a:r>
+              <a:rPr lang="en-US" sz="5400" dirty="0">
+                <a:solidFill>
+                  <a:srgbClr val="2B84D2"/>
+                </a:solidFill>
+                <a:latin typeface="Helvetica"/>
+                <a:cs typeface="Helvetica"/>
+              </a:rPr>
+              <a:t>https://</a:t>
+            </a:r>
+            <a:r>
+              <a:rPr lang="en-US" sz="5400" dirty="0" err="1" smtClean="0">
+                <a:solidFill>
+                  <a:srgbClr val="2B84D2"/>
+                </a:solidFill>
+                <a:latin typeface="Helvetica"/>
+                <a:cs typeface="Helvetica"/>
+              </a:rPr>
+              <a:t>repository.library.northeastern.edu</a:t>
+            </a:r>
+            <a:endParaRPr lang="en-US" sz="5400" dirty="0">
+              <a:solidFill>
+                <a:srgbClr val="2B84D2"/>
+              </a:solidFill>
+              <a:latin typeface="Helvetica"/>
+              <a:cs typeface="Helvetica"/>
+            </a:endParaRPr>
+          </a:p>
+        </p:txBody>
+      </p:sp>
+      <p:sp>
+        <p:nvSpPr>
+          <p:cNvPr id="28" name="TextBox 27"/>
+          <p:cNvSpPr txBox="1"/>
+          <p:nvPr/>
+        </p:nvSpPr>
+        <p:spPr>
+          <a:xfrm>
+            <a:off x="914397" y="4593484"/>
+            <a:ext cx="9613902" cy="9659994"/>
+          </a:xfrm>
+          <a:prstGeom prst="rect">
+            <a:avLst/>
+          </a:prstGeom>
+          <a:noFill/>
+          <a:ln w="28575" cmpd="sng">
+            <a:noFill/>
+          </a:ln>
+        </p:spPr>
+        <p:txBody>
+          <a:bodyPr wrap="square" lIns="329104" tIns="164551" rIns="329104" bIns="164551" rtlCol="0">
+            <a:spAutoFit/>
+          </a:bodyPr>
+          <a:lstStyle/>
+          <a:p>
+            <a:pPr algn="just">
+              <a:lnSpc>
+                <a:spcPct val="90000"/>
+              </a:lnSpc>
+            </a:pPr>
+            <a:r>
+              <a:rPr lang="en-US" sz="4400" b="1" dirty="0" smtClean="0">
+                <a:latin typeface="Helvetica"/>
+                <a:cs typeface="Helvetica"/>
+              </a:rPr>
+              <a:t>Introduction</a:t>
+            </a:r>
+          </a:p>
+          <a:p>
+            <a:pPr algn="just">
+              <a:lnSpc>
+                <a:spcPct val="90000"/>
+              </a:lnSpc>
+            </a:pPr>
+            <a:endParaRPr lang="en-US" sz="1400" dirty="0">
+              <a:latin typeface="Helvetica"/>
+              <a:cs typeface="Helvetica"/>
+            </a:endParaRPr>
+          </a:p>
+          <a:p>
+            <a:pPr algn="just">
+              <a:lnSpc>
+                <a:spcPct val="110000"/>
+              </a:lnSpc>
+            </a:pPr>
+            <a:r>
+              <a:rPr lang="en-US" sz="2800" dirty="0" smtClean="0">
+                <a:latin typeface="Helvetica"/>
+                <a:cs typeface="Helvetica"/>
+              </a:rPr>
+              <a:t>    The </a:t>
+            </a:r>
+            <a:r>
+              <a:rPr lang="en-US" sz="2800" dirty="0">
+                <a:latin typeface="Helvetica"/>
+                <a:cs typeface="Helvetica"/>
+              </a:rPr>
+              <a:t>Digital Repository Service (DRS) was designed to store the important digital assets created as part of Northeastern University's mission, including scholarly, administrative, and archival objects. Early on in the development of the DRS we recognized a need to highlight the scholarly content, including research publications, presentations, datasets, and theses and dissertations (ETDs)</a:t>
+            </a:r>
+            <a:r>
+              <a:rPr lang="en-US" sz="2800" dirty="0" smtClean="0">
+                <a:latin typeface="Helvetica"/>
+                <a:cs typeface="Helvetica"/>
+              </a:rPr>
+              <a:t>.</a:t>
+            </a:r>
+          </a:p>
+          <a:p>
+            <a:pPr algn="just">
+              <a:lnSpc>
+                <a:spcPct val="110000"/>
+              </a:lnSpc>
+            </a:pPr>
+            <a:r>
+              <a:rPr lang="en-US" sz="2800" dirty="0">
+                <a:latin typeface="Helvetica"/>
+                <a:cs typeface="Helvetica"/>
+              </a:rPr>
+              <a:t> </a:t>
+            </a:r>
+            <a:r>
+              <a:rPr lang="en-US" sz="2800" dirty="0" smtClean="0">
+                <a:latin typeface="Helvetica"/>
+                <a:cs typeface="Helvetica"/>
+              </a:rPr>
+              <a:t>   Because </a:t>
+            </a:r>
+            <a:r>
+              <a:rPr lang="en-US" sz="2800" dirty="0">
+                <a:latin typeface="Helvetica"/>
+                <a:cs typeface="Helvetica"/>
+              </a:rPr>
+              <a:t>most of the scholarly content would originate from Northeastern faculty, we decided to model the DRS collection structure after the Northeastern University community structure and create relationships between the faculty and their communities. The community structure has not just neatly organized repository content according to the existing Northeastern structure, it has made it easier for the system to leverage the relationships between objects to enhance the discoverability of scholarly content in the repository.</a:t>
+            </a:r>
+            <a:endParaRPr lang="en-US" sz="2800" dirty="0" smtClean="0">
+              <a:latin typeface="Helvetica"/>
+              <a:cs typeface="Helvetica"/>
+            </a:endParaRPr>
+          </a:p>
+        </p:txBody>
+      </p:sp>
+      <p:sp>
+        <p:nvSpPr>
+          <p:cNvPr id="17" name="TextBox 16"/>
+          <p:cNvSpPr txBox="1"/>
+          <p:nvPr/>
+        </p:nvSpPr>
+        <p:spPr>
+          <a:xfrm>
+            <a:off x="2981612" y="16066724"/>
+            <a:ext cx="4196340" cy="1178701"/>
+          </a:xfrm>
+          <a:prstGeom prst="rect">
+            <a:avLst/>
+          </a:prstGeom>
+          <a:solidFill>
+            <a:schemeClr val="bg1"/>
+          </a:solidFill>
+          <a:ln w="28575" cmpd="sng">
+            <a:solidFill>
+              <a:schemeClr val="tx1"/>
+            </a:solidFill>
+          </a:ln>
+        </p:spPr>
+        <p:txBody>
+          <a:bodyPr wrap="square" lIns="329104" tIns="164551" rIns="329104" bIns="164551" rtlCol="0">
+            <a:spAutoFit/>
+          </a:bodyPr>
+          <a:lstStyle/>
+          <a:p>
+            <a:pPr>
+              <a:lnSpc>
+                <a:spcPct val="90000"/>
+              </a:lnSpc>
+            </a:pPr>
+            <a:r>
+              <a:rPr lang="en-US" sz="6000" b="1" dirty="0" smtClean="0">
+                <a:solidFill>
+                  <a:schemeClr val="accent4">
+                    <a:lumMod val="75000"/>
+                  </a:schemeClr>
+                </a:solidFill>
+                <a:latin typeface="Helvetica"/>
+                <a:cs typeface="Helvetica"/>
+              </a:rPr>
+              <a:t>Metadata</a:t>
+            </a:r>
+            <a:endParaRPr lang="en-US" sz="3600" dirty="0">
+              <a:solidFill>
+                <a:schemeClr val="accent4">
+                  <a:lumMod val="75000"/>
+                </a:schemeClr>
+              </a:solidFill>
+              <a:latin typeface="Helvetica"/>
+              <a:cs typeface="Helvetica"/>
+            </a:endParaRPr>
+          </a:p>
+        </p:txBody>
+      </p:sp>
+      <p:sp>
+        <p:nvSpPr>
+          <p:cNvPr id="18" name="TextBox 17"/>
+          <p:cNvSpPr txBox="1"/>
+          <p:nvPr/>
+        </p:nvSpPr>
+        <p:spPr>
+          <a:xfrm>
+            <a:off x="13125149" y="9205683"/>
+            <a:ext cx="6531394" cy="1178701"/>
+          </a:xfrm>
+          <a:prstGeom prst="rect">
+            <a:avLst/>
+          </a:prstGeom>
+          <a:solidFill>
+            <a:schemeClr val="bg1"/>
+          </a:solidFill>
+          <a:ln w="28575" cmpd="sng">
+            <a:solidFill>
+              <a:schemeClr val="tx1"/>
+            </a:solidFill>
+          </a:ln>
+        </p:spPr>
+        <p:txBody>
+          <a:bodyPr wrap="square" lIns="329104" tIns="164551" rIns="329104" bIns="164551" rtlCol="0">
+            <a:spAutoFit/>
+          </a:bodyPr>
+          <a:lstStyle/>
+          <a:p>
+            <a:pPr>
+              <a:lnSpc>
+                <a:spcPct val="90000"/>
+              </a:lnSpc>
+            </a:pPr>
+            <a:r>
+              <a:rPr lang="en-US" sz="6000" b="1" dirty="0" smtClean="0">
+                <a:solidFill>
+                  <a:schemeClr val="accent4">
+                    <a:lumMod val="75000"/>
+                  </a:schemeClr>
+                </a:solidFill>
+                <a:latin typeface="Helvetica"/>
+                <a:cs typeface="Helvetica"/>
+              </a:rPr>
+              <a:t>Sample Graph</a:t>
+            </a:r>
+            <a:endParaRPr lang="en-US" sz="3600" dirty="0">
+              <a:solidFill>
+                <a:schemeClr val="accent4">
+                  <a:lumMod val="75000"/>
+                </a:schemeClr>
+              </a:solidFill>
               <a:latin typeface="Helvetica"/>
               <a:cs typeface="Helvetica"/>
             </a:endParaRPr>
@@ -8906,7 +10231,7 @@
 </p:sld>
 </file>
 
-<file path=ppt/slides/slide2.xml><?xml version="1.0" encoding="utf-8"?>
+<file path=ppt/slides/slide3.xml><?xml version="1.0" encoding="utf-8"?>
 <p:sld xmlns:a="http://schemas.openxmlformats.org/drawingml/2006/main" xmlns:r="http://schemas.openxmlformats.org/officeDocument/2006/relationships" xmlns:p="http://schemas.openxmlformats.org/presentationml/2006/main">
   <p:cSld>
     <p:spTree>
@@ -12824,25 +14149,8 @@
                 <a:latin typeface="Helvetica"/>
                 <a:cs typeface="Helvetica"/>
               </a:rPr>
-              <a:t>Sarah </a:t>
-            </a:r>
-            <a:r>
-              <a:rPr lang="en-US" sz="5400" dirty="0" smtClean="0">
-                <a:solidFill>
-                  <a:srgbClr val="000000"/>
-                </a:solidFill>
-                <a:latin typeface="Helvetica"/>
-                <a:cs typeface="Helvetica"/>
-              </a:rPr>
-              <a:t>Sweeney</a:t>
-            </a:r>
-            <a:endParaRPr lang="en-US" sz="5400" dirty="0" smtClean="0">
-              <a:solidFill>
-                <a:srgbClr val="000000"/>
-              </a:solidFill>
-              <a:latin typeface="Helvetica"/>
-              <a:cs typeface="Helvetica"/>
-            </a:endParaRPr>
+              <a:t>Sarah Sweeney</a:t>
+            </a:r>
           </a:p>
           <a:p>
             <a:r>
@@ -14262,10 +15570,6 @@
               </a:rPr>
               <a:t> </a:t>
             </a:r>
-            <a:endParaRPr lang="en-US" sz="3200" dirty="0">
-              <a:latin typeface="Helvetica"/>
-              <a:cs typeface="Helvetica"/>
-            </a:endParaRPr>
           </a:p>
         </p:txBody>
       </p:sp>
@@ -14289,7 +15593,7 @@
 </p:sld>
 </file>
 
-<file path=ppt/slides/slide3.xml><?xml version="1.0" encoding="utf-8"?>
+<file path=ppt/slides/slide4.xml><?xml version="1.0" encoding="utf-8"?>
 <p:sld xmlns:a="http://schemas.openxmlformats.org/drawingml/2006/main" xmlns:r="http://schemas.openxmlformats.org/officeDocument/2006/relationships" xmlns:p="http://schemas.openxmlformats.org/presentationml/2006/main">
   <p:cSld>
     <p:spTree>

--- a/Presentations/Open Repositories 2015/ORCommunities24x36.pptx
+++ b/Presentations/Open Repositories 2015/ORCommunities24x36.pptx
@@ -195,7 +195,7 @@
           <a:p>
             <a:fld id="{70685992-2584-0D40-9F4F-6E4B59BEC887}" type="datetimeFigureOut">
               <a:rPr lang="en-US" smtClean="0"/>
-              <a:t>5/13/15</a:t>
+              <a:t>5/18/15</a:t>
             </a:fld>
             <a:endParaRPr lang="en-US"/>
           </a:p>
@@ -1043,7 +1043,7 @@
           <a:p>
             <a:fld id="{D968744C-CFB2-7D43-BF8E-20D9B6CB77D5}" type="datetimeFigureOut">
               <a:rPr lang="en-US" smtClean="0"/>
-              <a:t>5/13/15</a:t>
+              <a:t>5/18/15</a:t>
             </a:fld>
             <a:endParaRPr lang="en-US"/>
           </a:p>
@@ -1213,7 +1213,7 @@
           <a:p>
             <a:fld id="{D968744C-CFB2-7D43-BF8E-20D9B6CB77D5}" type="datetimeFigureOut">
               <a:rPr lang="en-US" smtClean="0"/>
-              <a:t>5/13/15</a:t>
+              <a:t>5/18/15</a:t>
             </a:fld>
             <a:endParaRPr lang="en-US"/>
           </a:p>
@@ -1393,7 +1393,7 @@
           <a:p>
             <a:fld id="{D968744C-CFB2-7D43-BF8E-20D9B6CB77D5}" type="datetimeFigureOut">
               <a:rPr lang="en-US" smtClean="0"/>
-              <a:t>5/13/15</a:t>
+              <a:t>5/18/15</a:t>
             </a:fld>
             <a:endParaRPr lang="en-US"/>
           </a:p>
@@ -1563,7 +1563,7 @@
           <a:p>
             <a:fld id="{D968744C-CFB2-7D43-BF8E-20D9B6CB77D5}" type="datetimeFigureOut">
               <a:rPr lang="en-US" smtClean="0"/>
-              <a:t>5/13/15</a:t>
+              <a:t>5/18/15</a:t>
             </a:fld>
             <a:endParaRPr lang="en-US"/>
           </a:p>
@@ -1809,7 +1809,7 @@
           <a:p>
             <a:fld id="{D968744C-CFB2-7D43-BF8E-20D9B6CB77D5}" type="datetimeFigureOut">
               <a:rPr lang="en-US" smtClean="0"/>
-              <a:t>5/13/15</a:t>
+              <a:t>5/18/15</a:t>
             </a:fld>
             <a:endParaRPr lang="en-US"/>
           </a:p>
@@ -2097,7 +2097,7 @@
           <a:p>
             <a:fld id="{D968744C-CFB2-7D43-BF8E-20D9B6CB77D5}" type="datetimeFigureOut">
               <a:rPr lang="en-US" smtClean="0"/>
-              <a:t>5/13/15</a:t>
+              <a:t>5/18/15</a:t>
             </a:fld>
             <a:endParaRPr lang="en-US"/>
           </a:p>
@@ -2519,7 +2519,7 @@
           <a:p>
             <a:fld id="{D968744C-CFB2-7D43-BF8E-20D9B6CB77D5}" type="datetimeFigureOut">
               <a:rPr lang="en-US" smtClean="0"/>
-              <a:t>5/13/15</a:t>
+              <a:t>5/18/15</a:t>
             </a:fld>
             <a:endParaRPr lang="en-US"/>
           </a:p>
@@ -2637,7 +2637,7 @@
           <a:p>
             <a:fld id="{D968744C-CFB2-7D43-BF8E-20D9B6CB77D5}" type="datetimeFigureOut">
               <a:rPr lang="en-US" smtClean="0"/>
-              <a:t>5/13/15</a:t>
+              <a:t>5/18/15</a:t>
             </a:fld>
             <a:endParaRPr lang="en-US"/>
           </a:p>
@@ -2732,7 +2732,7 @@
           <a:p>
             <a:fld id="{D968744C-CFB2-7D43-BF8E-20D9B6CB77D5}" type="datetimeFigureOut">
               <a:rPr lang="en-US" smtClean="0"/>
-              <a:t>5/13/15</a:t>
+              <a:t>5/18/15</a:t>
             </a:fld>
             <a:endParaRPr lang="en-US"/>
           </a:p>
@@ -3009,7 +3009,7 @@
           <a:p>
             <a:fld id="{D968744C-CFB2-7D43-BF8E-20D9B6CB77D5}" type="datetimeFigureOut">
               <a:rPr lang="en-US" smtClean="0"/>
-              <a:t>5/13/15</a:t>
+              <a:t>5/18/15</a:t>
             </a:fld>
             <a:endParaRPr lang="en-US"/>
           </a:p>
@@ -3262,7 +3262,7 @@
           <a:p>
             <a:fld id="{D968744C-CFB2-7D43-BF8E-20D9B6CB77D5}" type="datetimeFigureOut">
               <a:rPr lang="en-US" smtClean="0"/>
-              <a:t>5/13/15</a:t>
+              <a:t>5/18/15</a:t>
             </a:fld>
             <a:endParaRPr lang="en-US"/>
           </a:p>
@@ -3475,7 +3475,7 @@
           <a:p>
             <a:fld id="{D968744C-CFB2-7D43-BF8E-20D9B6CB77D5}" type="datetimeFigureOut">
               <a:rPr lang="en-US" smtClean="0"/>
-              <a:t>5/13/15</a:t>
+              <a:t>5/18/15</a:t>
             </a:fld>
             <a:endParaRPr lang="en-US"/>
           </a:p>
@@ -4813,7 +4813,7 @@
           </a:bodyPr>
           <a:lstStyle/>
           <a:p>
-            <a:pPr algn="just">
+            <a:pPr>
               <a:lnSpc>
                 <a:spcPct val="90000"/>
               </a:lnSpc>
@@ -4823,11 +4823,11 @@
                 <a:latin typeface="Helvetica"/>
                 <a:cs typeface="Helvetica"/>
               </a:rPr>
-              <a:t>Metadata</a:t>
-            </a:r>
-          </a:p>
-          <a:p>
-            <a:pPr algn="just">
+              <a:t>Making the Connection</a:t>
+            </a:r>
+          </a:p>
+          <a:p>
+            <a:pPr>
               <a:lnSpc>
                 <a:spcPct val="90000"/>
               </a:lnSpc>

--- a/Presentations/Open Repositories 2015/ORCommunities24x36.pptx
+++ b/Presentations/Open Repositories 2015/ORCommunities24x36.pptx
@@ -3906,8 +3906,8 @@
         </p:nvSpPr>
         <p:spPr>
           <a:xfrm>
-            <a:off x="10985501" y="20366184"/>
-            <a:ext cx="10637010" cy="4842143"/>
+            <a:off x="10985501" y="20366185"/>
+            <a:ext cx="10637010" cy="4478186"/>
           </a:xfrm>
           <a:prstGeom prst="rect">
             <a:avLst/>
@@ -3952,7 +3952,7 @@
         <p:spPr>
           <a:xfrm>
             <a:off x="21622511" y="21401459"/>
-            <a:ext cx="9165034" cy="3850202"/>
+            <a:ext cx="9165034" cy="3442911"/>
           </a:xfrm>
           <a:prstGeom prst="rect">
             <a:avLst/>
@@ -4385,50 +4385,6 @@
               <a:t>eiusmod</a:t>
             </a:r>
             <a:endParaRPr lang="en-US" sz="2800" dirty="0">
-              <a:latin typeface="Helvetica"/>
-              <a:cs typeface="Helvetica"/>
-            </a:endParaRPr>
-          </a:p>
-          <a:p>
-            <a:pPr>
-              <a:lnSpc>
-                <a:spcPct val="110000"/>
-              </a:lnSpc>
-            </a:pPr>
-            <a:r>
-              <a:rPr lang="en-US" sz="2400" b="1" dirty="0" err="1" smtClean="0">
-                <a:solidFill>
-                  <a:srgbClr val="2B84D2"/>
-                </a:solidFill>
-                <a:latin typeface="Helvetica"/>
-                <a:cs typeface="Helvetica"/>
-              </a:rPr>
-              <a:t>github.com</a:t>
-            </a:r>
-            <a:r>
-              <a:rPr lang="en-US" sz="2400" b="1" dirty="0">
-                <a:solidFill>
-                  <a:srgbClr val="2B84D2"/>
-                </a:solidFill>
-                <a:latin typeface="Helvetica"/>
-                <a:cs typeface="Helvetica"/>
-              </a:rPr>
-              <a:t>/NEU-Libraries/</a:t>
-            </a:r>
-            <a:r>
-              <a:rPr lang="en-US" sz="2400" b="1" dirty="0" err="1">
-                <a:solidFill>
-                  <a:srgbClr val="2B84D2"/>
-                </a:solidFill>
-                <a:latin typeface="Helvetica"/>
-                <a:cs typeface="Helvetica"/>
-              </a:rPr>
-              <a:t>cerberus</a:t>
-            </a:r>
-            <a:endParaRPr lang="en-US" sz="2400" b="1" dirty="0">
-              <a:solidFill>
-                <a:srgbClr val="2B84D2"/>
-              </a:solidFill>
               <a:latin typeface="Helvetica"/>
               <a:cs typeface="Helvetica"/>
             </a:endParaRPr>
@@ -4750,8 +4706,8 @@
         </p:blipFill>
         <p:spPr>
           <a:xfrm>
-            <a:off x="965202" y="14665662"/>
-            <a:ext cx="9563097" cy="10017508"/>
+            <a:off x="965202" y="14665661"/>
+            <a:ext cx="9563097" cy="4326086"/>
           </a:xfrm>
           <a:prstGeom prst="rect">
             <a:avLst/>
@@ -4796,8 +4752,8 @@
         </p:nvSpPr>
         <p:spPr>
           <a:xfrm>
-            <a:off x="10985500" y="20288089"/>
-            <a:ext cx="10637009" cy="4920238"/>
+            <a:off x="965202" y="19448949"/>
+            <a:ext cx="9563097" cy="5394213"/>
           </a:xfrm>
           <a:prstGeom prst="rect">
             <a:avLst/>
@@ -4844,193 +4800,186 @@
               </a:lnSpc>
             </a:pPr>
             <a:r>
-              <a:rPr lang="en-US" sz="2800" dirty="0" err="1">
+              <a:rPr lang="en-US" sz="2800" dirty="0" err="1" smtClean="0">
                 <a:latin typeface="Helvetica"/>
                 <a:cs typeface="Helvetica"/>
               </a:rPr>
               <a:t>Lorem</a:t>
             </a:r>
             <a:r>
-              <a:rPr lang="en-US" sz="2800" dirty="0">
-                <a:latin typeface="Helvetica"/>
-                <a:cs typeface="Helvetica"/>
-              </a:rPr>
-              <a:t> </a:t>
-            </a:r>
-            <a:r>
-              <a:rPr lang="en-US" sz="2800" dirty="0" err="1">
+              <a:rPr lang="en-US" sz="2800" dirty="0" smtClean="0">
+                <a:latin typeface="Helvetica"/>
+                <a:cs typeface="Helvetica"/>
+              </a:rPr>
+              <a:t> </a:t>
+            </a:r>
+            <a:r>
+              <a:rPr lang="en-US" sz="2800" dirty="0" err="1" smtClean="0">
                 <a:latin typeface="Helvetica"/>
                 <a:cs typeface="Helvetica"/>
               </a:rPr>
               <a:t>ipsum</a:t>
             </a:r>
             <a:r>
-              <a:rPr lang="en-US" sz="2800" dirty="0">
+              <a:rPr lang="en-US" sz="2800" dirty="0" smtClean="0">
                 <a:latin typeface="Helvetica"/>
                 <a:cs typeface="Helvetica"/>
               </a:rPr>
               <a:t> dolor sit </a:t>
             </a:r>
             <a:r>
-              <a:rPr lang="en-US" sz="2800" dirty="0" err="1">
+              <a:rPr lang="en-US" sz="2800" dirty="0" err="1" smtClean="0">
                 <a:latin typeface="Helvetica"/>
                 <a:cs typeface="Helvetica"/>
               </a:rPr>
               <a:t>amet</a:t>
             </a:r>
             <a:r>
-              <a:rPr lang="en-US" sz="2800" dirty="0">
+              <a:rPr lang="en-US" sz="2800" dirty="0" smtClean="0">
                 <a:latin typeface="Helvetica"/>
                 <a:cs typeface="Helvetica"/>
               </a:rPr>
               <a:t>, </a:t>
             </a:r>
             <a:r>
-              <a:rPr lang="en-US" sz="2800" dirty="0" err="1">
+              <a:rPr lang="en-US" sz="2800" dirty="0" err="1" smtClean="0">
                 <a:latin typeface="Helvetica"/>
                 <a:cs typeface="Helvetica"/>
               </a:rPr>
               <a:t>consectetur</a:t>
             </a:r>
             <a:r>
-              <a:rPr lang="en-US" sz="2800" dirty="0">
-                <a:latin typeface="Helvetica"/>
-                <a:cs typeface="Helvetica"/>
-              </a:rPr>
-              <a:t> </a:t>
-            </a:r>
-            <a:r>
-              <a:rPr lang="en-US" sz="2800" dirty="0" err="1">
+              <a:rPr lang="en-US" sz="2800" dirty="0" smtClean="0">
+                <a:latin typeface="Helvetica"/>
+                <a:cs typeface="Helvetica"/>
+              </a:rPr>
+              <a:t> </a:t>
+            </a:r>
+            <a:r>
+              <a:rPr lang="en-US" sz="2800" dirty="0" err="1" smtClean="0">
                 <a:latin typeface="Helvetica"/>
                 <a:cs typeface="Helvetica"/>
               </a:rPr>
               <a:t>adipiscing</a:t>
             </a:r>
             <a:r>
-              <a:rPr lang="en-US" sz="2800" dirty="0">
-                <a:latin typeface="Helvetica"/>
-                <a:cs typeface="Helvetica"/>
-              </a:rPr>
-              <a:t> </a:t>
-            </a:r>
-            <a:r>
-              <a:rPr lang="en-US" sz="2800" dirty="0" err="1">
+              <a:rPr lang="en-US" sz="2800" dirty="0" smtClean="0">
+                <a:latin typeface="Helvetica"/>
+                <a:cs typeface="Helvetica"/>
+              </a:rPr>
+              <a:t> </a:t>
+            </a:r>
+            <a:r>
+              <a:rPr lang="en-US" sz="2800" dirty="0" err="1" smtClean="0">
                 <a:latin typeface="Helvetica"/>
                 <a:cs typeface="Helvetica"/>
               </a:rPr>
               <a:t>elit</a:t>
             </a:r>
             <a:r>
-              <a:rPr lang="en-US" sz="2800" dirty="0">
+              <a:rPr lang="en-US" sz="2800" dirty="0" smtClean="0">
                 <a:latin typeface="Helvetica"/>
                 <a:cs typeface="Helvetica"/>
               </a:rPr>
               <a:t>, </a:t>
             </a:r>
             <a:r>
-              <a:rPr lang="en-US" sz="2800" dirty="0" err="1">
+              <a:rPr lang="en-US" sz="2800" dirty="0" err="1" smtClean="0">
                 <a:latin typeface="Helvetica"/>
                 <a:cs typeface="Helvetica"/>
               </a:rPr>
               <a:t>sed</a:t>
             </a:r>
             <a:r>
-              <a:rPr lang="en-US" sz="2800" dirty="0">
+              <a:rPr lang="en-US" sz="2800" dirty="0" smtClean="0">
                 <a:latin typeface="Helvetica"/>
                 <a:cs typeface="Helvetica"/>
               </a:rPr>
               <a:t> do </a:t>
             </a:r>
             <a:r>
-              <a:rPr lang="en-US" sz="2800" dirty="0" err="1">
+              <a:rPr lang="en-US" sz="2800" dirty="0" err="1" smtClean="0">
                 <a:latin typeface="Helvetica"/>
                 <a:cs typeface="Helvetica"/>
               </a:rPr>
               <a:t>eiusmod</a:t>
             </a:r>
             <a:r>
-              <a:rPr lang="en-US" sz="2800" dirty="0">
-                <a:latin typeface="Helvetica"/>
-                <a:cs typeface="Helvetica"/>
-              </a:rPr>
-              <a:t> </a:t>
-            </a:r>
-            <a:r>
-              <a:rPr lang="en-US" sz="2800" dirty="0" err="1">
+              <a:rPr lang="en-US" sz="2800" dirty="0" smtClean="0">
+                <a:latin typeface="Helvetica"/>
+                <a:cs typeface="Helvetica"/>
+              </a:rPr>
+              <a:t> </a:t>
+            </a:r>
+            <a:r>
+              <a:rPr lang="en-US" sz="2800" dirty="0" err="1" smtClean="0">
                 <a:latin typeface="Helvetica"/>
                 <a:cs typeface="Helvetica"/>
               </a:rPr>
               <a:t>tempor</a:t>
             </a:r>
             <a:r>
-              <a:rPr lang="en-US" sz="2800" dirty="0">
-                <a:latin typeface="Helvetica"/>
-                <a:cs typeface="Helvetica"/>
-              </a:rPr>
-              <a:t> </a:t>
-            </a:r>
-            <a:r>
-              <a:rPr lang="en-US" sz="2800" dirty="0" err="1">
+              <a:rPr lang="en-US" sz="2800" dirty="0" smtClean="0">
+                <a:latin typeface="Helvetica"/>
+                <a:cs typeface="Helvetica"/>
+              </a:rPr>
+              <a:t> </a:t>
+            </a:r>
+            <a:r>
+              <a:rPr lang="en-US" sz="2800" dirty="0" err="1" smtClean="0">
                 <a:latin typeface="Helvetica"/>
                 <a:cs typeface="Helvetica"/>
               </a:rPr>
               <a:t>incididunt</a:t>
             </a:r>
             <a:r>
-              <a:rPr lang="en-US" sz="2800" dirty="0">
-                <a:latin typeface="Helvetica"/>
-                <a:cs typeface="Helvetica"/>
-              </a:rPr>
-              <a:t> </a:t>
-            </a:r>
-            <a:r>
-              <a:rPr lang="en-US" sz="2800" dirty="0" err="1">
+              <a:rPr lang="en-US" sz="2800" dirty="0" smtClean="0">
+                <a:latin typeface="Helvetica"/>
+                <a:cs typeface="Helvetica"/>
+              </a:rPr>
+              <a:t> </a:t>
+            </a:r>
+            <a:r>
+              <a:rPr lang="en-US" sz="2800" dirty="0" err="1" smtClean="0">
                 <a:latin typeface="Helvetica"/>
                 <a:cs typeface="Helvetica"/>
               </a:rPr>
               <a:t>ut</a:t>
             </a:r>
             <a:r>
-              <a:rPr lang="en-US" sz="2800" dirty="0">
-                <a:latin typeface="Helvetica"/>
-                <a:cs typeface="Helvetica"/>
-              </a:rPr>
-              <a:t> </a:t>
-            </a:r>
-            <a:r>
-              <a:rPr lang="en-US" sz="2800" dirty="0" err="1">
+              <a:rPr lang="en-US" sz="2800" dirty="0" smtClean="0">
+                <a:latin typeface="Helvetica"/>
+                <a:cs typeface="Helvetica"/>
+              </a:rPr>
+              <a:t> </a:t>
+            </a:r>
+            <a:r>
+              <a:rPr lang="en-US" sz="2800" dirty="0" err="1" smtClean="0">
                 <a:latin typeface="Helvetica"/>
                 <a:cs typeface="Helvetica"/>
               </a:rPr>
               <a:t>labore</a:t>
             </a:r>
             <a:r>
-              <a:rPr lang="en-US" sz="2800" dirty="0">
+              <a:rPr lang="en-US" sz="2800" dirty="0" smtClean="0">
                 <a:latin typeface="Helvetica"/>
                 <a:cs typeface="Helvetica"/>
               </a:rPr>
               <a:t> et </a:t>
             </a:r>
             <a:r>
-              <a:rPr lang="en-US" sz="2800" dirty="0" err="1">
+              <a:rPr lang="en-US" sz="2800" dirty="0" err="1" smtClean="0">
                 <a:latin typeface="Helvetica"/>
                 <a:cs typeface="Helvetica"/>
               </a:rPr>
               <a:t>dolore</a:t>
             </a:r>
             <a:r>
-              <a:rPr lang="en-US" sz="2800" dirty="0">
-                <a:latin typeface="Helvetica"/>
-                <a:cs typeface="Helvetica"/>
-              </a:rPr>
-              <a:t> </a:t>
-            </a:r>
-            <a:r>
-              <a:rPr lang="en-US" sz="2800" dirty="0" smtClean="0">
-                <a:latin typeface="Helvetica"/>
-                <a:cs typeface="Helvetica"/>
-              </a:rPr>
-              <a:t>magna </a:t>
+              <a:rPr lang="en-US" sz="2800" dirty="0" smtClean="0">
+                <a:latin typeface="Helvetica"/>
+                <a:cs typeface="Helvetica"/>
+              </a:rPr>
+              <a:t> magna </a:t>
             </a:r>
             <a:r>
               <a:rPr lang="en-US" sz="2800" dirty="0" err="1" smtClean="0">
@@ -5044,14 +4993,7 @@
                 <a:latin typeface="Helvetica"/>
                 <a:cs typeface="Helvetica"/>
               </a:rPr>
-              <a:t> </a:t>
-            </a:r>
-            <a:r>
-              <a:rPr lang="en-US" sz="2800" dirty="0">
-                <a:latin typeface="Helvetica"/>
-                <a:cs typeface="Helvetica"/>
-              </a:rPr>
-              <a:t>magna </a:t>
+              <a:t> magna </a:t>
             </a:r>
             <a:r>
               <a:rPr lang="en-US" sz="2800" dirty="0" err="1" smtClean="0">
@@ -5061,7 +5003,7 @@
               <a:t>aliqua</a:t>
             </a:r>
             <a:r>
-              <a:rPr lang="en-US" sz="2800" dirty="0">
+              <a:rPr lang="en-US" sz="2800" dirty="0" smtClean="0">
                 <a:latin typeface="Helvetica"/>
                 <a:cs typeface="Helvetica"/>
               </a:rPr>
@@ -5082,56 +5024,56 @@
               <a:t> </a:t>
             </a:r>
             <a:r>
-              <a:rPr lang="en-US" sz="2800" dirty="0" err="1">
+              <a:rPr lang="en-US" sz="2800" dirty="0" err="1" smtClean="0">
                 <a:latin typeface="Helvetica"/>
                 <a:cs typeface="Helvetica"/>
               </a:rPr>
               <a:t>ut</a:t>
             </a:r>
             <a:r>
-              <a:rPr lang="en-US" sz="2800" dirty="0">
-                <a:latin typeface="Helvetica"/>
-                <a:cs typeface="Helvetica"/>
-              </a:rPr>
-              <a:t> </a:t>
-            </a:r>
-            <a:r>
-              <a:rPr lang="en-US" sz="2800" dirty="0" err="1">
+              <a:rPr lang="en-US" sz="2800" dirty="0" smtClean="0">
+                <a:latin typeface="Helvetica"/>
+                <a:cs typeface="Helvetica"/>
+              </a:rPr>
+              <a:t> </a:t>
+            </a:r>
+            <a:r>
+              <a:rPr lang="en-US" sz="2800" dirty="0" err="1" smtClean="0">
                 <a:latin typeface="Helvetica"/>
                 <a:cs typeface="Helvetica"/>
               </a:rPr>
               <a:t>labore</a:t>
             </a:r>
             <a:r>
-              <a:rPr lang="en-US" sz="2800" dirty="0">
+              <a:rPr lang="en-US" sz="2800" dirty="0" smtClean="0">
                 <a:latin typeface="Helvetica"/>
                 <a:cs typeface="Helvetica"/>
               </a:rPr>
               <a:t> et </a:t>
             </a:r>
             <a:r>
-              <a:rPr lang="en-US" sz="2800" dirty="0" err="1">
+              <a:rPr lang="en-US" sz="2800" dirty="0" err="1" smtClean="0">
                 <a:latin typeface="Helvetica"/>
                 <a:cs typeface="Helvetica"/>
               </a:rPr>
               <a:t>dolore</a:t>
             </a:r>
             <a:r>
-              <a:rPr lang="en-US" sz="2800" dirty="0">
+              <a:rPr lang="en-US" sz="2800" dirty="0" smtClean="0">
                 <a:latin typeface="Helvetica"/>
                 <a:cs typeface="Helvetica"/>
               </a:rPr>
               <a:t> magna </a:t>
             </a:r>
             <a:r>
-              <a:rPr lang="en-US" sz="2800" dirty="0" err="1">
+              <a:rPr lang="en-US" sz="2800" dirty="0" err="1" smtClean="0">
                 <a:latin typeface="Helvetica"/>
                 <a:cs typeface="Helvetica"/>
               </a:rPr>
               <a:t>aliqua</a:t>
             </a:r>
             <a:r>
-              <a:rPr lang="en-US" sz="2800" dirty="0">
+              <a:rPr lang="en-US" sz="2800" dirty="0" smtClean="0">
                 <a:latin typeface="Helvetica"/>
                 <a:cs typeface="Helvetica"/>
               </a:rPr>
@@ -5149,14 +5091,7 @@
                 <a:latin typeface="Helvetica"/>
                 <a:cs typeface="Helvetica"/>
               </a:rPr>
-              <a:t> </a:t>
-            </a:r>
-            <a:r>
-              <a:rPr lang="en-US" sz="2800" dirty="0">
-                <a:latin typeface="Helvetica"/>
-                <a:cs typeface="Helvetica"/>
-              </a:rPr>
-              <a:t>magna </a:t>
+              <a:t> magna </a:t>
             </a:r>
             <a:r>
               <a:rPr lang="en-US" sz="2800" dirty="0" err="1" smtClean="0">
@@ -5166,329 +5101,322 @@
               <a:t>aliqua</a:t>
             </a:r>
             <a:r>
-              <a:rPr lang="en-US" sz="2800" dirty="0">
+              <a:rPr lang="en-US" sz="2800" dirty="0" smtClean="0">
                 <a:latin typeface="Helvetica"/>
                 <a:cs typeface="Helvetica"/>
               </a:rPr>
               <a:t>. </a:t>
             </a:r>
             <a:r>
-              <a:rPr lang="en-US" sz="2800" dirty="0" err="1">
+              <a:rPr lang="en-US" sz="2800" dirty="0" err="1" smtClean="0">
                 <a:latin typeface="Helvetica"/>
                 <a:cs typeface="Helvetica"/>
               </a:rPr>
               <a:t>Lorem</a:t>
             </a:r>
             <a:r>
-              <a:rPr lang="en-US" sz="2800" dirty="0">
-                <a:latin typeface="Helvetica"/>
-                <a:cs typeface="Helvetica"/>
-              </a:rPr>
-              <a:t> </a:t>
-            </a:r>
-            <a:r>
-              <a:rPr lang="en-US" sz="2800" dirty="0" err="1">
+              <a:rPr lang="en-US" sz="2800" dirty="0" smtClean="0">
+                <a:latin typeface="Helvetica"/>
+                <a:cs typeface="Helvetica"/>
+              </a:rPr>
+              <a:t> </a:t>
+            </a:r>
+            <a:r>
+              <a:rPr lang="en-US" sz="2800" dirty="0" err="1" smtClean="0">
                 <a:latin typeface="Helvetica"/>
                 <a:cs typeface="Helvetica"/>
               </a:rPr>
               <a:t>ipsum</a:t>
             </a:r>
             <a:r>
-              <a:rPr lang="en-US" sz="2800" dirty="0">
+              <a:rPr lang="en-US" sz="2800" dirty="0" smtClean="0">
                 <a:latin typeface="Helvetica"/>
                 <a:cs typeface="Helvetica"/>
               </a:rPr>
               <a:t> dolor sit </a:t>
             </a:r>
             <a:r>
-              <a:rPr lang="en-US" sz="2800" dirty="0" err="1">
+              <a:rPr lang="en-US" sz="2800" dirty="0" err="1" smtClean="0">
                 <a:latin typeface="Helvetica"/>
                 <a:cs typeface="Helvetica"/>
               </a:rPr>
               <a:t>amet</a:t>
             </a:r>
             <a:r>
-              <a:rPr lang="en-US" sz="2800" dirty="0">
+              <a:rPr lang="en-US" sz="2800" dirty="0" smtClean="0">
                 <a:latin typeface="Helvetica"/>
                 <a:cs typeface="Helvetica"/>
               </a:rPr>
               <a:t>, </a:t>
             </a:r>
             <a:r>
-              <a:rPr lang="en-US" sz="2800" dirty="0" err="1">
+              <a:rPr lang="en-US" sz="2800" dirty="0" err="1" smtClean="0">
                 <a:latin typeface="Helvetica"/>
                 <a:cs typeface="Helvetica"/>
               </a:rPr>
               <a:t>consectetur</a:t>
             </a:r>
             <a:r>
-              <a:rPr lang="en-US" sz="2800" dirty="0">
-                <a:latin typeface="Helvetica"/>
-                <a:cs typeface="Helvetica"/>
-              </a:rPr>
-              <a:t> </a:t>
-            </a:r>
-            <a:r>
-              <a:rPr lang="en-US" sz="2800" dirty="0" err="1">
+              <a:rPr lang="en-US" sz="2800" dirty="0" smtClean="0">
+                <a:latin typeface="Helvetica"/>
+                <a:cs typeface="Helvetica"/>
+              </a:rPr>
+              <a:t> </a:t>
+            </a:r>
+            <a:r>
+              <a:rPr lang="en-US" sz="2800" dirty="0" err="1" smtClean="0">
                 <a:latin typeface="Helvetica"/>
                 <a:cs typeface="Helvetica"/>
               </a:rPr>
               <a:t>adipiscing</a:t>
             </a:r>
             <a:r>
-              <a:rPr lang="en-US" sz="2800" dirty="0">
-                <a:latin typeface="Helvetica"/>
-                <a:cs typeface="Helvetica"/>
-              </a:rPr>
-              <a:t> </a:t>
-            </a:r>
-            <a:r>
-              <a:rPr lang="en-US" sz="2800" dirty="0" err="1">
+              <a:rPr lang="en-US" sz="2800" dirty="0" smtClean="0">
+                <a:latin typeface="Helvetica"/>
+                <a:cs typeface="Helvetica"/>
+              </a:rPr>
+              <a:t> </a:t>
+            </a:r>
+            <a:r>
+              <a:rPr lang="en-US" sz="2800" dirty="0" err="1" smtClean="0">
                 <a:latin typeface="Helvetica"/>
                 <a:cs typeface="Helvetica"/>
               </a:rPr>
               <a:t>elit</a:t>
             </a:r>
             <a:r>
-              <a:rPr lang="en-US" sz="2800" dirty="0">
+              <a:rPr lang="en-US" sz="2800" dirty="0" smtClean="0">
                 <a:latin typeface="Helvetica"/>
                 <a:cs typeface="Helvetica"/>
               </a:rPr>
               <a:t>, </a:t>
             </a:r>
             <a:r>
-              <a:rPr lang="en-US" sz="2800" dirty="0" err="1">
+              <a:rPr lang="en-US" sz="2800" dirty="0" err="1" smtClean="0">
                 <a:latin typeface="Helvetica"/>
                 <a:cs typeface="Helvetica"/>
               </a:rPr>
               <a:t>sed</a:t>
             </a:r>
             <a:r>
-              <a:rPr lang="en-US" sz="2800" dirty="0">
+              <a:rPr lang="en-US" sz="2800" dirty="0" smtClean="0">
                 <a:latin typeface="Helvetica"/>
                 <a:cs typeface="Helvetica"/>
               </a:rPr>
               <a:t> do </a:t>
             </a:r>
             <a:r>
-              <a:rPr lang="en-US" sz="2800" dirty="0" err="1">
+              <a:rPr lang="en-US" sz="2800" dirty="0" err="1" smtClean="0">
                 <a:latin typeface="Helvetica"/>
                 <a:cs typeface="Helvetica"/>
               </a:rPr>
               <a:t>eiusmod</a:t>
             </a:r>
             <a:r>
-              <a:rPr lang="en-US" sz="2800" dirty="0">
-                <a:latin typeface="Helvetica"/>
-                <a:cs typeface="Helvetica"/>
-              </a:rPr>
-              <a:t> </a:t>
-            </a:r>
-            <a:r>
-              <a:rPr lang="en-US" sz="2800" dirty="0" err="1">
+              <a:rPr lang="en-US" sz="2800" dirty="0" smtClean="0">
+                <a:latin typeface="Helvetica"/>
+                <a:cs typeface="Helvetica"/>
+              </a:rPr>
+              <a:t> </a:t>
+            </a:r>
+            <a:r>
+              <a:rPr lang="en-US" sz="2800" dirty="0" err="1" smtClean="0">
                 <a:latin typeface="Helvetica"/>
                 <a:cs typeface="Helvetica"/>
               </a:rPr>
               <a:t>tempor</a:t>
             </a:r>
             <a:r>
-              <a:rPr lang="en-US" sz="2800" dirty="0">
-                <a:latin typeface="Helvetica"/>
-                <a:cs typeface="Helvetica"/>
-              </a:rPr>
-              <a:t> </a:t>
-            </a:r>
-            <a:r>
-              <a:rPr lang="en-US" sz="2800" dirty="0" err="1">
+              <a:rPr lang="en-US" sz="2800" dirty="0" smtClean="0">
+                <a:latin typeface="Helvetica"/>
+                <a:cs typeface="Helvetica"/>
+              </a:rPr>
+              <a:t> </a:t>
+            </a:r>
+            <a:r>
+              <a:rPr lang="en-US" sz="2800" dirty="0" err="1" smtClean="0">
                 <a:latin typeface="Helvetica"/>
                 <a:cs typeface="Helvetica"/>
               </a:rPr>
               <a:t>incididunt</a:t>
             </a:r>
             <a:r>
-              <a:rPr lang="en-US" sz="2800" dirty="0">
-                <a:latin typeface="Helvetica"/>
-                <a:cs typeface="Helvetica"/>
-              </a:rPr>
-              <a:t> </a:t>
-            </a:r>
-            <a:r>
-              <a:rPr lang="en-US" sz="2800" dirty="0" err="1">
+              <a:rPr lang="en-US" sz="2800" dirty="0" smtClean="0">
+                <a:latin typeface="Helvetica"/>
+                <a:cs typeface="Helvetica"/>
+              </a:rPr>
+              <a:t> </a:t>
+            </a:r>
+            <a:r>
+              <a:rPr lang="en-US" sz="2800" dirty="0" err="1" smtClean="0">
                 <a:latin typeface="Helvetica"/>
                 <a:cs typeface="Helvetica"/>
               </a:rPr>
               <a:t>ut</a:t>
             </a:r>
             <a:r>
-              <a:rPr lang="en-US" sz="2800" dirty="0">
-                <a:latin typeface="Helvetica"/>
-                <a:cs typeface="Helvetica"/>
-              </a:rPr>
-              <a:t> </a:t>
-            </a:r>
-            <a:r>
-              <a:rPr lang="en-US" sz="2800" dirty="0" err="1">
+              <a:rPr lang="en-US" sz="2800" dirty="0" smtClean="0">
+                <a:latin typeface="Helvetica"/>
+                <a:cs typeface="Helvetica"/>
+              </a:rPr>
+              <a:t> </a:t>
+            </a:r>
+            <a:r>
+              <a:rPr lang="en-US" sz="2800" dirty="0" err="1" smtClean="0">
                 <a:latin typeface="Helvetica"/>
                 <a:cs typeface="Helvetica"/>
               </a:rPr>
               <a:t>labore</a:t>
             </a:r>
             <a:r>
-              <a:rPr lang="en-US" sz="2800" dirty="0">
+              <a:rPr lang="en-US" sz="2800" dirty="0" smtClean="0">
                 <a:latin typeface="Helvetica"/>
                 <a:cs typeface="Helvetica"/>
               </a:rPr>
               <a:t> et </a:t>
             </a:r>
             <a:r>
-              <a:rPr lang="en-US" sz="2800" dirty="0" err="1">
+              <a:rPr lang="en-US" sz="2800" dirty="0" err="1" smtClean="0">
                 <a:latin typeface="Helvetica"/>
                 <a:cs typeface="Helvetica"/>
               </a:rPr>
               <a:t>dolore</a:t>
             </a:r>
             <a:r>
-              <a:rPr lang="en-US" sz="2800" dirty="0">
+              <a:rPr lang="en-US" sz="2800" dirty="0" smtClean="0">
                 <a:latin typeface="Helvetica"/>
                 <a:cs typeface="Helvetica"/>
               </a:rPr>
               <a:t> magna </a:t>
             </a:r>
             <a:r>
-              <a:rPr lang="en-US" sz="2800" dirty="0" err="1">
+              <a:rPr lang="en-US" sz="2800" dirty="0" err="1" smtClean="0">
                 <a:latin typeface="Helvetica"/>
                 <a:cs typeface="Helvetica"/>
               </a:rPr>
               <a:t>aliqua</a:t>
             </a:r>
             <a:r>
-              <a:rPr lang="en-US" sz="2800" dirty="0">
+              <a:rPr lang="en-US" sz="2800" dirty="0" smtClean="0">
                 <a:latin typeface="Helvetica"/>
                 <a:cs typeface="Helvetica"/>
               </a:rPr>
               <a:t> magna </a:t>
             </a:r>
             <a:r>
-              <a:rPr lang="en-US" sz="2800" dirty="0" err="1">
+              <a:rPr lang="en-US" sz="2800" dirty="0" err="1" smtClean="0">
                 <a:latin typeface="Helvetica"/>
                 <a:cs typeface="Helvetica"/>
               </a:rPr>
               <a:t>aliqua</a:t>
             </a:r>
             <a:r>
-              <a:rPr lang="en-US" sz="2800" dirty="0">
-                <a:latin typeface="Helvetica"/>
-                <a:cs typeface="Helvetica"/>
-              </a:rPr>
-              <a:t> </a:t>
-            </a:r>
-            <a:r>
-              <a:rPr lang="en-US" sz="2800" dirty="0" err="1">
+              <a:rPr lang="en-US" sz="2800" dirty="0" smtClean="0">
+                <a:latin typeface="Helvetica"/>
+                <a:cs typeface="Helvetica"/>
+              </a:rPr>
+              <a:t> </a:t>
+            </a:r>
+            <a:r>
+              <a:rPr lang="en-US" sz="2800" dirty="0" err="1" smtClean="0">
                 <a:latin typeface="Helvetica"/>
                 <a:cs typeface="Helvetica"/>
               </a:rPr>
               <a:t>incididunt</a:t>
             </a:r>
             <a:r>
-              <a:rPr lang="en-US" sz="2800" dirty="0">
-                <a:latin typeface="Helvetica"/>
-                <a:cs typeface="Helvetica"/>
-              </a:rPr>
-              <a:t> </a:t>
-            </a:r>
-            <a:r>
-              <a:rPr lang="en-US" sz="2800" dirty="0" err="1">
+              <a:rPr lang="en-US" sz="2800" dirty="0" smtClean="0">
+                <a:latin typeface="Helvetica"/>
+                <a:cs typeface="Helvetica"/>
+              </a:rPr>
+              <a:t> </a:t>
+            </a:r>
+            <a:r>
+              <a:rPr lang="en-US" sz="2800" dirty="0" err="1" smtClean="0">
                 <a:latin typeface="Helvetica"/>
                 <a:cs typeface="Helvetica"/>
               </a:rPr>
               <a:t>ut</a:t>
             </a:r>
             <a:r>
-              <a:rPr lang="en-US" sz="2800" dirty="0">
-                <a:latin typeface="Helvetica"/>
-                <a:cs typeface="Helvetica"/>
-              </a:rPr>
-              <a:t> </a:t>
-            </a:r>
-            <a:r>
-              <a:rPr lang="en-US" sz="2800" dirty="0" err="1">
+              <a:rPr lang="en-US" sz="2800" dirty="0" smtClean="0">
+                <a:latin typeface="Helvetica"/>
+                <a:cs typeface="Helvetica"/>
+              </a:rPr>
+              <a:t> </a:t>
+            </a:r>
+            <a:r>
+              <a:rPr lang="en-US" sz="2800" dirty="0" err="1" smtClean="0">
                 <a:latin typeface="Helvetica"/>
                 <a:cs typeface="Helvetica"/>
               </a:rPr>
               <a:t>labore</a:t>
             </a:r>
             <a:r>
-              <a:rPr lang="en-US" sz="2800" dirty="0">
+              <a:rPr lang="en-US" sz="2800" dirty="0" smtClean="0">
                 <a:latin typeface="Helvetica"/>
                 <a:cs typeface="Helvetica"/>
               </a:rPr>
               <a:t> et </a:t>
             </a:r>
             <a:r>
-              <a:rPr lang="en-US" sz="2800" dirty="0" err="1">
+              <a:rPr lang="en-US" sz="2800" dirty="0" err="1" smtClean="0">
                 <a:latin typeface="Helvetica"/>
                 <a:cs typeface="Helvetica"/>
               </a:rPr>
               <a:t>dolore</a:t>
             </a:r>
             <a:r>
-              <a:rPr lang="en-US" sz="2800" dirty="0">
-                <a:latin typeface="Helvetica"/>
-                <a:cs typeface="Helvetica"/>
-              </a:rPr>
-              <a:t> </a:t>
-            </a:r>
-            <a:r>
-              <a:rPr lang="en-US" sz="2800" dirty="0" smtClean="0">
-                <a:latin typeface="Helvetica"/>
-                <a:cs typeface="Helvetica"/>
-              </a:rPr>
-              <a:t>magna. </a:t>
-            </a:r>
-            <a:r>
-              <a:rPr lang="en-US" sz="2800" dirty="0" err="1">
+              <a:rPr lang="en-US" sz="2800" dirty="0" smtClean="0">
+                <a:latin typeface="Helvetica"/>
+                <a:cs typeface="Helvetica"/>
+              </a:rPr>
+              <a:t> magna. </a:t>
+            </a:r>
+            <a:r>
+              <a:rPr lang="en-US" sz="2800" dirty="0" err="1" smtClean="0">
                 <a:latin typeface="Helvetica"/>
                 <a:cs typeface="Helvetica"/>
               </a:rPr>
               <a:t>Lorem</a:t>
             </a:r>
             <a:r>
-              <a:rPr lang="en-US" sz="2800" dirty="0">
-                <a:latin typeface="Helvetica"/>
-                <a:cs typeface="Helvetica"/>
-              </a:rPr>
-              <a:t> </a:t>
-            </a:r>
-            <a:r>
-              <a:rPr lang="en-US" sz="2800" dirty="0" err="1">
+              <a:rPr lang="en-US" sz="2800" dirty="0" smtClean="0">
+                <a:latin typeface="Helvetica"/>
+                <a:cs typeface="Helvetica"/>
+              </a:rPr>
+              <a:t> </a:t>
+            </a:r>
+            <a:r>
+              <a:rPr lang="en-US" sz="2800" dirty="0" err="1" smtClean="0">
                 <a:latin typeface="Helvetica"/>
                 <a:cs typeface="Helvetica"/>
               </a:rPr>
               <a:t>ipsum</a:t>
             </a:r>
             <a:r>
-              <a:rPr lang="en-US" sz="2800" dirty="0">
+              <a:rPr lang="en-US" sz="2800" dirty="0" smtClean="0">
                 <a:latin typeface="Helvetica"/>
                 <a:cs typeface="Helvetica"/>
               </a:rPr>
               <a:t> dolor sit </a:t>
             </a:r>
             <a:r>
-              <a:rPr lang="en-US" sz="2800" dirty="0" err="1">
+              <a:rPr lang="en-US" sz="2800" dirty="0" err="1" smtClean="0">
                 <a:latin typeface="Helvetica"/>
                 <a:cs typeface="Helvetica"/>
               </a:rPr>
               <a:t>amet</a:t>
             </a:r>
             <a:r>
-              <a:rPr lang="en-US" sz="2800" dirty="0">
+              <a:rPr lang="en-US" sz="2800" dirty="0" smtClean="0">
                 <a:latin typeface="Helvetica"/>
                 <a:cs typeface="Helvetica"/>
               </a:rPr>
               <a:t>, </a:t>
             </a:r>
             <a:r>
-              <a:rPr lang="en-US" sz="2800" dirty="0" err="1">
+              <a:rPr lang="en-US" sz="2800" dirty="0" err="1" smtClean="0">
                 <a:latin typeface="Helvetica"/>
                 <a:cs typeface="Helvetica"/>
               </a:rPr>
@@ -5506,6 +5434,62 @@
                 <a:latin typeface="Helvetica"/>
                 <a:cs typeface="Helvetica"/>
               </a:rPr>
+              <a:t>Lorem</a:t>
+            </a:r>
+            <a:r>
+              <a:rPr lang="en-US" sz="2800" dirty="0">
+                <a:latin typeface="Helvetica"/>
+                <a:cs typeface="Helvetica"/>
+              </a:rPr>
+              <a:t> </a:t>
+            </a:r>
+            <a:r>
+              <a:rPr lang="en-US" sz="2800" dirty="0" err="1">
+                <a:latin typeface="Helvetica"/>
+                <a:cs typeface="Helvetica"/>
+              </a:rPr>
+              <a:t>ipsum</a:t>
+            </a:r>
+            <a:r>
+              <a:rPr lang="en-US" sz="2800" dirty="0">
+                <a:latin typeface="Helvetica"/>
+                <a:cs typeface="Helvetica"/>
+              </a:rPr>
+              <a:t> dolor sit </a:t>
+            </a:r>
+            <a:r>
+              <a:rPr lang="en-US" sz="2800" dirty="0" err="1">
+                <a:latin typeface="Helvetica"/>
+                <a:cs typeface="Helvetica"/>
+              </a:rPr>
+              <a:t>amet</a:t>
+            </a:r>
+            <a:r>
+              <a:rPr lang="en-US" sz="2800" dirty="0">
+                <a:latin typeface="Helvetica"/>
+                <a:cs typeface="Helvetica"/>
+              </a:rPr>
+              <a:t>, </a:t>
+            </a:r>
+            <a:r>
+              <a:rPr lang="en-US" sz="2800" dirty="0" err="1">
+                <a:latin typeface="Helvetica"/>
+                <a:cs typeface="Helvetica"/>
+              </a:rPr>
+              <a:t>consectetur</a:t>
+            </a:r>
+            <a:r>
+              <a:rPr lang="en-US" sz="2800" dirty="0">
+                <a:latin typeface="Helvetica"/>
+                <a:cs typeface="Helvetica"/>
+              </a:rPr>
+              <a:t> </a:t>
+            </a:r>
+            <a:r>
+              <a:rPr lang="en-US" sz="2800" dirty="0" err="1">
+                <a:latin typeface="Helvetica"/>
+                <a:cs typeface="Helvetica"/>
+              </a:rPr>
               <a:t>adipiscing</a:t>
             </a:r>
             <a:r>
@@ -5541,42 +5525,14 @@
                 <a:latin typeface="Helvetica"/>
                 <a:cs typeface="Helvetica"/>
               </a:rPr>
-              <a:t> do </a:t>
-            </a:r>
-            <a:r>
-              <a:rPr lang="en-US" sz="2800" dirty="0" err="1">
-                <a:latin typeface="Helvetica"/>
-                <a:cs typeface="Helvetica"/>
-              </a:rPr>
-              <a:t>eiusmod</a:t>
-            </a:r>
-            <a:r>
-              <a:rPr lang="en-US" sz="2800" dirty="0">
-                <a:latin typeface="Helvetica"/>
-                <a:cs typeface="Helvetica"/>
-              </a:rPr>
-              <a:t> </a:t>
-            </a:r>
-            <a:r>
-              <a:rPr lang="en-US" sz="2800" dirty="0" err="1" smtClean="0">
-                <a:latin typeface="Helvetica"/>
-                <a:cs typeface="Helvetica"/>
-              </a:rPr>
-              <a:t>tempor</a:t>
-            </a:r>
-            <a:r>
-              <a:rPr lang="en-US" sz="2800" dirty="0">
-                <a:latin typeface="Helvetica"/>
-                <a:cs typeface="Helvetica"/>
-              </a:rPr>
-              <a:t> </a:t>
-            </a:r>
-            <a:r>
-              <a:rPr lang="en-US" sz="2800" dirty="0" err="1" smtClean="0">
-                <a:latin typeface="Helvetica"/>
-                <a:cs typeface="Helvetica"/>
-              </a:rPr>
-              <a:t>aliqua</a:t>
+              <a:t> </a:t>
+            </a:r>
+            <a:r>
+              <a:rPr lang="en-US" sz="2800" dirty="0" smtClean="0">
+                <a:latin typeface="Helvetica"/>
+                <a:cs typeface="Helvetica"/>
+              </a:rPr>
+              <a:t>do</a:t>
             </a:r>
             <a:endParaRPr lang="en-US" sz="2800" dirty="0">
               <a:latin typeface="Helvetica"/>
@@ -6088,64 +6044,6 @@
               <a:t>most of the scholarly content would originate from Northeastern faculty, we decided to model the DRS collection structure after the Northeastern University community structure and create relationships between the faculty and their communities. The community structure has not just neatly organized repository content according to the existing Northeastern structure, it has made it easier for the system to leverage the relationships between objects to enhance the discoverability of scholarly content in the repository.</a:t>
             </a:r>
             <a:endParaRPr lang="en-US" sz="2800" dirty="0" smtClean="0">
-              <a:latin typeface="Helvetica"/>
-              <a:cs typeface="Helvetica"/>
-            </a:endParaRPr>
-          </a:p>
-        </p:txBody>
-      </p:sp>
-      <p:sp>
-        <p:nvSpPr>
-          <p:cNvPr id="17" name="TextBox 16"/>
-          <p:cNvSpPr txBox="1"/>
-          <p:nvPr/>
-        </p:nvSpPr>
-        <p:spPr>
-          <a:xfrm>
-            <a:off x="2981612" y="16066724"/>
-            <a:ext cx="4196340" cy="1178701"/>
-          </a:xfrm>
-          <a:prstGeom prst="rect">
-            <a:avLst/>
-          </a:prstGeom>
-          <a:solidFill>
-            <a:schemeClr val="bg1"/>
-          </a:solidFill>
-          <a:ln w="28575" cmpd="sng">
-            <a:solidFill>
-              <a:schemeClr val="tx1"/>
-            </a:solidFill>
-          </a:ln>
-        </p:spPr>
-        <p:txBody>
-          <a:bodyPr wrap="square" lIns="329104" tIns="164551" rIns="329104" bIns="164551" rtlCol="0">
-            <a:spAutoFit/>
-          </a:bodyPr>
-          <a:lstStyle/>
-          <a:p>
-            <a:pPr>
-              <a:lnSpc>
-                <a:spcPct val="90000"/>
-              </a:lnSpc>
-            </a:pPr>
-            <a:r>
-              <a:rPr lang="en-US" sz="6000" b="1" dirty="0" smtClean="0">
-                <a:solidFill>
-                  <a:schemeClr val="accent4">
-                    <a:lumMod val="75000"/>
-                  </a:schemeClr>
-                </a:solidFill>
-                <a:latin typeface="Helvetica"/>
-                <a:cs typeface="Helvetica"/>
-              </a:rPr>
-              <a:t>Metadata</a:t>
-            </a:r>
-            <a:endParaRPr lang="en-US" sz="3600" dirty="0">
-              <a:solidFill>
-                <a:schemeClr val="accent4">
-                  <a:lumMod val="75000"/>
-                </a:schemeClr>
-              </a:solidFill>
               <a:latin typeface="Helvetica"/>
               <a:cs typeface="Helvetica"/>
             </a:endParaRPr>
